--- a/doc/8_Monitorizacion_logging_microservicios.pptx
+++ b/doc/8_Monitorizacion_logging_microservicios.pptx
@@ -5,20 +5,33 @@
     <p:sldMasterId id="2147483648" r:id="rId1"/>
   </p:sldMasterIdLst>
   <p:notesMasterIdLst>
-    <p:notesMasterId r:id="rId13"/>
+    <p:notesMasterId r:id="rId26"/>
   </p:notesMasterIdLst>
   <p:sldIdLst>
     <p:sldId id="256" r:id="rId2"/>
     <p:sldId id="257" r:id="rId3"/>
     <p:sldId id="291" r:id="rId4"/>
-    <p:sldId id="292" r:id="rId5"/>
-    <p:sldId id="290" r:id="rId6"/>
-    <p:sldId id="289" r:id="rId7"/>
-    <p:sldId id="268" r:id="rId8"/>
-    <p:sldId id="269" r:id="rId9"/>
-    <p:sldId id="286" r:id="rId10"/>
-    <p:sldId id="287" r:id="rId11"/>
-    <p:sldId id="288" r:id="rId12"/>
+    <p:sldId id="267" r:id="rId5"/>
+    <p:sldId id="293" r:id="rId6"/>
+    <p:sldId id="271" r:id="rId7"/>
+    <p:sldId id="273" r:id="rId8"/>
+    <p:sldId id="274" r:id="rId9"/>
+    <p:sldId id="275" r:id="rId10"/>
+    <p:sldId id="280" r:id="rId11"/>
+    <p:sldId id="270" r:id="rId12"/>
+    <p:sldId id="272" r:id="rId13"/>
+    <p:sldId id="276" r:id="rId14"/>
+    <p:sldId id="277" r:id="rId15"/>
+    <p:sldId id="278" r:id="rId16"/>
+    <p:sldId id="279" r:id="rId17"/>
+    <p:sldId id="292" r:id="rId18"/>
+    <p:sldId id="290" r:id="rId19"/>
+    <p:sldId id="289" r:id="rId20"/>
+    <p:sldId id="268" r:id="rId21"/>
+    <p:sldId id="269" r:id="rId22"/>
+    <p:sldId id="286" r:id="rId23"/>
+    <p:sldId id="287" r:id="rId24"/>
+    <p:sldId id="288" r:id="rId25"/>
   </p:sldIdLst>
   <p:sldSz cx="12192000" cy="6858000"/>
   <p:notesSz cx="6858000" cy="9144000"/>
@@ -3768,7 +3781,7 @@
           <p:cNvPr id="2" name="Título 1">
             <a:extLst>
               <a:ext uri="{FF2B5EF4-FFF2-40B4-BE49-F238E27FC236}">
-                <a16:creationId xmlns:a16="http://schemas.microsoft.com/office/drawing/2014/main" id="{F445FB2C-AD04-14DF-FC7D-9A9BCB11613F}"/>
+                <a16:creationId xmlns:a16="http://schemas.microsoft.com/office/drawing/2014/main" id="{CE14B477-F14C-4816-6B18-9334E2BC8944}"/>
               </a:ext>
             </a:extLst>
           </p:cNvPr>
@@ -3786,7 +3799,7 @@
           <a:p>
             <a:r>
               <a:rPr lang="es-ES" dirty="0"/>
-              <a:t>Instalación en Docker</a:t>
+              <a:t>Limitar el espacio</a:t>
             </a:r>
           </a:p>
         </p:txBody>
@@ -3796,7 +3809,7 @@
           <p:cNvPr id="3" name="Marcador de contenido 2">
             <a:extLst>
               <a:ext uri="{FF2B5EF4-FFF2-40B4-BE49-F238E27FC236}">
-                <a16:creationId xmlns:a16="http://schemas.microsoft.com/office/drawing/2014/main" id="{AC06CB6A-3ADE-ACA9-332A-44B67F3CDCEA}"/>
+                <a16:creationId xmlns:a16="http://schemas.microsoft.com/office/drawing/2014/main" id="{204BDFD4-5792-E80C-377D-D1CD209247DF}"/>
               </a:ext>
             </a:extLst>
           </p:cNvPr>
@@ -3809,144 +3822,41 @@
         </p:nvSpPr>
         <p:spPr/>
         <p:txBody>
-          <a:bodyPr>
-            <a:normAutofit/>
-          </a:bodyPr>
-          <a:lstStyle/>
-          <a:p>
-            <a:r>
-              <a:rPr lang="en-US" b="1" dirty="0" err="1"/>
-              <a:t>Fluentd</a:t>
-            </a:r>
-            <a:endParaRPr lang="en-US" b="1" dirty="0"/>
-          </a:p>
-          <a:p>
-            <a:pPr marL="457200" lvl="1" indent="0">
-              <a:buNone/>
-            </a:pPr>
-            <a:r>
-              <a:rPr lang="en-US" dirty="0"/>
-              <a:t>docker run -d -p 24224:24224 -p 24224:24224/</a:t>
-            </a:r>
-            <a:r>
-              <a:rPr lang="en-US" dirty="0" err="1"/>
-              <a:t>udp</a:t>
-            </a:r>
-            <a:r>
-              <a:rPr lang="en-US" dirty="0"/>
-              <a:t> \</a:t>
-            </a:r>
-          </a:p>
-          <a:p>
-            <a:pPr marL="457200" lvl="1" indent="0">
-              <a:buNone/>
-            </a:pPr>
-            <a:r>
-              <a:rPr lang="en-US" dirty="0"/>
-              <a:t>  -v /path/to/</a:t>
-            </a:r>
-            <a:r>
-              <a:rPr lang="en-US" dirty="0" err="1"/>
-              <a:t>fluent.conf</a:t>
-            </a:r>
-            <a:r>
-              <a:rPr lang="en-US" dirty="0"/>
-              <a:t>:/</a:t>
-            </a:r>
-            <a:r>
-              <a:rPr lang="en-US" dirty="0" err="1"/>
-              <a:t>fluentd</a:t>
-            </a:r>
-            <a:r>
-              <a:rPr lang="en-US" dirty="0"/>
-              <a:t>/</a:t>
-            </a:r>
-            <a:r>
-              <a:rPr lang="en-US" dirty="0" err="1"/>
-              <a:t>etc</a:t>
-            </a:r>
-            <a:r>
-              <a:rPr lang="en-US" dirty="0"/>
-              <a:t>/</a:t>
-            </a:r>
-            <a:r>
-              <a:rPr lang="en-US" dirty="0" err="1"/>
-              <a:t>fluent.conf</a:t>
-            </a:r>
-            <a:r>
-              <a:rPr lang="en-US" dirty="0"/>
-              <a:t> \</a:t>
-            </a:r>
-          </a:p>
-          <a:p>
-            <a:pPr marL="457200" lvl="1" indent="0">
-              <a:buNone/>
-            </a:pPr>
-            <a:r>
-              <a:rPr lang="en-US" dirty="0"/>
-              <a:t>  fluent/</a:t>
-            </a:r>
-            <a:r>
-              <a:rPr lang="en-US" dirty="0" err="1"/>
-              <a:t>fluentd</a:t>
-            </a:r>
-            <a:endParaRPr lang="en-US" dirty="0"/>
-          </a:p>
-          <a:p>
-            <a:endParaRPr lang="en-US" dirty="0"/>
-          </a:p>
-          <a:p>
-            <a:r>
-              <a:rPr lang="en-US" b="1" dirty="0"/>
-              <a:t>Elasticsearch</a:t>
-            </a:r>
-          </a:p>
-          <a:p>
-            <a:pPr marL="457200" lvl="1" indent="0">
-              <a:buNone/>
-            </a:pPr>
-            <a:r>
-              <a:rPr lang="en-US" dirty="0"/>
-              <a:t>docker run -d -p 9200:9200 -p 9300:9300 \</a:t>
-            </a:r>
-          </a:p>
-          <a:p>
-            <a:pPr marL="457200" lvl="1" indent="0">
-              <a:buNone/>
-            </a:pPr>
-            <a:r>
-              <a:rPr lang="en-US" dirty="0"/>
-              <a:t>  -e "</a:t>
-            </a:r>
-            <a:r>
-              <a:rPr lang="en-US" dirty="0" err="1"/>
-              <a:t>discovery.type</a:t>
-            </a:r>
-            <a:r>
-              <a:rPr lang="en-US" dirty="0"/>
-              <a:t>=single-node" \</a:t>
-            </a:r>
-          </a:p>
-          <a:p>
-            <a:pPr marL="457200" lvl="1" indent="0">
-              <a:buNone/>
-            </a:pPr>
-            <a:r>
-              <a:rPr lang="en-US" dirty="0"/>
-              <a:t>  elasticsearch:8.12.0</a:t>
-            </a:r>
-          </a:p>
-          <a:p>
-            <a:endParaRPr lang="en-US" dirty="0"/>
-          </a:p>
-          <a:p>
-            <a:endParaRPr lang="en-US" dirty="0"/>
-          </a:p>
-          <a:p>
-            <a:endParaRPr lang="en-US" dirty="0"/>
-          </a:p>
-          <a:p>
-            <a:endParaRPr lang="es-ES" dirty="0"/>
+          <a:bodyPr/>
+          <a:lstStyle/>
+          <a:p>
+            <a:r>
+              <a:rPr lang="es-ES" dirty="0"/>
+              <a:t>--</a:t>
+            </a:r>
+            <a:r>
+              <a:rPr lang="es-ES" dirty="0" err="1"/>
+              <a:t>storage.tsdb.retention.time</a:t>
+            </a:r>
+            <a:r>
+              <a:rPr lang="es-ES" dirty="0"/>
+              <a:t>=7d</a:t>
+            </a:r>
+          </a:p>
+          <a:p>
+            <a:r>
+              <a:rPr lang="es-ES" dirty="0"/>
+              <a:t>--</a:t>
+            </a:r>
+            <a:r>
+              <a:rPr lang="es-ES" dirty="0" err="1"/>
+              <a:t>storage.tsdb.retention.size</a:t>
+            </a:r>
+            <a:r>
+              <a:rPr lang="es-ES" dirty="0"/>
+              <a:t>=2GB</a:t>
+            </a:r>
+          </a:p>
+          <a:p>
+            <a:r>
+              <a:rPr lang="es-ES" dirty="0"/>
+              <a:t>Esto limita la retención a 7 días o 2 GB, lo que ayuda a mantener el uso bajo control.</a:t>
+            </a:r>
           </a:p>
         </p:txBody>
       </p:sp>
@@ -3955,7 +3865,7 @@
           <p:cNvPr id="4" name="Marcador de número de diapositiva 3">
             <a:extLst>
               <a:ext uri="{FF2B5EF4-FFF2-40B4-BE49-F238E27FC236}">
-                <a16:creationId xmlns:a16="http://schemas.microsoft.com/office/drawing/2014/main" id="{9C85A0BE-EBCD-9C34-7BE5-63A6993AE0AE}"/>
+                <a16:creationId xmlns:a16="http://schemas.microsoft.com/office/drawing/2014/main" id="{9ED932A8-564E-F3DE-5C0C-912B829BC06A}"/>
               </a:ext>
             </a:extLst>
           </p:cNvPr>
@@ -3971,7 +3881,7 @@
           <a:bodyPr/>
           <a:lstStyle/>
           <a:p>
-            <a:fld id="{DBA0B7A9-3FAC-4523-93F5-549EB9982FEE}" type="slidenum">
+            <a:fld id="{3A8F712D-A7EB-4D56-8C23-F47E080BF0D1}" type="slidenum">
               <a:rPr lang="es-ES" smtClean="0"/>
               <a:t>10</a:t>
             </a:fld>
@@ -3982,7 +3892,7 @@
     </p:spTree>
     <p:extLst>
       <p:ext uri="{BB962C8B-B14F-4D97-AF65-F5344CB8AC3E}">
-        <p14:creationId xmlns:p14="http://schemas.microsoft.com/office/powerpoint/2010/main" val="2837238231"/>
+        <p14:creationId xmlns:p14="http://schemas.microsoft.com/office/powerpoint/2010/main" val="2810903682"/>
       </p:ext>
     </p:extLst>
   </p:cSld>
@@ -4011,90 +3921,30 @@
       </p:grpSpPr>
       <p:sp>
         <p:nvSpPr>
-          <p:cNvPr id="2" name="Título 1">
-            <a:extLst>
-              <a:ext uri="{FF2B5EF4-FFF2-40B4-BE49-F238E27FC236}">
-                <a16:creationId xmlns:a16="http://schemas.microsoft.com/office/drawing/2014/main" id="{4906AF98-3A66-29CE-483D-4CBE8EE5E433}"/>
-              </a:ext>
-            </a:extLst>
-          </p:cNvPr>
-          <p:cNvSpPr>
-            <a:spLocks noGrp="1"/>
-          </p:cNvSpPr>
-          <p:nvPr>
-            <p:ph type="title"/>
-          </p:nvPr>
-        </p:nvSpPr>
-        <p:spPr/>
-        <p:txBody>
-          <a:bodyPr/>
-          <a:lstStyle/>
-          <a:p>
-            <a:r>
-              <a:rPr lang="es-ES" dirty="0"/>
-              <a:t>Se puede auditar</a:t>
-            </a:r>
-          </a:p>
-        </p:txBody>
-      </p:sp>
-      <p:sp>
-        <p:nvSpPr>
-          <p:cNvPr id="3" name="Marcador de contenido 2">
-            <a:extLst>
-              <a:ext uri="{FF2B5EF4-FFF2-40B4-BE49-F238E27FC236}">
-                <a16:creationId xmlns:a16="http://schemas.microsoft.com/office/drawing/2014/main" id="{44C5EF22-D957-CCFA-8A91-B434AF991E3B}"/>
-              </a:ext>
-            </a:extLst>
-          </p:cNvPr>
-          <p:cNvSpPr>
-            <a:spLocks noGrp="1"/>
-          </p:cNvSpPr>
-          <p:nvPr>
-            <p:ph idx="1"/>
-          </p:nvPr>
-        </p:nvSpPr>
-        <p:spPr/>
-        <p:txBody>
-          <a:bodyPr/>
-          <a:lstStyle/>
-          <a:p>
-            <a:r>
-              <a:rPr lang="es-ES" dirty="0"/>
-              <a:t>Accesos a </a:t>
-            </a:r>
-            <a:r>
-              <a:rPr lang="es-ES" dirty="0" err="1"/>
-              <a:t>endpoints</a:t>
-            </a:r>
-            <a:endParaRPr lang="es-ES" dirty="0"/>
-          </a:p>
-          <a:p>
-            <a:r>
-              <a:rPr lang="es-ES" dirty="0"/>
-              <a:t>Errores HTTP</a:t>
-            </a:r>
-          </a:p>
-          <a:p>
-            <a:r>
-              <a:rPr lang="es-ES" dirty="0" err="1"/>
-              <a:t>IPs</a:t>
-            </a:r>
-            <a:r>
-              <a:rPr lang="es-ES" dirty="0"/>
-              <a:t> de origen</a:t>
-            </a:r>
-          </a:p>
-          <a:p>
-            <a:r>
-              <a:rPr lang="es-ES" dirty="0"/>
-              <a:t>Usuarios autenticados</a:t>
-            </a:r>
-          </a:p>
-          <a:p>
-            <a:r>
-              <a:rPr lang="es-ES" dirty="0"/>
-              <a:t>Cambios en datos sensibles</a:t>
-            </a:r>
+          <p:cNvPr id="5" name="Título 4">
+            <a:extLst>
+              <a:ext uri="{FF2B5EF4-FFF2-40B4-BE49-F238E27FC236}">
+                <a16:creationId xmlns:a16="http://schemas.microsoft.com/office/drawing/2014/main" id="{3E2E443C-2613-E9A8-7779-8A9344B36D2A}"/>
+              </a:ext>
+            </a:extLst>
+          </p:cNvPr>
+          <p:cNvSpPr>
+            <a:spLocks noGrp="1"/>
+          </p:cNvSpPr>
+          <p:nvPr>
+            <p:ph type="ctrTitle"/>
+          </p:nvPr>
+        </p:nvSpPr>
+        <p:spPr/>
+        <p:txBody>
+          <a:bodyPr/>
+          <a:lstStyle/>
+          <a:p>
+            <a:r>
+              <a:rPr lang="es-ES" b="1" dirty="0" err="1"/>
+              <a:t>Grafana</a:t>
+            </a:r>
+            <a:endParaRPr lang="es-ES" b="1" dirty="0"/>
           </a:p>
         </p:txBody>
       </p:sp>
@@ -4103,7 +3953,7 @@
           <p:cNvPr id="4" name="Marcador de número de diapositiva 3">
             <a:extLst>
               <a:ext uri="{FF2B5EF4-FFF2-40B4-BE49-F238E27FC236}">
-                <a16:creationId xmlns:a16="http://schemas.microsoft.com/office/drawing/2014/main" id="{9699DE7F-428A-A0DD-EA31-CB50D668E977}"/>
+                <a16:creationId xmlns:a16="http://schemas.microsoft.com/office/drawing/2014/main" id="{92DBEBBB-27AD-26C0-9C86-4AA5618D26CE}"/>
               </a:ext>
             </a:extLst>
           </p:cNvPr>
@@ -4119,7 +3969,7 @@
           <a:bodyPr/>
           <a:lstStyle/>
           <a:p>
-            <a:fld id="{DBA0B7A9-3FAC-4523-93F5-549EB9982FEE}" type="slidenum">
+            <a:fld id="{3A8F712D-A7EB-4D56-8C23-F47E080BF0D1}" type="slidenum">
               <a:rPr lang="es-ES" smtClean="0"/>
               <a:t>11</a:t>
             </a:fld>
@@ -4130,7 +3980,1312 @@
     </p:spTree>
     <p:extLst>
       <p:ext uri="{BB962C8B-B14F-4D97-AF65-F5344CB8AC3E}">
-        <p14:creationId xmlns:p14="http://schemas.microsoft.com/office/powerpoint/2010/main" val="2292512970"/>
+        <p14:creationId xmlns:p14="http://schemas.microsoft.com/office/powerpoint/2010/main" val="1421251482"/>
+      </p:ext>
+    </p:extLst>
+  </p:cSld>
+  <p:clrMapOvr>
+    <a:masterClrMapping/>
+  </p:clrMapOvr>
+</p:sld>
+</file>
+
+<file path=ppt/slides/slide12.xml><?xml version="1.0" encoding="utf-8"?>
+<p:sld xmlns:a="http://schemas.openxmlformats.org/drawingml/2006/main" xmlns:r="http://schemas.openxmlformats.org/officeDocument/2006/relationships" xmlns:p="http://schemas.openxmlformats.org/presentationml/2006/main">
+  <p:cSld>
+    <p:spTree>
+      <p:nvGrpSpPr>
+        <p:cNvPr id="1" name=""/>
+        <p:cNvGrpSpPr/>
+        <p:nvPr/>
+      </p:nvGrpSpPr>
+      <p:grpSpPr>
+        <a:xfrm>
+          <a:off x="0" y="0"/>
+          <a:ext cx="0" cy="0"/>
+          <a:chOff x="0" y="0"/>
+          <a:chExt cx="0" cy="0"/>
+        </a:xfrm>
+      </p:grpSpPr>
+      <p:sp>
+        <p:nvSpPr>
+          <p:cNvPr id="2" name="Título 1">
+            <a:extLst>
+              <a:ext uri="{FF2B5EF4-FFF2-40B4-BE49-F238E27FC236}">
+                <a16:creationId xmlns:a16="http://schemas.microsoft.com/office/drawing/2014/main" id="{36FB35E0-D82B-FFCD-CE48-06C670A2773D}"/>
+              </a:ext>
+            </a:extLst>
+          </p:cNvPr>
+          <p:cNvSpPr>
+            <a:spLocks noGrp="1"/>
+          </p:cNvSpPr>
+          <p:nvPr>
+            <p:ph type="title"/>
+          </p:nvPr>
+        </p:nvSpPr>
+        <p:spPr/>
+        <p:txBody>
+          <a:bodyPr/>
+          <a:lstStyle/>
+          <a:p>
+            <a:r>
+              <a:rPr lang="es-ES" dirty="0"/>
+              <a:t>Introducción</a:t>
+            </a:r>
+          </a:p>
+        </p:txBody>
+      </p:sp>
+      <p:sp>
+        <p:nvSpPr>
+          <p:cNvPr id="3" name="Marcador de contenido 2">
+            <a:extLst>
+              <a:ext uri="{FF2B5EF4-FFF2-40B4-BE49-F238E27FC236}">
+                <a16:creationId xmlns:a16="http://schemas.microsoft.com/office/drawing/2014/main" id="{B5770A1A-FE41-D62E-2042-4F2B301AE8AF}"/>
+              </a:ext>
+            </a:extLst>
+          </p:cNvPr>
+          <p:cNvSpPr>
+            <a:spLocks noGrp="1"/>
+          </p:cNvSpPr>
+          <p:nvPr>
+            <p:ph idx="1"/>
+          </p:nvPr>
+        </p:nvSpPr>
+        <p:spPr>
+          <a:xfrm>
+            <a:off x="838200" y="1825625"/>
+            <a:ext cx="10635114" cy="4667250"/>
+          </a:xfrm>
+        </p:spPr>
+        <p:txBody>
+          <a:bodyPr>
+            <a:normAutofit fontScale="92500" lnSpcReduction="10000"/>
+          </a:bodyPr>
+          <a:lstStyle/>
+          <a:p>
+            <a:r>
+              <a:rPr lang="es-ES" b="1" dirty="0" err="1"/>
+              <a:t>Grafana</a:t>
+            </a:r>
+            <a:r>
+              <a:rPr lang="es-ES" dirty="0"/>
+              <a:t>, una de las herramientas más potentes y populares para la </a:t>
+            </a:r>
+            <a:r>
+              <a:rPr lang="es-ES" b="1" dirty="0"/>
+              <a:t>visualización de métricas y monitoreo en tiempo real</a:t>
+            </a:r>
+            <a:r>
+              <a:rPr lang="es-ES" dirty="0"/>
+              <a:t>, especialmente cuando se combina con </a:t>
+            </a:r>
+            <a:r>
+              <a:rPr lang="es-ES" dirty="0" err="1"/>
+              <a:t>Prometheus</a:t>
+            </a:r>
+            <a:r>
+              <a:rPr lang="es-ES" dirty="0"/>
+              <a:t>.</a:t>
+            </a:r>
+          </a:p>
+          <a:p>
+            <a:endParaRPr lang="es-ES" dirty="0"/>
+          </a:p>
+          <a:p>
+            <a:r>
+              <a:rPr lang="es-ES" b="1" dirty="0" err="1"/>
+              <a:t>Grafana</a:t>
+            </a:r>
+            <a:r>
+              <a:rPr lang="es-ES" dirty="0"/>
+              <a:t> es una plataforma de </a:t>
+            </a:r>
+            <a:r>
+              <a:rPr lang="es-ES" b="1" dirty="0"/>
+              <a:t>visualización de datos de series temporales</a:t>
+            </a:r>
+            <a:r>
+              <a:rPr lang="es-ES" dirty="0"/>
+              <a:t>. Te permite crear </a:t>
+            </a:r>
+            <a:r>
+              <a:rPr lang="es-ES" b="1" dirty="0" err="1"/>
+              <a:t>dashboards</a:t>
+            </a:r>
+            <a:r>
+              <a:rPr lang="es-ES" b="1" dirty="0"/>
+              <a:t> interactivos</a:t>
+            </a:r>
+            <a:r>
+              <a:rPr lang="es-ES" dirty="0"/>
+              <a:t> para monitorear servidores, servicios web, bases de datos, contenedores, sensores </a:t>
+            </a:r>
+            <a:r>
+              <a:rPr lang="es-ES" dirty="0" err="1"/>
+              <a:t>IoT</a:t>
+            </a:r>
+            <a:r>
+              <a:rPr lang="es-ES" dirty="0"/>
+              <a:t>, y mucho más.</a:t>
+            </a:r>
+          </a:p>
+          <a:p>
+            <a:pPr lvl="1"/>
+            <a:r>
+              <a:rPr lang="es-ES" dirty="0"/>
+              <a:t>Compatible con múltiples fuentes de datos (</a:t>
+            </a:r>
+            <a:r>
+              <a:rPr lang="es-ES" dirty="0" err="1"/>
+              <a:t>Prometheus</a:t>
+            </a:r>
+            <a:r>
+              <a:rPr lang="es-ES" dirty="0"/>
+              <a:t>, </a:t>
+            </a:r>
+            <a:r>
+              <a:rPr lang="es-ES" dirty="0" err="1"/>
+              <a:t>InfluxDB</a:t>
+            </a:r>
+            <a:r>
+              <a:rPr lang="es-ES" dirty="0"/>
+              <a:t>, MySQL, PostgreSQL, etc.)</a:t>
+            </a:r>
+          </a:p>
+          <a:p>
+            <a:pPr lvl="1"/>
+            <a:r>
+              <a:rPr lang="es-ES" dirty="0"/>
+              <a:t> Ofrece gráficos, tablas, mapas, alertas y paneles personalizables</a:t>
+            </a:r>
+          </a:p>
+          <a:p>
+            <a:pPr lvl="1"/>
+            <a:r>
+              <a:rPr lang="es-ES" dirty="0"/>
+              <a:t> Permite configurar alertas visuales y notificaciones automáticas</a:t>
+            </a:r>
+          </a:p>
+          <a:p>
+            <a:pPr lvl="1"/>
+            <a:r>
+              <a:rPr lang="es-ES" dirty="0"/>
+              <a:t>Se integra fácilmente con Docker, </a:t>
+            </a:r>
+            <a:r>
+              <a:rPr lang="es-ES" dirty="0" err="1"/>
+              <a:t>Kubernetes</a:t>
+            </a:r>
+            <a:r>
+              <a:rPr lang="es-ES" dirty="0"/>
+              <a:t>, y herramientas DevOps</a:t>
+            </a:r>
+          </a:p>
+          <a:p>
+            <a:endParaRPr lang="es-ES" dirty="0"/>
+          </a:p>
+        </p:txBody>
+      </p:sp>
+      <p:sp>
+        <p:nvSpPr>
+          <p:cNvPr id="4" name="Marcador de número de diapositiva 3">
+            <a:extLst>
+              <a:ext uri="{FF2B5EF4-FFF2-40B4-BE49-F238E27FC236}">
+                <a16:creationId xmlns:a16="http://schemas.microsoft.com/office/drawing/2014/main" id="{0322E89C-A31A-8085-069F-39ED49979173}"/>
+              </a:ext>
+            </a:extLst>
+          </p:cNvPr>
+          <p:cNvSpPr>
+            <a:spLocks noGrp="1"/>
+          </p:cNvSpPr>
+          <p:nvPr>
+            <p:ph type="sldNum" sz="quarter" idx="12"/>
+          </p:nvPr>
+        </p:nvSpPr>
+        <p:spPr/>
+        <p:txBody>
+          <a:bodyPr/>
+          <a:lstStyle/>
+          <a:p>
+            <a:fld id="{3A8F712D-A7EB-4D56-8C23-F47E080BF0D1}" type="slidenum">
+              <a:rPr lang="es-ES" smtClean="0"/>
+              <a:t>12</a:t>
+            </a:fld>
+            <a:endParaRPr lang="es-ES"/>
+          </a:p>
+        </p:txBody>
+      </p:sp>
+    </p:spTree>
+    <p:extLst>
+      <p:ext uri="{BB962C8B-B14F-4D97-AF65-F5344CB8AC3E}">
+        <p14:creationId xmlns:p14="http://schemas.microsoft.com/office/powerpoint/2010/main" val="2292899099"/>
+      </p:ext>
+    </p:extLst>
+  </p:cSld>
+  <p:clrMapOvr>
+    <a:masterClrMapping/>
+  </p:clrMapOvr>
+</p:sld>
+</file>
+
+<file path=ppt/slides/slide13.xml><?xml version="1.0" encoding="utf-8"?>
+<p:sld xmlns:a="http://schemas.openxmlformats.org/drawingml/2006/main" xmlns:r="http://schemas.openxmlformats.org/officeDocument/2006/relationships" xmlns:p="http://schemas.openxmlformats.org/presentationml/2006/main">
+  <p:cSld>
+    <p:spTree>
+      <p:nvGrpSpPr>
+        <p:cNvPr id="1" name=""/>
+        <p:cNvGrpSpPr/>
+        <p:nvPr/>
+      </p:nvGrpSpPr>
+      <p:grpSpPr>
+        <a:xfrm>
+          <a:off x="0" y="0"/>
+          <a:ext cx="0" cy="0"/>
+          <a:chOff x="0" y="0"/>
+          <a:chExt cx="0" cy="0"/>
+        </a:xfrm>
+      </p:grpSpPr>
+      <p:sp>
+        <p:nvSpPr>
+          <p:cNvPr id="2" name="Título 1">
+            <a:extLst>
+              <a:ext uri="{FF2B5EF4-FFF2-40B4-BE49-F238E27FC236}">
+                <a16:creationId xmlns:a16="http://schemas.microsoft.com/office/drawing/2014/main" id="{F20D96B4-70A0-D058-1473-EB4A0BB7096A}"/>
+              </a:ext>
+            </a:extLst>
+          </p:cNvPr>
+          <p:cNvSpPr>
+            <a:spLocks noGrp="1"/>
+          </p:cNvSpPr>
+          <p:nvPr>
+            <p:ph type="title"/>
+          </p:nvPr>
+        </p:nvSpPr>
+        <p:spPr/>
+        <p:txBody>
+          <a:bodyPr/>
+          <a:lstStyle/>
+          <a:p>
+            <a:r>
+              <a:rPr lang="es-ES" dirty="0"/>
+              <a:t>¿Para que sirve?</a:t>
+            </a:r>
+          </a:p>
+        </p:txBody>
+      </p:sp>
+      <p:sp>
+        <p:nvSpPr>
+          <p:cNvPr id="4" name="Marcador de número de diapositiva 3">
+            <a:extLst>
+              <a:ext uri="{FF2B5EF4-FFF2-40B4-BE49-F238E27FC236}">
+                <a16:creationId xmlns:a16="http://schemas.microsoft.com/office/drawing/2014/main" id="{735C154E-9A0E-F794-B8CF-ED975A6D0327}"/>
+              </a:ext>
+            </a:extLst>
+          </p:cNvPr>
+          <p:cNvSpPr>
+            <a:spLocks noGrp="1"/>
+          </p:cNvSpPr>
+          <p:nvPr>
+            <p:ph type="sldNum" sz="quarter" idx="12"/>
+          </p:nvPr>
+        </p:nvSpPr>
+        <p:spPr/>
+        <p:txBody>
+          <a:bodyPr/>
+          <a:lstStyle/>
+          <a:p>
+            <a:fld id="{3A8F712D-A7EB-4D56-8C23-F47E080BF0D1}" type="slidenum">
+              <a:rPr lang="es-ES" smtClean="0"/>
+              <a:t>13</a:t>
+            </a:fld>
+            <a:endParaRPr lang="es-ES"/>
+          </a:p>
+        </p:txBody>
+      </p:sp>
+      <p:pic>
+        <p:nvPicPr>
+          <p:cNvPr id="6" name="Imagen 5">
+            <a:extLst>
+              <a:ext uri="{FF2B5EF4-FFF2-40B4-BE49-F238E27FC236}">
+                <a16:creationId xmlns:a16="http://schemas.microsoft.com/office/drawing/2014/main" id="{23C15D87-1223-C902-B3F4-D80C70BBCEC6}"/>
+              </a:ext>
+            </a:extLst>
+          </p:cNvPr>
+          <p:cNvPicPr>
+            <a:picLocks noChangeAspect="1"/>
+          </p:cNvPicPr>
+          <p:nvPr/>
+        </p:nvPicPr>
+        <p:blipFill>
+          <a:blip r:embed="rId2"/>
+          <a:stretch>
+            <a:fillRect/>
+          </a:stretch>
+        </p:blipFill>
+        <p:spPr>
+          <a:xfrm>
+            <a:off x="838200" y="1617044"/>
+            <a:ext cx="9634086" cy="4611186"/>
+          </a:xfrm>
+          <a:prstGeom prst="rect">
+            <a:avLst/>
+          </a:prstGeom>
+        </p:spPr>
+      </p:pic>
+    </p:spTree>
+    <p:extLst>
+      <p:ext uri="{BB962C8B-B14F-4D97-AF65-F5344CB8AC3E}">
+        <p14:creationId xmlns:p14="http://schemas.microsoft.com/office/powerpoint/2010/main" val="1368607460"/>
+      </p:ext>
+    </p:extLst>
+  </p:cSld>
+  <p:clrMapOvr>
+    <a:masterClrMapping/>
+  </p:clrMapOvr>
+</p:sld>
+</file>
+
+<file path=ppt/slides/slide14.xml><?xml version="1.0" encoding="utf-8"?>
+<p:sld xmlns:a="http://schemas.openxmlformats.org/drawingml/2006/main" xmlns:r="http://schemas.openxmlformats.org/officeDocument/2006/relationships" xmlns:p="http://schemas.openxmlformats.org/presentationml/2006/main">
+  <p:cSld>
+    <p:spTree>
+      <p:nvGrpSpPr>
+        <p:cNvPr id="1" name=""/>
+        <p:cNvGrpSpPr/>
+        <p:nvPr/>
+      </p:nvGrpSpPr>
+      <p:grpSpPr>
+        <a:xfrm>
+          <a:off x="0" y="0"/>
+          <a:ext cx="0" cy="0"/>
+          <a:chOff x="0" y="0"/>
+          <a:chExt cx="0" cy="0"/>
+        </a:xfrm>
+      </p:grpSpPr>
+      <p:sp>
+        <p:nvSpPr>
+          <p:cNvPr id="2" name="Título 1">
+            <a:extLst>
+              <a:ext uri="{FF2B5EF4-FFF2-40B4-BE49-F238E27FC236}">
+                <a16:creationId xmlns:a16="http://schemas.microsoft.com/office/drawing/2014/main" id="{CCA1726A-7AB7-646F-29BD-6882F546A342}"/>
+              </a:ext>
+            </a:extLst>
+          </p:cNvPr>
+          <p:cNvSpPr>
+            <a:spLocks noGrp="1"/>
+          </p:cNvSpPr>
+          <p:nvPr>
+            <p:ph type="title"/>
+          </p:nvPr>
+        </p:nvSpPr>
+        <p:spPr/>
+        <p:txBody>
+          <a:bodyPr/>
+          <a:lstStyle/>
+          <a:p>
+            <a:r>
+              <a:rPr lang="es-ES" dirty="0"/>
+              <a:t>Instalación</a:t>
+            </a:r>
+          </a:p>
+        </p:txBody>
+      </p:sp>
+      <p:sp>
+        <p:nvSpPr>
+          <p:cNvPr id="3" name="Marcador de contenido 2">
+            <a:extLst>
+              <a:ext uri="{FF2B5EF4-FFF2-40B4-BE49-F238E27FC236}">
+                <a16:creationId xmlns:a16="http://schemas.microsoft.com/office/drawing/2014/main" id="{83154DFD-2567-D468-ADD2-7968C2319374}"/>
+              </a:ext>
+            </a:extLst>
+          </p:cNvPr>
+          <p:cNvSpPr>
+            <a:spLocks noGrp="1"/>
+          </p:cNvSpPr>
+          <p:nvPr>
+            <p:ph idx="1"/>
+          </p:nvPr>
+        </p:nvSpPr>
+        <p:spPr/>
+        <p:txBody>
+          <a:bodyPr/>
+          <a:lstStyle/>
+          <a:p>
+            <a:r>
+              <a:rPr lang="es-ES" dirty="0"/>
+              <a:t>En </a:t>
+            </a:r>
+            <a:r>
+              <a:rPr lang="es-ES" b="1" dirty="0"/>
+              <a:t>Windows</a:t>
+            </a:r>
+          </a:p>
+          <a:p>
+            <a:pPr lvl="1"/>
+            <a:r>
+              <a:rPr lang="es-ES" dirty="0"/>
+              <a:t>Descarga el instalador desde: </a:t>
+            </a:r>
+            <a:r>
+              <a:rPr lang="es-ES" dirty="0">
+                <a:hlinkClick r:id="rId2"/>
+              </a:rPr>
+              <a:t>https://grafana.com/download</a:t>
+            </a:r>
+            <a:endParaRPr lang="es-ES" dirty="0"/>
+          </a:p>
+          <a:p>
+            <a:pPr lvl="1"/>
+            <a:endParaRPr lang="es-ES" dirty="0"/>
+          </a:p>
+          <a:p>
+            <a:pPr lvl="1"/>
+            <a:r>
+              <a:rPr lang="es-ES" dirty="0"/>
+              <a:t>Ejecuta el .exe y sigue los pasos</a:t>
+            </a:r>
+          </a:p>
+          <a:p>
+            <a:pPr lvl="1"/>
+            <a:endParaRPr lang="es-ES" dirty="0"/>
+          </a:p>
+          <a:p>
+            <a:pPr lvl="1"/>
+            <a:r>
+              <a:rPr lang="es-ES" dirty="0"/>
+              <a:t>Accede a </a:t>
+            </a:r>
+            <a:r>
+              <a:rPr lang="es-ES" dirty="0">
+                <a:hlinkClick r:id="rId3"/>
+              </a:rPr>
+              <a:t>http://localhost:3000</a:t>
+            </a:r>
+            <a:r>
+              <a:rPr lang="es-ES" dirty="0"/>
+              <a:t>  tras iniciar el servicio</a:t>
+            </a:r>
+          </a:p>
+          <a:p>
+            <a:pPr lvl="1"/>
+            <a:endParaRPr lang="es-ES" dirty="0"/>
+          </a:p>
+          <a:p>
+            <a:r>
+              <a:rPr lang="es-ES" dirty="0"/>
+              <a:t>En </a:t>
+            </a:r>
+            <a:r>
+              <a:rPr lang="es-ES" b="1" dirty="0"/>
+              <a:t>Docker</a:t>
+            </a:r>
+            <a:r>
+              <a:rPr lang="es-ES" dirty="0"/>
+              <a:t>:</a:t>
+            </a:r>
+          </a:p>
+          <a:p>
+            <a:pPr lvl="1"/>
+            <a:r>
+              <a:rPr lang="es-ES" dirty="0" err="1"/>
+              <a:t>docker</a:t>
+            </a:r>
+            <a:r>
+              <a:rPr lang="es-ES" dirty="0"/>
+              <a:t> run -d --</a:t>
+            </a:r>
+            <a:r>
+              <a:rPr lang="es-ES" dirty="0" err="1"/>
+              <a:t>name</a:t>
+            </a:r>
+            <a:r>
+              <a:rPr lang="es-ES" dirty="0"/>
+              <a:t>=</a:t>
+            </a:r>
+            <a:r>
+              <a:rPr lang="es-ES" dirty="0" err="1"/>
+              <a:t>grafana</a:t>
+            </a:r>
+            <a:r>
+              <a:rPr lang="es-ES" dirty="0"/>
+              <a:t> -p 3000:3000 </a:t>
+            </a:r>
+            <a:r>
+              <a:rPr lang="es-ES" dirty="0" err="1"/>
+              <a:t>grafana</a:t>
+            </a:r>
+            <a:r>
+              <a:rPr lang="es-ES" dirty="0"/>
+              <a:t>/</a:t>
+            </a:r>
+            <a:r>
+              <a:rPr lang="es-ES" dirty="0" err="1"/>
+              <a:t>grafana</a:t>
+            </a:r>
+            <a:endParaRPr lang="es-ES" dirty="0"/>
+          </a:p>
+          <a:p>
+            <a:endParaRPr lang="es-ES" dirty="0"/>
+          </a:p>
+        </p:txBody>
+      </p:sp>
+      <p:sp>
+        <p:nvSpPr>
+          <p:cNvPr id="4" name="Marcador de número de diapositiva 3">
+            <a:extLst>
+              <a:ext uri="{FF2B5EF4-FFF2-40B4-BE49-F238E27FC236}">
+                <a16:creationId xmlns:a16="http://schemas.microsoft.com/office/drawing/2014/main" id="{5E9F05D4-0A59-C7A1-CCD6-31E5D7431418}"/>
+              </a:ext>
+            </a:extLst>
+          </p:cNvPr>
+          <p:cNvSpPr>
+            <a:spLocks noGrp="1"/>
+          </p:cNvSpPr>
+          <p:nvPr>
+            <p:ph type="sldNum" sz="quarter" idx="12"/>
+          </p:nvPr>
+        </p:nvSpPr>
+        <p:spPr/>
+        <p:txBody>
+          <a:bodyPr/>
+          <a:lstStyle/>
+          <a:p>
+            <a:fld id="{3A8F712D-A7EB-4D56-8C23-F47E080BF0D1}" type="slidenum">
+              <a:rPr lang="es-ES" smtClean="0"/>
+              <a:t>14</a:t>
+            </a:fld>
+            <a:endParaRPr lang="es-ES"/>
+          </a:p>
+        </p:txBody>
+      </p:sp>
+    </p:spTree>
+    <p:extLst>
+      <p:ext uri="{BB962C8B-B14F-4D97-AF65-F5344CB8AC3E}">
+        <p14:creationId xmlns:p14="http://schemas.microsoft.com/office/powerpoint/2010/main" val="108042882"/>
+      </p:ext>
+    </p:extLst>
+  </p:cSld>
+  <p:clrMapOvr>
+    <a:masterClrMapping/>
+  </p:clrMapOvr>
+</p:sld>
+</file>
+
+<file path=ppt/slides/slide15.xml><?xml version="1.0" encoding="utf-8"?>
+<p:sld xmlns:a="http://schemas.openxmlformats.org/drawingml/2006/main" xmlns:r="http://schemas.openxmlformats.org/officeDocument/2006/relationships" xmlns:p="http://schemas.openxmlformats.org/presentationml/2006/main">
+  <p:cSld>
+    <p:spTree>
+      <p:nvGrpSpPr>
+        <p:cNvPr id="1" name=""/>
+        <p:cNvGrpSpPr/>
+        <p:nvPr/>
+      </p:nvGrpSpPr>
+      <p:grpSpPr>
+        <a:xfrm>
+          <a:off x="0" y="0"/>
+          <a:ext cx="0" cy="0"/>
+          <a:chOff x="0" y="0"/>
+          <a:chExt cx="0" cy="0"/>
+        </a:xfrm>
+      </p:grpSpPr>
+      <p:sp>
+        <p:nvSpPr>
+          <p:cNvPr id="2" name="Título 1">
+            <a:extLst>
+              <a:ext uri="{FF2B5EF4-FFF2-40B4-BE49-F238E27FC236}">
+                <a16:creationId xmlns:a16="http://schemas.microsoft.com/office/drawing/2014/main" id="{84B8F1FF-94CA-401E-D279-7FCEF2EC32EB}"/>
+              </a:ext>
+            </a:extLst>
+          </p:cNvPr>
+          <p:cNvSpPr>
+            <a:spLocks noGrp="1"/>
+          </p:cNvSpPr>
+          <p:nvPr>
+            <p:ph type="title"/>
+          </p:nvPr>
+        </p:nvSpPr>
+        <p:spPr/>
+        <p:txBody>
+          <a:bodyPr/>
+          <a:lstStyle/>
+          <a:p>
+            <a:r>
+              <a:rPr lang="es-ES" dirty="0"/>
+              <a:t>Fuentes compatibles con </a:t>
+            </a:r>
+            <a:r>
+              <a:rPr lang="es-ES" dirty="0" err="1"/>
+              <a:t>Grafana</a:t>
+            </a:r>
+            <a:endParaRPr lang="es-ES" dirty="0"/>
+          </a:p>
+        </p:txBody>
+      </p:sp>
+      <p:sp>
+        <p:nvSpPr>
+          <p:cNvPr id="3" name="Marcador de contenido 2">
+            <a:extLst>
+              <a:ext uri="{FF2B5EF4-FFF2-40B4-BE49-F238E27FC236}">
+                <a16:creationId xmlns:a16="http://schemas.microsoft.com/office/drawing/2014/main" id="{32B7DA12-1D7B-C07C-57D0-05496C42C6FB}"/>
+              </a:ext>
+            </a:extLst>
+          </p:cNvPr>
+          <p:cNvSpPr>
+            <a:spLocks noGrp="1"/>
+          </p:cNvSpPr>
+          <p:nvPr>
+            <p:ph idx="1"/>
+          </p:nvPr>
+        </p:nvSpPr>
+        <p:spPr/>
+        <p:txBody>
+          <a:bodyPr/>
+          <a:lstStyle/>
+          <a:p>
+            <a:r>
+              <a:rPr lang="es-ES" dirty="0" err="1"/>
+              <a:t>Grafana</a:t>
+            </a:r>
+            <a:r>
+              <a:rPr lang="es-ES" dirty="0"/>
+              <a:t> puede conectarse a:</a:t>
+            </a:r>
+          </a:p>
+          <a:p>
+            <a:pPr lvl="1"/>
+            <a:r>
+              <a:rPr lang="es-ES" b="1" dirty="0" err="1"/>
+              <a:t>Prometheus</a:t>
+            </a:r>
+            <a:endParaRPr lang="es-ES" dirty="0"/>
+          </a:p>
+          <a:p>
+            <a:pPr lvl="1"/>
+            <a:r>
+              <a:rPr lang="es-ES" b="1" dirty="0" err="1"/>
+              <a:t>InfluxDB</a:t>
+            </a:r>
+            <a:endParaRPr lang="es-ES" dirty="0"/>
+          </a:p>
+          <a:p>
+            <a:pPr lvl="1"/>
+            <a:r>
+              <a:rPr lang="es-ES" b="1" dirty="0" err="1"/>
+              <a:t>Graphite</a:t>
+            </a:r>
+            <a:endParaRPr lang="es-ES" dirty="0"/>
+          </a:p>
+          <a:p>
+            <a:pPr lvl="1"/>
+            <a:r>
+              <a:rPr lang="es-ES" b="1" dirty="0"/>
+              <a:t>MySQL / PostgreSQL</a:t>
+            </a:r>
+            <a:endParaRPr lang="es-ES" dirty="0"/>
+          </a:p>
+          <a:p>
+            <a:pPr lvl="1"/>
+            <a:r>
+              <a:rPr lang="es-ES" b="1" dirty="0" err="1"/>
+              <a:t>ElasticSearch</a:t>
+            </a:r>
+            <a:endParaRPr lang="es-ES" dirty="0"/>
+          </a:p>
+          <a:p>
+            <a:pPr lvl="1"/>
+            <a:r>
+              <a:rPr lang="es-ES" b="1" dirty="0"/>
+              <a:t>Loki</a:t>
+            </a:r>
+            <a:r>
+              <a:rPr lang="es-ES" dirty="0"/>
+              <a:t> (para logs)</a:t>
+            </a:r>
+          </a:p>
+          <a:p>
+            <a:pPr lvl="1"/>
+            <a:r>
+              <a:rPr lang="es-ES" b="1" dirty="0"/>
+              <a:t>Tempo</a:t>
+            </a:r>
+            <a:r>
+              <a:rPr lang="es-ES" dirty="0"/>
+              <a:t> (para trazas)</a:t>
+            </a:r>
+          </a:p>
+          <a:p>
+            <a:endParaRPr lang="es-ES" dirty="0"/>
+          </a:p>
+        </p:txBody>
+      </p:sp>
+      <p:sp>
+        <p:nvSpPr>
+          <p:cNvPr id="4" name="Marcador de número de diapositiva 3">
+            <a:extLst>
+              <a:ext uri="{FF2B5EF4-FFF2-40B4-BE49-F238E27FC236}">
+                <a16:creationId xmlns:a16="http://schemas.microsoft.com/office/drawing/2014/main" id="{9B6470D9-65C9-A134-2353-5AF77D598E77}"/>
+              </a:ext>
+            </a:extLst>
+          </p:cNvPr>
+          <p:cNvSpPr>
+            <a:spLocks noGrp="1"/>
+          </p:cNvSpPr>
+          <p:nvPr>
+            <p:ph type="sldNum" sz="quarter" idx="12"/>
+          </p:nvPr>
+        </p:nvSpPr>
+        <p:spPr/>
+        <p:txBody>
+          <a:bodyPr/>
+          <a:lstStyle/>
+          <a:p>
+            <a:fld id="{3A8F712D-A7EB-4D56-8C23-F47E080BF0D1}" type="slidenum">
+              <a:rPr lang="es-ES" smtClean="0"/>
+              <a:t>15</a:t>
+            </a:fld>
+            <a:endParaRPr lang="es-ES"/>
+          </a:p>
+        </p:txBody>
+      </p:sp>
+    </p:spTree>
+    <p:extLst>
+      <p:ext uri="{BB962C8B-B14F-4D97-AF65-F5344CB8AC3E}">
+        <p14:creationId xmlns:p14="http://schemas.microsoft.com/office/powerpoint/2010/main" val="1474686958"/>
+      </p:ext>
+    </p:extLst>
+  </p:cSld>
+  <p:clrMapOvr>
+    <a:masterClrMapping/>
+  </p:clrMapOvr>
+</p:sld>
+</file>
+
+<file path=ppt/slides/slide16.xml><?xml version="1.0" encoding="utf-8"?>
+<p:sld xmlns:a="http://schemas.openxmlformats.org/drawingml/2006/main" xmlns:r="http://schemas.openxmlformats.org/officeDocument/2006/relationships" xmlns:p="http://schemas.openxmlformats.org/presentationml/2006/main">
+  <p:cSld>
+    <p:spTree>
+      <p:nvGrpSpPr>
+        <p:cNvPr id="1" name=""/>
+        <p:cNvGrpSpPr/>
+        <p:nvPr/>
+      </p:nvGrpSpPr>
+      <p:grpSpPr>
+        <a:xfrm>
+          <a:off x="0" y="0"/>
+          <a:ext cx="0" cy="0"/>
+          <a:chOff x="0" y="0"/>
+          <a:chExt cx="0" cy="0"/>
+        </a:xfrm>
+      </p:grpSpPr>
+      <p:sp>
+        <p:nvSpPr>
+          <p:cNvPr id="2" name="Título 1">
+            <a:extLst>
+              <a:ext uri="{FF2B5EF4-FFF2-40B4-BE49-F238E27FC236}">
+                <a16:creationId xmlns:a16="http://schemas.microsoft.com/office/drawing/2014/main" id="{8AA30CC3-2656-5A79-7E3F-DBBE53294F55}"/>
+              </a:ext>
+            </a:extLst>
+          </p:cNvPr>
+          <p:cNvSpPr>
+            <a:spLocks noGrp="1"/>
+          </p:cNvSpPr>
+          <p:nvPr>
+            <p:ph type="title"/>
+          </p:nvPr>
+        </p:nvSpPr>
+        <p:spPr/>
+        <p:txBody>
+          <a:bodyPr/>
+          <a:lstStyle/>
+          <a:p>
+            <a:r>
+              <a:rPr lang="es-ES" dirty="0"/>
+              <a:t>Ejemplo de uso</a:t>
+            </a:r>
+          </a:p>
+        </p:txBody>
+      </p:sp>
+      <p:sp>
+        <p:nvSpPr>
+          <p:cNvPr id="3" name="Marcador de contenido 2">
+            <a:extLst>
+              <a:ext uri="{FF2B5EF4-FFF2-40B4-BE49-F238E27FC236}">
+                <a16:creationId xmlns:a16="http://schemas.microsoft.com/office/drawing/2014/main" id="{6307A8E5-A91E-0F18-8533-71048BB6251F}"/>
+              </a:ext>
+            </a:extLst>
+          </p:cNvPr>
+          <p:cNvSpPr>
+            <a:spLocks noGrp="1"/>
+          </p:cNvSpPr>
+          <p:nvPr>
+            <p:ph idx="1"/>
+          </p:nvPr>
+        </p:nvSpPr>
+        <p:spPr/>
+        <p:txBody>
+          <a:bodyPr>
+            <a:normAutofit fontScale="92500" lnSpcReduction="10000"/>
+          </a:bodyPr>
+          <a:lstStyle/>
+          <a:p>
+            <a:r>
+              <a:rPr lang="es-ES" dirty="0"/>
+              <a:t>Tu servicio web (por ejemplo, hecho con </a:t>
+            </a:r>
+            <a:r>
+              <a:rPr lang="es-ES" dirty="0" err="1"/>
+              <a:t>Crow</a:t>
+            </a:r>
+            <a:r>
+              <a:rPr lang="es-ES" dirty="0"/>
+              <a:t> o </a:t>
+            </a:r>
+            <a:r>
+              <a:rPr lang="es-ES" dirty="0" err="1"/>
+              <a:t>gRPC</a:t>
+            </a:r>
+            <a:r>
+              <a:rPr lang="es-ES" dirty="0"/>
+              <a:t>) expone métricas en </a:t>
+            </a:r>
+            <a:r>
+              <a:rPr lang="es-ES" b="1" dirty="0"/>
+              <a:t>/</a:t>
+            </a:r>
+            <a:r>
+              <a:rPr lang="es-ES" b="1" dirty="0" err="1"/>
+              <a:t>metrics</a:t>
+            </a:r>
+            <a:r>
+              <a:rPr lang="es-ES" dirty="0"/>
+              <a:t>.</a:t>
+            </a:r>
+          </a:p>
+          <a:p>
+            <a:endParaRPr lang="es-ES" dirty="0"/>
+          </a:p>
+          <a:p>
+            <a:r>
+              <a:rPr lang="es-ES" dirty="0" err="1"/>
+              <a:t>Prometheus</a:t>
+            </a:r>
+            <a:r>
+              <a:rPr lang="es-ES" dirty="0"/>
+              <a:t> recolecta esas métricas cada X segundos.</a:t>
+            </a:r>
+          </a:p>
+          <a:p>
+            <a:endParaRPr lang="es-ES" dirty="0"/>
+          </a:p>
+          <a:p>
+            <a:r>
+              <a:rPr lang="es-ES" dirty="0" err="1"/>
+              <a:t>Grafana</a:t>
+            </a:r>
+            <a:r>
+              <a:rPr lang="es-ES" dirty="0"/>
+              <a:t> se conecta a </a:t>
+            </a:r>
+            <a:r>
+              <a:rPr lang="es-ES" dirty="0" err="1"/>
+              <a:t>Prometheus</a:t>
+            </a:r>
+            <a:r>
+              <a:rPr lang="es-ES" dirty="0"/>
+              <a:t> como fuente de datos.</a:t>
+            </a:r>
+          </a:p>
+          <a:p>
+            <a:endParaRPr lang="es-ES" dirty="0"/>
+          </a:p>
+          <a:p>
+            <a:r>
+              <a:rPr lang="es-ES" dirty="0"/>
+              <a:t>Creas </a:t>
+            </a:r>
+            <a:r>
+              <a:rPr lang="es-ES" dirty="0" err="1"/>
+              <a:t>dashboards</a:t>
+            </a:r>
+            <a:r>
+              <a:rPr lang="es-ES" dirty="0"/>
+              <a:t> con gráficos, alertas y visualizaciones.</a:t>
+            </a:r>
+          </a:p>
+          <a:p>
+            <a:endParaRPr lang="es-ES" dirty="0"/>
+          </a:p>
+          <a:p>
+            <a:r>
+              <a:rPr lang="es-ES" dirty="0"/>
+              <a:t>Puedes compartirlos, exportarlos o mostrarlos en modo </a:t>
+            </a:r>
+            <a:r>
+              <a:rPr lang="es-ES" dirty="0" err="1"/>
+              <a:t>kiosko</a:t>
+            </a:r>
+            <a:r>
+              <a:rPr lang="es-ES" dirty="0"/>
+              <a:t>.</a:t>
+            </a:r>
+          </a:p>
+        </p:txBody>
+      </p:sp>
+      <p:sp>
+        <p:nvSpPr>
+          <p:cNvPr id="4" name="Marcador de número de diapositiva 3">
+            <a:extLst>
+              <a:ext uri="{FF2B5EF4-FFF2-40B4-BE49-F238E27FC236}">
+                <a16:creationId xmlns:a16="http://schemas.microsoft.com/office/drawing/2014/main" id="{9A4297A6-523B-C5DD-1235-385D1DFE63FC}"/>
+              </a:ext>
+            </a:extLst>
+          </p:cNvPr>
+          <p:cNvSpPr>
+            <a:spLocks noGrp="1"/>
+          </p:cNvSpPr>
+          <p:nvPr>
+            <p:ph type="sldNum" sz="quarter" idx="12"/>
+          </p:nvPr>
+        </p:nvSpPr>
+        <p:spPr/>
+        <p:txBody>
+          <a:bodyPr/>
+          <a:lstStyle/>
+          <a:p>
+            <a:fld id="{3A8F712D-A7EB-4D56-8C23-F47E080BF0D1}" type="slidenum">
+              <a:rPr lang="es-ES" smtClean="0"/>
+              <a:t>16</a:t>
+            </a:fld>
+            <a:endParaRPr lang="es-ES"/>
+          </a:p>
+        </p:txBody>
+      </p:sp>
+    </p:spTree>
+    <p:extLst>
+      <p:ext uri="{BB962C8B-B14F-4D97-AF65-F5344CB8AC3E}">
+        <p14:creationId xmlns:p14="http://schemas.microsoft.com/office/powerpoint/2010/main" val="2796449519"/>
+      </p:ext>
+    </p:extLst>
+  </p:cSld>
+  <p:clrMapOvr>
+    <a:masterClrMapping/>
+  </p:clrMapOvr>
+</p:sld>
+</file>
+
+<file path=ppt/slides/slide17.xml><?xml version="1.0" encoding="utf-8"?>
+<p:sld xmlns:a="http://schemas.openxmlformats.org/drawingml/2006/main" xmlns:r="http://schemas.openxmlformats.org/officeDocument/2006/relationships" xmlns:p="http://schemas.openxmlformats.org/presentationml/2006/main">
+  <p:cSld>
+    <p:spTree>
+      <p:nvGrpSpPr>
+        <p:cNvPr id="1" name=""/>
+        <p:cNvGrpSpPr/>
+        <p:nvPr/>
+      </p:nvGrpSpPr>
+      <p:grpSpPr>
+        <a:xfrm>
+          <a:off x="0" y="0"/>
+          <a:ext cx="0" cy="0"/>
+          <a:chOff x="0" y="0"/>
+          <a:chExt cx="0" cy="0"/>
+        </a:xfrm>
+      </p:grpSpPr>
+      <p:sp>
+        <p:nvSpPr>
+          <p:cNvPr id="2" name="Título 1">
+            <a:extLst>
+              <a:ext uri="{FF2B5EF4-FFF2-40B4-BE49-F238E27FC236}">
+                <a16:creationId xmlns:a16="http://schemas.microsoft.com/office/drawing/2014/main" id="{811E3C68-6D15-753D-BF00-1C1EEF446C19}"/>
+              </a:ext>
+            </a:extLst>
+          </p:cNvPr>
+          <p:cNvSpPr>
+            <a:spLocks noGrp="1"/>
+          </p:cNvSpPr>
+          <p:nvPr>
+            <p:ph type="title"/>
+          </p:nvPr>
+        </p:nvSpPr>
+        <p:spPr/>
+        <p:txBody>
+          <a:bodyPr/>
+          <a:lstStyle/>
+          <a:p>
+            <a:r>
+              <a:rPr lang="es-ES" dirty="0" err="1"/>
+              <a:t>cAdvisor</a:t>
+            </a:r>
+            <a:endParaRPr lang="es-ES" dirty="0"/>
+          </a:p>
+        </p:txBody>
+      </p:sp>
+      <p:sp>
+        <p:nvSpPr>
+          <p:cNvPr id="3" name="Marcador de contenido 2">
+            <a:extLst>
+              <a:ext uri="{FF2B5EF4-FFF2-40B4-BE49-F238E27FC236}">
+                <a16:creationId xmlns:a16="http://schemas.microsoft.com/office/drawing/2014/main" id="{01B508D4-4C06-2E26-7826-26156EBA213A}"/>
+              </a:ext>
+            </a:extLst>
+          </p:cNvPr>
+          <p:cNvSpPr>
+            <a:spLocks noGrp="1"/>
+          </p:cNvSpPr>
+          <p:nvPr>
+            <p:ph idx="1"/>
+          </p:nvPr>
+        </p:nvSpPr>
+        <p:spPr/>
+        <p:txBody>
+          <a:bodyPr/>
+          <a:lstStyle/>
+          <a:p>
+            <a:endParaRPr lang="es-ES"/>
+          </a:p>
+        </p:txBody>
+      </p:sp>
+      <p:sp>
+        <p:nvSpPr>
+          <p:cNvPr id="4" name="Marcador de número de diapositiva 3">
+            <a:extLst>
+              <a:ext uri="{FF2B5EF4-FFF2-40B4-BE49-F238E27FC236}">
+                <a16:creationId xmlns:a16="http://schemas.microsoft.com/office/drawing/2014/main" id="{35A0ED57-5FC4-FB2B-9A9E-B9A65287BFEE}"/>
+              </a:ext>
+            </a:extLst>
+          </p:cNvPr>
+          <p:cNvSpPr>
+            <a:spLocks noGrp="1"/>
+          </p:cNvSpPr>
+          <p:nvPr>
+            <p:ph type="sldNum" sz="quarter" idx="12"/>
+          </p:nvPr>
+        </p:nvSpPr>
+        <p:spPr/>
+        <p:txBody>
+          <a:bodyPr/>
+          <a:lstStyle/>
+          <a:p>
+            <a:fld id="{651C50BF-3A9D-4B62-9482-23DFD07EAA37}" type="slidenum">
+              <a:rPr lang="es-ES" smtClean="0"/>
+              <a:t>17</a:t>
+            </a:fld>
+            <a:endParaRPr lang="es-ES"/>
+          </a:p>
+        </p:txBody>
+      </p:sp>
+    </p:spTree>
+    <p:extLst>
+      <p:ext uri="{BB962C8B-B14F-4D97-AF65-F5344CB8AC3E}">
+        <p14:creationId xmlns:p14="http://schemas.microsoft.com/office/powerpoint/2010/main" val="1342970186"/>
+      </p:ext>
+    </p:extLst>
+  </p:cSld>
+  <p:clrMapOvr>
+    <a:masterClrMapping/>
+  </p:clrMapOvr>
+</p:sld>
+</file>
+
+<file path=ppt/slides/slide18.xml><?xml version="1.0" encoding="utf-8"?>
+<p:sld xmlns:a="http://schemas.openxmlformats.org/drawingml/2006/main" xmlns:r="http://schemas.openxmlformats.org/officeDocument/2006/relationships" xmlns:p="http://schemas.openxmlformats.org/presentationml/2006/main">
+  <p:cSld>
+    <p:spTree>
+      <p:nvGrpSpPr>
+        <p:cNvPr id="1" name=""/>
+        <p:cNvGrpSpPr/>
+        <p:nvPr/>
+      </p:nvGrpSpPr>
+      <p:grpSpPr>
+        <a:xfrm>
+          <a:off x="0" y="0"/>
+          <a:ext cx="0" cy="0"/>
+          <a:chOff x="0" y="0"/>
+          <a:chExt cx="0" cy="0"/>
+        </a:xfrm>
+      </p:grpSpPr>
+      <p:sp>
+        <p:nvSpPr>
+          <p:cNvPr id="5" name="Título 4">
+            <a:extLst>
+              <a:ext uri="{FF2B5EF4-FFF2-40B4-BE49-F238E27FC236}">
+                <a16:creationId xmlns:a16="http://schemas.microsoft.com/office/drawing/2014/main" id="{1CD4BCCE-C317-35B1-71A7-64B9ECE9A34C}"/>
+              </a:ext>
+            </a:extLst>
+          </p:cNvPr>
+          <p:cNvSpPr>
+            <a:spLocks noGrp="1"/>
+          </p:cNvSpPr>
+          <p:nvPr>
+            <p:ph type="ctrTitle"/>
+          </p:nvPr>
+        </p:nvSpPr>
+        <p:spPr>
+          <a:xfrm>
+            <a:off x="1524000" y="1979011"/>
+            <a:ext cx="9144000" cy="2387600"/>
+          </a:xfrm>
+        </p:spPr>
+        <p:txBody>
+          <a:bodyPr/>
+          <a:lstStyle/>
+          <a:p>
+            <a:r>
+              <a:rPr lang="es-ES" b="1" dirty="0"/>
+              <a:t>Implementación de </a:t>
+            </a:r>
+            <a:r>
+              <a:rPr lang="es-ES" b="1" dirty="0" err="1"/>
+              <a:t>tracing</a:t>
+            </a:r>
+            <a:r>
+              <a:rPr lang="es-ES" b="1" dirty="0"/>
+              <a:t> distribuido</a:t>
+            </a:r>
+          </a:p>
+        </p:txBody>
+      </p:sp>
+      <p:sp>
+        <p:nvSpPr>
+          <p:cNvPr id="4" name="Marcador de número de diapositiva 3">
+            <a:extLst>
+              <a:ext uri="{FF2B5EF4-FFF2-40B4-BE49-F238E27FC236}">
+                <a16:creationId xmlns:a16="http://schemas.microsoft.com/office/drawing/2014/main" id="{249F3396-CACC-3B75-2659-22DDA3F5245C}"/>
+              </a:ext>
+            </a:extLst>
+          </p:cNvPr>
+          <p:cNvSpPr>
+            <a:spLocks noGrp="1"/>
+          </p:cNvSpPr>
+          <p:nvPr>
+            <p:ph type="sldNum" sz="quarter" idx="12"/>
+          </p:nvPr>
+        </p:nvSpPr>
+        <p:spPr/>
+        <p:txBody>
+          <a:bodyPr/>
+          <a:lstStyle/>
+          <a:p>
+            <a:fld id="{651C50BF-3A9D-4B62-9482-23DFD07EAA37}" type="slidenum">
+              <a:rPr lang="es-ES" smtClean="0"/>
+              <a:t>18</a:t>
+            </a:fld>
+            <a:endParaRPr lang="es-ES"/>
+          </a:p>
+        </p:txBody>
+      </p:sp>
+    </p:spTree>
+    <p:extLst>
+      <p:ext uri="{BB962C8B-B14F-4D97-AF65-F5344CB8AC3E}">
+        <p14:creationId xmlns:p14="http://schemas.microsoft.com/office/powerpoint/2010/main" val="396607756"/>
+      </p:ext>
+    </p:extLst>
+  </p:cSld>
+  <p:clrMapOvr>
+    <a:masterClrMapping/>
+  </p:clrMapOvr>
+</p:sld>
+</file>
+
+<file path=ppt/slides/slide19.xml><?xml version="1.0" encoding="utf-8"?>
+<p:sld xmlns:a="http://schemas.openxmlformats.org/drawingml/2006/main" xmlns:r="http://schemas.openxmlformats.org/officeDocument/2006/relationships" xmlns:p="http://schemas.openxmlformats.org/presentationml/2006/main">
+  <p:cSld>
+    <p:spTree>
+      <p:nvGrpSpPr>
+        <p:cNvPr id="1" name=""/>
+        <p:cNvGrpSpPr/>
+        <p:nvPr/>
+      </p:nvGrpSpPr>
+      <p:grpSpPr>
+        <a:xfrm>
+          <a:off x="0" y="0"/>
+          <a:ext cx="0" cy="0"/>
+          <a:chOff x="0" y="0"/>
+          <a:chExt cx="0" cy="0"/>
+        </a:xfrm>
+      </p:grpSpPr>
+      <p:sp>
+        <p:nvSpPr>
+          <p:cNvPr id="2" name="Título 1">
+            <a:extLst>
+              <a:ext uri="{FF2B5EF4-FFF2-40B4-BE49-F238E27FC236}">
+                <a16:creationId xmlns:a16="http://schemas.microsoft.com/office/drawing/2014/main" id="{5562D135-5EF2-8C58-992A-E3F16D2B1541}"/>
+              </a:ext>
+            </a:extLst>
+          </p:cNvPr>
+          <p:cNvSpPr>
+            <a:spLocks noGrp="1"/>
+          </p:cNvSpPr>
+          <p:nvPr>
+            <p:ph type="title"/>
+          </p:nvPr>
+        </p:nvSpPr>
+        <p:spPr/>
+        <p:txBody>
+          <a:bodyPr/>
+          <a:lstStyle/>
+          <a:p>
+            <a:endParaRPr lang="es-ES"/>
+          </a:p>
+        </p:txBody>
+      </p:sp>
+      <p:sp>
+        <p:nvSpPr>
+          <p:cNvPr id="3" name="Marcador de contenido 2">
+            <a:extLst>
+              <a:ext uri="{FF2B5EF4-FFF2-40B4-BE49-F238E27FC236}">
+                <a16:creationId xmlns:a16="http://schemas.microsoft.com/office/drawing/2014/main" id="{3AD879E3-EE7F-612E-22AF-136731F8D5AC}"/>
+              </a:ext>
+            </a:extLst>
+          </p:cNvPr>
+          <p:cNvSpPr>
+            <a:spLocks noGrp="1"/>
+          </p:cNvSpPr>
+          <p:nvPr>
+            <p:ph idx="1"/>
+          </p:nvPr>
+        </p:nvSpPr>
+        <p:spPr/>
+        <p:txBody>
+          <a:bodyPr/>
+          <a:lstStyle/>
+          <a:p>
+            <a:endParaRPr lang="es-ES"/>
+          </a:p>
+        </p:txBody>
+      </p:sp>
+      <p:sp>
+        <p:nvSpPr>
+          <p:cNvPr id="4" name="Marcador de número de diapositiva 3">
+            <a:extLst>
+              <a:ext uri="{FF2B5EF4-FFF2-40B4-BE49-F238E27FC236}">
+                <a16:creationId xmlns:a16="http://schemas.microsoft.com/office/drawing/2014/main" id="{FE1AB7E8-5523-CBFC-5FB2-4B7F4523F558}"/>
+              </a:ext>
+            </a:extLst>
+          </p:cNvPr>
+          <p:cNvSpPr>
+            <a:spLocks noGrp="1"/>
+          </p:cNvSpPr>
+          <p:nvPr>
+            <p:ph type="sldNum" sz="quarter" idx="12"/>
+          </p:nvPr>
+        </p:nvSpPr>
+        <p:spPr/>
+        <p:txBody>
+          <a:bodyPr/>
+          <a:lstStyle/>
+          <a:p>
+            <a:fld id="{651C50BF-3A9D-4B62-9482-23DFD07EAA37}" type="slidenum">
+              <a:rPr lang="es-ES" smtClean="0"/>
+              <a:t>19</a:t>
+            </a:fld>
+            <a:endParaRPr lang="es-ES"/>
+          </a:p>
+        </p:txBody>
+      </p:sp>
+    </p:spTree>
+    <p:extLst>
+      <p:ext uri="{BB962C8B-B14F-4D97-AF65-F5344CB8AC3E}">
+        <p14:creationId xmlns:p14="http://schemas.microsoft.com/office/powerpoint/2010/main" val="723725083"/>
       </p:ext>
     </p:extLst>
   </p:cSld>
@@ -4389,6 +5544,897 @@
     <p:extLst>
       <p:ext uri="{BB962C8B-B14F-4D97-AF65-F5344CB8AC3E}">
         <p14:creationId xmlns:p14="http://schemas.microsoft.com/office/powerpoint/2010/main" val="2424111688"/>
+      </p:ext>
+    </p:extLst>
+  </p:cSld>
+  <p:clrMapOvr>
+    <a:masterClrMapping/>
+  </p:clrMapOvr>
+</p:sld>
+</file>
+
+<file path=ppt/slides/slide20.xml><?xml version="1.0" encoding="utf-8"?>
+<p:sld xmlns:a="http://schemas.openxmlformats.org/drawingml/2006/main" xmlns:r="http://schemas.openxmlformats.org/officeDocument/2006/relationships" xmlns:p="http://schemas.openxmlformats.org/presentationml/2006/main">
+  <p:cSld>
+    <p:spTree>
+      <p:nvGrpSpPr>
+        <p:cNvPr id="1" name=""/>
+        <p:cNvGrpSpPr/>
+        <p:nvPr/>
+      </p:nvGrpSpPr>
+      <p:grpSpPr>
+        <a:xfrm>
+          <a:off x="0" y="0"/>
+          <a:ext cx="0" cy="0"/>
+          <a:chOff x="0" y="0"/>
+          <a:chExt cx="0" cy="0"/>
+        </a:xfrm>
+      </p:grpSpPr>
+      <p:sp>
+        <p:nvSpPr>
+          <p:cNvPr id="4" name="Título 3">
+            <a:extLst>
+              <a:ext uri="{FF2B5EF4-FFF2-40B4-BE49-F238E27FC236}">
+                <a16:creationId xmlns:a16="http://schemas.microsoft.com/office/drawing/2014/main" id="{E6DF9A86-F709-7579-A18C-B73858B1BAAA}"/>
+              </a:ext>
+            </a:extLst>
+          </p:cNvPr>
+          <p:cNvSpPr>
+            <a:spLocks noGrp="1"/>
+          </p:cNvSpPr>
+          <p:nvPr>
+            <p:ph type="ctrTitle"/>
+          </p:nvPr>
+        </p:nvSpPr>
+        <p:spPr>
+          <a:xfrm>
+            <a:off x="1524000" y="2235200"/>
+            <a:ext cx="9144000" cy="2387600"/>
+          </a:xfrm>
+        </p:spPr>
+        <p:txBody>
+          <a:bodyPr>
+            <a:normAutofit/>
+          </a:bodyPr>
+          <a:lstStyle/>
+          <a:p>
+            <a:r>
+              <a:rPr lang="es-ES" b="1" dirty="0"/>
+              <a:t>Gestión de logs en entornos distribuidos</a:t>
+            </a:r>
+          </a:p>
+        </p:txBody>
+      </p:sp>
+    </p:spTree>
+    <p:extLst>
+      <p:ext uri="{BB962C8B-B14F-4D97-AF65-F5344CB8AC3E}">
+        <p14:creationId xmlns:p14="http://schemas.microsoft.com/office/powerpoint/2010/main" val="1277336786"/>
+      </p:ext>
+    </p:extLst>
+  </p:cSld>
+  <p:clrMapOvr>
+    <a:masterClrMapping/>
+  </p:clrMapOvr>
+</p:sld>
+</file>
+
+<file path=ppt/slides/slide21.xml><?xml version="1.0" encoding="utf-8"?>
+<p:sld xmlns:a="http://schemas.openxmlformats.org/drawingml/2006/main" xmlns:r="http://schemas.openxmlformats.org/officeDocument/2006/relationships" xmlns:p="http://schemas.openxmlformats.org/presentationml/2006/main">
+  <p:cSld>
+    <p:spTree>
+      <p:nvGrpSpPr>
+        <p:cNvPr id="1" name=""/>
+        <p:cNvGrpSpPr/>
+        <p:nvPr/>
+      </p:nvGrpSpPr>
+      <p:grpSpPr>
+        <a:xfrm>
+          <a:off x="0" y="0"/>
+          <a:ext cx="0" cy="0"/>
+          <a:chOff x="0" y="0"/>
+          <a:chExt cx="0" cy="0"/>
+        </a:xfrm>
+      </p:grpSpPr>
+      <p:sp>
+        <p:nvSpPr>
+          <p:cNvPr id="2" name="Título 1">
+            <a:extLst>
+              <a:ext uri="{FF2B5EF4-FFF2-40B4-BE49-F238E27FC236}">
+                <a16:creationId xmlns:a16="http://schemas.microsoft.com/office/drawing/2014/main" id="{E7F79E4B-25C9-7D43-C7F6-D102A2C6B52C}"/>
+              </a:ext>
+            </a:extLst>
+          </p:cNvPr>
+          <p:cNvSpPr>
+            <a:spLocks noGrp="1"/>
+          </p:cNvSpPr>
+          <p:nvPr>
+            <p:ph type="title"/>
+          </p:nvPr>
+        </p:nvSpPr>
+        <p:spPr/>
+        <p:txBody>
+          <a:bodyPr/>
+          <a:lstStyle/>
+          <a:p>
+            <a:r>
+              <a:rPr lang="es-ES" dirty="0"/>
+              <a:t>Herramientas</a:t>
+            </a:r>
+          </a:p>
+        </p:txBody>
+      </p:sp>
+      <p:sp>
+        <p:nvSpPr>
+          <p:cNvPr id="3" name="Marcador de contenido 2">
+            <a:extLst>
+              <a:ext uri="{FF2B5EF4-FFF2-40B4-BE49-F238E27FC236}">
+                <a16:creationId xmlns:a16="http://schemas.microsoft.com/office/drawing/2014/main" id="{0E1EEBED-E8D4-827F-44A8-51B311C43067}"/>
+              </a:ext>
+            </a:extLst>
+          </p:cNvPr>
+          <p:cNvSpPr>
+            <a:spLocks noGrp="1"/>
+          </p:cNvSpPr>
+          <p:nvPr>
+            <p:ph idx="1"/>
+          </p:nvPr>
+        </p:nvSpPr>
+        <p:spPr>
+          <a:xfrm>
+            <a:off x="838200" y="1825625"/>
+            <a:ext cx="10654364" cy="4667250"/>
+          </a:xfrm>
+        </p:spPr>
+        <p:txBody>
+          <a:bodyPr>
+            <a:normAutofit lnSpcReduction="10000"/>
+          </a:bodyPr>
+          <a:lstStyle/>
+          <a:p>
+            <a:r>
+              <a:rPr lang="es-ES" b="1" dirty="0" err="1"/>
+              <a:t>Fluentd</a:t>
+            </a:r>
+            <a:r>
+              <a:rPr lang="es-ES" dirty="0"/>
+              <a:t> es un colector de logs de código abierto que:</a:t>
+            </a:r>
+          </a:p>
+          <a:p>
+            <a:pPr lvl="1"/>
+            <a:r>
+              <a:rPr lang="es-ES" dirty="0"/>
+              <a:t>Recolecta logs desde múltiples fuentes (archivos, </a:t>
+            </a:r>
+            <a:r>
+              <a:rPr lang="es-ES" dirty="0" err="1"/>
+              <a:t>syslog</a:t>
+            </a:r>
+            <a:r>
+              <a:rPr lang="es-ES" dirty="0"/>
+              <a:t>, </a:t>
+            </a:r>
+            <a:r>
+              <a:rPr lang="es-ES" dirty="0" err="1"/>
+              <a:t>stdout</a:t>
+            </a:r>
+            <a:r>
+              <a:rPr lang="es-ES" dirty="0"/>
+              <a:t>, etc.)</a:t>
+            </a:r>
+          </a:p>
+          <a:p>
+            <a:pPr lvl="1"/>
+            <a:r>
+              <a:rPr lang="es-ES" dirty="0"/>
+              <a:t>Los transforma y filtra (formato, etiquetas, niveles)</a:t>
+            </a:r>
+          </a:p>
+          <a:p>
+            <a:pPr lvl="1"/>
+            <a:r>
+              <a:rPr lang="es-ES" dirty="0"/>
+              <a:t>Los reenvía a destinos como </a:t>
+            </a:r>
+            <a:r>
+              <a:rPr lang="es-ES" dirty="0" err="1"/>
+              <a:t>Elasticsearch</a:t>
+            </a:r>
+            <a:r>
+              <a:rPr lang="es-ES" dirty="0"/>
+              <a:t>, Kafka, S3, etc.</a:t>
+            </a:r>
+          </a:p>
+          <a:p>
+            <a:pPr lvl="1"/>
+            <a:r>
+              <a:rPr lang="es-ES" dirty="0"/>
+              <a:t>Es parte de la </a:t>
+            </a:r>
+            <a:r>
+              <a:rPr lang="es-ES" b="1" dirty="0"/>
+              <a:t>Cloud Native Computing </a:t>
+            </a:r>
+            <a:r>
+              <a:rPr lang="es-ES" b="1" dirty="0" err="1"/>
+              <a:t>Foundation</a:t>
+            </a:r>
+            <a:r>
+              <a:rPr lang="es-ES" b="1" dirty="0"/>
+              <a:t> (CNCF)</a:t>
+            </a:r>
+            <a:r>
+              <a:rPr lang="es-ES" dirty="0"/>
+              <a:t> y se usa en producción por empresas como Amazon, Microsoft y Google.</a:t>
+            </a:r>
+          </a:p>
+          <a:p>
+            <a:endParaRPr lang="es-ES" dirty="0"/>
+          </a:p>
+          <a:p>
+            <a:r>
+              <a:rPr lang="es-ES" b="1" dirty="0" err="1"/>
+              <a:t>Elasticsearch</a:t>
+            </a:r>
+            <a:endParaRPr lang="es-ES" b="1" dirty="0"/>
+          </a:p>
+          <a:p>
+            <a:pPr lvl="1"/>
+            <a:r>
+              <a:rPr lang="es-ES" dirty="0"/>
+              <a:t>Es un motor de búsqueda y análisis de texto distribuido que:</a:t>
+            </a:r>
+          </a:p>
+          <a:p>
+            <a:pPr lvl="2"/>
+            <a:r>
+              <a:rPr lang="es-ES" dirty="0"/>
+              <a:t>Indexa logs en tiempo real</a:t>
+            </a:r>
+          </a:p>
+          <a:p>
+            <a:pPr lvl="2"/>
+            <a:r>
+              <a:rPr lang="es-ES" dirty="0"/>
+              <a:t>Permite búsquedas complejas y agregaciones</a:t>
+            </a:r>
+          </a:p>
+          <a:p>
+            <a:pPr lvl="2"/>
+            <a:r>
+              <a:rPr lang="es-ES" dirty="0"/>
+              <a:t>Se integra con </a:t>
+            </a:r>
+            <a:r>
+              <a:rPr lang="es-ES" b="1" dirty="0" err="1"/>
+              <a:t>Kibana</a:t>
+            </a:r>
+            <a:r>
+              <a:rPr lang="es-ES" dirty="0"/>
+              <a:t> para visualización</a:t>
+            </a:r>
+          </a:p>
+          <a:p>
+            <a:endParaRPr lang="es-ES" dirty="0"/>
+          </a:p>
+          <a:p>
+            <a:endParaRPr lang="es-ES" dirty="0"/>
+          </a:p>
+        </p:txBody>
+      </p:sp>
+      <p:sp>
+        <p:nvSpPr>
+          <p:cNvPr id="4" name="Marcador de número de diapositiva 3">
+            <a:extLst>
+              <a:ext uri="{FF2B5EF4-FFF2-40B4-BE49-F238E27FC236}">
+                <a16:creationId xmlns:a16="http://schemas.microsoft.com/office/drawing/2014/main" id="{97CB27B5-58EB-82E8-0EA2-4EEA3E5D9678}"/>
+              </a:ext>
+            </a:extLst>
+          </p:cNvPr>
+          <p:cNvSpPr>
+            <a:spLocks noGrp="1"/>
+          </p:cNvSpPr>
+          <p:nvPr>
+            <p:ph type="sldNum" sz="quarter" idx="12"/>
+          </p:nvPr>
+        </p:nvSpPr>
+        <p:spPr/>
+        <p:txBody>
+          <a:bodyPr/>
+          <a:lstStyle/>
+          <a:p>
+            <a:fld id="{DBA0B7A9-3FAC-4523-93F5-549EB9982FEE}" type="slidenum">
+              <a:rPr lang="es-ES" smtClean="0"/>
+              <a:t>21</a:t>
+            </a:fld>
+            <a:endParaRPr lang="es-ES"/>
+          </a:p>
+        </p:txBody>
+      </p:sp>
+    </p:spTree>
+    <p:extLst>
+      <p:ext uri="{BB962C8B-B14F-4D97-AF65-F5344CB8AC3E}">
+        <p14:creationId xmlns:p14="http://schemas.microsoft.com/office/powerpoint/2010/main" val="1481937165"/>
+      </p:ext>
+    </p:extLst>
+  </p:cSld>
+  <p:clrMapOvr>
+    <a:masterClrMapping/>
+  </p:clrMapOvr>
+</p:sld>
+</file>
+
+<file path=ppt/slides/slide22.xml><?xml version="1.0" encoding="utf-8"?>
+<p:sld xmlns:a="http://schemas.openxmlformats.org/drawingml/2006/main" xmlns:r="http://schemas.openxmlformats.org/officeDocument/2006/relationships" xmlns:p="http://schemas.openxmlformats.org/presentationml/2006/main">
+  <p:cSld>
+    <p:spTree>
+      <p:nvGrpSpPr>
+        <p:cNvPr id="1" name=""/>
+        <p:cNvGrpSpPr/>
+        <p:nvPr/>
+      </p:nvGrpSpPr>
+      <p:grpSpPr>
+        <a:xfrm>
+          <a:off x="0" y="0"/>
+          <a:ext cx="0" cy="0"/>
+          <a:chOff x="0" y="0"/>
+          <a:chExt cx="0" cy="0"/>
+        </a:xfrm>
+      </p:grpSpPr>
+      <p:sp>
+        <p:nvSpPr>
+          <p:cNvPr id="2" name="Título 1">
+            <a:extLst>
+              <a:ext uri="{FF2B5EF4-FFF2-40B4-BE49-F238E27FC236}">
+                <a16:creationId xmlns:a16="http://schemas.microsoft.com/office/drawing/2014/main" id="{655C8CF6-0607-2270-5198-4D0DC4734D66}"/>
+              </a:ext>
+            </a:extLst>
+          </p:cNvPr>
+          <p:cNvSpPr>
+            <a:spLocks noGrp="1"/>
+          </p:cNvSpPr>
+          <p:nvPr>
+            <p:ph type="title"/>
+          </p:nvPr>
+        </p:nvSpPr>
+        <p:spPr/>
+        <p:txBody>
+          <a:bodyPr/>
+          <a:lstStyle/>
+          <a:p>
+            <a:r>
+              <a:rPr lang="es-ES" dirty="0"/>
+              <a:t>Integración </a:t>
+            </a:r>
+            <a:r>
+              <a:rPr lang="es-ES" dirty="0" err="1"/>
+              <a:t>Fluentd</a:t>
+            </a:r>
+            <a:r>
+              <a:rPr lang="es-ES" dirty="0"/>
+              <a:t> y </a:t>
+            </a:r>
+            <a:r>
+              <a:rPr lang="es-ES" dirty="0" err="1"/>
+              <a:t>Elasticsearch</a:t>
+            </a:r>
+            <a:endParaRPr lang="es-ES" dirty="0"/>
+          </a:p>
+        </p:txBody>
+      </p:sp>
+      <p:sp>
+        <p:nvSpPr>
+          <p:cNvPr id="3" name="Marcador de contenido 2">
+            <a:extLst>
+              <a:ext uri="{FF2B5EF4-FFF2-40B4-BE49-F238E27FC236}">
+                <a16:creationId xmlns:a16="http://schemas.microsoft.com/office/drawing/2014/main" id="{A3CCFAB9-E187-2871-F136-ACAD37B40578}"/>
+              </a:ext>
+            </a:extLst>
+          </p:cNvPr>
+          <p:cNvSpPr>
+            <a:spLocks noGrp="1"/>
+          </p:cNvSpPr>
+          <p:nvPr>
+            <p:ph idx="1"/>
+          </p:nvPr>
+        </p:nvSpPr>
+        <p:spPr/>
+        <p:txBody>
+          <a:bodyPr/>
+          <a:lstStyle/>
+          <a:p>
+            <a:r>
+              <a:rPr lang="es-ES" dirty="0" err="1"/>
+              <a:t>Fluentd</a:t>
+            </a:r>
+            <a:r>
+              <a:rPr lang="es-ES" dirty="0"/>
+              <a:t> recolecta los logs del servicio C++ (por ejemplo, desde archivos generados por </a:t>
+            </a:r>
+            <a:r>
+              <a:rPr lang="es-ES" dirty="0" err="1"/>
+              <a:t>spdlog</a:t>
+            </a:r>
+            <a:r>
+              <a:rPr lang="es-ES" dirty="0"/>
+              <a:t>, </a:t>
+            </a:r>
+            <a:r>
+              <a:rPr lang="es-ES" dirty="0" err="1"/>
+              <a:t>Boost.Log</a:t>
+            </a:r>
+            <a:r>
+              <a:rPr lang="es-ES" dirty="0"/>
+              <a:t>, etc.)</a:t>
+            </a:r>
+          </a:p>
+          <a:p>
+            <a:r>
+              <a:rPr lang="es-ES" dirty="0"/>
+              <a:t>Los transforma (añade etiquetas, convierte a JSON, etc.)</a:t>
+            </a:r>
+          </a:p>
+          <a:p>
+            <a:r>
+              <a:rPr lang="es-ES" dirty="0"/>
+              <a:t>Los envía a </a:t>
+            </a:r>
+            <a:r>
+              <a:rPr lang="es-ES" dirty="0" err="1"/>
+              <a:t>Elasticsearch</a:t>
+            </a:r>
+            <a:r>
+              <a:rPr lang="es-ES" dirty="0"/>
+              <a:t>, donde se almacenan e indexan</a:t>
+            </a:r>
+          </a:p>
+          <a:p>
+            <a:r>
+              <a:rPr lang="es-ES" dirty="0" err="1"/>
+              <a:t>Kibana</a:t>
+            </a:r>
+            <a:r>
+              <a:rPr lang="es-ES" dirty="0"/>
+              <a:t> (opcional) los visualiza en </a:t>
+            </a:r>
+            <a:r>
+              <a:rPr lang="es-ES" dirty="0" err="1"/>
+              <a:t>dashboards</a:t>
+            </a:r>
+            <a:r>
+              <a:rPr lang="es-ES" dirty="0"/>
+              <a:t> interactivos</a:t>
+            </a:r>
+          </a:p>
+        </p:txBody>
+      </p:sp>
+      <p:sp>
+        <p:nvSpPr>
+          <p:cNvPr id="4" name="Marcador de número de diapositiva 3">
+            <a:extLst>
+              <a:ext uri="{FF2B5EF4-FFF2-40B4-BE49-F238E27FC236}">
+                <a16:creationId xmlns:a16="http://schemas.microsoft.com/office/drawing/2014/main" id="{A8164187-0245-FE0D-7AE3-5D46E3BDE7C3}"/>
+              </a:ext>
+            </a:extLst>
+          </p:cNvPr>
+          <p:cNvSpPr>
+            <a:spLocks noGrp="1"/>
+          </p:cNvSpPr>
+          <p:nvPr>
+            <p:ph type="sldNum" sz="quarter" idx="12"/>
+          </p:nvPr>
+        </p:nvSpPr>
+        <p:spPr/>
+        <p:txBody>
+          <a:bodyPr/>
+          <a:lstStyle/>
+          <a:p>
+            <a:fld id="{DBA0B7A9-3FAC-4523-93F5-549EB9982FEE}" type="slidenum">
+              <a:rPr lang="es-ES" smtClean="0"/>
+              <a:t>22</a:t>
+            </a:fld>
+            <a:endParaRPr lang="es-ES"/>
+          </a:p>
+        </p:txBody>
+      </p:sp>
+    </p:spTree>
+    <p:extLst>
+      <p:ext uri="{BB962C8B-B14F-4D97-AF65-F5344CB8AC3E}">
+        <p14:creationId xmlns:p14="http://schemas.microsoft.com/office/powerpoint/2010/main" val="694703184"/>
+      </p:ext>
+    </p:extLst>
+  </p:cSld>
+  <p:clrMapOvr>
+    <a:masterClrMapping/>
+  </p:clrMapOvr>
+</p:sld>
+</file>
+
+<file path=ppt/slides/slide23.xml><?xml version="1.0" encoding="utf-8"?>
+<p:sld xmlns:a="http://schemas.openxmlformats.org/drawingml/2006/main" xmlns:r="http://schemas.openxmlformats.org/officeDocument/2006/relationships" xmlns:p="http://schemas.openxmlformats.org/presentationml/2006/main">
+  <p:cSld>
+    <p:spTree>
+      <p:nvGrpSpPr>
+        <p:cNvPr id="1" name=""/>
+        <p:cNvGrpSpPr/>
+        <p:nvPr/>
+      </p:nvGrpSpPr>
+      <p:grpSpPr>
+        <a:xfrm>
+          <a:off x="0" y="0"/>
+          <a:ext cx="0" cy="0"/>
+          <a:chOff x="0" y="0"/>
+          <a:chExt cx="0" cy="0"/>
+        </a:xfrm>
+      </p:grpSpPr>
+      <p:sp>
+        <p:nvSpPr>
+          <p:cNvPr id="2" name="Título 1">
+            <a:extLst>
+              <a:ext uri="{FF2B5EF4-FFF2-40B4-BE49-F238E27FC236}">
+                <a16:creationId xmlns:a16="http://schemas.microsoft.com/office/drawing/2014/main" id="{F445FB2C-AD04-14DF-FC7D-9A9BCB11613F}"/>
+              </a:ext>
+            </a:extLst>
+          </p:cNvPr>
+          <p:cNvSpPr>
+            <a:spLocks noGrp="1"/>
+          </p:cNvSpPr>
+          <p:nvPr>
+            <p:ph type="title"/>
+          </p:nvPr>
+        </p:nvSpPr>
+        <p:spPr/>
+        <p:txBody>
+          <a:bodyPr/>
+          <a:lstStyle/>
+          <a:p>
+            <a:r>
+              <a:rPr lang="es-ES" dirty="0"/>
+              <a:t>Instalación en Docker</a:t>
+            </a:r>
+          </a:p>
+        </p:txBody>
+      </p:sp>
+      <p:sp>
+        <p:nvSpPr>
+          <p:cNvPr id="3" name="Marcador de contenido 2">
+            <a:extLst>
+              <a:ext uri="{FF2B5EF4-FFF2-40B4-BE49-F238E27FC236}">
+                <a16:creationId xmlns:a16="http://schemas.microsoft.com/office/drawing/2014/main" id="{AC06CB6A-3ADE-ACA9-332A-44B67F3CDCEA}"/>
+              </a:ext>
+            </a:extLst>
+          </p:cNvPr>
+          <p:cNvSpPr>
+            <a:spLocks noGrp="1"/>
+          </p:cNvSpPr>
+          <p:nvPr>
+            <p:ph idx="1"/>
+          </p:nvPr>
+        </p:nvSpPr>
+        <p:spPr/>
+        <p:txBody>
+          <a:bodyPr>
+            <a:normAutofit/>
+          </a:bodyPr>
+          <a:lstStyle/>
+          <a:p>
+            <a:r>
+              <a:rPr lang="en-US" b="1" dirty="0" err="1"/>
+              <a:t>Fluentd</a:t>
+            </a:r>
+            <a:endParaRPr lang="en-US" b="1" dirty="0"/>
+          </a:p>
+          <a:p>
+            <a:pPr marL="457200" lvl="1" indent="0">
+              <a:buNone/>
+            </a:pPr>
+            <a:r>
+              <a:rPr lang="en-US" dirty="0"/>
+              <a:t>docker run -d -p 24224:24224 -p 24224:24224/</a:t>
+            </a:r>
+            <a:r>
+              <a:rPr lang="en-US" dirty="0" err="1"/>
+              <a:t>udp</a:t>
+            </a:r>
+            <a:r>
+              <a:rPr lang="en-US" dirty="0"/>
+              <a:t> \</a:t>
+            </a:r>
+          </a:p>
+          <a:p>
+            <a:pPr marL="457200" lvl="1" indent="0">
+              <a:buNone/>
+            </a:pPr>
+            <a:r>
+              <a:rPr lang="en-US" dirty="0"/>
+              <a:t>  -v /path/to/</a:t>
+            </a:r>
+            <a:r>
+              <a:rPr lang="en-US" dirty="0" err="1"/>
+              <a:t>fluent.conf</a:t>
+            </a:r>
+            <a:r>
+              <a:rPr lang="en-US" dirty="0"/>
+              <a:t>:/</a:t>
+            </a:r>
+            <a:r>
+              <a:rPr lang="en-US" dirty="0" err="1"/>
+              <a:t>fluentd</a:t>
+            </a:r>
+            <a:r>
+              <a:rPr lang="en-US" dirty="0"/>
+              <a:t>/</a:t>
+            </a:r>
+            <a:r>
+              <a:rPr lang="en-US" dirty="0" err="1"/>
+              <a:t>etc</a:t>
+            </a:r>
+            <a:r>
+              <a:rPr lang="en-US" dirty="0"/>
+              <a:t>/</a:t>
+            </a:r>
+            <a:r>
+              <a:rPr lang="en-US" dirty="0" err="1"/>
+              <a:t>fluent.conf</a:t>
+            </a:r>
+            <a:r>
+              <a:rPr lang="en-US" dirty="0"/>
+              <a:t> \</a:t>
+            </a:r>
+          </a:p>
+          <a:p>
+            <a:pPr marL="457200" lvl="1" indent="0">
+              <a:buNone/>
+            </a:pPr>
+            <a:r>
+              <a:rPr lang="en-US" dirty="0"/>
+              <a:t>  fluent/</a:t>
+            </a:r>
+            <a:r>
+              <a:rPr lang="en-US" dirty="0" err="1"/>
+              <a:t>fluentd</a:t>
+            </a:r>
+            <a:endParaRPr lang="en-US" dirty="0"/>
+          </a:p>
+          <a:p>
+            <a:endParaRPr lang="en-US" dirty="0"/>
+          </a:p>
+          <a:p>
+            <a:r>
+              <a:rPr lang="en-US" b="1" dirty="0"/>
+              <a:t>Elasticsearch</a:t>
+            </a:r>
+          </a:p>
+          <a:p>
+            <a:pPr marL="457200" lvl="1" indent="0">
+              <a:buNone/>
+            </a:pPr>
+            <a:r>
+              <a:rPr lang="en-US" dirty="0"/>
+              <a:t>docker run -d -p 9200:9200 -p 9300:9300 \</a:t>
+            </a:r>
+          </a:p>
+          <a:p>
+            <a:pPr marL="457200" lvl="1" indent="0">
+              <a:buNone/>
+            </a:pPr>
+            <a:r>
+              <a:rPr lang="en-US" dirty="0"/>
+              <a:t>  -e "</a:t>
+            </a:r>
+            <a:r>
+              <a:rPr lang="en-US" dirty="0" err="1"/>
+              <a:t>discovery.type</a:t>
+            </a:r>
+            <a:r>
+              <a:rPr lang="en-US" dirty="0"/>
+              <a:t>=single-node" \</a:t>
+            </a:r>
+          </a:p>
+          <a:p>
+            <a:pPr marL="457200" lvl="1" indent="0">
+              <a:buNone/>
+            </a:pPr>
+            <a:r>
+              <a:rPr lang="en-US" dirty="0"/>
+              <a:t>  elasticsearch:8.12.0</a:t>
+            </a:r>
+          </a:p>
+          <a:p>
+            <a:endParaRPr lang="en-US" dirty="0"/>
+          </a:p>
+          <a:p>
+            <a:endParaRPr lang="en-US" dirty="0"/>
+          </a:p>
+          <a:p>
+            <a:endParaRPr lang="en-US" dirty="0"/>
+          </a:p>
+          <a:p>
+            <a:endParaRPr lang="es-ES" dirty="0"/>
+          </a:p>
+        </p:txBody>
+      </p:sp>
+      <p:sp>
+        <p:nvSpPr>
+          <p:cNvPr id="4" name="Marcador de número de diapositiva 3">
+            <a:extLst>
+              <a:ext uri="{FF2B5EF4-FFF2-40B4-BE49-F238E27FC236}">
+                <a16:creationId xmlns:a16="http://schemas.microsoft.com/office/drawing/2014/main" id="{9C85A0BE-EBCD-9C34-7BE5-63A6993AE0AE}"/>
+              </a:ext>
+            </a:extLst>
+          </p:cNvPr>
+          <p:cNvSpPr>
+            <a:spLocks noGrp="1"/>
+          </p:cNvSpPr>
+          <p:nvPr>
+            <p:ph type="sldNum" sz="quarter" idx="12"/>
+          </p:nvPr>
+        </p:nvSpPr>
+        <p:spPr/>
+        <p:txBody>
+          <a:bodyPr/>
+          <a:lstStyle/>
+          <a:p>
+            <a:fld id="{DBA0B7A9-3FAC-4523-93F5-549EB9982FEE}" type="slidenum">
+              <a:rPr lang="es-ES" smtClean="0"/>
+              <a:t>23</a:t>
+            </a:fld>
+            <a:endParaRPr lang="es-ES"/>
+          </a:p>
+        </p:txBody>
+      </p:sp>
+    </p:spTree>
+    <p:extLst>
+      <p:ext uri="{BB962C8B-B14F-4D97-AF65-F5344CB8AC3E}">
+        <p14:creationId xmlns:p14="http://schemas.microsoft.com/office/powerpoint/2010/main" val="2837238231"/>
+      </p:ext>
+    </p:extLst>
+  </p:cSld>
+  <p:clrMapOvr>
+    <a:masterClrMapping/>
+  </p:clrMapOvr>
+</p:sld>
+</file>
+
+<file path=ppt/slides/slide24.xml><?xml version="1.0" encoding="utf-8"?>
+<p:sld xmlns:a="http://schemas.openxmlformats.org/drawingml/2006/main" xmlns:r="http://schemas.openxmlformats.org/officeDocument/2006/relationships" xmlns:p="http://schemas.openxmlformats.org/presentationml/2006/main">
+  <p:cSld>
+    <p:spTree>
+      <p:nvGrpSpPr>
+        <p:cNvPr id="1" name=""/>
+        <p:cNvGrpSpPr/>
+        <p:nvPr/>
+      </p:nvGrpSpPr>
+      <p:grpSpPr>
+        <a:xfrm>
+          <a:off x="0" y="0"/>
+          <a:ext cx="0" cy="0"/>
+          <a:chOff x="0" y="0"/>
+          <a:chExt cx="0" cy="0"/>
+        </a:xfrm>
+      </p:grpSpPr>
+      <p:sp>
+        <p:nvSpPr>
+          <p:cNvPr id="2" name="Título 1">
+            <a:extLst>
+              <a:ext uri="{FF2B5EF4-FFF2-40B4-BE49-F238E27FC236}">
+                <a16:creationId xmlns:a16="http://schemas.microsoft.com/office/drawing/2014/main" id="{4906AF98-3A66-29CE-483D-4CBE8EE5E433}"/>
+              </a:ext>
+            </a:extLst>
+          </p:cNvPr>
+          <p:cNvSpPr>
+            <a:spLocks noGrp="1"/>
+          </p:cNvSpPr>
+          <p:nvPr>
+            <p:ph type="title"/>
+          </p:nvPr>
+        </p:nvSpPr>
+        <p:spPr/>
+        <p:txBody>
+          <a:bodyPr/>
+          <a:lstStyle/>
+          <a:p>
+            <a:r>
+              <a:rPr lang="es-ES" dirty="0"/>
+              <a:t>Se puede auditar</a:t>
+            </a:r>
+          </a:p>
+        </p:txBody>
+      </p:sp>
+      <p:sp>
+        <p:nvSpPr>
+          <p:cNvPr id="3" name="Marcador de contenido 2">
+            <a:extLst>
+              <a:ext uri="{FF2B5EF4-FFF2-40B4-BE49-F238E27FC236}">
+                <a16:creationId xmlns:a16="http://schemas.microsoft.com/office/drawing/2014/main" id="{44C5EF22-D957-CCFA-8A91-B434AF991E3B}"/>
+              </a:ext>
+            </a:extLst>
+          </p:cNvPr>
+          <p:cNvSpPr>
+            <a:spLocks noGrp="1"/>
+          </p:cNvSpPr>
+          <p:nvPr>
+            <p:ph idx="1"/>
+          </p:nvPr>
+        </p:nvSpPr>
+        <p:spPr/>
+        <p:txBody>
+          <a:bodyPr/>
+          <a:lstStyle/>
+          <a:p>
+            <a:r>
+              <a:rPr lang="es-ES" dirty="0"/>
+              <a:t>Accesos a </a:t>
+            </a:r>
+            <a:r>
+              <a:rPr lang="es-ES" dirty="0" err="1"/>
+              <a:t>endpoints</a:t>
+            </a:r>
+            <a:endParaRPr lang="es-ES" dirty="0"/>
+          </a:p>
+          <a:p>
+            <a:r>
+              <a:rPr lang="es-ES" dirty="0"/>
+              <a:t>Errores HTTP</a:t>
+            </a:r>
+          </a:p>
+          <a:p>
+            <a:r>
+              <a:rPr lang="es-ES" dirty="0" err="1"/>
+              <a:t>IPs</a:t>
+            </a:r>
+            <a:r>
+              <a:rPr lang="es-ES" dirty="0"/>
+              <a:t> de origen</a:t>
+            </a:r>
+          </a:p>
+          <a:p>
+            <a:r>
+              <a:rPr lang="es-ES" dirty="0"/>
+              <a:t>Usuarios autenticados</a:t>
+            </a:r>
+          </a:p>
+          <a:p>
+            <a:r>
+              <a:rPr lang="es-ES" dirty="0"/>
+              <a:t>Cambios en datos sensibles</a:t>
+            </a:r>
+          </a:p>
+        </p:txBody>
+      </p:sp>
+      <p:sp>
+        <p:nvSpPr>
+          <p:cNvPr id="4" name="Marcador de número de diapositiva 3">
+            <a:extLst>
+              <a:ext uri="{FF2B5EF4-FFF2-40B4-BE49-F238E27FC236}">
+                <a16:creationId xmlns:a16="http://schemas.microsoft.com/office/drawing/2014/main" id="{9699DE7F-428A-A0DD-EA31-CB50D668E977}"/>
+              </a:ext>
+            </a:extLst>
+          </p:cNvPr>
+          <p:cNvSpPr>
+            <a:spLocks noGrp="1"/>
+          </p:cNvSpPr>
+          <p:nvPr>
+            <p:ph type="sldNum" sz="quarter" idx="12"/>
+          </p:nvPr>
+        </p:nvSpPr>
+        <p:spPr/>
+        <p:txBody>
+          <a:bodyPr/>
+          <a:lstStyle/>
+          <a:p>
+            <a:fld id="{DBA0B7A9-3FAC-4523-93F5-549EB9982FEE}" type="slidenum">
+              <a:rPr lang="es-ES" smtClean="0"/>
+              <a:t>24</a:t>
+            </a:fld>
+            <a:endParaRPr lang="es-ES"/>
+          </a:p>
+        </p:txBody>
+      </p:sp>
+    </p:spTree>
+    <p:extLst>
+      <p:ext uri="{BB962C8B-B14F-4D97-AF65-F5344CB8AC3E}">
+        <p14:creationId xmlns:p14="http://schemas.microsoft.com/office/powerpoint/2010/main" val="2292512970"/>
       </p:ext>
     </p:extLst>
   </p:cSld>
@@ -4512,7 +6558,7 @@
           <p:cNvPr id="2" name="Título 1">
             <a:extLst>
               <a:ext uri="{FF2B5EF4-FFF2-40B4-BE49-F238E27FC236}">
-                <a16:creationId xmlns:a16="http://schemas.microsoft.com/office/drawing/2014/main" id="{811E3C68-6D15-753D-BF00-1C1EEF446C19}"/>
+                <a16:creationId xmlns:a16="http://schemas.microsoft.com/office/drawing/2014/main" id="{3A638EDA-24E0-98F3-D3EE-80FBD1C29D2F}"/>
               </a:ext>
             </a:extLst>
           </p:cNvPr>
@@ -4528,41 +6574,73 @@
           <a:bodyPr/>
           <a:lstStyle/>
           <a:p>
+            <a:r>
+              <a:rPr lang="es-ES" dirty="0"/>
+              <a:t>Herramientas / Métricas</a:t>
+            </a:r>
+          </a:p>
+        </p:txBody>
+      </p:sp>
+      <p:sp>
+        <p:nvSpPr>
+          <p:cNvPr id="3" name="Marcador de contenido 2">
+            <a:extLst>
+              <a:ext uri="{FF2B5EF4-FFF2-40B4-BE49-F238E27FC236}">
+                <a16:creationId xmlns:a16="http://schemas.microsoft.com/office/drawing/2014/main" id="{681C05A1-F8FD-BD0B-824C-596A85B035DA}"/>
+              </a:ext>
+            </a:extLst>
+          </p:cNvPr>
+          <p:cNvSpPr>
+            <a:spLocks noGrp="1"/>
+          </p:cNvSpPr>
+          <p:nvPr>
+            <p:ph idx="1"/>
+          </p:nvPr>
+        </p:nvSpPr>
+        <p:spPr>
+          <a:xfrm>
+            <a:off x="838200" y="1825625"/>
+            <a:ext cx="10515600" cy="811697"/>
+          </a:xfrm>
+        </p:spPr>
+        <p:txBody>
+          <a:bodyPr>
+            <a:normAutofit lnSpcReduction="10000"/>
+          </a:bodyPr>
+          <a:lstStyle/>
+          <a:p>
+            <a:r>
+              <a:rPr lang="es-ES" dirty="0"/>
+              <a:t>Uso de </a:t>
+            </a:r>
+            <a:r>
+              <a:rPr lang="es-ES" dirty="0" err="1"/>
+              <a:t>Prometheus</a:t>
+            </a:r>
+            <a:r>
+              <a:rPr lang="es-ES" dirty="0"/>
+              <a:t> y </a:t>
+            </a:r>
+            <a:r>
+              <a:rPr lang="es-ES" dirty="0" err="1"/>
+              <a:t>Grafana</a:t>
+            </a:r>
+            <a:r>
+              <a:rPr lang="es-ES" dirty="0"/>
+              <a:t> para la recolección y visualización de métricas </a:t>
+            </a:r>
+          </a:p>
+          <a:p>
             <a:endParaRPr lang="es-ES" dirty="0"/>
           </a:p>
         </p:txBody>
       </p:sp>
       <p:sp>
         <p:nvSpPr>
-          <p:cNvPr id="3" name="Marcador de contenido 2">
-            <a:extLst>
-              <a:ext uri="{FF2B5EF4-FFF2-40B4-BE49-F238E27FC236}">
-                <a16:creationId xmlns:a16="http://schemas.microsoft.com/office/drawing/2014/main" id="{01B508D4-4C06-2E26-7826-26156EBA213A}"/>
-              </a:ext>
-            </a:extLst>
-          </p:cNvPr>
-          <p:cNvSpPr>
-            <a:spLocks noGrp="1"/>
-          </p:cNvSpPr>
-          <p:nvPr>
-            <p:ph idx="1"/>
-          </p:nvPr>
-        </p:nvSpPr>
-        <p:spPr/>
-        <p:txBody>
-          <a:bodyPr/>
-          <a:lstStyle/>
-          <a:p>
-            <a:endParaRPr lang="es-ES"/>
-          </a:p>
-        </p:txBody>
-      </p:sp>
-      <p:sp>
-        <p:nvSpPr>
           <p:cNvPr id="4" name="Marcador de número de diapositiva 3">
             <a:extLst>
               <a:ext uri="{FF2B5EF4-FFF2-40B4-BE49-F238E27FC236}">
-                <a16:creationId xmlns:a16="http://schemas.microsoft.com/office/drawing/2014/main" id="{35A0ED57-5FC4-FB2B-9A9E-B9A65287BFEE}"/>
+                <a16:creationId xmlns:a16="http://schemas.microsoft.com/office/drawing/2014/main" id="{F7F8A81F-CE5A-8995-A6A2-C46C660738CE}"/>
               </a:ext>
             </a:extLst>
           </p:cNvPr>
@@ -4578,7 +6656,7 @@
           <a:bodyPr/>
           <a:lstStyle/>
           <a:p>
-            <a:fld id="{651C50BF-3A9D-4B62-9482-23DFD07EAA37}" type="slidenum">
+            <a:fld id="{3A8F712D-A7EB-4D56-8C23-F47E080BF0D1}" type="slidenum">
               <a:rPr lang="es-ES" smtClean="0"/>
               <a:t>4</a:t>
             </a:fld>
@@ -4586,10 +6664,40 @@
           </a:p>
         </p:txBody>
       </p:sp>
+      <p:pic>
+        <p:nvPicPr>
+          <p:cNvPr id="5" name="Imagen 4">
+            <a:extLst>
+              <a:ext uri="{FF2B5EF4-FFF2-40B4-BE49-F238E27FC236}">
+                <a16:creationId xmlns:a16="http://schemas.microsoft.com/office/drawing/2014/main" id="{ED1F814E-788D-B31C-B282-4F2D0FFF13C2}"/>
+              </a:ext>
+            </a:extLst>
+          </p:cNvPr>
+          <p:cNvPicPr>
+            <a:picLocks noChangeAspect="1"/>
+          </p:cNvPicPr>
+          <p:nvPr/>
+        </p:nvPicPr>
+        <p:blipFill>
+          <a:blip r:embed="rId2"/>
+          <a:stretch>
+            <a:fillRect/>
+          </a:stretch>
+        </p:blipFill>
+        <p:spPr>
+          <a:xfrm>
+            <a:off x="1020277" y="2894477"/>
+            <a:ext cx="9553112" cy="3365301"/>
+          </a:xfrm>
+          <a:prstGeom prst="rect">
+            <a:avLst/>
+          </a:prstGeom>
+        </p:spPr>
+      </p:pic>
     </p:spTree>
     <p:extLst>
       <p:ext uri="{BB962C8B-B14F-4D97-AF65-F5344CB8AC3E}">
-        <p14:creationId xmlns:p14="http://schemas.microsoft.com/office/powerpoint/2010/main" val="1342970186"/>
+        <p14:creationId xmlns:p14="http://schemas.microsoft.com/office/powerpoint/2010/main" val="2397171407"/>
       </p:ext>
     </p:extLst>
   </p:cSld>
@@ -4621,7 +6729,7 @@
           <p:cNvPr id="5" name="Título 4">
             <a:extLst>
               <a:ext uri="{FF2B5EF4-FFF2-40B4-BE49-F238E27FC236}">
-                <a16:creationId xmlns:a16="http://schemas.microsoft.com/office/drawing/2014/main" id="{1CD4BCCE-C317-35B1-71A7-64B9ECE9A34C}"/>
+                <a16:creationId xmlns:a16="http://schemas.microsoft.com/office/drawing/2014/main" id="{EE707F2A-C907-0152-B3D2-CBEAE01C2B5D}"/>
               </a:ext>
             </a:extLst>
           </p:cNvPr>
@@ -4632,28 +6740,16 @@
             <p:ph type="ctrTitle"/>
           </p:nvPr>
         </p:nvSpPr>
-        <p:spPr>
-          <a:xfrm>
-            <a:off x="1524000" y="1979011"/>
-            <a:ext cx="9144000" cy="2387600"/>
-          </a:xfrm>
-        </p:spPr>
-        <p:txBody>
-          <a:bodyPr/>
-          <a:lstStyle/>
-          <a:p>
-            <a:r>
-              <a:rPr lang="es-ES" b="1" dirty="0"/>
-              <a:t>Implementación de </a:t>
-            </a:r>
+        <p:spPr/>
+        <p:txBody>
+          <a:bodyPr/>
+          <a:lstStyle/>
+          <a:p>
             <a:r>
               <a:rPr lang="es-ES" b="1" dirty="0" err="1"/>
-              <a:t>tracing</a:t>
-            </a:r>
-            <a:r>
-              <a:rPr lang="es-ES" b="1" dirty="0"/>
-              <a:t> distribuido</a:t>
-            </a:r>
+              <a:t>Prometheus</a:t>
+            </a:r>
+            <a:endParaRPr lang="es-ES" b="1" dirty="0"/>
           </a:p>
         </p:txBody>
       </p:sp>
@@ -4662,7 +6758,7 @@
           <p:cNvPr id="4" name="Marcador de número de diapositiva 3">
             <a:extLst>
               <a:ext uri="{FF2B5EF4-FFF2-40B4-BE49-F238E27FC236}">
-                <a16:creationId xmlns:a16="http://schemas.microsoft.com/office/drawing/2014/main" id="{249F3396-CACC-3B75-2659-22DDA3F5245C}"/>
+                <a16:creationId xmlns:a16="http://schemas.microsoft.com/office/drawing/2014/main" id="{6E1C59AF-1107-DA8C-3A42-6FF2CB919FA5}"/>
               </a:ext>
             </a:extLst>
           </p:cNvPr>
@@ -4678,7 +6774,7 @@
           <a:bodyPr/>
           <a:lstStyle/>
           <a:p>
-            <a:fld id="{651C50BF-3A9D-4B62-9482-23DFD07EAA37}" type="slidenum">
+            <a:fld id="{3A8F712D-A7EB-4D56-8C23-F47E080BF0D1}" type="slidenum">
               <a:rPr lang="es-ES" smtClean="0"/>
               <a:t>5</a:t>
             </a:fld>
@@ -4689,7 +6785,7 @@
     </p:spTree>
     <p:extLst>
       <p:ext uri="{BB962C8B-B14F-4D97-AF65-F5344CB8AC3E}">
-        <p14:creationId xmlns:p14="http://schemas.microsoft.com/office/powerpoint/2010/main" val="396607756"/>
+        <p14:creationId xmlns:p14="http://schemas.microsoft.com/office/powerpoint/2010/main" val="2403839250"/>
       </p:ext>
     </p:extLst>
   </p:cSld>
@@ -4721,7 +6817,7 @@
           <p:cNvPr id="2" name="Título 1">
             <a:extLst>
               <a:ext uri="{FF2B5EF4-FFF2-40B4-BE49-F238E27FC236}">
-                <a16:creationId xmlns:a16="http://schemas.microsoft.com/office/drawing/2014/main" id="{5562D135-5EF2-8C58-992A-E3F16D2B1541}"/>
+                <a16:creationId xmlns:a16="http://schemas.microsoft.com/office/drawing/2014/main" id="{535A8D99-EA6F-7027-51AF-8254C601A366}"/>
               </a:ext>
             </a:extLst>
           </p:cNvPr>
@@ -4737,7 +6833,10 @@
           <a:bodyPr/>
           <a:lstStyle/>
           <a:p>
-            <a:endParaRPr lang="es-ES"/>
+            <a:r>
+              <a:rPr lang="es-ES" dirty="0"/>
+              <a:t>Introducción</a:t>
+            </a:r>
           </a:p>
         </p:txBody>
       </p:sp>
@@ -4746,7 +6845,7 @@
           <p:cNvPr id="3" name="Marcador de contenido 2">
             <a:extLst>
               <a:ext uri="{FF2B5EF4-FFF2-40B4-BE49-F238E27FC236}">
-                <a16:creationId xmlns:a16="http://schemas.microsoft.com/office/drawing/2014/main" id="{3AD879E3-EE7F-612E-22AF-136731F8D5AC}"/>
+                <a16:creationId xmlns:a16="http://schemas.microsoft.com/office/drawing/2014/main" id="{CD1C33E7-447C-6FA3-0AC3-F08123577FB1}"/>
               </a:ext>
             </a:extLst>
           </p:cNvPr>
@@ -4759,10 +6858,61 @@
         </p:nvSpPr>
         <p:spPr/>
         <p:txBody>
-          <a:bodyPr/>
-          <a:lstStyle/>
-          <a:p>
-            <a:endParaRPr lang="es-ES"/>
+          <a:bodyPr>
+            <a:normAutofit fontScale="92500" lnSpcReduction="10000"/>
+          </a:bodyPr>
+          <a:lstStyle/>
+          <a:p>
+            <a:r>
+              <a:rPr lang="es-ES" b="1" dirty="0" err="1"/>
+              <a:t>Prometheus</a:t>
+            </a:r>
+            <a:r>
+              <a:rPr lang="es-ES" dirty="0"/>
+              <a:t> es una herramienta de </a:t>
+            </a:r>
+            <a:r>
+              <a:rPr lang="es-ES" b="1" dirty="0"/>
+              <a:t>monitorización y alertas</a:t>
+            </a:r>
+            <a:r>
+              <a:rPr lang="es-ES" dirty="0"/>
+              <a:t> muy potente, ampliamente usada en entornos DevOps, microservicios y sistemas distribuidos. </a:t>
+            </a:r>
+          </a:p>
+          <a:p>
+            <a:endParaRPr lang="es-ES" dirty="0"/>
+          </a:p>
+          <a:p>
+            <a:r>
+              <a:rPr lang="es-ES" b="1" dirty="0"/>
+              <a:t>Es gratuita y de código abierto</a:t>
+            </a:r>
+            <a:r>
+              <a:rPr lang="es-ES" dirty="0"/>
+              <a:t> bajo licencia Apache 2.0.</a:t>
+            </a:r>
+          </a:p>
+          <a:p>
+            <a:endParaRPr lang="es-ES" dirty="0"/>
+          </a:p>
+          <a:p>
+            <a:r>
+              <a:rPr lang="es-ES" dirty="0" err="1"/>
+              <a:t>Prometheus</a:t>
+            </a:r>
+            <a:r>
+              <a:rPr lang="es-ES" dirty="0"/>
+              <a:t> es un sistema que </a:t>
+            </a:r>
+            <a:r>
+              <a:rPr lang="es-ES" b="1" dirty="0"/>
+              <a:t>recolecta, almacena y consulta métricas en formato de series temporales</a:t>
+            </a:r>
+            <a:r>
+              <a:rPr lang="es-ES" dirty="0"/>
+              <a:t>. Esto significa que guarda datos como “uso de CPU”, “latencia de red” o “número de peticiones” junto con una marca de tiempo, lo que permite analizar el comportamiento de tus servicios a lo largo del tiempo.</a:t>
+            </a:r>
           </a:p>
         </p:txBody>
       </p:sp>
@@ -4771,7 +6921,7 @@
           <p:cNvPr id="4" name="Marcador de número de diapositiva 3">
             <a:extLst>
               <a:ext uri="{FF2B5EF4-FFF2-40B4-BE49-F238E27FC236}">
-                <a16:creationId xmlns:a16="http://schemas.microsoft.com/office/drawing/2014/main" id="{FE1AB7E8-5523-CBFC-5FB2-4B7F4523F558}"/>
+                <a16:creationId xmlns:a16="http://schemas.microsoft.com/office/drawing/2014/main" id="{AE084EA0-3A4F-A4D8-4675-BA179DD3D0D1}"/>
               </a:ext>
             </a:extLst>
           </p:cNvPr>
@@ -4787,7 +6937,7 @@
           <a:bodyPr/>
           <a:lstStyle/>
           <a:p>
-            <a:fld id="{651C50BF-3A9D-4B62-9482-23DFD07EAA37}" type="slidenum">
+            <a:fld id="{3A8F712D-A7EB-4D56-8C23-F47E080BF0D1}" type="slidenum">
               <a:rPr lang="es-ES" smtClean="0"/>
               <a:t>6</a:t>
             </a:fld>
@@ -4798,7 +6948,7 @@
     </p:spTree>
     <p:extLst>
       <p:ext uri="{BB962C8B-B14F-4D97-AF65-F5344CB8AC3E}">
-        <p14:creationId xmlns:p14="http://schemas.microsoft.com/office/powerpoint/2010/main" val="723725083"/>
+        <p14:creationId xmlns:p14="http://schemas.microsoft.com/office/powerpoint/2010/main" val="2367300225"/>
       </p:ext>
     </p:extLst>
   </p:cSld>
@@ -4827,43 +6977,169 @@
       </p:grpSpPr>
       <p:sp>
         <p:nvSpPr>
-          <p:cNvPr id="4" name="Título 3">
-            <a:extLst>
-              <a:ext uri="{FF2B5EF4-FFF2-40B4-BE49-F238E27FC236}">
-                <a16:creationId xmlns:a16="http://schemas.microsoft.com/office/drawing/2014/main" id="{E6DF9A86-F709-7579-A18C-B73858B1BAAA}"/>
-              </a:ext>
-            </a:extLst>
-          </p:cNvPr>
-          <p:cNvSpPr>
-            <a:spLocks noGrp="1"/>
-          </p:cNvSpPr>
-          <p:nvPr>
-            <p:ph type="ctrTitle"/>
-          </p:nvPr>
-        </p:nvSpPr>
-        <p:spPr>
-          <a:xfrm>
-            <a:off x="1524000" y="2235200"/>
-            <a:ext cx="9144000" cy="2387600"/>
-          </a:xfrm>
-        </p:spPr>
+          <p:cNvPr id="2" name="Título 1">
+            <a:extLst>
+              <a:ext uri="{FF2B5EF4-FFF2-40B4-BE49-F238E27FC236}">
+                <a16:creationId xmlns:a16="http://schemas.microsoft.com/office/drawing/2014/main" id="{E06E0BD2-FCC3-04BA-A0FC-2EF02102D074}"/>
+              </a:ext>
+            </a:extLst>
+          </p:cNvPr>
+          <p:cNvSpPr>
+            <a:spLocks noGrp="1"/>
+          </p:cNvSpPr>
+          <p:nvPr>
+            <p:ph type="title"/>
+          </p:nvPr>
+        </p:nvSpPr>
+        <p:spPr/>
+        <p:txBody>
+          <a:bodyPr/>
+          <a:lstStyle/>
+          <a:p>
+            <a:r>
+              <a:rPr lang="es-ES" dirty="0"/>
+              <a:t>¿Para que sirve?</a:t>
+            </a:r>
+          </a:p>
+        </p:txBody>
+      </p:sp>
+      <p:sp>
+        <p:nvSpPr>
+          <p:cNvPr id="3" name="Marcador de contenido 2">
+            <a:extLst>
+              <a:ext uri="{FF2B5EF4-FFF2-40B4-BE49-F238E27FC236}">
+                <a16:creationId xmlns:a16="http://schemas.microsoft.com/office/drawing/2014/main" id="{99E14EB7-9FC9-69FF-7077-7D6050F79815}"/>
+              </a:ext>
+            </a:extLst>
+          </p:cNvPr>
+          <p:cNvSpPr>
+            <a:spLocks noGrp="1"/>
+          </p:cNvSpPr>
+          <p:nvPr>
+            <p:ph idx="1"/>
+          </p:nvPr>
+        </p:nvSpPr>
+        <p:spPr/>
         <p:txBody>
           <a:bodyPr>
-            <a:normAutofit/>
+            <a:normAutofit fontScale="92500"/>
           </a:bodyPr>
           <a:lstStyle/>
           <a:p>
             <a:r>
+              <a:rPr lang="es-ES" dirty="0" err="1"/>
+              <a:t>Prometheus</a:t>
+            </a:r>
+            <a:r>
+              <a:rPr lang="es-ES" dirty="0"/>
+              <a:t> te permite:</a:t>
+            </a:r>
+          </a:p>
+          <a:p>
+            <a:r>
               <a:rPr lang="es-ES" b="1" dirty="0"/>
-              <a:t>Gestión de logs en entornos distribuidos</a:t>
-            </a:r>
+              <a:t>Monitorear servicios web, </a:t>
+            </a:r>
+            <a:r>
+              <a:rPr lang="es-ES" b="1" dirty="0" err="1"/>
+              <a:t>APIs</a:t>
+            </a:r>
+            <a:r>
+              <a:rPr lang="es-ES" b="1" dirty="0"/>
+              <a:t>, bases de datos, servidores, contenedores, etc.</a:t>
+            </a:r>
+            <a:endParaRPr lang="es-ES" dirty="0"/>
+          </a:p>
+          <a:p>
+            <a:r>
+              <a:rPr lang="es-ES" b="1" dirty="0"/>
+              <a:t>Configurar alertas automáticas</a:t>
+            </a:r>
+            <a:r>
+              <a:rPr lang="es-ES" dirty="0"/>
+              <a:t> cuando algo falla o se sale de rango.</a:t>
+            </a:r>
+          </a:p>
+          <a:p>
+            <a:r>
+              <a:rPr lang="es-ES" b="1" dirty="0"/>
+              <a:t>Visualizar métricas en tiempo real</a:t>
+            </a:r>
+            <a:r>
+              <a:rPr lang="es-ES" dirty="0"/>
+              <a:t> (especialmente junto a </a:t>
+            </a:r>
+            <a:r>
+              <a:rPr lang="es-ES" dirty="0" err="1"/>
+              <a:t>Grafana</a:t>
+            </a:r>
+            <a:r>
+              <a:rPr lang="es-ES" dirty="0"/>
+              <a:t>).</a:t>
+            </a:r>
+          </a:p>
+          <a:p>
+            <a:r>
+              <a:rPr lang="es-ES" b="1" dirty="0"/>
+              <a:t>Diagnosticar problemas de rendimiento</a:t>
+            </a:r>
+            <a:r>
+              <a:rPr lang="es-ES" dirty="0"/>
+              <a:t> antes de que afecten al usuario.</a:t>
+            </a:r>
+          </a:p>
+          <a:p>
+            <a:r>
+              <a:rPr lang="es-ES" b="1" dirty="0"/>
+              <a:t>Integrarse con </a:t>
+            </a:r>
+            <a:r>
+              <a:rPr lang="es-ES" b="1" dirty="0" err="1"/>
+              <a:t>exporters</a:t>
+            </a:r>
+            <a:r>
+              <a:rPr lang="es-ES" dirty="0"/>
+              <a:t> para MySQL, Redis, Node.js, Docker, etc.</a:t>
+            </a:r>
+          </a:p>
+          <a:p>
+            <a:endParaRPr lang="es-ES" dirty="0"/>
+          </a:p>
+        </p:txBody>
+      </p:sp>
+      <p:sp>
+        <p:nvSpPr>
+          <p:cNvPr id="4" name="Marcador de número de diapositiva 3">
+            <a:extLst>
+              <a:ext uri="{FF2B5EF4-FFF2-40B4-BE49-F238E27FC236}">
+                <a16:creationId xmlns:a16="http://schemas.microsoft.com/office/drawing/2014/main" id="{07E3579F-E8D0-09C6-FB37-E0F6B9875026}"/>
+              </a:ext>
+            </a:extLst>
+          </p:cNvPr>
+          <p:cNvSpPr>
+            <a:spLocks noGrp="1"/>
+          </p:cNvSpPr>
+          <p:nvPr>
+            <p:ph type="sldNum" sz="quarter" idx="12"/>
+          </p:nvPr>
+        </p:nvSpPr>
+        <p:spPr/>
+        <p:txBody>
+          <a:bodyPr/>
+          <a:lstStyle/>
+          <a:p>
+            <a:fld id="{3A8F712D-A7EB-4D56-8C23-F47E080BF0D1}" type="slidenum">
+              <a:rPr lang="es-ES" smtClean="0"/>
+              <a:t>7</a:t>
+            </a:fld>
+            <a:endParaRPr lang="es-ES"/>
           </a:p>
         </p:txBody>
       </p:sp>
     </p:spTree>
     <p:extLst>
       <p:ext uri="{BB962C8B-B14F-4D97-AF65-F5344CB8AC3E}">
-        <p14:creationId xmlns:p14="http://schemas.microsoft.com/office/powerpoint/2010/main" val="1277336786"/>
+        <p14:creationId xmlns:p14="http://schemas.microsoft.com/office/powerpoint/2010/main" val="654876823"/>
       </p:ext>
     </p:extLst>
   </p:cSld>
@@ -4895,7 +7171,7 @@
           <p:cNvPr id="2" name="Título 1">
             <a:extLst>
               <a:ext uri="{FF2B5EF4-FFF2-40B4-BE49-F238E27FC236}">
-                <a16:creationId xmlns:a16="http://schemas.microsoft.com/office/drawing/2014/main" id="{E7F79E4B-25C9-7D43-C7F6-D102A2C6B52C}"/>
+                <a16:creationId xmlns:a16="http://schemas.microsoft.com/office/drawing/2014/main" id="{DDE95AA3-9E9B-26EB-63B9-7E4651EA0D9C}"/>
               </a:ext>
             </a:extLst>
           </p:cNvPr>
@@ -4904,177 +7180,235 @@
           </p:cNvSpPr>
           <p:nvPr>
             <p:ph type="title"/>
-          </p:nvPr>
-        </p:nvSpPr>
-        <p:spPr/>
-        <p:txBody>
-          <a:bodyPr/>
-          <a:lstStyle/>
-          <a:p>
-            <a:r>
-              <a:rPr lang="es-ES" dirty="0"/>
-              <a:t>Herramientas</a:t>
-            </a:r>
-          </a:p>
-        </p:txBody>
-      </p:sp>
-      <p:sp>
-        <p:nvSpPr>
-          <p:cNvPr id="3" name="Marcador de contenido 2">
-            <a:extLst>
-              <a:ext uri="{FF2B5EF4-FFF2-40B4-BE49-F238E27FC236}">
-                <a16:creationId xmlns:a16="http://schemas.microsoft.com/office/drawing/2014/main" id="{0E1EEBED-E8D4-827F-44A8-51B311C43067}"/>
-              </a:ext>
-            </a:extLst>
-          </p:cNvPr>
-          <p:cNvSpPr>
-            <a:spLocks noGrp="1"/>
-          </p:cNvSpPr>
-          <p:nvPr>
-            <p:ph idx="1"/>
           </p:nvPr>
         </p:nvSpPr>
         <p:spPr>
           <a:xfrm>
-            <a:off x="838200" y="1825625"/>
-            <a:ext cx="10654364" cy="4667250"/>
+            <a:off x="751573" y="18255"/>
+            <a:ext cx="10515600" cy="867269"/>
           </a:xfrm>
         </p:spPr>
         <p:txBody>
+          <a:bodyPr/>
+          <a:lstStyle/>
+          <a:p>
+            <a:r>
+              <a:rPr lang="es-ES" dirty="0"/>
+              <a:t>Instalación</a:t>
+            </a:r>
+          </a:p>
+        </p:txBody>
+      </p:sp>
+      <p:sp>
+        <p:nvSpPr>
+          <p:cNvPr id="3" name="Marcador de contenido 2">
+            <a:extLst>
+              <a:ext uri="{FF2B5EF4-FFF2-40B4-BE49-F238E27FC236}">
+                <a16:creationId xmlns:a16="http://schemas.microsoft.com/office/drawing/2014/main" id="{14F57F89-7144-DD2D-2328-1C15172EB12E}"/>
+              </a:ext>
+            </a:extLst>
+          </p:cNvPr>
+          <p:cNvSpPr>
+            <a:spLocks noGrp="1"/>
+          </p:cNvSpPr>
+          <p:nvPr>
+            <p:ph idx="1"/>
+          </p:nvPr>
+        </p:nvSpPr>
+        <p:spPr>
+          <a:xfrm>
+            <a:off x="625642" y="1232034"/>
+            <a:ext cx="10728158" cy="4944929"/>
+          </a:xfrm>
+        </p:spPr>
+        <p:txBody>
           <a:bodyPr>
-            <a:normAutofit lnSpcReduction="10000"/>
+            <a:normAutofit fontScale="92500" lnSpcReduction="10000"/>
           </a:bodyPr>
           <a:lstStyle/>
           <a:p>
             <a:r>
-              <a:rPr lang="es-ES" b="1" dirty="0" err="1"/>
-              <a:t>Fluentd</a:t>
-            </a:r>
-            <a:r>
-              <a:rPr lang="es-ES" dirty="0"/>
-              <a:t> es un colector de logs de código abierto que:</a:t>
+              <a:rPr lang="es-ES" dirty="0"/>
+              <a:t>En </a:t>
+            </a:r>
+            <a:r>
+              <a:rPr lang="es-ES" b="1" dirty="0"/>
+              <a:t>Windows</a:t>
             </a:r>
           </a:p>
           <a:p>
             <a:pPr lvl="1"/>
             <a:r>
               <a:rPr lang="es-ES" dirty="0"/>
-              <a:t>Recolecta logs desde múltiples fuentes (archivos, </a:t>
+              <a:t>Descarga el binario desde </a:t>
+            </a:r>
+            <a:r>
+              <a:rPr lang="es-ES" dirty="0">
+                <a:hlinkClick r:id="rId2"/>
+              </a:rPr>
+              <a:t>https://prometheus.io/download/</a:t>
+            </a:r>
+            <a:endParaRPr lang="es-ES" dirty="0"/>
+          </a:p>
+          <a:p>
+            <a:pPr lvl="1"/>
+            <a:endParaRPr lang="es-ES" dirty="0"/>
+          </a:p>
+          <a:p>
+            <a:pPr lvl="1"/>
+            <a:r>
+              <a:rPr lang="es-ES" dirty="0"/>
+              <a:t>Extrae el archivo ZIP</a:t>
+            </a:r>
+          </a:p>
+          <a:p>
+            <a:pPr lvl="1"/>
+            <a:endParaRPr lang="es-ES" dirty="0"/>
+          </a:p>
+          <a:p>
+            <a:pPr lvl="1"/>
+            <a:r>
+              <a:rPr lang="es-ES" dirty="0"/>
+              <a:t>Ejecuta prometheus.exe con el archivo de configuración </a:t>
             </a:r>
             <a:r>
               <a:rPr lang="es-ES" dirty="0" err="1"/>
-              <a:t>syslog</a:t>
-            </a:r>
-            <a:r>
-              <a:rPr lang="es-ES" dirty="0"/>
-              <a:t>, </a:t>
-            </a:r>
-            <a:r>
-              <a:rPr lang="es-ES" dirty="0" err="1"/>
-              <a:t>stdout</a:t>
-            </a:r>
-            <a:r>
-              <a:rPr lang="es-ES" dirty="0"/>
-              <a:t>, etc.)</a:t>
-            </a:r>
+              <a:t>prometheus.yml</a:t>
+            </a:r>
+            <a:endParaRPr lang="es-ES" dirty="0"/>
           </a:p>
           <a:p>
             <a:pPr lvl="1"/>
-            <a:r>
-              <a:rPr lang="es-ES" dirty="0"/>
-              <a:t>Los transforma y filtra (formato, etiquetas, niveles)</a:t>
-            </a:r>
+            <a:endParaRPr lang="es-ES" dirty="0"/>
+          </a:p>
+          <a:p>
+            <a:r>
+              <a:rPr lang="es-ES" dirty="0"/>
+              <a:t>En </a:t>
+            </a:r>
+            <a:r>
+              <a:rPr lang="es-ES" b="1" dirty="0"/>
+              <a:t>Docker</a:t>
+            </a:r>
+            <a:r>
+              <a:rPr lang="es-ES" dirty="0"/>
+              <a:t>:</a:t>
+            </a:r>
+          </a:p>
+          <a:p>
+            <a:pPr marL="457200" lvl="1" indent="0">
+              <a:buNone/>
+            </a:pPr>
+            <a:r>
+              <a:rPr lang="en-US" dirty="0"/>
+              <a:t>docker run -d --name </a:t>
+            </a:r>
+            <a:r>
+              <a:rPr lang="en-US" dirty="0" err="1"/>
+              <a:t>prometheus</a:t>
+            </a:r>
+            <a:r>
+              <a:rPr lang="en-US" dirty="0"/>
+              <a:t> \</a:t>
+            </a:r>
+          </a:p>
+          <a:p>
+            <a:pPr marL="457200" lvl="1" indent="0">
+              <a:buNone/>
+            </a:pPr>
+            <a:r>
+              <a:rPr lang="en-US" dirty="0"/>
+              <a:t>  -p 9090:9090 \</a:t>
+            </a:r>
+          </a:p>
+          <a:p>
+            <a:pPr marL="457200" lvl="1" indent="0">
+              <a:buNone/>
+            </a:pPr>
+            <a:r>
+              <a:rPr lang="en-US" dirty="0"/>
+              <a:t>  -v /path/to/</a:t>
+            </a:r>
+            <a:r>
+              <a:rPr lang="en-US" dirty="0" err="1"/>
+              <a:t>prometheus.yml</a:t>
+            </a:r>
+            <a:r>
+              <a:rPr lang="en-US" dirty="0"/>
+              <a:t>:/</a:t>
+            </a:r>
+            <a:r>
+              <a:rPr lang="en-US" dirty="0" err="1"/>
+              <a:t>etc</a:t>
+            </a:r>
+            <a:r>
+              <a:rPr lang="en-US" dirty="0"/>
+              <a:t>/</a:t>
+            </a:r>
+            <a:r>
+              <a:rPr lang="en-US" dirty="0" err="1"/>
+              <a:t>prometheus</a:t>
+            </a:r>
+            <a:r>
+              <a:rPr lang="en-US" dirty="0"/>
+              <a:t>/</a:t>
+            </a:r>
+            <a:r>
+              <a:rPr lang="en-US" dirty="0" err="1"/>
+              <a:t>prometheus.yml</a:t>
+            </a:r>
+            <a:r>
+              <a:rPr lang="en-US" dirty="0"/>
+              <a:t> \</a:t>
+            </a:r>
+          </a:p>
+          <a:p>
+            <a:pPr marL="457200" lvl="1" indent="0">
+              <a:buNone/>
+            </a:pPr>
+            <a:r>
+              <a:rPr lang="en-US" dirty="0"/>
+              <a:t>  </a:t>
+            </a:r>
+            <a:r>
+              <a:rPr lang="en-US" b="1" dirty="0"/>
+              <a:t>prom/</a:t>
+            </a:r>
+            <a:r>
+              <a:rPr lang="en-US" b="1" dirty="0" err="1"/>
+              <a:t>prometheus</a:t>
+            </a:r>
+            <a:endParaRPr lang="en-US" dirty="0"/>
+          </a:p>
+          <a:p>
+            <a:pPr marL="457200" lvl="1" indent="0">
+              <a:buNone/>
+            </a:pPr>
+            <a:endParaRPr lang="en-US" b="1" dirty="0"/>
           </a:p>
           <a:p>
             <a:pPr lvl="1"/>
             <a:r>
-              <a:rPr lang="es-ES" dirty="0"/>
-              <a:t>Los reenvía a destinos como </a:t>
-            </a:r>
-            <a:r>
-              <a:rPr lang="es-ES" dirty="0" err="1"/>
-              <a:t>Elasticsearch</a:t>
-            </a:r>
-            <a:r>
-              <a:rPr lang="es-ES" dirty="0"/>
-              <a:t>, Kafka, S3, etc.</a:t>
-            </a:r>
+              <a:rPr lang="en-US" dirty="0">
+                <a:hlinkClick r:id="rId3"/>
+              </a:rPr>
+              <a:t>http://localhost:9090</a:t>
+            </a:r>
+            <a:endParaRPr lang="en-US" dirty="0"/>
           </a:p>
           <a:p>
             <a:pPr lvl="1"/>
-            <a:r>
-              <a:rPr lang="es-ES" dirty="0"/>
-              <a:t>Es parte de la </a:t>
-            </a:r>
-            <a:r>
-              <a:rPr lang="es-ES" b="1" dirty="0"/>
-              <a:t>Cloud Native Computing </a:t>
-            </a:r>
-            <a:r>
-              <a:rPr lang="es-ES" b="1" dirty="0" err="1"/>
-              <a:t>Foundation</a:t>
-            </a:r>
-            <a:r>
-              <a:rPr lang="es-ES" b="1" dirty="0"/>
-              <a:t> (CNCF)</a:t>
-            </a:r>
-            <a:r>
-              <a:rPr lang="es-ES" dirty="0"/>
-              <a:t> y se usa en producción por empresas como Amazon, Microsoft y Google.</a:t>
-            </a:r>
+            <a:endParaRPr lang="en-US" dirty="0"/>
+          </a:p>
+          <a:p>
+            <a:pPr marL="457200" lvl="1" indent="0">
+              <a:buNone/>
+            </a:pPr>
+            <a:endParaRPr lang="en-US" b="1" dirty="0"/>
           </a:p>
           <a:p>
             <a:endParaRPr lang="es-ES" dirty="0"/>
           </a:p>
-          <a:p>
-            <a:r>
-              <a:rPr lang="es-ES" b="1" dirty="0" err="1"/>
-              <a:t>Elasticsearch</a:t>
-            </a:r>
-            <a:endParaRPr lang="es-ES" b="1" dirty="0"/>
-          </a:p>
-          <a:p>
-            <a:pPr lvl="1"/>
-            <a:r>
-              <a:rPr lang="es-ES" dirty="0"/>
-              <a:t>Es un motor de búsqueda y análisis de texto distribuido que:</a:t>
-            </a:r>
-          </a:p>
-          <a:p>
-            <a:pPr lvl="2"/>
-            <a:r>
-              <a:rPr lang="es-ES" dirty="0"/>
-              <a:t>Indexa logs en tiempo real</a:t>
-            </a:r>
-          </a:p>
-          <a:p>
-            <a:pPr lvl="2"/>
-            <a:r>
-              <a:rPr lang="es-ES" dirty="0"/>
-              <a:t>Permite búsquedas complejas y agregaciones</a:t>
-            </a:r>
-          </a:p>
-          <a:p>
-            <a:pPr lvl="2"/>
-            <a:r>
-              <a:rPr lang="es-ES" dirty="0"/>
-              <a:t>Se integra con </a:t>
-            </a:r>
-            <a:r>
-              <a:rPr lang="es-ES" b="1" dirty="0" err="1"/>
-              <a:t>Kibana</a:t>
-            </a:r>
-            <a:r>
-              <a:rPr lang="es-ES" dirty="0"/>
-              <a:t> para visualización</a:t>
-            </a:r>
-          </a:p>
-          <a:p>
-            <a:endParaRPr lang="es-ES" dirty="0"/>
-          </a:p>
-          <a:p>
-            <a:endParaRPr lang="es-ES" dirty="0"/>
-          </a:p>
         </p:txBody>
       </p:sp>
       <p:sp>
@@ -5082,7 +7416,7 @@
           <p:cNvPr id="4" name="Marcador de número de diapositiva 3">
             <a:extLst>
               <a:ext uri="{FF2B5EF4-FFF2-40B4-BE49-F238E27FC236}">
-                <a16:creationId xmlns:a16="http://schemas.microsoft.com/office/drawing/2014/main" id="{97CB27B5-58EB-82E8-0EA2-4EEA3E5D9678}"/>
+                <a16:creationId xmlns:a16="http://schemas.microsoft.com/office/drawing/2014/main" id="{9DD70639-9BA8-8E56-6796-D29BBEF117D7}"/>
               </a:ext>
             </a:extLst>
           </p:cNvPr>
@@ -5098,7 +7432,7 @@
           <a:bodyPr/>
           <a:lstStyle/>
           <a:p>
-            <a:fld id="{DBA0B7A9-3FAC-4523-93F5-549EB9982FEE}" type="slidenum">
+            <a:fld id="{3A8F712D-A7EB-4D56-8C23-F47E080BF0D1}" type="slidenum">
               <a:rPr lang="es-ES" smtClean="0"/>
               <a:t>8</a:t>
             </a:fld>
@@ -5109,7 +7443,7 @@
     </p:spTree>
     <p:extLst>
       <p:ext uri="{BB962C8B-B14F-4D97-AF65-F5344CB8AC3E}">
-        <p14:creationId xmlns:p14="http://schemas.microsoft.com/office/powerpoint/2010/main" val="1481937165"/>
+        <p14:creationId xmlns:p14="http://schemas.microsoft.com/office/powerpoint/2010/main" val="1829987599"/>
       </p:ext>
     </p:extLst>
   </p:cSld>
@@ -5141,7 +7475,7 @@
           <p:cNvPr id="2" name="Título 1">
             <a:extLst>
               <a:ext uri="{FF2B5EF4-FFF2-40B4-BE49-F238E27FC236}">
-                <a16:creationId xmlns:a16="http://schemas.microsoft.com/office/drawing/2014/main" id="{655C8CF6-0607-2270-5198-4D0DC4734D66}"/>
+                <a16:creationId xmlns:a16="http://schemas.microsoft.com/office/drawing/2014/main" id="{68E37A0F-80E0-A2B1-CA94-A4742857C4D9}"/>
               </a:ext>
             </a:extLst>
           </p:cNvPr>
@@ -5159,106 +7493,142 @@
           <a:p>
             <a:r>
               <a:rPr lang="es-ES" dirty="0"/>
-              <a:t>Integración </a:t>
+              <a:t>Uso de </a:t>
             </a:r>
             <a:r>
               <a:rPr lang="es-ES" dirty="0" err="1"/>
-              <a:t>Fluentd</a:t>
-            </a:r>
-            <a:r>
-              <a:rPr lang="es-ES" dirty="0"/>
-              <a:t> y </a:t>
+              <a:t>prometheus</a:t>
+            </a:r>
+            <a:endParaRPr lang="es-ES" dirty="0"/>
+          </a:p>
+        </p:txBody>
+      </p:sp>
+      <p:sp>
+        <p:nvSpPr>
+          <p:cNvPr id="3" name="Marcador de contenido 2">
+            <a:extLst>
+              <a:ext uri="{FF2B5EF4-FFF2-40B4-BE49-F238E27FC236}">
+                <a16:creationId xmlns:a16="http://schemas.microsoft.com/office/drawing/2014/main" id="{BB8EB37A-C1D5-7BF2-ACE1-DB66A74A9261}"/>
+              </a:ext>
+            </a:extLst>
+          </p:cNvPr>
+          <p:cNvSpPr>
+            <a:spLocks noGrp="1"/>
+          </p:cNvSpPr>
+          <p:nvPr>
+            <p:ph idx="1"/>
+          </p:nvPr>
+        </p:nvSpPr>
+        <p:spPr/>
+        <p:txBody>
+          <a:bodyPr>
+            <a:normAutofit fontScale="92500" lnSpcReduction="10000"/>
+          </a:bodyPr>
+          <a:lstStyle/>
+          <a:p>
+            <a:r>
+              <a:rPr lang="es-ES" dirty="0"/>
+              <a:t>Tu aplicación expone métricas en un </a:t>
             </a:r>
             <a:r>
               <a:rPr lang="es-ES" dirty="0" err="1"/>
-              <a:t>Elasticsearch</a:t>
-            </a:r>
+              <a:t>endpoint</a:t>
+            </a:r>
+            <a:r>
+              <a:rPr lang="es-ES" dirty="0"/>
+              <a:t> tipo </a:t>
+            </a:r>
+            <a:r>
+              <a:rPr lang="es-ES" b="1" dirty="0"/>
+              <a:t>/</a:t>
+            </a:r>
+            <a:r>
+              <a:rPr lang="es-ES" b="1" dirty="0" err="1"/>
+              <a:t>metrics</a:t>
+            </a:r>
+            <a:r>
+              <a:rPr lang="es-ES" dirty="0"/>
+              <a:t>.</a:t>
+            </a:r>
+          </a:p>
+          <a:p>
             <a:endParaRPr lang="es-ES" dirty="0"/>
           </a:p>
-        </p:txBody>
-      </p:sp>
-      <p:sp>
-        <p:nvSpPr>
-          <p:cNvPr id="3" name="Marcador de contenido 2">
-            <a:extLst>
-              <a:ext uri="{FF2B5EF4-FFF2-40B4-BE49-F238E27FC236}">
-                <a16:creationId xmlns:a16="http://schemas.microsoft.com/office/drawing/2014/main" id="{A3CCFAB9-E187-2871-F136-ACAD37B40578}"/>
-              </a:ext>
-            </a:extLst>
-          </p:cNvPr>
-          <p:cNvSpPr>
-            <a:spLocks noGrp="1"/>
-          </p:cNvSpPr>
-          <p:nvPr>
-            <p:ph idx="1"/>
-          </p:nvPr>
-        </p:nvSpPr>
-        <p:spPr/>
-        <p:txBody>
-          <a:bodyPr/>
-          <a:lstStyle/>
           <a:p>
             <a:r>
               <a:rPr lang="es-ES" dirty="0" err="1"/>
-              <a:t>Fluentd</a:t>
-            </a:r>
-            <a:r>
-              <a:rPr lang="es-ES" dirty="0"/>
-              <a:t> recolecta los logs del servicio C++ (por ejemplo, desde archivos generados por </a:t>
+              <a:t>Prometheus</a:t>
+            </a:r>
+            <a:r>
+              <a:rPr lang="es-ES" dirty="0"/>
+              <a:t> consulta ese </a:t>
             </a:r>
             <a:r>
               <a:rPr lang="es-ES" dirty="0" err="1"/>
-              <a:t>spdlog</a:t>
-            </a:r>
-            <a:r>
-              <a:rPr lang="es-ES" dirty="0"/>
-              <a:t>, </a:t>
+              <a:t>endpoint</a:t>
+            </a:r>
+            <a:r>
+              <a:rPr lang="es-ES" dirty="0"/>
+              <a:t> cada X segundos.</a:t>
+            </a:r>
+          </a:p>
+          <a:p>
+            <a:endParaRPr lang="es-ES" dirty="0"/>
+          </a:p>
+          <a:p>
+            <a:r>
+              <a:rPr lang="es-ES" dirty="0"/>
+              <a:t>Guarda los datos en su base de </a:t>
+            </a:r>
+            <a:r>
+              <a:rPr lang="es-ES" b="1" dirty="0"/>
+              <a:t>series temporales</a:t>
+            </a:r>
+            <a:r>
+              <a:rPr lang="es-ES" dirty="0"/>
+              <a:t>.</a:t>
+            </a:r>
+          </a:p>
+          <a:p>
+            <a:endParaRPr lang="es-ES" dirty="0"/>
+          </a:p>
+          <a:p>
+            <a:r>
+              <a:rPr lang="es-ES" dirty="0"/>
+              <a:t>Puedes hacer consultas con </a:t>
+            </a:r>
+            <a:r>
+              <a:rPr lang="es-ES" b="1" dirty="0" err="1"/>
+              <a:t>PromQL</a:t>
+            </a:r>
+            <a:r>
+              <a:rPr lang="es-ES" dirty="0"/>
+              <a:t> (su lenguaje de consulta).</a:t>
+            </a:r>
+          </a:p>
+          <a:p>
+            <a:endParaRPr lang="es-ES" dirty="0"/>
+          </a:p>
+          <a:p>
+            <a:r>
+              <a:rPr lang="es-ES" dirty="0"/>
+              <a:t>Puedes visualizarlo con </a:t>
             </a:r>
             <a:r>
               <a:rPr lang="es-ES" dirty="0" err="1"/>
-              <a:t>Boost.Log</a:t>
-            </a:r>
-            <a:r>
-              <a:rPr lang="es-ES" dirty="0"/>
-              <a:t>, etc.)</a:t>
-            </a:r>
-          </a:p>
-          <a:p>
-            <a:r>
-              <a:rPr lang="es-ES" dirty="0"/>
-              <a:t>Los transforma (añade etiquetas, convierte a JSON, etc.)</a:t>
-            </a:r>
-          </a:p>
-          <a:p>
-            <a:r>
-              <a:rPr lang="es-ES" dirty="0"/>
-              <a:t>Los envía a </a:t>
-            </a:r>
-            <a:r>
-              <a:rPr lang="es-ES" dirty="0" err="1"/>
-              <a:t>Elasticsearch</a:t>
-            </a:r>
-            <a:r>
-              <a:rPr lang="es-ES" dirty="0"/>
-              <a:t>, donde se almacenan e indexan</a:t>
-            </a:r>
-          </a:p>
-          <a:p>
-            <a:r>
-              <a:rPr lang="es-ES" dirty="0" err="1"/>
-              <a:t>Kibana</a:t>
-            </a:r>
-            <a:r>
-              <a:rPr lang="es-ES" dirty="0"/>
-              <a:t> (opcional) los visualiza en </a:t>
-            </a:r>
-            <a:r>
-              <a:rPr lang="es-ES" dirty="0" err="1"/>
-              <a:t>dashboards</a:t>
-            </a:r>
-            <a:r>
-              <a:rPr lang="es-ES" dirty="0"/>
-              <a:t> interactivos</a:t>
+              <a:t>Grafana</a:t>
+            </a:r>
+            <a:r>
+              <a:rPr lang="es-ES" dirty="0"/>
+              <a:t> o configurar alertas con </a:t>
+            </a:r>
+            <a:r>
+              <a:rPr lang="es-ES" b="1" dirty="0" err="1"/>
+              <a:t>Alertmanager</a:t>
+            </a:r>
+            <a:r>
+              <a:rPr lang="es-ES" dirty="0"/>
+              <a:t>.</a:t>
             </a:r>
           </a:p>
         </p:txBody>
@@ -5268,7 +7638,7 @@
           <p:cNvPr id="4" name="Marcador de número de diapositiva 3">
             <a:extLst>
               <a:ext uri="{FF2B5EF4-FFF2-40B4-BE49-F238E27FC236}">
-                <a16:creationId xmlns:a16="http://schemas.microsoft.com/office/drawing/2014/main" id="{A8164187-0245-FE0D-7AE3-5D46E3BDE7C3}"/>
+                <a16:creationId xmlns:a16="http://schemas.microsoft.com/office/drawing/2014/main" id="{BA934DE3-BEAE-4314-A676-2EE4CFD5951E}"/>
               </a:ext>
             </a:extLst>
           </p:cNvPr>
@@ -5284,7 +7654,7 @@
           <a:bodyPr/>
           <a:lstStyle/>
           <a:p>
-            <a:fld id="{DBA0B7A9-3FAC-4523-93F5-549EB9982FEE}" type="slidenum">
+            <a:fld id="{3A8F712D-A7EB-4D56-8C23-F47E080BF0D1}" type="slidenum">
               <a:rPr lang="es-ES" smtClean="0"/>
               <a:t>9</a:t>
             </a:fld>
@@ -5295,7 +7665,7 @@
     </p:spTree>
     <p:extLst>
       <p:ext uri="{BB962C8B-B14F-4D97-AF65-F5344CB8AC3E}">
-        <p14:creationId xmlns:p14="http://schemas.microsoft.com/office/powerpoint/2010/main" val="694703184"/>
+        <p14:creationId xmlns:p14="http://schemas.microsoft.com/office/powerpoint/2010/main" val="329188697"/>
       </p:ext>
     </p:extLst>
   </p:cSld>

--- a/doc/8_Monitorizacion_logging_microservicios.pptx
+++ b/doc/8_Monitorizacion_logging_microservicios.pptx
@@ -220,7 +220,7 @@
           <a:p>
             <a:fld id="{817BD860-1B16-423B-8F24-2AB350A1DAB1}" type="datetimeFigureOut">
               <a:rPr lang="es-ES" smtClean="0"/>
-              <a:t>08/09/2025</a:t>
+              <a:t>17/09/2025</a:t>
             </a:fld>
             <a:endParaRPr lang="es-ES"/>
           </a:p>
@@ -634,7 +634,7 @@
           <a:p>
             <a:fld id="{8A2C60F9-CAD4-4C1E-9E94-F42C4CA70FA3}" type="datetime1">
               <a:rPr lang="es-ES" smtClean="0"/>
-              <a:t>08/09/2025</a:t>
+              <a:t>17/09/2025</a:t>
             </a:fld>
             <a:endParaRPr lang="es-ES"/>
           </a:p>
@@ -832,7 +832,7 @@
           <a:p>
             <a:fld id="{AB3A4AAD-785B-4D41-A31A-CF97B8DC5CF4}" type="datetime1">
               <a:rPr lang="es-ES" smtClean="0"/>
-              <a:t>08/09/2025</a:t>
+              <a:t>17/09/2025</a:t>
             </a:fld>
             <a:endParaRPr lang="es-ES"/>
           </a:p>
@@ -1040,7 +1040,7 @@
           <a:p>
             <a:fld id="{9B05C8E6-9E9E-46CF-B117-BD2EC27027A4}" type="datetime1">
               <a:rPr lang="es-ES" smtClean="0"/>
-              <a:t>08/09/2025</a:t>
+              <a:t>17/09/2025</a:t>
             </a:fld>
             <a:endParaRPr lang="es-ES"/>
           </a:p>
@@ -1238,7 +1238,7 @@
           <a:p>
             <a:fld id="{3046F3E5-7A93-4552-AAFE-3B2404B93338}" type="datetime1">
               <a:rPr lang="es-ES" smtClean="0"/>
-              <a:t>08/09/2025</a:t>
+              <a:t>17/09/2025</a:t>
             </a:fld>
             <a:endParaRPr lang="es-ES"/>
           </a:p>
@@ -1513,7 +1513,7 @@
           <a:p>
             <a:fld id="{F681CCFA-989C-4080-B9E7-DE224DDF73ED}" type="datetime1">
               <a:rPr lang="es-ES" smtClean="0"/>
-              <a:t>08/09/2025</a:t>
+              <a:t>17/09/2025</a:t>
             </a:fld>
             <a:endParaRPr lang="es-ES"/>
           </a:p>
@@ -1778,7 +1778,7 @@
           <a:p>
             <a:fld id="{FDD494E5-BD2E-45C9-A2B3-63783FFF3415}" type="datetime1">
               <a:rPr lang="es-ES" smtClean="0"/>
-              <a:t>08/09/2025</a:t>
+              <a:t>17/09/2025</a:t>
             </a:fld>
             <a:endParaRPr lang="es-ES"/>
           </a:p>
@@ -2190,7 +2190,7 @@
           <a:p>
             <a:fld id="{60DF08DB-686E-4DE9-84BC-61050F605980}" type="datetime1">
               <a:rPr lang="es-ES" smtClean="0"/>
-              <a:t>08/09/2025</a:t>
+              <a:t>17/09/2025</a:t>
             </a:fld>
             <a:endParaRPr lang="es-ES"/>
           </a:p>
@@ -2331,7 +2331,7 @@
           <a:p>
             <a:fld id="{BCF838B8-0B6B-4F48-BF20-87461CF709F1}" type="datetime1">
               <a:rPr lang="es-ES" smtClean="0"/>
-              <a:t>08/09/2025</a:t>
+              <a:t>17/09/2025</a:t>
             </a:fld>
             <a:endParaRPr lang="es-ES"/>
           </a:p>
@@ -2444,7 +2444,7 @@
           <a:p>
             <a:fld id="{A05D465C-1BA6-4046-B615-3A63D9324A01}" type="datetime1">
               <a:rPr lang="es-ES" smtClean="0"/>
-              <a:t>08/09/2025</a:t>
+              <a:t>17/09/2025</a:t>
             </a:fld>
             <a:endParaRPr lang="es-ES"/>
           </a:p>
@@ -2755,7 +2755,7 @@
           <a:p>
             <a:fld id="{A701DCDC-62B3-4B36-B89D-F58D1D4301BB}" type="datetime1">
               <a:rPr lang="es-ES" smtClean="0"/>
-              <a:t>08/09/2025</a:t>
+              <a:t>17/09/2025</a:t>
             </a:fld>
             <a:endParaRPr lang="es-ES"/>
           </a:p>
@@ -3043,7 +3043,7 @@
           <a:p>
             <a:fld id="{152E0FD9-CE78-42B7-8708-C1CBD99CC86D}" type="datetime1">
               <a:rPr lang="es-ES" smtClean="0"/>
-              <a:t>08/09/2025</a:t>
+              <a:t>17/09/2025</a:t>
             </a:fld>
             <a:endParaRPr lang="es-ES"/>
           </a:p>
@@ -3284,7 +3284,7 @@
           <a:p>
             <a:fld id="{1D25C9C7-BCE0-4EA1-958D-C02E25AB571D}" type="datetime1">
               <a:rPr lang="es-ES" smtClean="0"/>
-              <a:t>08/09/2025</a:t>
+              <a:t>17/09/2025</a:t>
             </a:fld>
             <a:endParaRPr lang="es-ES"/>
           </a:p>
@@ -4830,10 +4830,10 @@
           <a:p>
             <a:r>
               <a:rPr lang="es-ES" dirty="0"/>
-              <a:t>Tu servicio web (por ejemplo, hecho con </a:t>
-            </a:r>
-            <a:r>
-              <a:rPr lang="es-ES" dirty="0" err="1"/>
+              <a:t>Tu servicio web (por ejemplo, implementado con </a:t>
+            </a:r>
+            <a:r>
+              <a:rPr lang="es-ES" b="1" dirty="0" err="1"/>
               <a:t>Crow</a:t>
             </a:r>
             <a:r>
@@ -4841,7 +4841,7 @@
               <a:t> o </a:t>
             </a:r>
             <a:r>
-              <a:rPr lang="es-ES" dirty="0" err="1"/>
+              <a:rPr lang="es-ES" b="1" dirty="0" err="1"/>
               <a:t>gRPC</a:t>
             </a:r>
             <a:r>
@@ -4866,12 +4866,33 @@
           </a:p>
           <a:p>
             <a:r>
+              <a:rPr lang="es-ES" b="1" dirty="0" err="1"/>
+              <a:t>Prometheus</a:t>
+            </a:r>
+            <a:r>
+              <a:rPr lang="es-ES" dirty="0"/>
+              <a:t> recolecta esas métricas cada X segundos.</a:t>
+            </a:r>
+          </a:p>
+          <a:p>
+            <a:endParaRPr lang="es-ES" dirty="0"/>
+          </a:p>
+          <a:p>
+            <a:r>
+              <a:rPr lang="es-ES" b="1" dirty="0" err="1"/>
+              <a:t>Grafana</a:t>
+            </a:r>
+            <a:r>
+              <a:rPr lang="es-ES" dirty="0"/>
+              <a:t> se conecta a </a:t>
+            </a:r>
+            <a:r>
               <a:rPr lang="es-ES" dirty="0" err="1"/>
               <a:t>Prometheus</a:t>
             </a:r>
             <a:r>
               <a:rPr lang="es-ES" dirty="0"/>
-              <a:t> recolecta esas métricas cada X segundos.</a:t>
+              <a:t> como fuente de datos.</a:t>
             </a:r>
           </a:p>
           <a:p>
@@ -4879,32 +4900,11 @@
           </a:p>
           <a:p>
             <a:r>
-              <a:rPr lang="es-ES" dirty="0" err="1"/>
-              <a:t>Grafana</a:t>
-            </a:r>
-            <a:r>
-              <a:rPr lang="es-ES" dirty="0"/>
-              <a:t> se conecta a </a:t>
-            </a:r>
-            <a:r>
-              <a:rPr lang="es-ES" dirty="0" err="1"/>
-              <a:t>Prometheus</a:t>
-            </a:r>
-            <a:r>
-              <a:rPr lang="es-ES" dirty="0"/>
-              <a:t> como fuente de datos.</a:t>
-            </a:r>
-          </a:p>
-          <a:p>
-            <a:endParaRPr lang="es-ES" dirty="0"/>
-          </a:p>
-          <a:p>
-            <a:r>
-              <a:rPr lang="es-ES" dirty="0"/>
-              <a:t>Creas </a:t>
-            </a:r>
-            <a:r>
-              <a:rPr lang="es-ES" dirty="0" err="1"/>
+              <a:rPr lang="es-ES" dirty="0"/>
+              <a:t>Crear </a:t>
+            </a:r>
+            <a:r>
+              <a:rPr lang="es-ES" b="1" dirty="0" err="1"/>
               <a:t>dashboards</a:t>
             </a:r>
             <a:r>
@@ -5356,7 +5356,12 @@
             <p:ph idx="1"/>
           </p:nvPr>
         </p:nvSpPr>
-        <p:spPr/>
+        <p:spPr>
+          <a:xfrm>
+            <a:off x="838200" y="1825624"/>
+            <a:ext cx="10766196" cy="4763711"/>
+          </a:xfrm>
+        </p:spPr>
         <p:txBody>
           <a:bodyPr>
             <a:normAutofit fontScale="92500" lnSpcReduction="20000"/>
@@ -5377,6 +5382,9 @@
             </a:r>
           </a:p>
           <a:p>
+            <a:endParaRPr lang="es-ES" dirty="0"/>
+          </a:p>
+          <a:p>
             <a:r>
               <a:rPr lang="es-ES" dirty="0"/>
               <a:t>Monitorización del rendimiento en tiempo real: </a:t>
@@ -5389,7 +5397,7 @@
               <a:t>Uso de </a:t>
             </a:r>
             <a:r>
-              <a:rPr lang="es-ES" dirty="0" err="1"/>
+              <a:rPr lang="es-ES" b="1" dirty="0" err="1"/>
               <a:t>Prometheus</a:t>
             </a:r>
             <a:r>
@@ -5397,7 +5405,7 @@
               <a:t> y </a:t>
             </a:r>
             <a:r>
-              <a:rPr lang="es-ES" dirty="0" err="1"/>
+              <a:rPr lang="es-ES" b="1" dirty="0" err="1"/>
               <a:t>Grafana</a:t>
             </a:r>
             <a:r>
@@ -5412,7 +5420,7 @@
               <a:t>Integración con </a:t>
             </a:r>
             <a:r>
-              <a:rPr lang="es-ES" dirty="0" err="1"/>
+              <a:rPr lang="es-ES" b="1" dirty="0" err="1"/>
               <a:t>cAdvisor</a:t>
             </a:r>
             <a:r>
@@ -5441,10 +5449,18 @@
             <a:pPr lvl="1"/>
             <a:r>
               <a:rPr lang="es-ES" dirty="0"/>
-              <a:t>Uso de Jaeger o </a:t>
-            </a:r>
-            <a:r>
-              <a:rPr lang="es-ES" dirty="0" err="1"/>
+              <a:t>Uso de </a:t>
+            </a:r>
+            <a:r>
+              <a:rPr lang="es-ES" b="1" dirty="0"/>
+              <a:t>Jaeger</a:t>
+            </a:r>
+            <a:r>
+              <a:rPr lang="es-ES" dirty="0"/>
+              <a:t> o </a:t>
+            </a:r>
+            <a:r>
+              <a:rPr lang="es-ES" b="1" dirty="0" err="1"/>
               <a:t>OpenTelemetry</a:t>
             </a:r>
             <a:r>
@@ -5483,7 +5499,7 @@
               <a:t>Uso de </a:t>
             </a:r>
             <a:r>
-              <a:rPr lang="es-ES" dirty="0" err="1"/>
+              <a:rPr lang="es-ES" b="1" dirty="0" err="1"/>
               <a:t>Fluentd</a:t>
             </a:r>
             <a:r>
@@ -5491,7 +5507,7 @@
               <a:t> y </a:t>
             </a:r>
             <a:r>
-              <a:rPr lang="es-ES" dirty="0" err="1"/>
+              <a:rPr lang="es-ES" b="1" dirty="0" err="1"/>
               <a:t>Elasticsearch</a:t>
             </a:r>
             <a:r>
@@ -5969,10 +5985,16 @@
             </a:r>
           </a:p>
           <a:p>
+            <a:endParaRPr lang="es-ES" dirty="0"/>
+          </a:p>
+          <a:p>
             <a:r>
               <a:rPr lang="es-ES" dirty="0"/>
               <a:t>Los transforma (añade etiquetas, convierte a JSON, etc.)</a:t>
             </a:r>
+          </a:p>
+          <a:p>
+            <a:endParaRPr lang="es-ES" dirty="0"/>
           </a:p>
           <a:p>
             <a:r>
@@ -5987,6 +6009,9 @@
               <a:rPr lang="es-ES" dirty="0"/>
               <a:t>, donde se almacenan e indexan</a:t>
             </a:r>
+          </a:p>
+          <a:p>
+            <a:endParaRPr lang="es-ES" dirty="0"/>
           </a:p>
           <a:p>
             <a:r>

--- a/doc/8_Monitorizacion_logging_microservicios.pptx
+++ b/doc/8_Monitorizacion_logging_microservicios.pptx
@@ -5,7 +5,7 @@
     <p:sldMasterId id="2147483648" r:id="rId1"/>
   </p:sldMasterIdLst>
   <p:notesMasterIdLst>
-    <p:notesMasterId r:id="rId26"/>
+    <p:notesMasterId r:id="rId41"/>
   </p:notesMasterIdLst>
   <p:sldIdLst>
     <p:sldId id="256" r:id="rId2"/>
@@ -17,21 +17,36 @@
     <p:sldId id="273" r:id="rId8"/>
     <p:sldId id="274" r:id="rId9"/>
     <p:sldId id="275" r:id="rId10"/>
-    <p:sldId id="280" r:id="rId11"/>
-    <p:sldId id="270" r:id="rId12"/>
-    <p:sldId id="272" r:id="rId13"/>
-    <p:sldId id="276" r:id="rId14"/>
-    <p:sldId id="277" r:id="rId15"/>
-    <p:sldId id="278" r:id="rId16"/>
-    <p:sldId id="279" r:id="rId17"/>
-    <p:sldId id="292" r:id="rId18"/>
-    <p:sldId id="290" r:id="rId19"/>
-    <p:sldId id="289" r:id="rId20"/>
-    <p:sldId id="268" r:id="rId21"/>
-    <p:sldId id="269" r:id="rId22"/>
-    <p:sldId id="286" r:id="rId23"/>
-    <p:sldId id="287" r:id="rId24"/>
-    <p:sldId id="288" r:id="rId25"/>
+    <p:sldId id="294" r:id="rId11"/>
+    <p:sldId id="295" r:id="rId12"/>
+    <p:sldId id="280" r:id="rId13"/>
+    <p:sldId id="270" r:id="rId14"/>
+    <p:sldId id="272" r:id="rId15"/>
+    <p:sldId id="276" r:id="rId16"/>
+    <p:sldId id="277" r:id="rId17"/>
+    <p:sldId id="278" r:id="rId18"/>
+    <p:sldId id="279" r:id="rId19"/>
+    <p:sldId id="296" r:id="rId20"/>
+    <p:sldId id="297" r:id="rId21"/>
+    <p:sldId id="298" r:id="rId22"/>
+    <p:sldId id="299" r:id="rId23"/>
+    <p:sldId id="300" r:id="rId24"/>
+    <p:sldId id="301" r:id="rId25"/>
+    <p:sldId id="303" r:id="rId26"/>
+    <p:sldId id="292" r:id="rId27"/>
+    <p:sldId id="302" r:id="rId28"/>
+    <p:sldId id="290" r:id="rId29"/>
+    <p:sldId id="289" r:id="rId30"/>
+    <p:sldId id="304" r:id="rId31"/>
+    <p:sldId id="307" r:id="rId32"/>
+    <p:sldId id="305" r:id="rId33"/>
+    <p:sldId id="308" r:id="rId34"/>
+    <p:sldId id="306" r:id="rId35"/>
+    <p:sldId id="268" r:id="rId36"/>
+    <p:sldId id="269" r:id="rId37"/>
+    <p:sldId id="286" r:id="rId38"/>
+    <p:sldId id="287" r:id="rId39"/>
+    <p:sldId id="288" r:id="rId40"/>
   </p:sldIdLst>
   <p:sldSz cx="12192000" cy="6858000"/>
   <p:notesSz cx="6858000" cy="9144000"/>
@@ -220,7 +235,7 @@
           <a:p>
             <a:fld id="{817BD860-1B16-423B-8F24-2AB350A1DAB1}" type="datetimeFigureOut">
               <a:rPr lang="es-ES" smtClean="0"/>
-              <a:t>17/09/2025</a:t>
+              <a:t>18/09/2025</a:t>
             </a:fld>
             <a:endParaRPr lang="es-ES"/>
           </a:p>
@@ -634,7 +649,7 @@
           <a:p>
             <a:fld id="{8A2C60F9-CAD4-4C1E-9E94-F42C4CA70FA3}" type="datetime1">
               <a:rPr lang="es-ES" smtClean="0"/>
-              <a:t>17/09/2025</a:t>
+              <a:t>18/09/2025</a:t>
             </a:fld>
             <a:endParaRPr lang="es-ES"/>
           </a:p>
@@ -832,7 +847,7 @@
           <a:p>
             <a:fld id="{AB3A4AAD-785B-4D41-A31A-CF97B8DC5CF4}" type="datetime1">
               <a:rPr lang="es-ES" smtClean="0"/>
-              <a:t>17/09/2025</a:t>
+              <a:t>18/09/2025</a:t>
             </a:fld>
             <a:endParaRPr lang="es-ES"/>
           </a:p>
@@ -1040,7 +1055,7 @@
           <a:p>
             <a:fld id="{9B05C8E6-9E9E-46CF-B117-BD2EC27027A4}" type="datetime1">
               <a:rPr lang="es-ES" smtClean="0"/>
-              <a:t>17/09/2025</a:t>
+              <a:t>18/09/2025</a:t>
             </a:fld>
             <a:endParaRPr lang="es-ES"/>
           </a:p>
@@ -1238,7 +1253,7 @@
           <a:p>
             <a:fld id="{3046F3E5-7A93-4552-AAFE-3B2404B93338}" type="datetime1">
               <a:rPr lang="es-ES" smtClean="0"/>
-              <a:t>17/09/2025</a:t>
+              <a:t>18/09/2025</a:t>
             </a:fld>
             <a:endParaRPr lang="es-ES"/>
           </a:p>
@@ -1513,7 +1528,7 @@
           <a:p>
             <a:fld id="{F681CCFA-989C-4080-B9E7-DE224DDF73ED}" type="datetime1">
               <a:rPr lang="es-ES" smtClean="0"/>
-              <a:t>17/09/2025</a:t>
+              <a:t>18/09/2025</a:t>
             </a:fld>
             <a:endParaRPr lang="es-ES"/>
           </a:p>
@@ -1778,7 +1793,7 @@
           <a:p>
             <a:fld id="{FDD494E5-BD2E-45C9-A2B3-63783FFF3415}" type="datetime1">
               <a:rPr lang="es-ES" smtClean="0"/>
-              <a:t>17/09/2025</a:t>
+              <a:t>18/09/2025</a:t>
             </a:fld>
             <a:endParaRPr lang="es-ES"/>
           </a:p>
@@ -2190,7 +2205,7 @@
           <a:p>
             <a:fld id="{60DF08DB-686E-4DE9-84BC-61050F605980}" type="datetime1">
               <a:rPr lang="es-ES" smtClean="0"/>
-              <a:t>17/09/2025</a:t>
+              <a:t>18/09/2025</a:t>
             </a:fld>
             <a:endParaRPr lang="es-ES"/>
           </a:p>
@@ -2331,7 +2346,7 @@
           <a:p>
             <a:fld id="{BCF838B8-0B6B-4F48-BF20-87461CF709F1}" type="datetime1">
               <a:rPr lang="es-ES" smtClean="0"/>
-              <a:t>17/09/2025</a:t>
+              <a:t>18/09/2025</a:t>
             </a:fld>
             <a:endParaRPr lang="es-ES"/>
           </a:p>
@@ -2444,7 +2459,7 @@
           <a:p>
             <a:fld id="{A05D465C-1BA6-4046-B615-3A63D9324A01}" type="datetime1">
               <a:rPr lang="es-ES" smtClean="0"/>
-              <a:t>17/09/2025</a:t>
+              <a:t>18/09/2025</a:t>
             </a:fld>
             <a:endParaRPr lang="es-ES"/>
           </a:p>
@@ -2755,7 +2770,7 @@
           <a:p>
             <a:fld id="{A701DCDC-62B3-4B36-B89D-F58D1D4301BB}" type="datetime1">
               <a:rPr lang="es-ES" smtClean="0"/>
-              <a:t>17/09/2025</a:t>
+              <a:t>18/09/2025</a:t>
             </a:fld>
             <a:endParaRPr lang="es-ES"/>
           </a:p>
@@ -3043,7 +3058,7 @@
           <a:p>
             <a:fld id="{152E0FD9-CE78-42B7-8708-C1CBD99CC86D}" type="datetime1">
               <a:rPr lang="es-ES" smtClean="0"/>
-              <a:t>17/09/2025</a:t>
+              <a:t>18/09/2025</a:t>
             </a:fld>
             <a:endParaRPr lang="es-ES"/>
           </a:p>
@@ -3284,7 +3299,7 @@
           <a:p>
             <a:fld id="{1D25C9C7-BCE0-4EA1-958D-C02E25AB571D}" type="datetime1">
               <a:rPr lang="es-ES" smtClean="0"/>
-              <a:t>17/09/2025</a:t>
+              <a:t>18/09/2025</a:t>
             </a:fld>
             <a:endParaRPr lang="es-ES"/>
           </a:p>
@@ -3781,7 +3796,7 @@
           <p:cNvPr id="2" name="Título 1">
             <a:extLst>
               <a:ext uri="{FF2B5EF4-FFF2-40B4-BE49-F238E27FC236}">
-                <a16:creationId xmlns:a16="http://schemas.microsoft.com/office/drawing/2014/main" id="{CE14B477-F14C-4816-6B18-9334E2BC8944}"/>
+                <a16:creationId xmlns:a16="http://schemas.microsoft.com/office/drawing/2014/main" id="{9706376E-F311-3159-1567-D987805D6749}"/>
               </a:ext>
             </a:extLst>
           </p:cNvPr>
@@ -3798,9 +3813,10 @@
           <a:lstStyle/>
           <a:p>
             <a:r>
-              <a:rPr lang="es-ES" dirty="0"/>
-              <a:t>Limitar el espacio</a:t>
-            </a:r>
+              <a:rPr lang="es-ES" dirty="0" err="1"/>
+              <a:t>Prometheus</a:t>
+            </a:r>
+            <a:endParaRPr lang="es-ES" dirty="0"/>
           </a:p>
         </p:txBody>
       </p:sp>
@@ -3809,7 +3825,7 @@
           <p:cNvPr id="3" name="Marcador de contenido 2">
             <a:extLst>
               <a:ext uri="{FF2B5EF4-FFF2-40B4-BE49-F238E27FC236}">
-                <a16:creationId xmlns:a16="http://schemas.microsoft.com/office/drawing/2014/main" id="{204BDFD4-5792-E80C-377D-D1CD209247DF}"/>
+                <a16:creationId xmlns:a16="http://schemas.microsoft.com/office/drawing/2014/main" id="{1835E797-7B95-95D6-A40C-60336AAE2FC3}"/>
               </a:ext>
             </a:extLst>
           </p:cNvPr>
@@ -3826,37 +3842,78 @@
           <a:lstStyle/>
           <a:p>
             <a:r>
-              <a:rPr lang="es-ES" dirty="0"/>
-              <a:t>--</a:t>
-            </a:r>
-            <a:r>
               <a:rPr lang="es-ES" dirty="0" err="1"/>
-              <a:t>storage.tsdb.retention.time</a:t>
-            </a:r>
-            <a:r>
-              <a:rPr lang="es-ES" dirty="0"/>
-              <a:t>=7d</a:t>
-            </a:r>
-          </a:p>
-          <a:p>
-            <a:r>
-              <a:rPr lang="es-ES" dirty="0"/>
-              <a:t>--</a:t>
+              <a:t>Prometheus</a:t>
+            </a:r>
+            <a:r>
+              <a:rPr lang="es-ES" dirty="0"/>
+              <a:t> necesita un fichero de configuración: </a:t>
             </a:r>
             <a:r>
               <a:rPr lang="es-ES" dirty="0" err="1"/>
-              <a:t>storage.tsdb.retention.size</a:t>
-            </a:r>
-            <a:r>
-              <a:rPr lang="es-ES" dirty="0"/>
-              <a:t>=2GB</a:t>
-            </a:r>
-          </a:p>
-          <a:p>
-            <a:r>
-              <a:rPr lang="es-ES" dirty="0"/>
-              <a:t>Esto limita la retención a 7 días o 2 GB, lo que ayuda a mantener el uso bajo control.</a:t>
-            </a:r>
+              <a:t>prometheus.yml</a:t>
+            </a:r>
+            <a:endParaRPr lang="es-ES" dirty="0"/>
+          </a:p>
+          <a:p>
+            <a:endParaRPr lang="es-ES" dirty="0"/>
+          </a:p>
+          <a:p>
+            <a:r>
+              <a:rPr lang="es-ES" dirty="0"/>
+              <a:t>Normalmente se aloja en la misma carpeta que el fichero Docker-</a:t>
+            </a:r>
+            <a:r>
+              <a:rPr lang="es-ES" dirty="0" err="1"/>
+              <a:t>compose.yml</a:t>
+            </a:r>
+            <a:r>
+              <a:rPr lang="es-ES" dirty="0"/>
+              <a:t>.</a:t>
+            </a:r>
+          </a:p>
+          <a:p>
+            <a:endParaRPr lang="es-ES" dirty="0"/>
+          </a:p>
+          <a:p>
+            <a:r>
+              <a:rPr lang="es-ES" dirty="0"/>
+              <a:t>Para probarlo: una vez arrancado el contenedor, se puede probar </a:t>
+            </a:r>
+            <a:r>
+              <a:rPr lang="es-ES" dirty="0" err="1"/>
+              <a:t>prometheus</a:t>
+            </a:r>
+            <a:r>
+              <a:rPr lang="es-ES" dirty="0"/>
+              <a:t> consigo mismo.</a:t>
+            </a:r>
+          </a:p>
+          <a:p>
+            <a:pPr lvl="1"/>
+            <a:r>
+              <a:rPr lang="es-ES" dirty="0"/>
+              <a:t>Expone métricas en: </a:t>
+            </a:r>
+            <a:r>
+              <a:rPr lang="es-ES" dirty="0">
+                <a:hlinkClick r:id="rId2"/>
+              </a:rPr>
+              <a:t>http://localhost:9090/metrics</a:t>
+            </a:r>
+            <a:endParaRPr lang="es-ES" dirty="0"/>
+          </a:p>
+          <a:p>
+            <a:pPr lvl="1"/>
+            <a:endParaRPr lang="es-ES" dirty="0"/>
+          </a:p>
+          <a:p>
+            <a:pPr lvl="1"/>
+            <a:endParaRPr lang="es-ES" dirty="0"/>
+          </a:p>
+          <a:p>
+            <a:pPr lvl="1"/>
+            <a:endParaRPr lang="es-ES" dirty="0"/>
           </a:p>
         </p:txBody>
       </p:sp>
@@ -3865,7 +3922,7 @@
           <p:cNvPr id="4" name="Marcador de número de diapositiva 3">
             <a:extLst>
               <a:ext uri="{FF2B5EF4-FFF2-40B4-BE49-F238E27FC236}">
-                <a16:creationId xmlns:a16="http://schemas.microsoft.com/office/drawing/2014/main" id="{9ED932A8-564E-F3DE-5C0C-912B829BC06A}"/>
+                <a16:creationId xmlns:a16="http://schemas.microsoft.com/office/drawing/2014/main" id="{5CE80BE2-60DA-BB02-BF96-7251452B1591}"/>
               </a:ext>
             </a:extLst>
           </p:cNvPr>
@@ -3881,7 +3938,7 @@
           <a:bodyPr/>
           <a:lstStyle/>
           <a:p>
-            <a:fld id="{3A8F712D-A7EB-4D56-8C23-F47E080BF0D1}" type="slidenum">
+            <a:fld id="{651C50BF-3A9D-4B62-9482-23DFD07EAA37}" type="slidenum">
               <a:rPr lang="es-ES" smtClean="0"/>
               <a:t>10</a:t>
             </a:fld>
@@ -3892,7 +3949,7 @@
     </p:spTree>
     <p:extLst>
       <p:ext uri="{BB962C8B-B14F-4D97-AF65-F5344CB8AC3E}">
-        <p14:creationId xmlns:p14="http://schemas.microsoft.com/office/powerpoint/2010/main" val="2810903682"/>
+        <p14:creationId xmlns:p14="http://schemas.microsoft.com/office/powerpoint/2010/main" val="2240475083"/>
       </p:ext>
     </p:extLst>
   </p:cSld>
@@ -3921,30 +3978,189 @@
       </p:grpSpPr>
       <p:sp>
         <p:nvSpPr>
-          <p:cNvPr id="5" name="Título 4">
-            <a:extLst>
-              <a:ext uri="{FF2B5EF4-FFF2-40B4-BE49-F238E27FC236}">
-                <a16:creationId xmlns:a16="http://schemas.microsoft.com/office/drawing/2014/main" id="{3E2E443C-2613-E9A8-7779-8A9344B36D2A}"/>
-              </a:ext>
-            </a:extLst>
-          </p:cNvPr>
-          <p:cNvSpPr>
-            <a:spLocks noGrp="1"/>
-          </p:cNvSpPr>
-          <p:nvPr>
-            <p:ph type="ctrTitle"/>
-          </p:nvPr>
-        </p:nvSpPr>
-        <p:spPr/>
-        <p:txBody>
-          <a:bodyPr/>
-          <a:lstStyle/>
-          <a:p>
-            <a:r>
-              <a:rPr lang="es-ES" b="1" dirty="0" err="1"/>
-              <a:t>Grafana</a:t>
-            </a:r>
-            <a:endParaRPr lang="es-ES" b="1" dirty="0"/>
+          <p:cNvPr id="2" name="Título 1">
+            <a:extLst>
+              <a:ext uri="{FF2B5EF4-FFF2-40B4-BE49-F238E27FC236}">
+                <a16:creationId xmlns:a16="http://schemas.microsoft.com/office/drawing/2014/main" id="{E569E4E8-FDD7-9943-31D0-F6D6D6E3D522}"/>
+              </a:ext>
+            </a:extLst>
+          </p:cNvPr>
+          <p:cNvSpPr>
+            <a:spLocks noGrp="1"/>
+          </p:cNvSpPr>
+          <p:nvPr>
+            <p:ph type="title"/>
+          </p:nvPr>
+        </p:nvSpPr>
+        <p:spPr>
+          <a:xfrm>
+            <a:off x="668517" y="136525"/>
+            <a:ext cx="10515600" cy="794372"/>
+          </a:xfrm>
+        </p:spPr>
+        <p:txBody>
+          <a:bodyPr/>
+          <a:lstStyle/>
+          <a:p>
+            <a:r>
+              <a:rPr lang="es-ES" dirty="0" err="1"/>
+              <a:t>prometheus.yml</a:t>
+            </a:r>
+            <a:endParaRPr lang="es-ES" dirty="0"/>
+          </a:p>
+        </p:txBody>
+      </p:sp>
+      <p:sp>
+        <p:nvSpPr>
+          <p:cNvPr id="3" name="Marcador de contenido 2">
+            <a:extLst>
+              <a:ext uri="{FF2B5EF4-FFF2-40B4-BE49-F238E27FC236}">
+                <a16:creationId xmlns:a16="http://schemas.microsoft.com/office/drawing/2014/main" id="{3BB98BC0-67E3-C299-D456-8437A7668FB8}"/>
+              </a:ext>
+            </a:extLst>
+          </p:cNvPr>
+          <p:cNvSpPr>
+            <a:spLocks noGrp="1"/>
+          </p:cNvSpPr>
+          <p:nvPr>
+            <p:ph idx="1"/>
+          </p:nvPr>
+        </p:nvSpPr>
+        <p:spPr>
+          <a:xfrm>
+            <a:off x="471340" y="1159498"/>
+            <a:ext cx="11114202" cy="5333376"/>
+          </a:xfrm>
+        </p:spPr>
+        <p:txBody>
+          <a:bodyPr>
+            <a:normAutofit/>
+          </a:bodyPr>
+          <a:lstStyle/>
+          <a:p>
+            <a:r>
+              <a:rPr lang="es-ES" dirty="0"/>
+              <a:t>Para probarlo consigo mismo:</a:t>
+            </a:r>
+          </a:p>
+          <a:p>
+            <a:pPr marL="457200" lvl="1" indent="0">
+              <a:buNone/>
+            </a:pPr>
+            <a:endParaRPr lang="es-ES" dirty="0"/>
+          </a:p>
+          <a:p>
+            <a:pPr marL="457200" lvl="1" indent="0">
+              <a:buNone/>
+            </a:pPr>
+            <a:r>
+              <a:rPr lang="es-ES" dirty="0"/>
+              <a:t>global:</a:t>
+            </a:r>
+          </a:p>
+          <a:p>
+            <a:pPr marL="914400" lvl="2" indent="0">
+              <a:buNone/>
+            </a:pPr>
+            <a:r>
+              <a:rPr lang="es-ES" dirty="0" err="1"/>
+              <a:t>scrape_interval</a:t>
+            </a:r>
+            <a:r>
+              <a:rPr lang="es-ES" dirty="0"/>
+              <a:t>: 15s  </a:t>
+            </a:r>
+            <a:r>
+              <a:rPr lang="es-ES" b="1" i="1" dirty="0"/>
+              <a:t># intervalo de recolección de métricas</a:t>
+            </a:r>
+          </a:p>
+          <a:p>
+            <a:pPr marL="457200" lvl="1" indent="0">
+              <a:buNone/>
+            </a:pPr>
+            <a:endParaRPr lang="en-US" dirty="0"/>
+          </a:p>
+          <a:p>
+            <a:pPr marL="457200" lvl="1" indent="0">
+              <a:buNone/>
+            </a:pPr>
+            <a:r>
+              <a:rPr lang="en-US" dirty="0" err="1"/>
+              <a:t>scrape_configs</a:t>
+            </a:r>
+            <a:r>
+              <a:rPr lang="en-US" dirty="0"/>
+              <a:t>:</a:t>
+            </a:r>
+          </a:p>
+          <a:p>
+            <a:pPr marL="457200" lvl="1" indent="0">
+              <a:buNone/>
+            </a:pPr>
+            <a:r>
+              <a:rPr lang="en-US" dirty="0"/>
+              <a:t>  - </a:t>
+            </a:r>
+            <a:r>
+              <a:rPr lang="en-US" dirty="0" err="1"/>
+              <a:t>job_name</a:t>
+            </a:r>
+            <a:r>
+              <a:rPr lang="en-US" dirty="0"/>
+              <a:t>: '</a:t>
+            </a:r>
+            <a:r>
+              <a:rPr lang="en-US" dirty="0" err="1"/>
+              <a:t>prometheus</a:t>
+            </a:r>
+            <a:r>
+              <a:rPr lang="en-US" dirty="0"/>
+              <a:t>'</a:t>
+            </a:r>
+          </a:p>
+          <a:p>
+            <a:pPr marL="457200" lvl="1" indent="0">
+              <a:buNone/>
+            </a:pPr>
+            <a:r>
+              <a:rPr lang="en-US" dirty="0"/>
+              <a:t>    </a:t>
+            </a:r>
+            <a:r>
+              <a:rPr lang="en-US" dirty="0" err="1"/>
+              <a:t>static_configs</a:t>
+            </a:r>
+            <a:r>
+              <a:rPr lang="en-US" dirty="0"/>
+              <a:t>:</a:t>
+            </a:r>
+          </a:p>
+          <a:p>
+            <a:pPr marL="457200" lvl="1" indent="0">
+              <a:buNone/>
+            </a:pPr>
+            <a:r>
+              <a:rPr lang="en-US" dirty="0"/>
+              <a:t>      - targets: ['localhost:9090’]</a:t>
+            </a:r>
+          </a:p>
+          <a:p>
+            <a:endParaRPr lang="es-ES" dirty="0"/>
+          </a:p>
+          <a:p>
+            <a:r>
+              <a:rPr lang="es-ES" dirty="0"/>
+              <a:t>Con esto veremos métricas de uso de CPU, memoria, y actividad interna de </a:t>
+            </a:r>
+            <a:r>
+              <a:rPr lang="es-ES" dirty="0" err="1"/>
+              <a:t>prometheus</a:t>
+            </a:r>
+            <a:r>
+              <a:rPr lang="es-ES" dirty="0"/>
+              <a:t>.</a:t>
+            </a:r>
           </a:p>
         </p:txBody>
       </p:sp>
@@ -3953,7 +4169,7 @@
           <p:cNvPr id="4" name="Marcador de número de diapositiva 3">
             <a:extLst>
               <a:ext uri="{FF2B5EF4-FFF2-40B4-BE49-F238E27FC236}">
-                <a16:creationId xmlns:a16="http://schemas.microsoft.com/office/drawing/2014/main" id="{92DBEBBB-27AD-26C0-9C86-4AA5618D26CE}"/>
+                <a16:creationId xmlns:a16="http://schemas.microsoft.com/office/drawing/2014/main" id="{430BB37A-B422-0CB2-B4B6-77283588D353}"/>
               </a:ext>
             </a:extLst>
           </p:cNvPr>
@@ -3969,7 +4185,7 @@
           <a:bodyPr/>
           <a:lstStyle/>
           <a:p>
-            <a:fld id="{3A8F712D-A7EB-4D56-8C23-F47E080BF0D1}" type="slidenum">
+            <a:fld id="{651C50BF-3A9D-4B62-9482-23DFD07EAA37}" type="slidenum">
               <a:rPr lang="es-ES" smtClean="0"/>
               <a:t>11</a:t>
             </a:fld>
@@ -3980,7 +4196,7 @@
     </p:spTree>
     <p:extLst>
       <p:ext uri="{BB962C8B-B14F-4D97-AF65-F5344CB8AC3E}">
-        <p14:creationId xmlns:p14="http://schemas.microsoft.com/office/powerpoint/2010/main" val="1421251482"/>
+        <p14:creationId xmlns:p14="http://schemas.microsoft.com/office/powerpoint/2010/main" val="3996503737"/>
       </p:ext>
     </p:extLst>
   </p:cSld>
@@ -4012,7 +4228,7 @@
           <p:cNvPr id="2" name="Título 1">
             <a:extLst>
               <a:ext uri="{FF2B5EF4-FFF2-40B4-BE49-F238E27FC236}">
-                <a16:creationId xmlns:a16="http://schemas.microsoft.com/office/drawing/2014/main" id="{36FB35E0-D82B-FFCD-CE48-06C670A2773D}"/>
+                <a16:creationId xmlns:a16="http://schemas.microsoft.com/office/drawing/2014/main" id="{CE14B477-F14C-4816-6B18-9334E2BC8944}"/>
               </a:ext>
             </a:extLst>
           </p:cNvPr>
@@ -4030,7 +4246,7 @@
           <a:p>
             <a:r>
               <a:rPr lang="es-ES" dirty="0"/>
-              <a:t>Introducción</a:t>
+              <a:t>Limitar el espacio</a:t>
             </a:r>
           </a:p>
         </p:txBody>
@@ -4040,7 +4256,7 @@
           <p:cNvPr id="3" name="Marcador de contenido 2">
             <a:extLst>
               <a:ext uri="{FF2B5EF4-FFF2-40B4-BE49-F238E27FC236}">
-                <a16:creationId xmlns:a16="http://schemas.microsoft.com/office/drawing/2014/main" id="{B5770A1A-FE41-D62E-2042-4F2B301AE8AF}"/>
+                <a16:creationId xmlns:a16="http://schemas.microsoft.com/office/drawing/2014/main" id="{204BDFD4-5792-E80C-377D-D1CD209247DF}"/>
               </a:ext>
             </a:extLst>
           </p:cNvPr>
@@ -4051,138 +4267,43 @@
             <p:ph idx="1"/>
           </p:nvPr>
         </p:nvSpPr>
-        <p:spPr>
-          <a:xfrm>
-            <a:off x="838200" y="1825625"/>
-            <a:ext cx="10635114" cy="4667250"/>
-          </a:xfrm>
-        </p:spPr>
-        <p:txBody>
-          <a:bodyPr>
-            <a:normAutofit fontScale="92500" lnSpcReduction="10000"/>
-          </a:bodyPr>
-          <a:lstStyle/>
-          <a:p>
-            <a:r>
-              <a:rPr lang="es-ES" b="1" dirty="0" err="1"/>
-              <a:t>Grafana</a:t>
-            </a:r>
-            <a:r>
-              <a:rPr lang="es-ES" dirty="0"/>
-              <a:t>, una de las herramientas más potentes y populares para la </a:t>
-            </a:r>
-            <a:r>
-              <a:rPr lang="es-ES" b="1" dirty="0"/>
-              <a:t>visualización de métricas y monitoreo en tiempo real</a:t>
-            </a:r>
-            <a:r>
-              <a:rPr lang="es-ES" dirty="0"/>
-              <a:t>, especialmente cuando se combina con </a:t>
+        <p:spPr/>
+        <p:txBody>
+          <a:bodyPr/>
+          <a:lstStyle/>
+          <a:p>
+            <a:r>
+              <a:rPr lang="es-ES" dirty="0"/>
+              <a:t>--</a:t>
             </a:r>
             <a:r>
               <a:rPr lang="es-ES" dirty="0" err="1"/>
-              <a:t>Prometheus</a:t>
-            </a:r>
-            <a:r>
-              <a:rPr lang="es-ES" dirty="0"/>
-              <a:t>.</a:t>
-            </a:r>
-          </a:p>
-          <a:p>
-            <a:endParaRPr lang="es-ES" dirty="0"/>
-          </a:p>
-          <a:p>
-            <a:r>
-              <a:rPr lang="es-ES" b="1" dirty="0" err="1"/>
-              <a:t>Grafana</a:t>
-            </a:r>
-            <a:r>
-              <a:rPr lang="es-ES" dirty="0"/>
-              <a:t> es una plataforma de </a:t>
-            </a:r>
-            <a:r>
-              <a:rPr lang="es-ES" b="1" dirty="0"/>
-              <a:t>visualización de datos de series temporales</a:t>
-            </a:r>
-            <a:r>
-              <a:rPr lang="es-ES" dirty="0"/>
-              <a:t>. Te permite crear </a:t>
-            </a:r>
-            <a:r>
-              <a:rPr lang="es-ES" b="1" dirty="0" err="1"/>
-              <a:t>dashboards</a:t>
-            </a:r>
-            <a:r>
-              <a:rPr lang="es-ES" b="1" dirty="0"/>
-              <a:t> interactivos</a:t>
-            </a:r>
-            <a:r>
-              <a:rPr lang="es-ES" dirty="0"/>
-              <a:t> para monitorear servidores, servicios web, bases de datos, contenedores, sensores </a:t>
+              <a:t>storage.tsdb.retention.time</a:t>
+            </a:r>
+            <a:r>
+              <a:rPr lang="es-ES" dirty="0"/>
+              <a:t>=7d</a:t>
+            </a:r>
+          </a:p>
+          <a:p>
+            <a:r>
+              <a:rPr lang="es-ES" dirty="0"/>
+              <a:t>--</a:t>
             </a:r>
             <a:r>
               <a:rPr lang="es-ES" dirty="0" err="1"/>
-              <a:t>IoT</a:t>
-            </a:r>
-            <a:r>
-              <a:rPr lang="es-ES" dirty="0"/>
-              <a:t>, y mucho más.</a:t>
-            </a:r>
-          </a:p>
-          <a:p>
-            <a:pPr lvl="1"/>
-            <a:r>
-              <a:rPr lang="es-ES" dirty="0"/>
-              <a:t>Compatible con múltiples fuentes de datos (</a:t>
-            </a:r>
-            <a:r>
-              <a:rPr lang="es-ES" dirty="0" err="1"/>
-              <a:t>Prometheus</a:t>
-            </a:r>
-            <a:r>
-              <a:rPr lang="es-ES" dirty="0"/>
-              <a:t>, </a:t>
-            </a:r>
-            <a:r>
-              <a:rPr lang="es-ES" dirty="0" err="1"/>
-              <a:t>InfluxDB</a:t>
-            </a:r>
-            <a:r>
-              <a:rPr lang="es-ES" dirty="0"/>
-              <a:t>, MySQL, PostgreSQL, etc.)</a:t>
-            </a:r>
-          </a:p>
-          <a:p>
-            <a:pPr lvl="1"/>
-            <a:r>
-              <a:rPr lang="es-ES" dirty="0"/>
-              <a:t> Ofrece gráficos, tablas, mapas, alertas y paneles personalizables</a:t>
-            </a:r>
-          </a:p>
-          <a:p>
-            <a:pPr lvl="1"/>
-            <a:r>
-              <a:rPr lang="es-ES" dirty="0"/>
-              <a:t> Permite configurar alertas visuales y notificaciones automáticas</a:t>
-            </a:r>
-          </a:p>
-          <a:p>
-            <a:pPr lvl="1"/>
-            <a:r>
-              <a:rPr lang="es-ES" dirty="0"/>
-              <a:t>Se integra fácilmente con Docker, </a:t>
-            </a:r>
-            <a:r>
-              <a:rPr lang="es-ES" dirty="0" err="1"/>
-              <a:t>Kubernetes</a:t>
-            </a:r>
-            <a:r>
-              <a:rPr lang="es-ES" dirty="0"/>
-              <a:t>, y herramientas DevOps</a:t>
-            </a:r>
-          </a:p>
-          <a:p>
-            <a:endParaRPr lang="es-ES" dirty="0"/>
+              <a:t>storage.tsdb.retention.size</a:t>
+            </a:r>
+            <a:r>
+              <a:rPr lang="es-ES" dirty="0"/>
+              <a:t>=2GB</a:t>
+            </a:r>
+          </a:p>
+          <a:p>
+            <a:r>
+              <a:rPr lang="es-ES" dirty="0"/>
+              <a:t>Esto limita la retención a 7 días o 2 GB, lo que ayuda a mantener el uso bajo control.</a:t>
+            </a:r>
           </a:p>
         </p:txBody>
       </p:sp>
@@ -4191,7 +4312,7 @@
           <p:cNvPr id="4" name="Marcador de número de diapositiva 3">
             <a:extLst>
               <a:ext uri="{FF2B5EF4-FFF2-40B4-BE49-F238E27FC236}">
-                <a16:creationId xmlns:a16="http://schemas.microsoft.com/office/drawing/2014/main" id="{0322E89C-A31A-8085-069F-39ED49979173}"/>
+                <a16:creationId xmlns:a16="http://schemas.microsoft.com/office/drawing/2014/main" id="{9ED932A8-564E-F3DE-5C0C-912B829BC06A}"/>
               </a:ext>
             </a:extLst>
           </p:cNvPr>
@@ -4218,7 +4339,7 @@
     </p:spTree>
     <p:extLst>
       <p:ext uri="{BB962C8B-B14F-4D97-AF65-F5344CB8AC3E}">
-        <p14:creationId xmlns:p14="http://schemas.microsoft.com/office/powerpoint/2010/main" val="2292899099"/>
+        <p14:creationId xmlns:p14="http://schemas.microsoft.com/office/powerpoint/2010/main" val="2810903682"/>
       </p:ext>
     </p:extLst>
   </p:cSld>
@@ -4247,29 +4368,30 @@
       </p:grpSpPr>
       <p:sp>
         <p:nvSpPr>
-          <p:cNvPr id="2" name="Título 1">
-            <a:extLst>
-              <a:ext uri="{FF2B5EF4-FFF2-40B4-BE49-F238E27FC236}">
-                <a16:creationId xmlns:a16="http://schemas.microsoft.com/office/drawing/2014/main" id="{F20D96B4-70A0-D058-1473-EB4A0BB7096A}"/>
-              </a:ext>
-            </a:extLst>
-          </p:cNvPr>
-          <p:cNvSpPr>
-            <a:spLocks noGrp="1"/>
-          </p:cNvSpPr>
-          <p:nvPr>
-            <p:ph type="title"/>
-          </p:nvPr>
-        </p:nvSpPr>
-        <p:spPr/>
-        <p:txBody>
-          <a:bodyPr/>
-          <a:lstStyle/>
-          <a:p>
-            <a:r>
-              <a:rPr lang="es-ES" dirty="0"/>
-              <a:t>¿Para que sirve?</a:t>
-            </a:r>
+          <p:cNvPr id="5" name="Título 4">
+            <a:extLst>
+              <a:ext uri="{FF2B5EF4-FFF2-40B4-BE49-F238E27FC236}">
+                <a16:creationId xmlns:a16="http://schemas.microsoft.com/office/drawing/2014/main" id="{3E2E443C-2613-E9A8-7779-8A9344B36D2A}"/>
+              </a:ext>
+            </a:extLst>
+          </p:cNvPr>
+          <p:cNvSpPr>
+            <a:spLocks noGrp="1"/>
+          </p:cNvSpPr>
+          <p:nvPr>
+            <p:ph type="ctrTitle"/>
+          </p:nvPr>
+        </p:nvSpPr>
+        <p:spPr/>
+        <p:txBody>
+          <a:bodyPr/>
+          <a:lstStyle/>
+          <a:p>
+            <a:r>
+              <a:rPr lang="es-ES" b="1" dirty="0" err="1"/>
+              <a:t>Grafana</a:t>
+            </a:r>
+            <a:endParaRPr lang="es-ES" b="1" dirty="0"/>
           </a:p>
         </p:txBody>
       </p:sp>
@@ -4278,7 +4400,7 @@
           <p:cNvPr id="4" name="Marcador de número de diapositiva 3">
             <a:extLst>
               <a:ext uri="{FF2B5EF4-FFF2-40B4-BE49-F238E27FC236}">
-                <a16:creationId xmlns:a16="http://schemas.microsoft.com/office/drawing/2014/main" id="{735C154E-9A0E-F794-B8CF-ED975A6D0327}"/>
+                <a16:creationId xmlns:a16="http://schemas.microsoft.com/office/drawing/2014/main" id="{92DBEBBB-27AD-26C0-9C86-4AA5618D26CE}"/>
               </a:ext>
             </a:extLst>
           </p:cNvPr>
@@ -4297,6 +4419,331 @@
             <a:fld id="{3A8F712D-A7EB-4D56-8C23-F47E080BF0D1}" type="slidenum">
               <a:rPr lang="es-ES" smtClean="0"/>
               <a:t>13</a:t>
+            </a:fld>
+            <a:endParaRPr lang="es-ES"/>
+          </a:p>
+        </p:txBody>
+      </p:sp>
+    </p:spTree>
+    <p:extLst>
+      <p:ext uri="{BB962C8B-B14F-4D97-AF65-F5344CB8AC3E}">
+        <p14:creationId xmlns:p14="http://schemas.microsoft.com/office/powerpoint/2010/main" val="1421251482"/>
+      </p:ext>
+    </p:extLst>
+  </p:cSld>
+  <p:clrMapOvr>
+    <a:masterClrMapping/>
+  </p:clrMapOvr>
+</p:sld>
+</file>
+
+<file path=ppt/slides/slide14.xml><?xml version="1.0" encoding="utf-8"?>
+<p:sld xmlns:a="http://schemas.openxmlformats.org/drawingml/2006/main" xmlns:r="http://schemas.openxmlformats.org/officeDocument/2006/relationships" xmlns:p="http://schemas.openxmlformats.org/presentationml/2006/main">
+  <p:cSld>
+    <p:spTree>
+      <p:nvGrpSpPr>
+        <p:cNvPr id="1" name=""/>
+        <p:cNvGrpSpPr/>
+        <p:nvPr/>
+      </p:nvGrpSpPr>
+      <p:grpSpPr>
+        <a:xfrm>
+          <a:off x="0" y="0"/>
+          <a:ext cx="0" cy="0"/>
+          <a:chOff x="0" y="0"/>
+          <a:chExt cx="0" cy="0"/>
+        </a:xfrm>
+      </p:grpSpPr>
+      <p:sp>
+        <p:nvSpPr>
+          <p:cNvPr id="2" name="Título 1">
+            <a:extLst>
+              <a:ext uri="{FF2B5EF4-FFF2-40B4-BE49-F238E27FC236}">
+                <a16:creationId xmlns:a16="http://schemas.microsoft.com/office/drawing/2014/main" id="{36FB35E0-D82B-FFCD-CE48-06C670A2773D}"/>
+              </a:ext>
+            </a:extLst>
+          </p:cNvPr>
+          <p:cNvSpPr>
+            <a:spLocks noGrp="1"/>
+          </p:cNvSpPr>
+          <p:nvPr>
+            <p:ph type="title"/>
+          </p:nvPr>
+        </p:nvSpPr>
+        <p:spPr/>
+        <p:txBody>
+          <a:bodyPr/>
+          <a:lstStyle/>
+          <a:p>
+            <a:r>
+              <a:rPr lang="es-ES" dirty="0"/>
+              <a:t>Introducción</a:t>
+            </a:r>
+          </a:p>
+        </p:txBody>
+      </p:sp>
+      <p:sp>
+        <p:nvSpPr>
+          <p:cNvPr id="3" name="Marcador de contenido 2">
+            <a:extLst>
+              <a:ext uri="{FF2B5EF4-FFF2-40B4-BE49-F238E27FC236}">
+                <a16:creationId xmlns:a16="http://schemas.microsoft.com/office/drawing/2014/main" id="{B5770A1A-FE41-D62E-2042-4F2B301AE8AF}"/>
+              </a:ext>
+            </a:extLst>
+          </p:cNvPr>
+          <p:cNvSpPr>
+            <a:spLocks noGrp="1"/>
+          </p:cNvSpPr>
+          <p:nvPr>
+            <p:ph idx="1"/>
+          </p:nvPr>
+        </p:nvSpPr>
+        <p:spPr>
+          <a:xfrm>
+            <a:off x="838200" y="1825625"/>
+            <a:ext cx="10635114" cy="4667250"/>
+          </a:xfrm>
+        </p:spPr>
+        <p:txBody>
+          <a:bodyPr>
+            <a:normAutofit fontScale="92500" lnSpcReduction="10000"/>
+          </a:bodyPr>
+          <a:lstStyle/>
+          <a:p>
+            <a:r>
+              <a:rPr lang="es-ES" b="1" dirty="0" err="1"/>
+              <a:t>Grafana</a:t>
+            </a:r>
+            <a:r>
+              <a:rPr lang="es-ES" dirty="0"/>
+              <a:t>, una de las herramientas más potentes y populares para la </a:t>
+            </a:r>
+            <a:r>
+              <a:rPr lang="es-ES" b="1" dirty="0"/>
+              <a:t>visualización de métricas y monitoreo en tiempo real</a:t>
+            </a:r>
+            <a:r>
+              <a:rPr lang="es-ES" dirty="0"/>
+              <a:t>, especialmente cuando se combina con </a:t>
+            </a:r>
+            <a:r>
+              <a:rPr lang="es-ES" dirty="0" err="1"/>
+              <a:t>Prometheus</a:t>
+            </a:r>
+            <a:r>
+              <a:rPr lang="es-ES" dirty="0"/>
+              <a:t>.</a:t>
+            </a:r>
+          </a:p>
+          <a:p>
+            <a:endParaRPr lang="es-ES" dirty="0"/>
+          </a:p>
+          <a:p>
+            <a:r>
+              <a:rPr lang="es-ES" b="1" dirty="0" err="1"/>
+              <a:t>Grafana</a:t>
+            </a:r>
+            <a:r>
+              <a:rPr lang="es-ES" dirty="0"/>
+              <a:t> es una plataforma de </a:t>
+            </a:r>
+            <a:r>
+              <a:rPr lang="es-ES" b="1" dirty="0"/>
+              <a:t>visualización de datos de series temporales</a:t>
+            </a:r>
+            <a:r>
+              <a:rPr lang="es-ES" dirty="0"/>
+              <a:t>. Te permite crear </a:t>
+            </a:r>
+            <a:r>
+              <a:rPr lang="es-ES" b="1" dirty="0" err="1"/>
+              <a:t>dashboards</a:t>
+            </a:r>
+            <a:r>
+              <a:rPr lang="es-ES" b="1" dirty="0"/>
+              <a:t> interactivos</a:t>
+            </a:r>
+            <a:r>
+              <a:rPr lang="es-ES" dirty="0"/>
+              <a:t> para monitorear servidores, servicios web, bases de datos, contenedores, sensores </a:t>
+            </a:r>
+            <a:r>
+              <a:rPr lang="es-ES" dirty="0" err="1"/>
+              <a:t>IoT</a:t>
+            </a:r>
+            <a:r>
+              <a:rPr lang="es-ES" dirty="0"/>
+              <a:t>, y mucho más.</a:t>
+            </a:r>
+          </a:p>
+          <a:p>
+            <a:pPr lvl="1"/>
+            <a:r>
+              <a:rPr lang="es-ES" dirty="0"/>
+              <a:t>Compatible con múltiples fuentes de datos (</a:t>
+            </a:r>
+            <a:r>
+              <a:rPr lang="es-ES" dirty="0" err="1"/>
+              <a:t>Prometheus</a:t>
+            </a:r>
+            <a:r>
+              <a:rPr lang="es-ES" dirty="0"/>
+              <a:t>, </a:t>
+            </a:r>
+            <a:r>
+              <a:rPr lang="es-ES" dirty="0" err="1"/>
+              <a:t>InfluxDB</a:t>
+            </a:r>
+            <a:r>
+              <a:rPr lang="es-ES" dirty="0"/>
+              <a:t>, MySQL, PostgreSQL, etc.)</a:t>
+            </a:r>
+          </a:p>
+          <a:p>
+            <a:pPr lvl="1"/>
+            <a:r>
+              <a:rPr lang="es-ES" dirty="0"/>
+              <a:t> Ofrece gráficos, tablas, mapas, alertas y paneles personalizables</a:t>
+            </a:r>
+          </a:p>
+          <a:p>
+            <a:pPr lvl="1"/>
+            <a:r>
+              <a:rPr lang="es-ES" dirty="0"/>
+              <a:t> Permite configurar alertas visuales y notificaciones automáticas</a:t>
+            </a:r>
+          </a:p>
+          <a:p>
+            <a:pPr lvl="1"/>
+            <a:r>
+              <a:rPr lang="es-ES" dirty="0"/>
+              <a:t>Se integra fácilmente con Docker, </a:t>
+            </a:r>
+            <a:r>
+              <a:rPr lang="es-ES" dirty="0" err="1"/>
+              <a:t>Kubernetes</a:t>
+            </a:r>
+            <a:r>
+              <a:rPr lang="es-ES" dirty="0"/>
+              <a:t>, y herramientas DevOps</a:t>
+            </a:r>
+          </a:p>
+          <a:p>
+            <a:endParaRPr lang="es-ES" dirty="0"/>
+          </a:p>
+        </p:txBody>
+      </p:sp>
+      <p:sp>
+        <p:nvSpPr>
+          <p:cNvPr id="4" name="Marcador de número de diapositiva 3">
+            <a:extLst>
+              <a:ext uri="{FF2B5EF4-FFF2-40B4-BE49-F238E27FC236}">
+                <a16:creationId xmlns:a16="http://schemas.microsoft.com/office/drawing/2014/main" id="{0322E89C-A31A-8085-069F-39ED49979173}"/>
+              </a:ext>
+            </a:extLst>
+          </p:cNvPr>
+          <p:cNvSpPr>
+            <a:spLocks noGrp="1"/>
+          </p:cNvSpPr>
+          <p:nvPr>
+            <p:ph type="sldNum" sz="quarter" idx="12"/>
+          </p:nvPr>
+        </p:nvSpPr>
+        <p:spPr/>
+        <p:txBody>
+          <a:bodyPr/>
+          <a:lstStyle/>
+          <a:p>
+            <a:fld id="{3A8F712D-A7EB-4D56-8C23-F47E080BF0D1}" type="slidenum">
+              <a:rPr lang="es-ES" smtClean="0"/>
+              <a:t>14</a:t>
+            </a:fld>
+            <a:endParaRPr lang="es-ES"/>
+          </a:p>
+        </p:txBody>
+      </p:sp>
+    </p:spTree>
+    <p:extLst>
+      <p:ext uri="{BB962C8B-B14F-4D97-AF65-F5344CB8AC3E}">
+        <p14:creationId xmlns:p14="http://schemas.microsoft.com/office/powerpoint/2010/main" val="2292899099"/>
+      </p:ext>
+    </p:extLst>
+  </p:cSld>
+  <p:clrMapOvr>
+    <a:masterClrMapping/>
+  </p:clrMapOvr>
+</p:sld>
+</file>
+
+<file path=ppt/slides/slide15.xml><?xml version="1.0" encoding="utf-8"?>
+<p:sld xmlns:a="http://schemas.openxmlformats.org/drawingml/2006/main" xmlns:r="http://schemas.openxmlformats.org/officeDocument/2006/relationships" xmlns:p="http://schemas.openxmlformats.org/presentationml/2006/main">
+  <p:cSld>
+    <p:spTree>
+      <p:nvGrpSpPr>
+        <p:cNvPr id="1" name=""/>
+        <p:cNvGrpSpPr/>
+        <p:nvPr/>
+      </p:nvGrpSpPr>
+      <p:grpSpPr>
+        <a:xfrm>
+          <a:off x="0" y="0"/>
+          <a:ext cx="0" cy="0"/>
+          <a:chOff x="0" y="0"/>
+          <a:chExt cx="0" cy="0"/>
+        </a:xfrm>
+      </p:grpSpPr>
+      <p:sp>
+        <p:nvSpPr>
+          <p:cNvPr id="2" name="Título 1">
+            <a:extLst>
+              <a:ext uri="{FF2B5EF4-FFF2-40B4-BE49-F238E27FC236}">
+                <a16:creationId xmlns:a16="http://schemas.microsoft.com/office/drawing/2014/main" id="{F20D96B4-70A0-D058-1473-EB4A0BB7096A}"/>
+              </a:ext>
+            </a:extLst>
+          </p:cNvPr>
+          <p:cNvSpPr>
+            <a:spLocks noGrp="1"/>
+          </p:cNvSpPr>
+          <p:nvPr>
+            <p:ph type="title"/>
+          </p:nvPr>
+        </p:nvSpPr>
+        <p:spPr/>
+        <p:txBody>
+          <a:bodyPr/>
+          <a:lstStyle/>
+          <a:p>
+            <a:r>
+              <a:rPr lang="es-ES" dirty="0"/>
+              <a:t>¿Para que sirve?</a:t>
+            </a:r>
+          </a:p>
+        </p:txBody>
+      </p:sp>
+      <p:sp>
+        <p:nvSpPr>
+          <p:cNvPr id="4" name="Marcador de número de diapositiva 3">
+            <a:extLst>
+              <a:ext uri="{FF2B5EF4-FFF2-40B4-BE49-F238E27FC236}">
+                <a16:creationId xmlns:a16="http://schemas.microsoft.com/office/drawing/2014/main" id="{735C154E-9A0E-F794-B8CF-ED975A6D0327}"/>
+              </a:ext>
+            </a:extLst>
+          </p:cNvPr>
+          <p:cNvSpPr>
+            <a:spLocks noGrp="1"/>
+          </p:cNvSpPr>
+          <p:nvPr>
+            <p:ph type="sldNum" sz="quarter" idx="12"/>
+          </p:nvPr>
+        </p:nvSpPr>
+        <p:spPr/>
+        <p:txBody>
+          <a:bodyPr/>
+          <a:lstStyle/>
+          <a:p>
+            <a:fld id="{3A8F712D-A7EB-4D56-8C23-F47E080BF0D1}" type="slidenum">
+              <a:rPr lang="es-ES" smtClean="0"/>
+              <a:t>15</a:t>
             </a:fld>
             <a:endParaRPr lang="es-ES"/>
           </a:p>
@@ -4345,421 +4792,6 @@
 </p:sld>
 </file>
 
-<file path=ppt/slides/slide14.xml><?xml version="1.0" encoding="utf-8"?>
-<p:sld xmlns:a="http://schemas.openxmlformats.org/drawingml/2006/main" xmlns:r="http://schemas.openxmlformats.org/officeDocument/2006/relationships" xmlns:p="http://schemas.openxmlformats.org/presentationml/2006/main">
-  <p:cSld>
-    <p:spTree>
-      <p:nvGrpSpPr>
-        <p:cNvPr id="1" name=""/>
-        <p:cNvGrpSpPr/>
-        <p:nvPr/>
-      </p:nvGrpSpPr>
-      <p:grpSpPr>
-        <a:xfrm>
-          <a:off x="0" y="0"/>
-          <a:ext cx="0" cy="0"/>
-          <a:chOff x="0" y="0"/>
-          <a:chExt cx="0" cy="0"/>
-        </a:xfrm>
-      </p:grpSpPr>
-      <p:sp>
-        <p:nvSpPr>
-          <p:cNvPr id="2" name="Título 1">
-            <a:extLst>
-              <a:ext uri="{FF2B5EF4-FFF2-40B4-BE49-F238E27FC236}">
-                <a16:creationId xmlns:a16="http://schemas.microsoft.com/office/drawing/2014/main" id="{CCA1726A-7AB7-646F-29BD-6882F546A342}"/>
-              </a:ext>
-            </a:extLst>
-          </p:cNvPr>
-          <p:cNvSpPr>
-            <a:spLocks noGrp="1"/>
-          </p:cNvSpPr>
-          <p:nvPr>
-            <p:ph type="title"/>
-          </p:nvPr>
-        </p:nvSpPr>
-        <p:spPr/>
-        <p:txBody>
-          <a:bodyPr/>
-          <a:lstStyle/>
-          <a:p>
-            <a:r>
-              <a:rPr lang="es-ES" dirty="0"/>
-              <a:t>Instalación</a:t>
-            </a:r>
-          </a:p>
-        </p:txBody>
-      </p:sp>
-      <p:sp>
-        <p:nvSpPr>
-          <p:cNvPr id="3" name="Marcador de contenido 2">
-            <a:extLst>
-              <a:ext uri="{FF2B5EF4-FFF2-40B4-BE49-F238E27FC236}">
-                <a16:creationId xmlns:a16="http://schemas.microsoft.com/office/drawing/2014/main" id="{83154DFD-2567-D468-ADD2-7968C2319374}"/>
-              </a:ext>
-            </a:extLst>
-          </p:cNvPr>
-          <p:cNvSpPr>
-            <a:spLocks noGrp="1"/>
-          </p:cNvSpPr>
-          <p:nvPr>
-            <p:ph idx="1"/>
-          </p:nvPr>
-        </p:nvSpPr>
-        <p:spPr/>
-        <p:txBody>
-          <a:bodyPr/>
-          <a:lstStyle/>
-          <a:p>
-            <a:r>
-              <a:rPr lang="es-ES" dirty="0"/>
-              <a:t>En </a:t>
-            </a:r>
-            <a:r>
-              <a:rPr lang="es-ES" b="1" dirty="0"/>
-              <a:t>Windows</a:t>
-            </a:r>
-          </a:p>
-          <a:p>
-            <a:pPr lvl="1"/>
-            <a:r>
-              <a:rPr lang="es-ES" dirty="0"/>
-              <a:t>Descarga el instalador desde: </a:t>
-            </a:r>
-            <a:r>
-              <a:rPr lang="es-ES" dirty="0">
-                <a:hlinkClick r:id="rId2"/>
-              </a:rPr>
-              <a:t>https://grafana.com/download</a:t>
-            </a:r>
-            <a:endParaRPr lang="es-ES" dirty="0"/>
-          </a:p>
-          <a:p>
-            <a:pPr lvl="1"/>
-            <a:endParaRPr lang="es-ES" dirty="0"/>
-          </a:p>
-          <a:p>
-            <a:pPr lvl="1"/>
-            <a:r>
-              <a:rPr lang="es-ES" dirty="0"/>
-              <a:t>Ejecuta el .exe y sigue los pasos</a:t>
-            </a:r>
-          </a:p>
-          <a:p>
-            <a:pPr lvl="1"/>
-            <a:endParaRPr lang="es-ES" dirty="0"/>
-          </a:p>
-          <a:p>
-            <a:pPr lvl="1"/>
-            <a:r>
-              <a:rPr lang="es-ES" dirty="0"/>
-              <a:t>Accede a </a:t>
-            </a:r>
-            <a:r>
-              <a:rPr lang="es-ES" dirty="0">
-                <a:hlinkClick r:id="rId3"/>
-              </a:rPr>
-              <a:t>http://localhost:3000</a:t>
-            </a:r>
-            <a:r>
-              <a:rPr lang="es-ES" dirty="0"/>
-              <a:t>  tras iniciar el servicio</a:t>
-            </a:r>
-          </a:p>
-          <a:p>
-            <a:pPr lvl="1"/>
-            <a:endParaRPr lang="es-ES" dirty="0"/>
-          </a:p>
-          <a:p>
-            <a:r>
-              <a:rPr lang="es-ES" dirty="0"/>
-              <a:t>En </a:t>
-            </a:r>
-            <a:r>
-              <a:rPr lang="es-ES" b="1" dirty="0"/>
-              <a:t>Docker</a:t>
-            </a:r>
-            <a:r>
-              <a:rPr lang="es-ES" dirty="0"/>
-              <a:t>:</a:t>
-            </a:r>
-          </a:p>
-          <a:p>
-            <a:pPr lvl="1"/>
-            <a:r>
-              <a:rPr lang="es-ES" dirty="0" err="1"/>
-              <a:t>docker</a:t>
-            </a:r>
-            <a:r>
-              <a:rPr lang="es-ES" dirty="0"/>
-              <a:t> run -d --</a:t>
-            </a:r>
-            <a:r>
-              <a:rPr lang="es-ES" dirty="0" err="1"/>
-              <a:t>name</a:t>
-            </a:r>
-            <a:r>
-              <a:rPr lang="es-ES" dirty="0"/>
-              <a:t>=</a:t>
-            </a:r>
-            <a:r>
-              <a:rPr lang="es-ES" dirty="0" err="1"/>
-              <a:t>grafana</a:t>
-            </a:r>
-            <a:r>
-              <a:rPr lang="es-ES" dirty="0"/>
-              <a:t> -p 3000:3000 </a:t>
-            </a:r>
-            <a:r>
-              <a:rPr lang="es-ES" dirty="0" err="1"/>
-              <a:t>grafana</a:t>
-            </a:r>
-            <a:r>
-              <a:rPr lang="es-ES" dirty="0"/>
-              <a:t>/</a:t>
-            </a:r>
-            <a:r>
-              <a:rPr lang="es-ES" dirty="0" err="1"/>
-              <a:t>grafana</a:t>
-            </a:r>
-            <a:endParaRPr lang="es-ES" dirty="0"/>
-          </a:p>
-          <a:p>
-            <a:endParaRPr lang="es-ES" dirty="0"/>
-          </a:p>
-        </p:txBody>
-      </p:sp>
-      <p:sp>
-        <p:nvSpPr>
-          <p:cNvPr id="4" name="Marcador de número de diapositiva 3">
-            <a:extLst>
-              <a:ext uri="{FF2B5EF4-FFF2-40B4-BE49-F238E27FC236}">
-                <a16:creationId xmlns:a16="http://schemas.microsoft.com/office/drawing/2014/main" id="{5E9F05D4-0A59-C7A1-CCD6-31E5D7431418}"/>
-              </a:ext>
-            </a:extLst>
-          </p:cNvPr>
-          <p:cNvSpPr>
-            <a:spLocks noGrp="1"/>
-          </p:cNvSpPr>
-          <p:nvPr>
-            <p:ph type="sldNum" sz="quarter" idx="12"/>
-          </p:nvPr>
-        </p:nvSpPr>
-        <p:spPr/>
-        <p:txBody>
-          <a:bodyPr/>
-          <a:lstStyle/>
-          <a:p>
-            <a:fld id="{3A8F712D-A7EB-4D56-8C23-F47E080BF0D1}" type="slidenum">
-              <a:rPr lang="es-ES" smtClean="0"/>
-              <a:t>14</a:t>
-            </a:fld>
-            <a:endParaRPr lang="es-ES"/>
-          </a:p>
-        </p:txBody>
-      </p:sp>
-    </p:spTree>
-    <p:extLst>
-      <p:ext uri="{BB962C8B-B14F-4D97-AF65-F5344CB8AC3E}">
-        <p14:creationId xmlns:p14="http://schemas.microsoft.com/office/powerpoint/2010/main" val="108042882"/>
-      </p:ext>
-    </p:extLst>
-  </p:cSld>
-  <p:clrMapOvr>
-    <a:masterClrMapping/>
-  </p:clrMapOvr>
-</p:sld>
-</file>
-
-<file path=ppt/slides/slide15.xml><?xml version="1.0" encoding="utf-8"?>
-<p:sld xmlns:a="http://schemas.openxmlformats.org/drawingml/2006/main" xmlns:r="http://schemas.openxmlformats.org/officeDocument/2006/relationships" xmlns:p="http://schemas.openxmlformats.org/presentationml/2006/main">
-  <p:cSld>
-    <p:spTree>
-      <p:nvGrpSpPr>
-        <p:cNvPr id="1" name=""/>
-        <p:cNvGrpSpPr/>
-        <p:nvPr/>
-      </p:nvGrpSpPr>
-      <p:grpSpPr>
-        <a:xfrm>
-          <a:off x="0" y="0"/>
-          <a:ext cx="0" cy="0"/>
-          <a:chOff x="0" y="0"/>
-          <a:chExt cx="0" cy="0"/>
-        </a:xfrm>
-      </p:grpSpPr>
-      <p:sp>
-        <p:nvSpPr>
-          <p:cNvPr id="2" name="Título 1">
-            <a:extLst>
-              <a:ext uri="{FF2B5EF4-FFF2-40B4-BE49-F238E27FC236}">
-                <a16:creationId xmlns:a16="http://schemas.microsoft.com/office/drawing/2014/main" id="{84B8F1FF-94CA-401E-D279-7FCEF2EC32EB}"/>
-              </a:ext>
-            </a:extLst>
-          </p:cNvPr>
-          <p:cNvSpPr>
-            <a:spLocks noGrp="1"/>
-          </p:cNvSpPr>
-          <p:nvPr>
-            <p:ph type="title"/>
-          </p:nvPr>
-        </p:nvSpPr>
-        <p:spPr/>
-        <p:txBody>
-          <a:bodyPr/>
-          <a:lstStyle/>
-          <a:p>
-            <a:r>
-              <a:rPr lang="es-ES" dirty="0"/>
-              <a:t>Fuentes compatibles con </a:t>
-            </a:r>
-            <a:r>
-              <a:rPr lang="es-ES" dirty="0" err="1"/>
-              <a:t>Grafana</a:t>
-            </a:r>
-            <a:endParaRPr lang="es-ES" dirty="0"/>
-          </a:p>
-        </p:txBody>
-      </p:sp>
-      <p:sp>
-        <p:nvSpPr>
-          <p:cNvPr id="3" name="Marcador de contenido 2">
-            <a:extLst>
-              <a:ext uri="{FF2B5EF4-FFF2-40B4-BE49-F238E27FC236}">
-                <a16:creationId xmlns:a16="http://schemas.microsoft.com/office/drawing/2014/main" id="{32B7DA12-1D7B-C07C-57D0-05496C42C6FB}"/>
-              </a:ext>
-            </a:extLst>
-          </p:cNvPr>
-          <p:cNvSpPr>
-            <a:spLocks noGrp="1"/>
-          </p:cNvSpPr>
-          <p:nvPr>
-            <p:ph idx="1"/>
-          </p:nvPr>
-        </p:nvSpPr>
-        <p:spPr/>
-        <p:txBody>
-          <a:bodyPr/>
-          <a:lstStyle/>
-          <a:p>
-            <a:r>
-              <a:rPr lang="es-ES" dirty="0" err="1"/>
-              <a:t>Grafana</a:t>
-            </a:r>
-            <a:r>
-              <a:rPr lang="es-ES" dirty="0"/>
-              <a:t> puede conectarse a:</a:t>
-            </a:r>
-          </a:p>
-          <a:p>
-            <a:pPr lvl="1"/>
-            <a:r>
-              <a:rPr lang="es-ES" b="1" dirty="0" err="1"/>
-              <a:t>Prometheus</a:t>
-            </a:r>
-            <a:endParaRPr lang="es-ES" dirty="0"/>
-          </a:p>
-          <a:p>
-            <a:pPr lvl="1"/>
-            <a:r>
-              <a:rPr lang="es-ES" b="1" dirty="0" err="1"/>
-              <a:t>InfluxDB</a:t>
-            </a:r>
-            <a:endParaRPr lang="es-ES" dirty="0"/>
-          </a:p>
-          <a:p>
-            <a:pPr lvl="1"/>
-            <a:r>
-              <a:rPr lang="es-ES" b="1" dirty="0" err="1"/>
-              <a:t>Graphite</a:t>
-            </a:r>
-            <a:endParaRPr lang="es-ES" dirty="0"/>
-          </a:p>
-          <a:p>
-            <a:pPr lvl="1"/>
-            <a:r>
-              <a:rPr lang="es-ES" b="1" dirty="0"/>
-              <a:t>MySQL / PostgreSQL</a:t>
-            </a:r>
-            <a:endParaRPr lang="es-ES" dirty="0"/>
-          </a:p>
-          <a:p>
-            <a:pPr lvl="1"/>
-            <a:r>
-              <a:rPr lang="es-ES" b="1" dirty="0" err="1"/>
-              <a:t>ElasticSearch</a:t>
-            </a:r>
-            <a:endParaRPr lang="es-ES" dirty="0"/>
-          </a:p>
-          <a:p>
-            <a:pPr lvl="1"/>
-            <a:r>
-              <a:rPr lang="es-ES" b="1" dirty="0"/>
-              <a:t>Loki</a:t>
-            </a:r>
-            <a:r>
-              <a:rPr lang="es-ES" dirty="0"/>
-              <a:t> (para logs)</a:t>
-            </a:r>
-          </a:p>
-          <a:p>
-            <a:pPr lvl="1"/>
-            <a:r>
-              <a:rPr lang="es-ES" b="1" dirty="0"/>
-              <a:t>Tempo</a:t>
-            </a:r>
-            <a:r>
-              <a:rPr lang="es-ES" dirty="0"/>
-              <a:t> (para trazas)</a:t>
-            </a:r>
-          </a:p>
-          <a:p>
-            <a:endParaRPr lang="es-ES" dirty="0"/>
-          </a:p>
-        </p:txBody>
-      </p:sp>
-      <p:sp>
-        <p:nvSpPr>
-          <p:cNvPr id="4" name="Marcador de número de diapositiva 3">
-            <a:extLst>
-              <a:ext uri="{FF2B5EF4-FFF2-40B4-BE49-F238E27FC236}">
-                <a16:creationId xmlns:a16="http://schemas.microsoft.com/office/drawing/2014/main" id="{9B6470D9-65C9-A134-2353-5AF77D598E77}"/>
-              </a:ext>
-            </a:extLst>
-          </p:cNvPr>
-          <p:cNvSpPr>
-            <a:spLocks noGrp="1"/>
-          </p:cNvSpPr>
-          <p:nvPr>
-            <p:ph type="sldNum" sz="quarter" idx="12"/>
-          </p:nvPr>
-        </p:nvSpPr>
-        <p:spPr/>
-        <p:txBody>
-          <a:bodyPr/>
-          <a:lstStyle/>
-          <a:p>
-            <a:fld id="{3A8F712D-A7EB-4D56-8C23-F47E080BF0D1}" type="slidenum">
-              <a:rPr lang="es-ES" smtClean="0"/>
-              <a:t>15</a:t>
-            </a:fld>
-            <a:endParaRPr lang="es-ES"/>
-          </a:p>
-        </p:txBody>
-      </p:sp>
-    </p:spTree>
-    <p:extLst>
-      <p:ext uri="{BB962C8B-B14F-4D97-AF65-F5344CB8AC3E}">
-        <p14:creationId xmlns:p14="http://schemas.microsoft.com/office/powerpoint/2010/main" val="1474686958"/>
-      </p:ext>
-    </p:extLst>
-  </p:cSld>
-  <p:clrMapOvr>
-    <a:masterClrMapping/>
-  </p:clrMapOvr>
-</p:sld>
-</file>
-
 <file path=ppt/slides/slide16.xml><?xml version="1.0" encoding="utf-8"?>
 <p:sld xmlns:a="http://schemas.openxmlformats.org/drawingml/2006/main" xmlns:r="http://schemas.openxmlformats.org/officeDocument/2006/relationships" xmlns:p="http://schemas.openxmlformats.org/presentationml/2006/main">
   <p:cSld>
@@ -4782,7 +4814,7 @@
           <p:cNvPr id="2" name="Título 1">
             <a:extLst>
               <a:ext uri="{FF2B5EF4-FFF2-40B4-BE49-F238E27FC236}">
-                <a16:creationId xmlns:a16="http://schemas.microsoft.com/office/drawing/2014/main" id="{8AA30CC3-2656-5A79-7E3F-DBBE53294F55}"/>
+                <a16:creationId xmlns:a16="http://schemas.microsoft.com/office/drawing/2014/main" id="{CCA1726A-7AB7-646F-29BD-6882F546A342}"/>
               </a:ext>
             </a:extLst>
           </p:cNvPr>
@@ -4800,7 +4832,7 @@
           <a:p>
             <a:r>
               <a:rPr lang="es-ES" dirty="0"/>
-              <a:t>Ejemplo de uso</a:t>
+              <a:t>Instalación</a:t>
             </a:r>
           </a:p>
         </p:txBody>
@@ -4810,7 +4842,7 @@
           <p:cNvPr id="3" name="Marcador de contenido 2">
             <a:extLst>
               <a:ext uri="{FF2B5EF4-FFF2-40B4-BE49-F238E27FC236}">
-                <a16:creationId xmlns:a16="http://schemas.microsoft.com/office/drawing/2014/main" id="{6307A8E5-A91E-0F18-8533-71048BB6251F}"/>
+                <a16:creationId xmlns:a16="http://schemas.microsoft.com/office/drawing/2014/main" id="{83154DFD-2567-D468-ADD2-7968C2319374}"/>
               </a:ext>
             </a:extLst>
           </p:cNvPr>
@@ -4824,111 +4856,180 @@
         <p:spPr/>
         <p:txBody>
           <a:bodyPr>
-            <a:normAutofit fontScale="92500" lnSpcReduction="10000"/>
+            <a:normAutofit lnSpcReduction="10000"/>
           </a:bodyPr>
           <a:lstStyle/>
           <a:p>
             <a:r>
               <a:rPr lang="es-ES" dirty="0"/>
-              <a:t>Tu servicio web (por ejemplo, implementado con </a:t>
-            </a:r>
+              <a:t>En </a:t>
+            </a:r>
+            <a:r>
+              <a:rPr lang="es-ES" b="1" dirty="0"/>
+              <a:t>Windows</a:t>
+            </a:r>
+          </a:p>
+          <a:p>
+            <a:pPr lvl="1"/>
+            <a:r>
+              <a:rPr lang="es-ES" dirty="0"/>
+              <a:t>Descarga el instalador desde: </a:t>
+            </a:r>
+            <a:r>
+              <a:rPr lang="es-ES" dirty="0">
+                <a:hlinkClick r:id="rId2"/>
+              </a:rPr>
+              <a:t>https://grafana.com/download</a:t>
+            </a:r>
+            <a:endParaRPr lang="es-ES" dirty="0"/>
+          </a:p>
+          <a:p>
+            <a:pPr lvl="1"/>
+            <a:endParaRPr lang="es-ES" dirty="0"/>
+          </a:p>
+          <a:p>
+            <a:pPr lvl="1"/>
+            <a:r>
+              <a:rPr lang="es-ES" dirty="0"/>
+              <a:t>Ejecuta el .exe y sigue los pasos</a:t>
+            </a:r>
+          </a:p>
+          <a:p>
+            <a:pPr lvl="1"/>
+            <a:endParaRPr lang="es-ES" dirty="0"/>
+          </a:p>
+          <a:p>
+            <a:pPr lvl="1"/>
+            <a:r>
+              <a:rPr lang="es-ES" dirty="0"/>
+              <a:t>Accede a </a:t>
+            </a:r>
+            <a:r>
+              <a:rPr lang="es-ES" dirty="0">
+                <a:hlinkClick r:id="rId3"/>
+              </a:rPr>
+              <a:t>http://localhost:3000</a:t>
+            </a:r>
+            <a:r>
+              <a:rPr lang="es-ES" dirty="0"/>
+              <a:t>  tras iniciar el servicio</a:t>
+            </a:r>
+          </a:p>
+          <a:p>
+            <a:pPr lvl="1"/>
             <a:r>
               <a:rPr lang="es-ES" b="1" dirty="0" err="1"/>
-              <a:t>Crow</a:t>
-            </a:r>
-            <a:r>
-              <a:rPr lang="es-ES" dirty="0"/>
-              <a:t> o </a:t>
+              <a:t>login</a:t>
+            </a:r>
+            <a:r>
+              <a:rPr lang="es-ES" b="1" dirty="0"/>
+              <a:t> / </a:t>
             </a:r>
             <a:r>
               <a:rPr lang="es-ES" b="1" dirty="0" err="1"/>
-              <a:t>gRPC</a:t>
-            </a:r>
-            <a:r>
-              <a:rPr lang="es-ES" dirty="0"/>
-              <a:t>) expone métricas en </a:t>
+              <a:t>pass</a:t>
             </a:r>
             <a:r>
               <a:rPr lang="es-ES" b="1" dirty="0"/>
+              <a:t> </a:t>
+            </a:r>
+            <a:r>
+              <a:rPr lang="es-ES" b="1" dirty="0">
+                <a:sym typeface="Wingdings" panose="05000000000000000000" pitchFamily="2" charset="2"/>
+              </a:rPr>
+              <a:t> </a:t>
+            </a:r>
+            <a:r>
+              <a:rPr lang="es-ES" b="1" dirty="0" err="1">
+                <a:sym typeface="Wingdings" panose="05000000000000000000" pitchFamily="2" charset="2"/>
+              </a:rPr>
+              <a:t>admin</a:t>
+            </a:r>
+            <a:endParaRPr lang="es-ES" b="1" dirty="0">
+              <a:sym typeface="Wingdings" panose="05000000000000000000" pitchFamily="2" charset="2"/>
+            </a:endParaRPr>
+          </a:p>
+          <a:p>
+            <a:pPr lvl="1"/>
+            <a:r>
+              <a:rPr lang="es-ES" dirty="0"/>
+              <a:t>Cambiar contraseña: </a:t>
+            </a:r>
+            <a:r>
+              <a:rPr lang="es-ES" b="1" dirty="0" err="1"/>
+              <a:t>admin</a:t>
+            </a:r>
+            <a:r>
+              <a:rPr lang="es-ES" b="1" dirty="0"/>
+              <a:t> / </a:t>
+            </a:r>
+            <a:r>
+              <a:rPr lang="es-ES" b="1" dirty="0" err="1"/>
+              <a:t>antonio</a:t>
+            </a:r>
+            <a:endParaRPr lang="es-ES" b="1" dirty="0"/>
+          </a:p>
+          <a:p>
+            <a:pPr lvl="1"/>
+            <a:endParaRPr lang="es-ES" dirty="0"/>
+          </a:p>
+          <a:p>
+            <a:r>
+              <a:rPr lang="es-ES" dirty="0"/>
+              <a:t>En </a:t>
+            </a:r>
+            <a:r>
+              <a:rPr lang="es-ES" b="1" dirty="0"/>
+              <a:t>Docker</a:t>
+            </a:r>
+            <a:r>
+              <a:rPr lang="es-ES" dirty="0"/>
+              <a:t>:</a:t>
+            </a:r>
+          </a:p>
+          <a:p>
+            <a:pPr lvl="1"/>
+            <a:r>
+              <a:rPr lang="es-ES" dirty="0" err="1"/>
+              <a:t>docker</a:t>
+            </a:r>
+            <a:r>
+              <a:rPr lang="es-ES" dirty="0"/>
+              <a:t> run -d --</a:t>
+            </a:r>
+            <a:r>
+              <a:rPr lang="es-ES" dirty="0" err="1"/>
+              <a:t>name</a:t>
+            </a:r>
+            <a:r>
+              <a:rPr lang="es-ES" dirty="0"/>
+              <a:t>=</a:t>
+            </a:r>
+            <a:r>
+              <a:rPr lang="es-ES" dirty="0" err="1"/>
+              <a:t>grafana</a:t>
+            </a:r>
+            <a:r>
+              <a:rPr lang="es-ES" dirty="0"/>
+              <a:t> -p 3000:3000 </a:t>
+            </a:r>
+            <a:r>
+              <a:rPr lang="es-ES" dirty="0" err="1"/>
+              <a:t>grafana</a:t>
+            </a:r>
+            <a:r>
+              <a:rPr lang="es-ES" dirty="0"/>
               <a:t>/</a:t>
             </a:r>
             <a:r>
-              <a:rPr lang="es-ES" b="1" dirty="0" err="1"/>
-              <a:t>metrics</a:t>
-            </a:r>
-            <a:r>
-              <a:rPr lang="es-ES" dirty="0"/>
-              <a:t>.</a:t>
-            </a:r>
-          </a:p>
-          <a:p>
+              <a:rPr lang="es-ES" dirty="0" err="1"/>
+              <a:t>grafana</a:t>
+            </a:r>
             <a:endParaRPr lang="es-ES" dirty="0"/>
           </a:p>
           <a:p>
-            <a:r>
-              <a:rPr lang="es-ES" b="1" dirty="0" err="1"/>
-              <a:t>Prometheus</a:t>
-            </a:r>
-            <a:r>
-              <a:rPr lang="es-ES" dirty="0"/>
-              <a:t> recolecta esas métricas cada X segundos.</a:t>
-            </a:r>
-          </a:p>
-          <a:p>
             <a:endParaRPr lang="es-ES" dirty="0"/>
           </a:p>
-          <a:p>
-            <a:r>
-              <a:rPr lang="es-ES" b="1" dirty="0" err="1"/>
-              <a:t>Grafana</a:t>
-            </a:r>
-            <a:r>
-              <a:rPr lang="es-ES" dirty="0"/>
-              <a:t> se conecta a </a:t>
-            </a:r>
-            <a:r>
-              <a:rPr lang="es-ES" dirty="0" err="1"/>
-              <a:t>Prometheus</a:t>
-            </a:r>
-            <a:r>
-              <a:rPr lang="es-ES" dirty="0"/>
-              <a:t> como fuente de datos.</a:t>
-            </a:r>
-          </a:p>
-          <a:p>
-            <a:endParaRPr lang="es-ES" dirty="0"/>
-          </a:p>
-          <a:p>
-            <a:r>
-              <a:rPr lang="es-ES" dirty="0"/>
-              <a:t>Crear </a:t>
-            </a:r>
-            <a:r>
-              <a:rPr lang="es-ES" b="1" dirty="0" err="1"/>
-              <a:t>dashboards</a:t>
-            </a:r>
-            <a:r>
-              <a:rPr lang="es-ES" dirty="0"/>
-              <a:t> con gráficos, alertas y visualizaciones.</a:t>
-            </a:r>
-          </a:p>
-          <a:p>
-            <a:endParaRPr lang="es-ES" dirty="0"/>
-          </a:p>
-          <a:p>
-            <a:r>
-              <a:rPr lang="es-ES" dirty="0"/>
-              <a:t>Puedes compartirlos, exportarlos o mostrarlos en modo </a:t>
-            </a:r>
-            <a:r>
-              <a:rPr lang="es-ES" dirty="0" err="1"/>
-              <a:t>kiosko</a:t>
-            </a:r>
-            <a:r>
-              <a:rPr lang="es-ES" dirty="0"/>
-              <a:t>.</a:t>
-            </a:r>
-          </a:p>
         </p:txBody>
       </p:sp>
       <p:sp>
@@ -4936,7 +5037,7 @@
           <p:cNvPr id="4" name="Marcador de número de diapositiva 3">
             <a:extLst>
               <a:ext uri="{FF2B5EF4-FFF2-40B4-BE49-F238E27FC236}">
-                <a16:creationId xmlns:a16="http://schemas.microsoft.com/office/drawing/2014/main" id="{9A4297A6-523B-C5DD-1235-385D1DFE63FC}"/>
+                <a16:creationId xmlns:a16="http://schemas.microsoft.com/office/drawing/2014/main" id="{5E9F05D4-0A59-C7A1-CCD6-31E5D7431418}"/>
               </a:ext>
             </a:extLst>
           </p:cNvPr>
@@ -4963,7 +5064,7 @@
     </p:spTree>
     <p:extLst>
       <p:ext uri="{BB962C8B-B14F-4D97-AF65-F5344CB8AC3E}">
-        <p14:creationId xmlns:p14="http://schemas.microsoft.com/office/powerpoint/2010/main" val="2796449519"/>
+        <p14:creationId xmlns:p14="http://schemas.microsoft.com/office/powerpoint/2010/main" val="108042882"/>
       </p:ext>
     </p:extLst>
   </p:cSld>
@@ -4995,7 +5096,7 @@
           <p:cNvPr id="2" name="Título 1">
             <a:extLst>
               <a:ext uri="{FF2B5EF4-FFF2-40B4-BE49-F238E27FC236}">
-                <a16:creationId xmlns:a16="http://schemas.microsoft.com/office/drawing/2014/main" id="{811E3C68-6D15-753D-BF00-1C1EEF446C19}"/>
+                <a16:creationId xmlns:a16="http://schemas.microsoft.com/office/drawing/2014/main" id="{84B8F1FF-94CA-401E-D279-7FCEF2EC32EB}"/>
               </a:ext>
             </a:extLst>
           </p:cNvPr>
@@ -5012,8 +5113,12 @@
           <a:lstStyle/>
           <a:p>
             <a:r>
+              <a:rPr lang="es-ES" dirty="0"/>
+              <a:t>Fuentes compatibles con </a:t>
+            </a:r>
+            <a:r>
               <a:rPr lang="es-ES" dirty="0" err="1"/>
-              <a:t>cAdvisor</a:t>
+              <a:t>Grafana</a:t>
             </a:r>
             <a:endParaRPr lang="es-ES" dirty="0"/>
           </a:p>
@@ -5024,7 +5129,7 @@
           <p:cNvPr id="3" name="Marcador de contenido 2">
             <a:extLst>
               <a:ext uri="{FF2B5EF4-FFF2-40B4-BE49-F238E27FC236}">
-                <a16:creationId xmlns:a16="http://schemas.microsoft.com/office/drawing/2014/main" id="{01B508D4-4C06-2E26-7826-26156EBA213A}"/>
+                <a16:creationId xmlns:a16="http://schemas.microsoft.com/office/drawing/2014/main" id="{32B7DA12-1D7B-C07C-57D0-05496C42C6FB}"/>
               </a:ext>
             </a:extLst>
           </p:cNvPr>
@@ -5040,7 +5145,79 @@
           <a:bodyPr/>
           <a:lstStyle/>
           <a:p>
-            <a:endParaRPr lang="es-ES"/>
+            <a:r>
+              <a:rPr lang="es-ES" dirty="0" err="1"/>
+              <a:t>Grafana</a:t>
+            </a:r>
+            <a:r>
+              <a:rPr lang="es-ES" dirty="0"/>
+              <a:t> puede conectarse a:</a:t>
+            </a:r>
+          </a:p>
+          <a:p>
+            <a:pPr lvl="1"/>
+            <a:r>
+              <a:rPr lang="es-ES" b="1" dirty="0" err="1"/>
+              <a:t>Prometheus</a:t>
+            </a:r>
+            <a:endParaRPr lang="es-ES" dirty="0"/>
+          </a:p>
+          <a:p>
+            <a:pPr lvl="1"/>
+            <a:r>
+              <a:rPr lang="es-ES" b="1" dirty="0" err="1"/>
+              <a:t>InfluxDB</a:t>
+            </a:r>
+            <a:endParaRPr lang="es-ES" dirty="0"/>
+          </a:p>
+          <a:p>
+            <a:pPr lvl="1"/>
+            <a:r>
+              <a:rPr lang="es-ES" b="1" dirty="0" err="1"/>
+              <a:t>Graphite</a:t>
+            </a:r>
+            <a:endParaRPr lang="es-ES" dirty="0"/>
+          </a:p>
+          <a:p>
+            <a:pPr lvl="1"/>
+            <a:r>
+              <a:rPr lang="es-ES" b="1" dirty="0"/>
+              <a:t>MySQL / PostgreSQL</a:t>
+            </a:r>
+            <a:endParaRPr lang="es-ES" dirty="0"/>
+          </a:p>
+          <a:p>
+            <a:pPr lvl="1"/>
+            <a:r>
+              <a:rPr lang="es-ES" b="1" dirty="0" err="1"/>
+              <a:t>ElasticSearch</a:t>
+            </a:r>
+            <a:endParaRPr lang="es-ES" dirty="0"/>
+          </a:p>
+          <a:p>
+            <a:pPr lvl="1"/>
+            <a:r>
+              <a:rPr lang="es-ES" b="1" dirty="0"/>
+              <a:t>Loki</a:t>
+            </a:r>
+            <a:r>
+              <a:rPr lang="es-ES" dirty="0"/>
+              <a:t> (para logs)</a:t>
+            </a:r>
+          </a:p>
+          <a:p>
+            <a:pPr lvl="1"/>
+            <a:r>
+              <a:rPr lang="es-ES" b="1" dirty="0"/>
+              <a:t>Tempo</a:t>
+            </a:r>
+            <a:r>
+              <a:rPr lang="es-ES" dirty="0"/>
+              <a:t> (para trazas)</a:t>
+            </a:r>
+          </a:p>
+          <a:p>
+            <a:endParaRPr lang="es-ES" dirty="0"/>
           </a:p>
         </p:txBody>
       </p:sp>
@@ -5049,7 +5226,7 @@
           <p:cNvPr id="4" name="Marcador de número de diapositiva 3">
             <a:extLst>
               <a:ext uri="{FF2B5EF4-FFF2-40B4-BE49-F238E27FC236}">
-                <a16:creationId xmlns:a16="http://schemas.microsoft.com/office/drawing/2014/main" id="{35A0ED57-5FC4-FB2B-9A9E-B9A65287BFEE}"/>
+                <a16:creationId xmlns:a16="http://schemas.microsoft.com/office/drawing/2014/main" id="{9B6470D9-65C9-A134-2353-5AF77D598E77}"/>
               </a:ext>
             </a:extLst>
           </p:cNvPr>
@@ -5065,7 +5242,7 @@
           <a:bodyPr/>
           <a:lstStyle/>
           <a:p>
-            <a:fld id="{651C50BF-3A9D-4B62-9482-23DFD07EAA37}" type="slidenum">
+            <a:fld id="{3A8F712D-A7EB-4D56-8C23-F47E080BF0D1}" type="slidenum">
               <a:rPr lang="es-ES" smtClean="0"/>
               <a:t>17</a:t>
             </a:fld>
@@ -5076,7 +5253,7 @@
     </p:spTree>
     <p:extLst>
       <p:ext uri="{BB962C8B-B14F-4D97-AF65-F5344CB8AC3E}">
-        <p14:creationId xmlns:p14="http://schemas.microsoft.com/office/powerpoint/2010/main" val="1342970186"/>
+        <p14:creationId xmlns:p14="http://schemas.microsoft.com/office/powerpoint/2010/main" val="1474686958"/>
       </p:ext>
     </p:extLst>
   </p:cSld>
@@ -5105,41 +5282,154 @@
       </p:grpSpPr>
       <p:sp>
         <p:nvSpPr>
-          <p:cNvPr id="5" name="Título 4">
-            <a:extLst>
-              <a:ext uri="{FF2B5EF4-FFF2-40B4-BE49-F238E27FC236}">
-                <a16:creationId xmlns:a16="http://schemas.microsoft.com/office/drawing/2014/main" id="{1CD4BCCE-C317-35B1-71A7-64B9ECE9A34C}"/>
-              </a:ext>
-            </a:extLst>
-          </p:cNvPr>
-          <p:cNvSpPr>
-            <a:spLocks noGrp="1"/>
-          </p:cNvSpPr>
-          <p:nvPr>
-            <p:ph type="ctrTitle"/>
-          </p:nvPr>
-        </p:nvSpPr>
-        <p:spPr>
-          <a:xfrm>
-            <a:off x="1524000" y="1979011"/>
-            <a:ext cx="9144000" cy="2387600"/>
-          </a:xfrm>
-        </p:spPr>
-        <p:txBody>
-          <a:bodyPr/>
-          <a:lstStyle/>
-          <a:p>
+          <p:cNvPr id="2" name="Título 1">
+            <a:extLst>
+              <a:ext uri="{FF2B5EF4-FFF2-40B4-BE49-F238E27FC236}">
+                <a16:creationId xmlns:a16="http://schemas.microsoft.com/office/drawing/2014/main" id="{8AA30CC3-2656-5A79-7E3F-DBBE53294F55}"/>
+              </a:ext>
+            </a:extLst>
+          </p:cNvPr>
+          <p:cNvSpPr>
+            <a:spLocks noGrp="1"/>
+          </p:cNvSpPr>
+          <p:nvPr>
+            <p:ph type="title"/>
+          </p:nvPr>
+        </p:nvSpPr>
+        <p:spPr/>
+        <p:txBody>
+          <a:bodyPr/>
+          <a:lstStyle/>
+          <a:p>
+            <a:r>
+              <a:rPr lang="es-ES" dirty="0"/>
+              <a:t>Ejemplo de uso</a:t>
+            </a:r>
+          </a:p>
+        </p:txBody>
+      </p:sp>
+      <p:sp>
+        <p:nvSpPr>
+          <p:cNvPr id="3" name="Marcador de contenido 2">
+            <a:extLst>
+              <a:ext uri="{FF2B5EF4-FFF2-40B4-BE49-F238E27FC236}">
+                <a16:creationId xmlns:a16="http://schemas.microsoft.com/office/drawing/2014/main" id="{6307A8E5-A91E-0F18-8533-71048BB6251F}"/>
+              </a:ext>
+            </a:extLst>
+          </p:cNvPr>
+          <p:cNvSpPr>
+            <a:spLocks noGrp="1"/>
+          </p:cNvSpPr>
+          <p:nvPr>
+            <p:ph idx="1"/>
+          </p:nvPr>
+        </p:nvSpPr>
+        <p:spPr/>
+        <p:txBody>
+          <a:bodyPr>
+            <a:normAutofit fontScale="92500" lnSpcReduction="10000"/>
+          </a:bodyPr>
+          <a:lstStyle/>
+          <a:p>
+            <a:r>
+              <a:rPr lang="es-ES" dirty="0"/>
+              <a:t>Tu servicio web (por ejemplo, implementado con </a:t>
+            </a:r>
+            <a:r>
+              <a:rPr lang="es-ES" b="1" dirty="0" err="1"/>
+              <a:t>Crow</a:t>
+            </a:r>
+            <a:r>
+              <a:rPr lang="es-ES" dirty="0"/>
+              <a:t> o </a:t>
+            </a:r>
+            <a:r>
+              <a:rPr lang="es-ES" b="1" dirty="0" err="1"/>
+              <a:t>gRPC</a:t>
+            </a:r>
+            <a:r>
+              <a:rPr lang="es-ES" dirty="0"/>
+              <a:t>) expone métricas en </a:t>
+            </a:r>
             <a:r>
               <a:rPr lang="es-ES" b="1" dirty="0"/>
-              <a:t>Implementación de </a:t>
+              <a:t>/</a:t>
             </a:r>
             <a:r>
               <a:rPr lang="es-ES" b="1" dirty="0" err="1"/>
-              <a:t>tracing</a:t>
-            </a:r>
-            <a:r>
-              <a:rPr lang="es-ES" b="1" dirty="0"/>
-              <a:t> distribuido</a:t>
+              <a:t>metrics</a:t>
+            </a:r>
+            <a:r>
+              <a:rPr lang="es-ES" dirty="0"/>
+              <a:t>.</a:t>
+            </a:r>
+          </a:p>
+          <a:p>
+            <a:endParaRPr lang="es-ES" dirty="0"/>
+          </a:p>
+          <a:p>
+            <a:r>
+              <a:rPr lang="es-ES" b="1" dirty="0" err="1"/>
+              <a:t>Prometheus</a:t>
+            </a:r>
+            <a:r>
+              <a:rPr lang="es-ES" dirty="0"/>
+              <a:t> recolecta esas métricas cada X segundos.</a:t>
+            </a:r>
+          </a:p>
+          <a:p>
+            <a:endParaRPr lang="es-ES" dirty="0"/>
+          </a:p>
+          <a:p>
+            <a:r>
+              <a:rPr lang="es-ES" b="1" dirty="0" err="1"/>
+              <a:t>Grafana</a:t>
+            </a:r>
+            <a:r>
+              <a:rPr lang="es-ES" dirty="0"/>
+              <a:t> se conecta a </a:t>
+            </a:r>
+            <a:r>
+              <a:rPr lang="es-ES" dirty="0" err="1"/>
+              <a:t>Prometheus</a:t>
+            </a:r>
+            <a:r>
+              <a:rPr lang="es-ES" dirty="0"/>
+              <a:t> como fuente de datos.</a:t>
+            </a:r>
+          </a:p>
+          <a:p>
+            <a:endParaRPr lang="es-ES" dirty="0"/>
+          </a:p>
+          <a:p>
+            <a:r>
+              <a:rPr lang="es-ES" dirty="0"/>
+              <a:t>Crear </a:t>
+            </a:r>
+            <a:r>
+              <a:rPr lang="es-ES" b="1" dirty="0" err="1"/>
+              <a:t>dashboards</a:t>
+            </a:r>
+            <a:r>
+              <a:rPr lang="es-ES" dirty="0"/>
+              <a:t> con gráficos, alertas y visualizaciones.</a:t>
+            </a:r>
+          </a:p>
+          <a:p>
+            <a:endParaRPr lang="es-ES" dirty="0"/>
+          </a:p>
+          <a:p>
+            <a:r>
+              <a:rPr lang="es-ES" dirty="0"/>
+              <a:t>Puedes compartirlos, exportarlos o mostrarlos en modo </a:t>
+            </a:r>
+            <a:r>
+              <a:rPr lang="es-ES" dirty="0" err="1"/>
+              <a:t>kiosko</a:t>
+            </a:r>
+            <a:r>
+              <a:rPr lang="es-ES" dirty="0"/>
+              <a:t>.</a:t>
             </a:r>
           </a:p>
         </p:txBody>
@@ -5149,7 +5439,7 @@
           <p:cNvPr id="4" name="Marcador de número de diapositiva 3">
             <a:extLst>
               <a:ext uri="{FF2B5EF4-FFF2-40B4-BE49-F238E27FC236}">
-                <a16:creationId xmlns:a16="http://schemas.microsoft.com/office/drawing/2014/main" id="{249F3396-CACC-3B75-2659-22DDA3F5245C}"/>
+                <a16:creationId xmlns:a16="http://schemas.microsoft.com/office/drawing/2014/main" id="{9A4297A6-523B-C5DD-1235-385D1DFE63FC}"/>
               </a:ext>
             </a:extLst>
           </p:cNvPr>
@@ -5165,7 +5455,7 @@
           <a:bodyPr/>
           <a:lstStyle/>
           <a:p>
-            <a:fld id="{651C50BF-3A9D-4B62-9482-23DFD07EAA37}" type="slidenum">
+            <a:fld id="{3A8F712D-A7EB-4D56-8C23-F47E080BF0D1}" type="slidenum">
               <a:rPr lang="es-ES" smtClean="0"/>
               <a:t>18</a:t>
             </a:fld>
@@ -5176,7 +5466,7 @@
     </p:spTree>
     <p:extLst>
       <p:ext uri="{BB962C8B-B14F-4D97-AF65-F5344CB8AC3E}">
-        <p14:creationId xmlns:p14="http://schemas.microsoft.com/office/powerpoint/2010/main" val="396607756"/>
+        <p14:creationId xmlns:p14="http://schemas.microsoft.com/office/powerpoint/2010/main" val="2796449519"/>
       </p:ext>
     </p:extLst>
   </p:cSld>
@@ -5208,7 +5498,7 @@
           <p:cNvPr id="2" name="Título 1">
             <a:extLst>
               <a:ext uri="{FF2B5EF4-FFF2-40B4-BE49-F238E27FC236}">
-                <a16:creationId xmlns:a16="http://schemas.microsoft.com/office/drawing/2014/main" id="{5562D135-5EF2-8C58-992A-E3F16D2B1541}"/>
+                <a16:creationId xmlns:a16="http://schemas.microsoft.com/office/drawing/2014/main" id="{95F58FA9-99AB-5D54-E737-CA2302B3280E}"/>
               </a:ext>
             </a:extLst>
           </p:cNvPr>
@@ -5224,7 +5514,15 @@
           <a:bodyPr/>
           <a:lstStyle/>
           <a:p>
-            <a:endParaRPr lang="es-ES"/>
+            <a:r>
+              <a:rPr lang="es-ES" dirty="0"/>
+              <a:t>Visualizar datos de </a:t>
+            </a:r>
+            <a:r>
+              <a:rPr lang="es-ES" dirty="0" err="1"/>
+              <a:t>Prometheus</a:t>
+            </a:r>
+            <a:endParaRPr lang="es-ES" dirty="0"/>
           </a:p>
         </p:txBody>
       </p:sp>
@@ -5233,7 +5531,7 @@
           <p:cNvPr id="3" name="Marcador de contenido 2">
             <a:extLst>
               <a:ext uri="{FF2B5EF4-FFF2-40B4-BE49-F238E27FC236}">
-                <a16:creationId xmlns:a16="http://schemas.microsoft.com/office/drawing/2014/main" id="{3AD879E3-EE7F-612E-22AF-136731F8D5AC}"/>
+                <a16:creationId xmlns:a16="http://schemas.microsoft.com/office/drawing/2014/main" id="{3D2F89B7-B0BD-AEFF-B9B2-D553E60E5C52}"/>
               </a:ext>
             </a:extLst>
           </p:cNvPr>
@@ -5249,7 +5547,97 @@
           <a:bodyPr/>
           <a:lstStyle/>
           <a:p>
-            <a:endParaRPr lang="es-ES"/>
+            <a:r>
+              <a:rPr lang="es-ES" dirty="0"/>
+              <a:t>Desde el panel principal de </a:t>
+            </a:r>
+            <a:r>
+              <a:rPr lang="es-ES" dirty="0" err="1"/>
+              <a:t>Grafana</a:t>
+            </a:r>
+            <a:r>
+              <a:rPr lang="es-ES" dirty="0"/>
+              <a:t>:</a:t>
+            </a:r>
+          </a:p>
+          <a:p>
+            <a:pPr lvl="1"/>
+            <a:r>
+              <a:rPr lang="es-ES" dirty="0"/>
+              <a:t>Nuevo </a:t>
+            </a:r>
+            <a:r>
+              <a:rPr lang="es-ES" dirty="0" err="1"/>
+              <a:t>datasource</a:t>
+            </a:r>
+            <a:endParaRPr lang="es-ES" dirty="0"/>
+          </a:p>
+          <a:p>
+            <a:pPr lvl="1"/>
+            <a:r>
+              <a:rPr lang="es-ES" dirty="0"/>
+              <a:t>Seleccionar en el </a:t>
+            </a:r>
+            <a:r>
+              <a:rPr lang="es-ES" b="1" dirty="0" err="1"/>
+              <a:t>datasource</a:t>
+            </a:r>
+            <a:r>
+              <a:rPr lang="es-ES" dirty="0"/>
+              <a:t> </a:t>
+            </a:r>
+            <a:r>
+              <a:rPr lang="es-ES" dirty="0" err="1"/>
+              <a:t>prometheus</a:t>
+            </a:r>
+            <a:r>
+              <a:rPr lang="es-ES" dirty="0"/>
+              <a:t>.</a:t>
+            </a:r>
+          </a:p>
+          <a:p>
+            <a:pPr lvl="1"/>
+            <a:r>
+              <a:rPr lang="es-ES" dirty="0">
+                <a:sym typeface="Wingdings" panose="05000000000000000000" pitchFamily="2" charset="2"/>
+              </a:rPr>
+              <a:t>Ojo la URL: </a:t>
+            </a:r>
+            <a:r>
+              <a:rPr lang="es-ES" dirty="0">
+                <a:sym typeface="Wingdings" panose="05000000000000000000" pitchFamily="2" charset="2"/>
+                <a:hlinkClick r:id="rId2"/>
+              </a:rPr>
+              <a:t>http://prometheus:9090</a:t>
+            </a:r>
+            <a:r>
+              <a:rPr lang="es-ES" dirty="0">
+                <a:sym typeface="Wingdings" panose="05000000000000000000" pitchFamily="2" charset="2"/>
+              </a:rPr>
+              <a:t>  (no es localhost)</a:t>
+            </a:r>
+          </a:p>
+          <a:p>
+            <a:pPr lvl="1"/>
+            <a:r>
+              <a:rPr lang="es-ES" dirty="0">
+                <a:sym typeface="Wingdings" panose="05000000000000000000" pitchFamily="2" charset="2"/>
+              </a:rPr>
+              <a:t>Botón </a:t>
+            </a:r>
+            <a:r>
+              <a:rPr lang="es-ES" b="1" dirty="0" err="1">
+                <a:sym typeface="Wingdings" panose="05000000000000000000" pitchFamily="2" charset="2"/>
+              </a:rPr>
+              <a:t>save</a:t>
+            </a:r>
+            <a:r>
+              <a:rPr lang="es-ES" b="1" dirty="0">
+                <a:sym typeface="Wingdings" panose="05000000000000000000" pitchFamily="2" charset="2"/>
+              </a:rPr>
+              <a:t> &amp; test</a:t>
+            </a:r>
+            <a:endParaRPr lang="es-ES" b="1" dirty="0"/>
           </a:p>
         </p:txBody>
       </p:sp>
@@ -5258,7 +5646,7 @@
           <p:cNvPr id="4" name="Marcador de número de diapositiva 3">
             <a:extLst>
               <a:ext uri="{FF2B5EF4-FFF2-40B4-BE49-F238E27FC236}">
-                <a16:creationId xmlns:a16="http://schemas.microsoft.com/office/drawing/2014/main" id="{FE1AB7E8-5523-CBFC-5FB2-4B7F4523F558}"/>
+                <a16:creationId xmlns:a16="http://schemas.microsoft.com/office/drawing/2014/main" id="{DBBA4DDD-ABF7-C855-B98B-B9C5B595DF0C}"/>
               </a:ext>
             </a:extLst>
           </p:cNvPr>
@@ -5285,7 +5673,7 @@
     </p:spTree>
     <p:extLst>
       <p:ext uri="{BB962C8B-B14F-4D97-AF65-F5344CB8AC3E}">
-        <p14:creationId xmlns:p14="http://schemas.microsoft.com/office/powerpoint/2010/main" val="723725083"/>
+        <p14:creationId xmlns:p14="http://schemas.microsoft.com/office/powerpoint/2010/main" val="948634995"/>
       </p:ext>
     </p:extLst>
   </p:cSld>
@@ -5369,11 +5757,15 @@
           <a:lstStyle/>
           <a:p>
             <a:r>
-              <a:rPr lang="es-ES" dirty="0"/>
-              <a:t>Monitorización y </a:t>
-            </a:r>
-            <a:r>
-              <a:rPr lang="es-ES" dirty="0" err="1"/>
+              <a:rPr lang="es-ES" b="1" dirty="0"/>
+              <a:t>Monitorización</a:t>
+            </a:r>
+            <a:r>
+              <a:rPr lang="es-ES" dirty="0"/>
+              <a:t> y </a:t>
+            </a:r>
+            <a:r>
+              <a:rPr lang="es-ES" b="1" dirty="0" err="1"/>
               <a:t>Logging</a:t>
             </a:r>
             <a:r>
@@ -5588,26 +5980,50 @@
       </p:grpSpPr>
       <p:sp>
         <p:nvSpPr>
-          <p:cNvPr id="4" name="Título 3">
-            <a:extLst>
-              <a:ext uri="{FF2B5EF4-FFF2-40B4-BE49-F238E27FC236}">
-                <a16:creationId xmlns:a16="http://schemas.microsoft.com/office/drawing/2014/main" id="{E6DF9A86-F709-7579-A18C-B73858B1BAAA}"/>
-              </a:ext>
-            </a:extLst>
-          </p:cNvPr>
-          <p:cNvSpPr>
-            <a:spLocks noGrp="1"/>
-          </p:cNvSpPr>
-          <p:nvPr>
-            <p:ph type="ctrTitle"/>
-          </p:nvPr>
-        </p:nvSpPr>
-        <p:spPr>
-          <a:xfrm>
-            <a:off x="1524000" y="2235200"/>
-            <a:ext cx="9144000" cy="2387600"/>
-          </a:xfrm>
-        </p:spPr>
+          <p:cNvPr id="2" name="Título 1">
+            <a:extLst>
+              <a:ext uri="{FF2B5EF4-FFF2-40B4-BE49-F238E27FC236}">
+                <a16:creationId xmlns:a16="http://schemas.microsoft.com/office/drawing/2014/main" id="{D106EB6A-843A-A8E2-CF4B-B6FED0E96E70}"/>
+              </a:ext>
+            </a:extLst>
+          </p:cNvPr>
+          <p:cNvSpPr>
+            <a:spLocks noGrp="1"/>
+          </p:cNvSpPr>
+          <p:nvPr>
+            <p:ph type="title"/>
+          </p:nvPr>
+        </p:nvSpPr>
+        <p:spPr/>
+        <p:txBody>
+          <a:bodyPr/>
+          <a:lstStyle/>
+          <a:p>
+            <a:r>
+              <a:rPr lang="es-ES" dirty="0" err="1"/>
+              <a:t>Grafana</a:t>
+            </a:r>
+            <a:endParaRPr lang="es-ES" dirty="0"/>
+          </a:p>
+        </p:txBody>
+      </p:sp>
+      <p:sp>
+        <p:nvSpPr>
+          <p:cNvPr id="3" name="Marcador de contenido 2">
+            <a:extLst>
+              <a:ext uri="{FF2B5EF4-FFF2-40B4-BE49-F238E27FC236}">
+                <a16:creationId xmlns:a16="http://schemas.microsoft.com/office/drawing/2014/main" id="{82DA6F83-B193-1E4C-CFCE-4A4243F0FD99}"/>
+              </a:ext>
+            </a:extLst>
+          </p:cNvPr>
+          <p:cNvSpPr>
+            <a:spLocks noGrp="1"/>
+          </p:cNvSpPr>
+          <p:nvPr>
+            <p:ph idx="1"/>
+          </p:nvPr>
+        </p:nvSpPr>
+        <p:spPr/>
         <p:txBody>
           <a:bodyPr>
             <a:normAutofit/>
@@ -5616,15 +6032,150 @@
           <a:p>
             <a:r>
               <a:rPr lang="es-ES" b="1" dirty="0"/>
-              <a:t>Gestión de logs en entornos distribuidos</a:t>
-            </a:r>
+              <a:t>Crear </a:t>
+            </a:r>
+            <a:r>
+              <a:rPr lang="es-ES" b="1" dirty="0" err="1"/>
+              <a:t>Dashboards</a:t>
+            </a:r>
+            <a:r>
+              <a:rPr lang="es-ES" b="1" dirty="0"/>
+              <a:t> personalizados</a:t>
+            </a:r>
+          </a:p>
+          <a:p>
+            <a:pPr lvl="1"/>
+            <a:r>
+              <a:rPr lang="es-ES" dirty="0" err="1"/>
+              <a:t>Grafana</a:t>
+            </a:r>
+            <a:r>
+              <a:rPr lang="es-ES" dirty="0"/>
+              <a:t> te permite crear paneles visuales con gráficos, tablas, y alertas. Lo típico es:</a:t>
+            </a:r>
+          </a:p>
+          <a:p>
+            <a:pPr lvl="1"/>
+            <a:r>
+              <a:rPr lang="es-ES" b="1" dirty="0"/>
+              <a:t>Monitorear servicios</a:t>
+            </a:r>
+            <a:r>
+              <a:rPr lang="es-ES" dirty="0"/>
+              <a:t>: peticiones HTTP, errores, tiempos de respuesta.</a:t>
+            </a:r>
+          </a:p>
+          <a:p>
+            <a:pPr lvl="1"/>
+            <a:r>
+              <a:rPr lang="es-ES" b="1" dirty="0"/>
+              <a:t>Monitorear infraestructura</a:t>
+            </a:r>
+            <a:r>
+              <a:rPr lang="es-ES" dirty="0"/>
+              <a:t>: CPU, RAM, disco, red (usando </a:t>
+            </a:r>
+            <a:r>
+              <a:rPr lang="es-ES" dirty="0" err="1"/>
+              <a:t>Node</a:t>
+            </a:r>
+            <a:r>
+              <a:rPr lang="es-ES" dirty="0"/>
+              <a:t> </a:t>
+            </a:r>
+            <a:r>
+              <a:rPr lang="es-ES" dirty="0" err="1"/>
+              <a:t>Exporter</a:t>
+            </a:r>
+            <a:r>
+              <a:rPr lang="es-ES" dirty="0"/>
+              <a:t>).</a:t>
+            </a:r>
+          </a:p>
+          <a:p>
+            <a:pPr lvl="1"/>
+            <a:r>
+              <a:rPr lang="es-ES" b="1" dirty="0"/>
+              <a:t>Monitorear bases de datos</a:t>
+            </a:r>
+            <a:r>
+              <a:rPr lang="es-ES" dirty="0"/>
+              <a:t>: conexiones, latencia, uso de disco.</a:t>
+            </a:r>
+          </a:p>
+          <a:p>
+            <a:pPr lvl="1"/>
+            <a:r>
+              <a:rPr lang="es-ES" b="1" dirty="0"/>
+              <a:t>Monitorear contenedores</a:t>
+            </a:r>
+            <a:r>
+              <a:rPr lang="es-ES" dirty="0"/>
+              <a:t>: con </a:t>
+            </a:r>
+            <a:r>
+              <a:rPr lang="es-ES" dirty="0" err="1"/>
+              <a:t>cAdvisor</a:t>
+            </a:r>
+            <a:r>
+              <a:rPr lang="es-ES" dirty="0"/>
+              <a:t> o </a:t>
+            </a:r>
+            <a:r>
+              <a:rPr lang="es-ES" dirty="0" err="1"/>
+              <a:t>Prometheus</a:t>
+            </a:r>
+            <a:r>
+              <a:rPr lang="es-ES" dirty="0"/>
+              <a:t> + Docker </a:t>
+            </a:r>
+            <a:r>
+              <a:rPr lang="es-ES" dirty="0" err="1"/>
+              <a:t>metrics</a:t>
+            </a:r>
+            <a:r>
+              <a:rPr lang="es-ES" dirty="0"/>
+              <a:t>.</a:t>
+            </a:r>
+          </a:p>
+          <a:p>
+            <a:endParaRPr lang="es-ES" dirty="0"/>
+          </a:p>
+        </p:txBody>
+      </p:sp>
+      <p:sp>
+        <p:nvSpPr>
+          <p:cNvPr id="4" name="Marcador de número de diapositiva 3">
+            <a:extLst>
+              <a:ext uri="{FF2B5EF4-FFF2-40B4-BE49-F238E27FC236}">
+                <a16:creationId xmlns:a16="http://schemas.microsoft.com/office/drawing/2014/main" id="{EE084D32-E6CB-7FD4-73F9-D9649B18C323}"/>
+              </a:ext>
+            </a:extLst>
+          </p:cNvPr>
+          <p:cNvSpPr>
+            <a:spLocks noGrp="1"/>
+          </p:cNvSpPr>
+          <p:nvPr>
+            <p:ph type="sldNum" sz="quarter" idx="12"/>
+          </p:nvPr>
+        </p:nvSpPr>
+        <p:spPr/>
+        <p:txBody>
+          <a:bodyPr/>
+          <a:lstStyle/>
+          <a:p>
+            <a:fld id="{651C50BF-3A9D-4B62-9482-23DFD07EAA37}" type="slidenum">
+              <a:rPr lang="es-ES" smtClean="0"/>
+              <a:t>20</a:t>
+            </a:fld>
+            <a:endParaRPr lang="es-ES"/>
           </a:p>
         </p:txBody>
       </p:sp>
     </p:spTree>
     <p:extLst>
       <p:ext uri="{BB962C8B-B14F-4D97-AF65-F5344CB8AC3E}">
-        <p14:creationId xmlns:p14="http://schemas.microsoft.com/office/powerpoint/2010/main" val="1277336786"/>
+        <p14:creationId xmlns:p14="http://schemas.microsoft.com/office/powerpoint/2010/main" val="665903831"/>
       </p:ext>
     </p:extLst>
   </p:cSld>
@@ -5656,7 +6207,7 @@
           <p:cNvPr id="2" name="Título 1">
             <a:extLst>
               <a:ext uri="{FF2B5EF4-FFF2-40B4-BE49-F238E27FC236}">
-                <a16:creationId xmlns:a16="http://schemas.microsoft.com/office/drawing/2014/main" id="{E7F79E4B-25C9-7D43-C7F6-D102A2C6B52C}"/>
+                <a16:creationId xmlns:a16="http://schemas.microsoft.com/office/drawing/2014/main" id="{8C6E8CDF-B204-A6AC-1134-6C4738AF22CF}"/>
               </a:ext>
             </a:extLst>
           </p:cNvPr>
@@ -5673,9 +6224,10 @@
           <a:lstStyle/>
           <a:p>
             <a:r>
-              <a:rPr lang="es-ES" dirty="0"/>
-              <a:t>Herramientas</a:t>
-            </a:r>
+              <a:rPr lang="es-ES" dirty="0" err="1"/>
+              <a:t>Grafana</a:t>
+            </a:r>
+            <a:endParaRPr lang="es-ES" dirty="0"/>
           </a:p>
         </p:txBody>
       </p:sp>
@@ -5684,7 +6236,7 @@
           <p:cNvPr id="3" name="Marcador de contenido 2">
             <a:extLst>
               <a:ext uri="{FF2B5EF4-FFF2-40B4-BE49-F238E27FC236}">
-                <a16:creationId xmlns:a16="http://schemas.microsoft.com/office/drawing/2014/main" id="{0E1EEBED-E8D4-827F-44A8-51B311C43067}"/>
+                <a16:creationId xmlns:a16="http://schemas.microsoft.com/office/drawing/2014/main" id="{9B6C658C-48E5-CB96-235E-503206724D38}"/>
               </a:ext>
             </a:extLst>
           </p:cNvPr>
@@ -5695,147 +6247,102 @@
             <p:ph idx="1"/>
           </p:nvPr>
         </p:nvSpPr>
-        <p:spPr>
-          <a:xfrm>
-            <a:off x="838200" y="1825625"/>
-            <a:ext cx="10654364" cy="4667250"/>
-          </a:xfrm>
-        </p:spPr>
-        <p:txBody>
-          <a:bodyPr>
-            <a:normAutofit lnSpcReduction="10000"/>
-          </a:bodyPr>
-          <a:lstStyle/>
-          <a:p>
-            <a:r>
-              <a:rPr lang="es-ES" b="1" dirty="0" err="1"/>
-              <a:t>Fluentd</a:t>
-            </a:r>
-            <a:r>
-              <a:rPr lang="es-ES" dirty="0"/>
-              <a:t> es un colector de logs de código abierto que:</a:t>
+        <p:spPr/>
+        <p:txBody>
+          <a:bodyPr/>
+          <a:lstStyle/>
+          <a:p>
+            <a:r>
+              <a:rPr lang="es-ES" b="1" dirty="0"/>
+              <a:t>Explorar métricas</a:t>
             </a:r>
           </a:p>
           <a:p>
             <a:pPr lvl="1"/>
             <a:r>
               <a:rPr lang="es-ES" dirty="0"/>
-              <a:t>Recolecta logs desde múltiples fuentes (archivos, </a:t>
+              <a:t>En el menú lateral:</a:t>
+            </a:r>
+          </a:p>
+          <a:p>
+            <a:pPr lvl="1"/>
+            <a:r>
+              <a:rPr lang="es-ES" dirty="0"/>
+              <a:t>Ve a </a:t>
+            </a:r>
+            <a:r>
+              <a:rPr lang="es-ES" b="1" dirty="0"/>
+              <a:t>Explore</a:t>
+            </a:r>
+            <a:r>
+              <a:rPr lang="es-ES" dirty="0"/>
+              <a:t>.</a:t>
+            </a:r>
+          </a:p>
+          <a:p>
+            <a:pPr lvl="1"/>
+            <a:r>
+              <a:rPr lang="es-ES" dirty="0"/>
+              <a:t>Selecciona la fuente de datos (</a:t>
             </a:r>
             <a:r>
               <a:rPr lang="es-ES" dirty="0" err="1"/>
-              <a:t>syslog</a:t>
-            </a:r>
-            <a:r>
-              <a:rPr lang="es-ES" dirty="0"/>
-              <a:t>, </a:t>
+              <a:t>Prometheus</a:t>
+            </a:r>
+            <a:r>
+              <a:rPr lang="es-ES" dirty="0"/>
+              <a:t>).</a:t>
+            </a:r>
+          </a:p>
+          <a:p>
+            <a:pPr lvl="1"/>
+            <a:r>
+              <a:rPr lang="es-ES" dirty="0"/>
+              <a:t>Escribe una consulta como up, </a:t>
             </a:r>
             <a:r>
               <a:rPr lang="es-ES" dirty="0" err="1"/>
-              <a:t>stdout</a:t>
-            </a:r>
-            <a:r>
-              <a:rPr lang="es-ES" dirty="0"/>
-              <a:t>, etc.)</a:t>
+              <a:t>rate</a:t>
+            </a:r>
+            <a:r>
+              <a:rPr lang="es-ES" dirty="0"/>
+              <a:t>(</a:t>
+            </a:r>
+            <a:r>
+              <a:rPr lang="es-ES" dirty="0" err="1"/>
+              <a:t>http_requests_total</a:t>
+            </a:r>
+            <a:r>
+              <a:rPr lang="es-ES" dirty="0"/>
+              <a:t>[1m]), o </a:t>
+            </a:r>
+            <a:r>
+              <a:rPr lang="es-ES" dirty="0" err="1"/>
+              <a:t>node_cpu_seconds_total</a:t>
+            </a:r>
+            <a:r>
+              <a:rPr lang="es-ES" dirty="0"/>
+              <a:t>.</a:t>
             </a:r>
           </a:p>
           <a:p>
             <a:pPr lvl="1"/>
             <a:r>
               <a:rPr lang="es-ES" dirty="0"/>
-              <a:t>Los transforma y filtra (formato, etiquetas, niveles)</a:t>
-            </a:r>
-          </a:p>
-          <a:p>
-            <a:pPr lvl="1"/>
-            <a:r>
-              <a:rPr lang="es-ES" dirty="0"/>
-              <a:t>Los reenvía a destinos como </a:t>
+              <a:t>Esto te permite probar métricas antes de agregarlas a un </a:t>
             </a:r>
             <a:r>
               <a:rPr lang="es-ES" dirty="0" err="1"/>
-              <a:t>Elasticsearch</a:t>
-            </a:r>
-            <a:r>
-              <a:rPr lang="es-ES" dirty="0"/>
-              <a:t>, Kafka, S3, etc.</a:t>
-            </a:r>
-          </a:p>
-          <a:p>
-            <a:pPr lvl="1"/>
-            <a:r>
-              <a:rPr lang="es-ES" dirty="0"/>
-              <a:t>Es parte de la </a:t>
-            </a:r>
-            <a:r>
-              <a:rPr lang="es-ES" b="1" dirty="0"/>
-              <a:t>Cloud Native Computing </a:t>
-            </a:r>
-            <a:r>
-              <a:rPr lang="es-ES" b="1" dirty="0" err="1"/>
-              <a:t>Foundation</a:t>
-            </a:r>
-            <a:r>
-              <a:rPr lang="es-ES" b="1" dirty="0"/>
-              <a:t> (CNCF)</a:t>
-            </a:r>
-            <a:r>
-              <a:rPr lang="es-ES" dirty="0"/>
-              <a:t> y se usa en producción por empresas como Amazon, Microsoft y Google.</a:t>
+              <a:t>dashboard</a:t>
+            </a:r>
+            <a:r>
+              <a:rPr lang="es-ES" dirty="0"/>
+              <a:t>.</a:t>
             </a:r>
           </a:p>
           <a:p>
             <a:endParaRPr lang="es-ES" dirty="0"/>
           </a:p>
-          <a:p>
-            <a:r>
-              <a:rPr lang="es-ES" b="1" dirty="0" err="1"/>
-              <a:t>Elasticsearch</a:t>
-            </a:r>
-            <a:endParaRPr lang="es-ES" b="1" dirty="0"/>
-          </a:p>
-          <a:p>
-            <a:pPr lvl="1"/>
-            <a:r>
-              <a:rPr lang="es-ES" dirty="0"/>
-              <a:t>Es un motor de búsqueda y análisis de texto distribuido que:</a:t>
-            </a:r>
-          </a:p>
-          <a:p>
-            <a:pPr lvl="2"/>
-            <a:r>
-              <a:rPr lang="es-ES" dirty="0"/>
-              <a:t>Indexa logs en tiempo real</a:t>
-            </a:r>
-          </a:p>
-          <a:p>
-            <a:pPr lvl="2"/>
-            <a:r>
-              <a:rPr lang="es-ES" dirty="0"/>
-              <a:t>Permite búsquedas complejas y agregaciones</a:t>
-            </a:r>
-          </a:p>
-          <a:p>
-            <a:pPr lvl="2"/>
-            <a:r>
-              <a:rPr lang="es-ES" dirty="0"/>
-              <a:t>Se integra con </a:t>
-            </a:r>
-            <a:r>
-              <a:rPr lang="es-ES" b="1" dirty="0" err="1"/>
-              <a:t>Kibana</a:t>
-            </a:r>
-            <a:r>
-              <a:rPr lang="es-ES" dirty="0"/>
-              <a:t> para visualización</a:t>
-            </a:r>
-          </a:p>
-          <a:p>
-            <a:endParaRPr lang="es-ES" dirty="0"/>
-          </a:p>
-          <a:p>
-            <a:endParaRPr lang="es-ES" dirty="0"/>
-          </a:p>
         </p:txBody>
       </p:sp>
       <p:sp>
@@ -5843,7 +6350,7 @@
           <p:cNvPr id="4" name="Marcador de número de diapositiva 3">
             <a:extLst>
               <a:ext uri="{FF2B5EF4-FFF2-40B4-BE49-F238E27FC236}">
-                <a16:creationId xmlns:a16="http://schemas.microsoft.com/office/drawing/2014/main" id="{97CB27B5-58EB-82E8-0EA2-4EEA3E5D9678}"/>
+                <a16:creationId xmlns:a16="http://schemas.microsoft.com/office/drawing/2014/main" id="{22654253-987A-1AB5-D317-5F3BCAAFC6B0}"/>
               </a:ext>
             </a:extLst>
           </p:cNvPr>
@@ -5859,7 +6366,7 @@
           <a:bodyPr/>
           <a:lstStyle/>
           <a:p>
-            <a:fld id="{DBA0B7A9-3FAC-4523-93F5-549EB9982FEE}" type="slidenum">
+            <a:fld id="{651C50BF-3A9D-4B62-9482-23DFD07EAA37}" type="slidenum">
               <a:rPr lang="es-ES" smtClean="0"/>
               <a:t>21</a:t>
             </a:fld>
@@ -5870,7 +6377,7 @@
     </p:spTree>
     <p:extLst>
       <p:ext uri="{BB962C8B-B14F-4D97-AF65-F5344CB8AC3E}">
-        <p14:creationId xmlns:p14="http://schemas.microsoft.com/office/powerpoint/2010/main" val="1481937165"/>
+        <p14:creationId xmlns:p14="http://schemas.microsoft.com/office/powerpoint/2010/main" val="3658920926"/>
       </p:ext>
     </p:extLst>
   </p:cSld>
@@ -5902,7 +6409,7 @@
           <p:cNvPr id="2" name="Título 1">
             <a:extLst>
               <a:ext uri="{FF2B5EF4-FFF2-40B4-BE49-F238E27FC236}">
-                <a16:creationId xmlns:a16="http://schemas.microsoft.com/office/drawing/2014/main" id="{655C8CF6-0607-2270-5198-4D0DC4734D66}"/>
+                <a16:creationId xmlns:a16="http://schemas.microsoft.com/office/drawing/2014/main" id="{78D7838D-D307-4172-E774-E8F29C87663B}"/>
               </a:ext>
             </a:extLst>
           </p:cNvPr>
@@ -5919,108 +6426,49 @@
           <a:lstStyle/>
           <a:p>
             <a:r>
-              <a:rPr lang="es-ES" dirty="0"/>
-              <a:t>Integración </a:t>
-            </a:r>
-            <a:r>
               <a:rPr lang="es-ES" dirty="0" err="1"/>
-              <a:t>Fluentd</a:t>
-            </a:r>
-            <a:r>
-              <a:rPr lang="es-ES" dirty="0"/>
-              <a:t> y </a:t>
-            </a:r>
+              <a:t>Grafana</a:t>
+            </a:r>
+            <a:endParaRPr lang="es-ES" dirty="0"/>
+          </a:p>
+        </p:txBody>
+      </p:sp>
+      <p:sp>
+        <p:nvSpPr>
+          <p:cNvPr id="3" name="Marcador de contenido 2">
+            <a:extLst>
+              <a:ext uri="{FF2B5EF4-FFF2-40B4-BE49-F238E27FC236}">
+                <a16:creationId xmlns:a16="http://schemas.microsoft.com/office/drawing/2014/main" id="{6287E13A-ABE1-DB0D-EBBD-6D53B33D45F1}"/>
+              </a:ext>
+            </a:extLst>
+          </p:cNvPr>
+          <p:cNvSpPr>
+            <a:spLocks noGrp="1"/>
+          </p:cNvSpPr>
+          <p:nvPr>
+            <p:ph idx="1"/>
+          </p:nvPr>
+        </p:nvSpPr>
+        <p:spPr/>
+        <p:txBody>
+          <a:bodyPr>
+            <a:normAutofit/>
+          </a:bodyPr>
+          <a:lstStyle/>
+          <a:p>
+            <a:r>
+              <a:rPr lang="es-ES" dirty="0"/>
+              <a:t>Usar paneles predefinidos</a:t>
+            </a:r>
+          </a:p>
+          <a:p>
             <a:r>
               <a:rPr lang="es-ES" dirty="0" err="1"/>
-              <a:t>Elasticsearch</a:t>
-            </a:r>
-            <a:endParaRPr lang="es-ES" dirty="0"/>
-          </a:p>
-        </p:txBody>
-      </p:sp>
-      <p:sp>
-        <p:nvSpPr>
-          <p:cNvPr id="3" name="Marcador de contenido 2">
-            <a:extLst>
-              <a:ext uri="{FF2B5EF4-FFF2-40B4-BE49-F238E27FC236}">
-                <a16:creationId xmlns:a16="http://schemas.microsoft.com/office/drawing/2014/main" id="{A3CCFAB9-E187-2871-F136-ACAD37B40578}"/>
-              </a:ext>
-            </a:extLst>
-          </p:cNvPr>
-          <p:cNvSpPr>
-            <a:spLocks noGrp="1"/>
-          </p:cNvSpPr>
-          <p:nvPr>
-            <p:ph idx="1"/>
-          </p:nvPr>
-        </p:nvSpPr>
-        <p:spPr/>
-        <p:txBody>
-          <a:bodyPr/>
-          <a:lstStyle/>
-          <a:p>
-            <a:r>
-              <a:rPr lang="es-ES" dirty="0" err="1"/>
-              <a:t>Fluentd</a:t>
-            </a:r>
-            <a:r>
-              <a:rPr lang="es-ES" dirty="0"/>
-              <a:t> recolecta los logs del servicio C++ (por ejemplo, desde archivos generados por </a:t>
-            </a:r>
-            <a:r>
-              <a:rPr lang="es-ES" dirty="0" err="1"/>
-              <a:t>spdlog</a:t>
-            </a:r>
-            <a:r>
-              <a:rPr lang="es-ES" dirty="0"/>
-              <a:t>, </a:t>
-            </a:r>
-            <a:r>
-              <a:rPr lang="es-ES" dirty="0" err="1"/>
-              <a:t>Boost.Log</a:t>
-            </a:r>
-            <a:r>
-              <a:rPr lang="es-ES" dirty="0"/>
-              <a:t>, etc.)</a:t>
-            </a:r>
-          </a:p>
-          <a:p>
-            <a:endParaRPr lang="es-ES" dirty="0"/>
-          </a:p>
-          <a:p>
-            <a:r>
-              <a:rPr lang="es-ES" dirty="0"/>
-              <a:t>Los transforma (añade etiquetas, convierte a JSON, etc.)</a:t>
-            </a:r>
-          </a:p>
-          <a:p>
-            <a:endParaRPr lang="es-ES" dirty="0"/>
-          </a:p>
-          <a:p>
-            <a:r>
-              <a:rPr lang="es-ES" dirty="0"/>
-              <a:t>Los envía a </a:t>
-            </a:r>
-            <a:r>
-              <a:rPr lang="es-ES" dirty="0" err="1"/>
-              <a:t>Elasticsearch</a:t>
-            </a:r>
-            <a:r>
-              <a:rPr lang="es-ES" dirty="0"/>
-              <a:t>, donde se almacenan e indexan</a:t>
-            </a:r>
-          </a:p>
-          <a:p>
-            <a:endParaRPr lang="es-ES" dirty="0"/>
-          </a:p>
-          <a:p>
-            <a:r>
-              <a:rPr lang="es-ES" dirty="0" err="1"/>
-              <a:t>Kibana</a:t>
-            </a:r>
-            <a:r>
-              <a:rPr lang="es-ES" dirty="0"/>
-              <a:t> (opcional) los visualiza en </a:t>
+              <a:t>Grafana</a:t>
+            </a:r>
+            <a:r>
+              <a:rPr lang="es-ES" dirty="0"/>
+              <a:t> tiene una galería de </a:t>
             </a:r>
             <a:r>
               <a:rPr lang="es-ES" dirty="0" err="1"/>
@@ -6028,7 +6476,81 @@
             </a:r>
             <a:r>
               <a:rPr lang="es-ES" dirty="0"/>
-              <a:t> interactivos</a:t>
+              <a:t> listos para usar:</a:t>
+            </a:r>
+          </a:p>
+          <a:p>
+            <a:pPr lvl="1"/>
+            <a:r>
+              <a:rPr lang="es-ES" dirty="0"/>
+              <a:t>Ve a </a:t>
+            </a:r>
+            <a:r>
+              <a:rPr lang="es-ES" dirty="0" err="1"/>
+              <a:t>Grafana</a:t>
+            </a:r>
+            <a:r>
+              <a:rPr lang="es-ES" dirty="0"/>
+              <a:t> </a:t>
+            </a:r>
+            <a:r>
+              <a:rPr lang="es-ES" dirty="0" err="1"/>
+              <a:t>Dashboards</a:t>
+            </a:r>
+            <a:endParaRPr lang="es-ES" dirty="0"/>
+          </a:p>
+          <a:p>
+            <a:pPr lvl="1"/>
+            <a:r>
+              <a:rPr lang="es-ES" dirty="0"/>
+              <a:t>Busca por tecnología: </a:t>
+            </a:r>
+            <a:r>
+              <a:rPr lang="es-ES" dirty="0" err="1"/>
+              <a:t>Node</a:t>
+            </a:r>
+            <a:r>
+              <a:rPr lang="es-ES" dirty="0"/>
+              <a:t> </a:t>
+            </a:r>
+            <a:r>
+              <a:rPr lang="es-ES" dirty="0" err="1"/>
+              <a:t>Exporter</a:t>
+            </a:r>
+            <a:r>
+              <a:rPr lang="es-ES" dirty="0"/>
+              <a:t>, Docker, PostgreSQL, etc.</a:t>
+            </a:r>
+          </a:p>
+          <a:p>
+            <a:pPr lvl="1"/>
+            <a:r>
+              <a:rPr lang="es-ES" dirty="0"/>
+              <a:t>Copia el ID del </a:t>
+            </a:r>
+            <a:r>
+              <a:rPr lang="es-ES" dirty="0" err="1"/>
+              <a:t>dashboard</a:t>
+            </a:r>
+            <a:r>
+              <a:rPr lang="es-ES" dirty="0"/>
+              <a:t> y en </a:t>
+            </a:r>
+            <a:r>
+              <a:rPr lang="es-ES" dirty="0" err="1"/>
+              <a:t>Grafana</a:t>
+            </a:r>
+            <a:r>
+              <a:rPr lang="es-ES" dirty="0"/>
+              <a:t> ve a + → </a:t>
+            </a:r>
+            <a:r>
+              <a:rPr lang="es-ES" dirty="0" err="1"/>
+              <a:t>Import</a:t>
+            </a:r>
+            <a:r>
+              <a:rPr lang="es-ES" dirty="0"/>
+              <a:t> para cargarlo.</a:t>
             </a:r>
           </a:p>
         </p:txBody>
@@ -6038,7 +6560,7 @@
           <p:cNvPr id="4" name="Marcador de número de diapositiva 3">
             <a:extLst>
               <a:ext uri="{FF2B5EF4-FFF2-40B4-BE49-F238E27FC236}">
-                <a16:creationId xmlns:a16="http://schemas.microsoft.com/office/drawing/2014/main" id="{A8164187-0245-FE0D-7AE3-5D46E3BDE7C3}"/>
+                <a16:creationId xmlns:a16="http://schemas.microsoft.com/office/drawing/2014/main" id="{46F212FB-2BDB-3D48-7C98-C2E5C725D9F5}"/>
               </a:ext>
             </a:extLst>
           </p:cNvPr>
@@ -6054,7 +6576,7 @@
           <a:bodyPr/>
           <a:lstStyle/>
           <a:p>
-            <a:fld id="{DBA0B7A9-3FAC-4523-93F5-549EB9982FEE}" type="slidenum">
+            <a:fld id="{651C50BF-3A9D-4B62-9482-23DFD07EAA37}" type="slidenum">
               <a:rPr lang="es-ES" smtClean="0"/>
               <a:t>22</a:t>
             </a:fld>
@@ -6065,7 +6587,7 @@
     </p:spTree>
     <p:extLst>
       <p:ext uri="{BB962C8B-B14F-4D97-AF65-F5344CB8AC3E}">
-        <p14:creationId xmlns:p14="http://schemas.microsoft.com/office/powerpoint/2010/main" val="694703184"/>
+        <p14:creationId xmlns:p14="http://schemas.microsoft.com/office/powerpoint/2010/main" val="1967451066"/>
       </p:ext>
     </p:extLst>
   </p:cSld>
@@ -6097,7 +6619,7 @@
           <p:cNvPr id="2" name="Título 1">
             <a:extLst>
               <a:ext uri="{FF2B5EF4-FFF2-40B4-BE49-F238E27FC236}">
-                <a16:creationId xmlns:a16="http://schemas.microsoft.com/office/drawing/2014/main" id="{F445FB2C-AD04-14DF-FC7D-9A9BCB11613F}"/>
+                <a16:creationId xmlns:a16="http://schemas.microsoft.com/office/drawing/2014/main" id="{9F2E8723-7F77-DD0C-E84D-6AC1F05C0574}"/>
               </a:ext>
             </a:extLst>
           </p:cNvPr>
@@ -6114,9 +6636,10 @@
           <a:lstStyle/>
           <a:p>
             <a:r>
-              <a:rPr lang="es-ES" dirty="0"/>
-              <a:t>Instalación en Docker</a:t>
-            </a:r>
+              <a:rPr lang="es-ES" dirty="0" err="1"/>
+              <a:t>Grafana</a:t>
+            </a:r>
+            <a:endParaRPr lang="es-ES" dirty="0"/>
           </a:p>
         </p:txBody>
       </p:sp>
@@ -6125,7 +6648,7 @@
           <p:cNvPr id="3" name="Marcador de contenido 2">
             <a:extLst>
               <a:ext uri="{FF2B5EF4-FFF2-40B4-BE49-F238E27FC236}">
-                <a16:creationId xmlns:a16="http://schemas.microsoft.com/office/drawing/2014/main" id="{AC06CB6A-3ADE-ACA9-332A-44B67F3CDCEA}"/>
+                <a16:creationId xmlns:a16="http://schemas.microsoft.com/office/drawing/2014/main" id="{D0B27F3B-0BD9-1463-032B-65F82D5DC27F}"/>
               </a:ext>
             </a:extLst>
           </p:cNvPr>
@@ -6138,141 +6661,73 @@
         </p:nvSpPr>
         <p:spPr/>
         <p:txBody>
-          <a:bodyPr>
-            <a:normAutofit/>
-          </a:bodyPr>
-          <a:lstStyle/>
-          <a:p>
-            <a:r>
-              <a:rPr lang="en-US" b="1" dirty="0" err="1"/>
-              <a:t>Fluentd</a:t>
-            </a:r>
-            <a:endParaRPr lang="en-US" b="1" dirty="0"/>
-          </a:p>
-          <a:p>
-            <a:pPr marL="457200" lvl="1" indent="0">
-              <a:buNone/>
-            </a:pPr>
-            <a:r>
-              <a:rPr lang="en-US" dirty="0"/>
-              <a:t>docker run -d -p 24224:24224 -p 24224:24224/</a:t>
-            </a:r>
-            <a:r>
-              <a:rPr lang="en-US" dirty="0" err="1"/>
-              <a:t>udp</a:t>
-            </a:r>
-            <a:r>
-              <a:rPr lang="en-US" dirty="0"/>
-              <a:t> \</a:t>
-            </a:r>
-          </a:p>
-          <a:p>
-            <a:pPr marL="457200" lvl="1" indent="0">
-              <a:buNone/>
-            </a:pPr>
-            <a:r>
-              <a:rPr lang="en-US" dirty="0"/>
-              <a:t>  -v /path/to/</a:t>
-            </a:r>
-            <a:r>
-              <a:rPr lang="en-US" dirty="0" err="1"/>
-              <a:t>fluent.conf</a:t>
-            </a:r>
-            <a:r>
-              <a:rPr lang="en-US" dirty="0"/>
-              <a:t>:/</a:t>
-            </a:r>
-            <a:r>
-              <a:rPr lang="en-US" dirty="0" err="1"/>
-              <a:t>fluentd</a:t>
-            </a:r>
-            <a:r>
-              <a:rPr lang="en-US" dirty="0"/>
-              <a:t>/</a:t>
-            </a:r>
-            <a:r>
-              <a:rPr lang="en-US" dirty="0" err="1"/>
-              <a:t>etc</a:t>
-            </a:r>
-            <a:r>
-              <a:rPr lang="en-US" dirty="0"/>
-              <a:t>/</a:t>
-            </a:r>
-            <a:r>
-              <a:rPr lang="en-US" dirty="0" err="1"/>
-              <a:t>fluent.conf</a:t>
-            </a:r>
-            <a:r>
-              <a:rPr lang="en-US" dirty="0"/>
-              <a:t> \</a:t>
-            </a:r>
-          </a:p>
-          <a:p>
-            <a:pPr marL="457200" lvl="1" indent="0">
-              <a:buNone/>
-            </a:pPr>
-            <a:r>
-              <a:rPr lang="en-US" dirty="0"/>
-              <a:t>  fluent/</a:t>
-            </a:r>
-            <a:r>
-              <a:rPr lang="en-US" dirty="0" err="1"/>
-              <a:t>fluentd</a:t>
-            </a:r>
-            <a:endParaRPr lang="en-US" dirty="0"/>
-          </a:p>
-          <a:p>
-            <a:endParaRPr lang="en-US" dirty="0"/>
-          </a:p>
-          <a:p>
-            <a:r>
-              <a:rPr lang="en-US" b="1" dirty="0"/>
-              <a:t>Elasticsearch</a:t>
-            </a:r>
-          </a:p>
-          <a:p>
-            <a:pPr marL="457200" lvl="1" indent="0">
-              <a:buNone/>
-            </a:pPr>
-            <a:r>
-              <a:rPr lang="en-US" dirty="0"/>
-              <a:t>docker run -d -p 9200:9200 -p 9300:9300 \</a:t>
-            </a:r>
-          </a:p>
-          <a:p>
-            <a:pPr marL="457200" lvl="1" indent="0">
-              <a:buNone/>
-            </a:pPr>
-            <a:r>
-              <a:rPr lang="en-US" dirty="0"/>
-              <a:t>  -e "</a:t>
-            </a:r>
-            <a:r>
-              <a:rPr lang="en-US" dirty="0" err="1"/>
-              <a:t>discovery.type</a:t>
-            </a:r>
-            <a:r>
-              <a:rPr lang="en-US" dirty="0"/>
-              <a:t>=single-node" \</a:t>
-            </a:r>
-          </a:p>
-          <a:p>
-            <a:pPr marL="457200" lvl="1" indent="0">
-              <a:buNone/>
-            </a:pPr>
-            <a:r>
-              <a:rPr lang="en-US" dirty="0"/>
-              <a:t>  elasticsearch:8.12.0</a:t>
-            </a:r>
-          </a:p>
-          <a:p>
-            <a:endParaRPr lang="en-US" dirty="0"/>
-          </a:p>
-          <a:p>
-            <a:endParaRPr lang="en-US" dirty="0"/>
-          </a:p>
-          <a:p>
-            <a:endParaRPr lang="en-US" dirty="0"/>
+          <a:bodyPr/>
+          <a:lstStyle/>
+          <a:p>
+            <a:r>
+              <a:rPr lang="es-ES" b="1" dirty="0"/>
+              <a:t>Configurar alertas</a:t>
+            </a:r>
+          </a:p>
+          <a:p>
+            <a:pPr lvl="1"/>
+            <a:r>
+              <a:rPr lang="es-ES" dirty="0"/>
+              <a:t>Puedes crear alertas que se disparen cuando una métrica supera un umbral:</a:t>
+            </a:r>
+          </a:p>
+          <a:p>
+            <a:pPr lvl="1"/>
+            <a:r>
+              <a:rPr lang="es-ES" dirty="0"/>
+              <a:t>En un panel, haz clic en </a:t>
+            </a:r>
+            <a:r>
+              <a:rPr lang="es-ES" b="1" dirty="0"/>
+              <a:t>"</a:t>
+            </a:r>
+            <a:r>
+              <a:rPr lang="es-ES" b="1" dirty="0" err="1"/>
+              <a:t>Edit</a:t>
+            </a:r>
+            <a:r>
+              <a:rPr lang="es-ES" b="1" dirty="0"/>
+              <a:t>" → "</a:t>
+            </a:r>
+            <a:r>
+              <a:rPr lang="es-ES" b="1" dirty="0" err="1"/>
+              <a:t>Alert</a:t>
+            </a:r>
+            <a:r>
+              <a:rPr lang="es-ES" b="1" dirty="0"/>
+              <a:t>"</a:t>
+            </a:r>
+            <a:r>
+              <a:rPr lang="es-ES" dirty="0"/>
+              <a:t>.</a:t>
+            </a:r>
+          </a:p>
+          <a:p>
+            <a:pPr lvl="1"/>
+            <a:r>
+              <a:rPr lang="es-ES" dirty="0"/>
+              <a:t>Define la condición (ej. CPU &gt; 80%).</a:t>
+            </a:r>
+          </a:p>
+          <a:p>
+            <a:pPr lvl="1"/>
+            <a:r>
+              <a:rPr lang="es-ES" dirty="0"/>
+              <a:t>Configura la notificación (</a:t>
+            </a:r>
+            <a:r>
+              <a:rPr lang="es-ES" dirty="0" err="1"/>
+              <a:t>Slack</a:t>
+            </a:r>
+            <a:r>
+              <a:rPr lang="es-ES" dirty="0"/>
+              <a:t>, email, etc.).</a:t>
+            </a:r>
           </a:p>
           <a:p>
             <a:endParaRPr lang="es-ES" dirty="0"/>
@@ -6284,7 +6739,7 @@
           <p:cNvPr id="4" name="Marcador de número de diapositiva 3">
             <a:extLst>
               <a:ext uri="{FF2B5EF4-FFF2-40B4-BE49-F238E27FC236}">
-                <a16:creationId xmlns:a16="http://schemas.microsoft.com/office/drawing/2014/main" id="{9C85A0BE-EBCD-9C34-7BE5-63A6993AE0AE}"/>
+                <a16:creationId xmlns:a16="http://schemas.microsoft.com/office/drawing/2014/main" id="{3331E67D-3FAF-5F5E-B188-637F53768738}"/>
               </a:ext>
             </a:extLst>
           </p:cNvPr>
@@ -6300,7 +6755,7 @@
           <a:bodyPr/>
           <a:lstStyle/>
           <a:p>
-            <a:fld id="{DBA0B7A9-3FAC-4523-93F5-549EB9982FEE}" type="slidenum">
+            <a:fld id="{651C50BF-3A9D-4B62-9482-23DFD07EAA37}" type="slidenum">
               <a:rPr lang="es-ES" smtClean="0"/>
               <a:t>23</a:t>
             </a:fld>
@@ -6311,7 +6766,7 @@
     </p:spTree>
     <p:extLst>
       <p:ext uri="{BB962C8B-B14F-4D97-AF65-F5344CB8AC3E}">
-        <p14:creationId xmlns:p14="http://schemas.microsoft.com/office/powerpoint/2010/main" val="2837238231"/>
+        <p14:creationId xmlns:p14="http://schemas.microsoft.com/office/powerpoint/2010/main" val="3488654912"/>
       </p:ext>
     </p:extLst>
   </p:cSld>
@@ -6343,7 +6798,7 @@
           <p:cNvPr id="2" name="Título 1">
             <a:extLst>
               <a:ext uri="{FF2B5EF4-FFF2-40B4-BE49-F238E27FC236}">
-                <a16:creationId xmlns:a16="http://schemas.microsoft.com/office/drawing/2014/main" id="{4906AF98-3A66-29CE-483D-4CBE8EE5E433}"/>
+                <a16:creationId xmlns:a16="http://schemas.microsoft.com/office/drawing/2014/main" id="{7201B970-D38C-54A4-33A1-F08D78B674BD}"/>
               </a:ext>
             </a:extLst>
           </p:cNvPr>
@@ -6360,9 +6815,10 @@
           <a:lstStyle/>
           <a:p>
             <a:r>
-              <a:rPr lang="es-ES" dirty="0"/>
-              <a:t>Se puede auditar</a:t>
-            </a:r>
+              <a:rPr lang="es-ES" dirty="0" err="1"/>
+              <a:t>Grafana</a:t>
+            </a:r>
+            <a:endParaRPr lang="es-ES" dirty="0"/>
           </a:p>
         </p:txBody>
       </p:sp>
@@ -6371,7 +6827,7 @@
           <p:cNvPr id="3" name="Marcador de contenido 2">
             <a:extLst>
               <a:ext uri="{FF2B5EF4-FFF2-40B4-BE49-F238E27FC236}">
-                <a16:creationId xmlns:a16="http://schemas.microsoft.com/office/drawing/2014/main" id="{44C5EF22-D957-CCFA-8A91-B434AF991E3B}"/>
+                <a16:creationId xmlns:a16="http://schemas.microsoft.com/office/drawing/2014/main" id="{A9C554F7-8F77-D97E-C2A5-CF7FCDF629A5}"/>
               </a:ext>
             </a:extLst>
           </p:cNvPr>
@@ -6388,43 +6844,57 @@
           <a:lstStyle/>
           <a:p>
             <a:r>
-              <a:rPr lang="es-ES" dirty="0"/>
-              <a:t>Accesos a </a:t>
+              <a:rPr lang="es-ES" b="1" dirty="0"/>
+              <a:t>Gestionar usuarios y permisos</a:t>
+            </a:r>
+          </a:p>
+          <a:p>
+            <a:r>
+              <a:rPr lang="es-ES" dirty="0"/>
+              <a:t>Si estás en equipo:</a:t>
+            </a:r>
+          </a:p>
+          <a:p>
+            <a:pPr lvl="1"/>
+            <a:r>
+              <a:rPr lang="es-ES" dirty="0"/>
+              <a:t>Crea usuarios con roles (</a:t>
             </a:r>
             <a:r>
               <a:rPr lang="es-ES" dirty="0" err="1"/>
-              <a:t>endpoints</a:t>
-            </a:r>
+              <a:t>Viewer</a:t>
+            </a:r>
+            <a:r>
+              <a:rPr lang="es-ES" dirty="0"/>
+              <a:t>, Editor, </a:t>
+            </a:r>
+            <a:r>
+              <a:rPr lang="es-ES" dirty="0" err="1"/>
+              <a:t>Admin</a:t>
+            </a:r>
+            <a:r>
+              <a:rPr lang="es-ES" dirty="0"/>
+              <a:t>).</a:t>
+            </a:r>
+          </a:p>
+          <a:p>
+            <a:pPr lvl="1"/>
+            <a:r>
+              <a:rPr lang="es-ES" dirty="0"/>
+              <a:t>Asigna permisos por </a:t>
+            </a:r>
+            <a:r>
+              <a:rPr lang="es-ES" dirty="0" err="1"/>
+              <a:t>dashboard</a:t>
+            </a:r>
+            <a:r>
+              <a:rPr lang="es-ES" dirty="0"/>
+              <a:t> o carpeta.</a:t>
+            </a:r>
+          </a:p>
+          <a:p>
             <a:endParaRPr lang="es-ES" dirty="0"/>
           </a:p>
-          <a:p>
-            <a:r>
-              <a:rPr lang="es-ES" dirty="0"/>
-              <a:t>Errores HTTP</a:t>
-            </a:r>
-          </a:p>
-          <a:p>
-            <a:r>
-              <a:rPr lang="es-ES" dirty="0" err="1"/>
-              <a:t>IPs</a:t>
-            </a:r>
-            <a:r>
-              <a:rPr lang="es-ES" dirty="0"/>
-              <a:t> de origen</a:t>
-            </a:r>
-          </a:p>
-          <a:p>
-            <a:r>
-              <a:rPr lang="es-ES" dirty="0"/>
-              <a:t>Usuarios autenticados</a:t>
-            </a:r>
-          </a:p>
-          <a:p>
-            <a:r>
-              <a:rPr lang="es-ES" dirty="0"/>
-              <a:t>Cambios en datos sensibles</a:t>
-            </a:r>
-          </a:p>
         </p:txBody>
       </p:sp>
       <p:sp>
@@ -6432,7 +6902,7 @@
           <p:cNvPr id="4" name="Marcador de número de diapositiva 3">
             <a:extLst>
               <a:ext uri="{FF2B5EF4-FFF2-40B4-BE49-F238E27FC236}">
-                <a16:creationId xmlns:a16="http://schemas.microsoft.com/office/drawing/2014/main" id="{9699DE7F-428A-A0DD-EA31-CB50D668E977}"/>
+                <a16:creationId xmlns:a16="http://schemas.microsoft.com/office/drawing/2014/main" id="{14BAD18F-3F71-0527-A7E5-0296C07147B5}"/>
               </a:ext>
             </a:extLst>
           </p:cNvPr>
@@ -6448,7 +6918,7 @@
           <a:bodyPr/>
           <a:lstStyle/>
           <a:p>
-            <a:fld id="{DBA0B7A9-3FAC-4523-93F5-549EB9982FEE}" type="slidenum">
+            <a:fld id="{651C50BF-3A9D-4B62-9482-23DFD07EAA37}" type="slidenum">
               <a:rPr lang="es-ES" smtClean="0"/>
               <a:t>24</a:t>
             </a:fld>
@@ -6459,7 +6929,758 @@
     </p:spTree>
     <p:extLst>
       <p:ext uri="{BB962C8B-B14F-4D97-AF65-F5344CB8AC3E}">
-        <p14:creationId xmlns:p14="http://schemas.microsoft.com/office/powerpoint/2010/main" val="2292512970"/>
+        <p14:creationId xmlns:p14="http://schemas.microsoft.com/office/powerpoint/2010/main" val="3146509504"/>
+      </p:ext>
+    </p:extLst>
+  </p:cSld>
+  <p:clrMapOvr>
+    <a:masterClrMapping/>
+  </p:clrMapOvr>
+</p:sld>
+</file>
+
+<file path=ppt/slides/slide25.xml><?xml version="1.0" encoding="utf-8"?>
+<p:sld xmlns:a="http://schemas.openxmlformats.org/drawingml/2006/main" xmlns:r="http://schemas.openxmlformats.org/officeDocument/2006/relationships" xmlns:p="http://schemas.openxmlformats.org/presentationml/2006/main">
+  <p:cSld>
+    <p:spTree>
+      <p:nvGrpSpPr>
+        <p:cNvPr id="1" name=""/>
+        <p:cNvGrpSpPr/>
+        <p:nvPr/>
+      </p:nvGrpSpPr>
+      <p:grpSpPr>
+        <a:xfrm>
+          <a:off x="0" y="0"/>
+          <a:ext cx="0" cy="0"/>
+          <a:chOff x="0" y="0"/>
+          <a:chExt cx="0" cy="0"/>
+        </a:xfrm>
+      </p:grpSpPr>
+      <p:sp>
+        <p:nvSpPr>
+          <p:cNvPr id="5" name="Título 4">
+            <a:extLst>
+              <a:ext uri="{FF2B5EF4-FFF2-40B4-BE49-F238E27FC236}">
+                <a16:creationId xmlns:a16="http://schemas.microsoft.com/office/drawing/2014/main" id="{C0A3AE4D-FA6C-EC77-48AD-9D397B44419F}"/>
+              </a:ext>
+            </a:extLst>
+          </p:cNvPr>
+          <p:cNvSpPr>
+            <a:spLocks noGrp="1"/>
+          </p:cNvSpPr>
+          <p:nvPr>
+            <p:ph type="ctrTitle"/>
+          </p:nvPr>
+        </p:nvSpPr>
+        <p:spPr/>
+        <p:txBody>
+          <a:bodyPr/>
+          <a:lstStyle/>
+          <a:p>
+            <a:r>
+              <a:rPr lang="es-ES" dirty="0" err="1"/>
+              <a:t>cAdvisor</a:t>
+            </a:r>
+            <a:endParaRPr lang="es-ES" dirty="0"/>
+          </a:p>
+        </p:txBody>
+      </p:sp>
+      <p:sp>
+        <p:nvSpPr>
+          <p:cNvPr id="6" name="Subtítulo 5">
+            <a:extLst>
+              <a:ext uri="{FF2B5EF4-FFF2-40B4-BE49-F238E27FC236}">
+                <a16:creationId xmlns:a16="http://schemas.microsoft.com/office/drawing/2014/main" id="{BEC3A1D7-40E9-80B7-3CAE-4B94C75FFDC9}"/>
+              </a:ext>
+            </a:extLst>
+          </p:cNvPr>
+          <p:cNvSpPr>
+            <a:spLocks noGrp="1"/>
+          </p:cNvSpPr>
+          <p:nvPr>
+            <p:ph type="subTitle" idx="1"/>
+          </p:nvPr>
+        </p:nvSpPr>
+        <p:spPr/>
+        <p:txBody>
+          <a:bodyPr/>
+          <a:lstStyle/>
+          <a:p>
+            <a:endParaRPr lang="es-ES"/>
+          </a:p>
+        </p:txBody>
+      </p:sp>
+      <p:sp>
+        <p:nvSpPr>
+          <p:cNvPr id="4" name="Marcador de número de diapositiva 3">
+            <a:extLst>
+              <a:ext uri="{FF2B5EF4-FFF2-40B4-BE49-F238E27FC236}">
+                <a16:creationId xmlns:a16="http://schemas.microsoft.com/office/drawing/2014/main" id="{525D298C-1E00-1697-675A-AD64A281CC61}"/>
+              </a:ext>
+            </a:extLst>
+          </p:cNvPr>
+          <p:cNvSpPr>
+            <a:spLocks noGrp="1"/>
+          </p:cNvSpPr>
+          <p:nvPr>
+            <p:ph type="sldNum" sz="quarter" idx="12"/>
+          </p:nvPr>
+        </p:nvSpPr>
+        <p:spPr/>
+        <p:txBody>
+          <a:bodyPr/>
+          <a:lstStyle/>
+          <a:p>
+            <a:fld id="{651C50BF-3A9D-4B62-9482-23DFD07EAA37}" type="slidenum">
+              <a:rPr lang="es-ES" smtClean="0"/>
+              <a:t>25</a:t>
+            </a:fld>
+            <a:endParaRPr lang="es-ES"/>
+          </a:p>
+        </p:txBody>
+      </p:sp>
+    </p:spTree>
+    <p:extLst>
+      <p:ext uri="{BB962C8B-B14F-4D97-AF65-F5344CB8AC3E}">
+        <p14:creationId xmlns:p14="http://schemas.microsoft.com/office/powerpoint/2010/main" val="3449397779"/>
+      </p:ext>
+    </p:extLst>
+  </p:cSld>
+  <p:clrMapOvr>
+    <a:masterClrMapping/>
+  </p:clrMapOvr>
+</p:sld>
+</file>
+
+<file path=ppt/slides/slide26.xml><?xml version="1.0" encoding="utf-8"?>
+<p:sld xmlns:a="http://schemas.openxmlformats.org/drawingml/2006/main" xmlns:r="http://schemas.openxmlformats.org/officeDocument/2006/relationships" xmlns:p="http://schemas.openxmlformats.org/presentationml/2006/main">
+  <p:cSld>
+    <p:spTree>
+      <p:nvGrpSpPr>
+        <p:cNvPr id="1" name=""/>
+        <p:cNvGrpSpPr/>
+        <p:nvPr/>
+      </p:nvGrpSpPr>
+      <p:grpSpPr>
+        <a:xfrm>
+          <a:off x="0" y="0"/>
+          <a:ext cx="0" cy="0"/>
+          <a:chOff x="0" y="0"/>
+          <a:chExt cx="0" cy="0"/>
+        </a:xfrm>
+      </p:grpSpPr>
+      <p:sp>
+        <p:nvSpPr>
+          <p:cNvPr id="2" name="Título 1">
+            <a:extLst>
+              <a:ext uri="{FF2B5EF4-FFF2-40B4-BE49-F238E27FC236}">
+                <a16:creationId xmlns:a16="http://schemas.microsoft.com/office/drawing/2014/main" id="{811E3C68-6D15-753D-BF00-1C1EEF446C19}"/>
+              </a:ext>
+            </a:extLst>
+          </p:cNvPr>
+          <p:cNvSpPr>
+            <a:spLocks noGrp="1"/>
+          </p:cNvSpPr>
+          <p:nvPr>
+            <p:ph type="title"/>
+          </p:nvPr>
+        </p:nvSpPr>
+        <p:spPr/>
+        <p:txBody>
+          <a:bodyPr/>
+          <a:lstStyle/>
+          <a:p>
+            <a:r>
+              <a:rPr lang="es-ES" dirty="0" err="1"/>
+              <a:t>cAdvisor</a:t>
+            </a:r>
+            <a:endParaRPr lang="es-ES" dirty="0"/>
+          </a:p>
+        </p:txBody>
+      </p:sp>
+      <p:sp>
+        <p:nvSpPr>
+          <p:cNvPr id="3" name="Marcador de contenido 2">
+            <a:extLst>
+              <a:ext uri="{FF2B5EF4-FFF2-40B4-BE49-F238E27FC236}">
+                <a16:creationId xmlns:a16="http://schemas.microsoft.com/office/drawing/2014/main" id="{01B508D4-4C06-2E26-7826-26156EBA213A}"/>
+              </a:ext>
+            </a:extLst>
+          </p:cNvPr>
+          <p:cNvSpPr>
+            <a:spLocks noGrp="1"/>
+          </p:cNvSpPr>
+          <p:nvPr>
+            <p:ph idx="1"/>
+          </p:nvPr>
+        </p:nvSpPr>
+        <p:spPr/>
+        <p:txBody>
+          <a:bodyPr>
+            <a:normAutofit lnSpcReduction="10000"/>
+          </a:bodyPr>
+          <a:lstStyle/>
+          <a:p>
+            <a:r>
+              <a:rPr lang="es-ES" b="1" dirty="0" err="1"/>
+              <a:t>cAdvisor</a:t>
+            </a:r>
+            <a:r>
+              <a:rPr lang="es-ES" dirty="0"/>
+              <a:t> (short </a:t>
+            </a:r>
+            <a:r>
+              <a:rPr lang="es-ES" dirty="0" err="1"/>
+              <a:t>for</a:t>
+            </a:r>
+            <a:r>
+              <a:rPr lang="es-ES" dirty="0"/>
+              <a:t> </a:t>
+            </a:r>
+            <a:r>
+              <a:rPr lang="es-ES" i="1" dirty="0"/>
+              <a:t>Container </a:t>
+            </a:r>
+            <a:r>
+              <a:rPr lang="es-ES" i="1" dirty="0" err="1"/>
+              <a:t>Advisor</a:t>
+            </a:r>
+            <a:r>
+              <a:rPr lang="es-ES" dirty="0"/>
+              <a:t>) es una herramienta desarrollada por Google que se utiliza para </a:t>
+            </a:r>
+            <a:r>
+              <a:rPr lang="es-ES" b="1" dirty="0"/>
+              <a:t>monitorear el rendimiento de contenedores Docker</a:t>
+            </a:r>
+            <a:r>
+              <a:rPr lang="es-ES" dirty="0"/>
+              <a:t> en tiempo real.</a:t>
+            </a:r>
+          </a:p>
+          <a:p>
+            <a:endParaRPr lang="es-ES" dirty="0"/>
+          </a:p>
+          <a:p>
+            <a:pPr lvl="1"/>
+            <a:r>
+              <a:rPr lang="es-ES" dirty="0"/>
+              <a:t>Recolecta métricas de uso de CPU, memoria, disco y red por contenedor.</a:t>
+            </a:r>
+          </a:p>
+          <a:p>
+            <a:pPr lvl="1"/>
+            <a:endParaRPr lang="es-ES" dirty="0"/>
+          </a:p>
+          <a:p>
+            <a:pPr lvl="1"/>
+            <a:r>
+              <a:rPr lang="es-ES" dirty="0"/>
+              <a:t>Expone esas métricas en una interfaz web (http://localhost:8080) y en formato </a:t>
+            </a:r>
+            <a:r>
+              <a:rPr lang="es-ES" dirty="0" err="1"/>
+              <a:t>Prometheus</a:t>
+            </a:r>
+            <a:r>
+              <a:rPr lang="es-ES" dirty="0"/>
+              <a:t> (/</a:t>
+            </a:r>
+            <a:r>
+              <a:rPr lang="es-ES" dirty="0" err="1"/>
+              <a:t>metrics</a:t>
+            </a:r>
+            <a:r>
+              <a:rPr lang="es-ES" dirty="0"/>
+              <a:t>).</a:t>
+            </a:r>
+          </a:p>
+          <a:p>
+            <a:pPr lvl="1"/>
+            <a:endParaRPr lang="es-ES" dirty="0"/>
+          </a:p>
+          <a:p>
+            <a:pPr lvl="1"/>
+            <a:r>
+              <a:rPr lang="es-ES" dirty="0"/>
+              <a:t>Permite visualizar qué contenedores están corriendo y cómo están consumiendo recursos.</a:t>
+            </a:r>
+          </a:p>
+        </p:txBody>
+      </p:sp>
+      <p:sp>
+        <p:nvSpPr>
+          <p:cNvPr id="4" name="Marcador de número de diapositiva 3">
+            <a:extLst>
+              <a:ext uri="{FF2B5EF4-FFF2-40B4-BE49-F238E27FC236}">
+                <a16:creationId xmlns:a16="http://schemas.microsoft.com/office/drawing/2014/main" id="{35A0ED57-5FC4-FB2B-9A9E-B9A65287BFEE}"/>
+              </a:ext>
+            </a:extLst>
+          </p:cNvPr>
+          <p:cNvSpPr>
+            <a:spLocks noGrp="1"/>
+          </p:cNvSpPr>
+          <p:nvPr>
+            <p:ph type="sldNum" sz="quarter" idx="12"/>
+          </p:nvPr>
+        </p:nvSpPr>
+        <p:spPr/>
+        <p:txBody>
+          <a:bodyPr/>
+          <a:lstStyle/>
+          <a:p>
+            <a:fld id="{651C50BF-3A9D-4B62-9482-23DFD07EAA37}" type="slidenum">
+              <a:rPr lang="es-ES" smtClean="0"/>
+              <a:t>26</a:t>
+            </a:fld>
+            <a:endParaRPr lang="es-ES"/>
+          </a:p>
+        </p:txBody>
+      </p:sp>
+    </p:spTree>
+    <p:extLst>
+      <p:ext uri="{BB962C8B-B14F-4D97-AF65-F5344CB8AC3E}">
+        <p14:creationId xmlns:p14="http://schemas.microsoft.com/office/powerpoint/2010/main" val="1342970186"/>
+      </p:ext>
+    </p:extLst>
+  </p:cSld>
+  <p:clrMapOvr>
+    <a:masterClrMapping/>
+  </p:clrMapOvr>
+</p:sld>
+</file>
+
+<file path=ppt/slides/slide27.xml><?xml version="1.0" encoding="utf-8"?>
+<p:sld xmlns:a="http://schemas.openxmlformats.org/drawingml/2006/main" xmlns:r="http://schemas.openxmlformats.org/officeDocument/2006/relationships" xmlns:p="http://schemas.openxmlformats.org/presentationml/2006/main">
+  <p:cSld>
+    <p:spTree>
+      <p:nvGrpSpPr>
+        <p:cNvPr id="1" name=""/>
+        <p:cNvGrpSpPr/>
+        <p:nvPr/>
+      </p:nvGrpSpPr>
+      <p:grpSpPr>
+        <a:xfrm>
+          <a:off x="0" y="0"/>
+          <a:ext cx="0" cy="0"/>
+          <a:chOff x="0" y="0"/>
+          <a:chExt cx="0" cy="0"/>
+        </a:xfrm>
+      </p:grpSpPr>
+      <p:sp>
+        <p:nvSpPr>
+          <p:cNvPr id="2" name="Título 1">
+            <a:extLst>
+              <a:ext uri="{FF2B5EF4-FFF2-40B4-BE49-F238E27FC236}">
+                <a16:creationId xmlns:a16="http://schemas.microsoft.com/office/drawing/2014/main" id="{23EA8C0A-4507-50E9-1509-085FC6000FA0}"/>
+              </a:ext>
+            </a:extLst>
+          </p:cNvPr>
+          <p:cNvSpPr>
+            <a:spLocks noGrp="1"/>
+          </p:cNvSpPr>
+          <p:nvPr>
+            <p:ph type="title"/>
+          </p:nvPr>
+        </p:nvSpPr>
+        <p:spPr/>
+        <p:txBody>
+          <a:bodyPr/>
+          <a:lstStyle/>
+          <a:p>
+            <a:r>
+              <a:rPr lang="es-ES" dirty="0" err="1"/>
+              <a:t>cAdvisor</a:t>
+            </a:r>
+            <a:endParaRPr lang="es-ES" dirty="0"/>
+          </a:p>
+        </p:txBody>
+      </p:sp>
+      <p:sp>
+        <p:nvSpPr>
+          <p:cNvPr id="3" name="Marcador de contenido 2">
+            <a:extLst>
+              <a:ext uri="{FF2B5EF4-FFF2-40B4-BE49-F238E27FC236}">
+                <a16:creationId xmlns:a16="http://schemas.microsoft.com/office/drawing/2014/main" id="{2782BAC3-99AA-942C-D23F-B91B00DB7134}"/>
+              </a:ext>
+            </a:extLst>
+          </p:cNvPr>
+          <p:cNvSpPr>
+            <a:spLocks noGrp="1"/>
+          </p:cNvSpPr>
+          <p:nvPr>
+            <p:ph idx="1"/>
+          </p:nvPr>
+        </p:nvSpPr>
+        <p:spPr/>
+        <p:txBody>
+          <a:bodyPr/>
+          <a:lstStyle/>
+          <a:p>
+            <a:r>
+              <a:rPr lang="es-ES" dirty="0"/>
+              <a:t>Se puede utilizar para usarlo con </a:t>
+            </a:r>
+            <a:r>
+              <a:rPr lang="es-ES" dirty="0" err="1"/>
+              <a:t>Prometheus</a:t>
+            </a:r>
+            <a:r>
+              <a:rPr lang="es-ES" dirty="0"/>
+              <a:t> y </a:t>
+            </a:r>
+            <a:r>
+              <a:rPr lang="es-ES" dirty="0" err="1"/>
+              <a:t>Grafana</a:t>
+            </a:r>
+            <a:r>
+              <a:rPr lang="es-ES" dirty="0"/>
+              <a:t>:</a:t>
+            </a:r>
+          </a:p>
+          <a:p>
+            <a:pPr lvl="1"/>
+            <a:r>
+              <a:rPr lang="es-ES" dirty="0" err="1"/>
+              <a:t>Prometheus</a:t>
+            </a:r>
+            <a:r>
+              <a:rPr lang="es-ES" dirty="0"/>
+              <a:t> puede recolectar las métricas que </a:t>
+            </a:r>
+            <a:r>
+              <a:rPr lang="es-ES" dirty="0" err="1"/>
+              <a:t>cAdvisor</a:t>
+            </a:r>
+            <a:r>
+              <a:rPr lang="es-ES" dirty="0"/>
+              <a:t> expone.</a:t>
+            </a:r>
+          </a:p>
+          <a:p>
+            <a:pPr lvl="1"/>
+            <a:endParaRPr lang="es-ES" dirty="0"/>
+          </a:p>
+          <a:p>
+            <a:pPr lvl="1"/>
+            <a:r>
+              <a:rPr lang="es-ES" dirty="0" err="1"/>
+              <a:t>Grafana</a:t>
+            </a:r>
+            <a:r>
+              <a:rPr lang="es-ES" dirty="0"/>
+              <a:t> puede visualizarlas en </a:t>
+            </a:r>
+            <a:r>
+              <a:rPr lang="es-ES" dirty="0" err="1"/>
+              <a:t>dashboards</a:t>
+            </a:r>
+            <a:r>
+              <a:rPr lang="es-ES" dirty="0"/>
+              <a:t>.</a:t>
+            </a:r>
+          </a:p>
+          <a:p>
+            <a:pPr lvl="1"/>
+            <a:endParaRPr lang="es-ES" dirty="0"/>
+          </a:p>
+          <a:p>
+            <a:pPr lvl="1"/>
+            <a:r>
+              <a:rPr lang="es-ES" dirty="0"/>
+              <a:t>Es ideal para monitorear entornos Docker sin necesidad de instalar agentes en cada contenedor.</a:t>
+            </a:r>
+          </a:p>
+        </p:txBody>
+      </p:sp>
+      <p:sp>
+        <p:nvSpPr>
+          <p:cNvPr id="4" name="Marcador de número de diapositiva 3">
+            <a:extLst>
+              <a:ext uri="{FF2B5EF4-FFF2-40B4-BE49-F238E27FC236}">
+                <a16:creationId xmlns:a16="http://schemas.microsoft.com/office/drawing/2014/main" id="{FE553C00-2B9E-1B94-476D-A7AB333F0685}"/>
+              </a:ext>
+            </a:extLst>
+          </p:cNvPr>
+          <p:cNvSpPr>
+            <a:spLocks noGrp="1"/>
+          </p:cNvSpPr>
+          <p:nvPr>
+            <p:ph type="sldNum" sz="quarter" idx="12"/>
+          </p:nvPr>
+        </p:nvSpPr>
+        <p:spPr/>
+        <p:txBody>
+          <a:bodyPr/>
+          <a:lstStyle/>
+          <a:p>
+            <a:fld id="{651C50BF-3A9D-4B62-9482-23DFD07EAA37}" type="slidenum">
+              <a:rPr lang="es-ES" smtClean="0"/>
+              <a:t>27</a:t>
+            </a:fld>
+            <a:endParaRPr lang="es-ES"/>
+          </a:p>
+        </p:txBody>
+      </p:sp>
+    </p:spTree>
+    <p:extLst>
+      <p:ext uri="{BB962C8B-B14F-4D97-AF65-F5344CB8AC3E}">
+        <p14:creationId xmlns:p14="http://schemas.microsoft.com/office/powerpoint/2010/main" val="1722787168"/>
+      </p:ext>
+    </p:extLst>
+  </p:cSld>
+  <p:clrMapOvr>
+    <a:masterClrMapping/>
+  </p:clrMapOvr>
+</p:sld>
+</file>
+
+<file path=ppt/slides/slide28.xml><?xml version="1.0" encoding="utf-8"?>
+<p:sld xmlns:a="http://schemas.openxmlformats.org/drawingml/2006/main" xmlns:r="http://schemas.openxmlformats.org/officeDocument/2006/relationships" xmlns:p="http://schemas.openxmlformats.org/presentationml/2006/main">
+  <p:cSld>
+    <p:spTree>
+      <p:nvGrpSpPr>
+        <p:cNvPr id="1" name=""/>
+        <p:cNvGrpSpPr/>
+        <p:nvPr/>
+      </p:nvGrpSpPr>
+      <p:grpSpPr>
+        <a:xfrm>
+          <a:off x="0" y="0"/>
+          <a:ext cx="0" cy="0"/>
+          <a:chOff x="0" y="0"/>
+          <a:chExt cx="0" cy="0"/>
+        </a:xfrm>
+      </p:grpSpPr>
+      <p:sp>
+        <p:nvSpPr>
+          <p:cNvPr id="5" name="Título 4">
+            <a:extLst>
+              <a:ext uri="{FF2B5EF4-FFF2-40B4-BE49-F238E27FC236}">
+                <a16:creationId xmlns:a16="http://schemas.microsoft.com/office/drawing/2014/main" id="{1CD4BCCE-C317-35B1-71A7-64B9ECE9A34C}"/>
+              </a:ext>
+            </a:extLst>
+          </p:cNvPr>
+          <p:cNvSpPr>
+            <a:spLocks noGrp="1"/>
+          </p:cNvSpPr>
+          <p:nvPr>
+            <p:ph type="ctrTitle"/>
+          </p:nvPr>
+        </p:nvSpPr>
+        <p:spPr>
+          <a:xfrm>
+            <a:off x="1524000" y="1979011"/>
+            <a:ext cx="9144000" cy="2387600"/>
+          </a:xfrm>
+        </p:spPr>
+        <p:txBody>
+          <a:bodyPr/>
+          <a:lstStyle/>
+          <a:p>
+            <a:r>
+              <a:rPr lang="es-ES" b="1" dirty="0"/>
+              <a:t>Implementación de </a:t>
+            </a:r>
+            <a:r>
+              <a:rPr lang="es-ES" b="1" dirty="0" err="1"/>
+              <a:t>tracing</a:t>
+            </a:r>
+            <a:r>
+              <a:rPr lang="es-ES" b="1" dirty="0"/>
+              <a:t> distribuido</a:t>
+            </a:r>
+          </a:p>
+        </p:txBody>
+      </p:sp>
+      <p:sp>
+        <p:nvSpPr>
+          <p:cNvPr id="4" name="Marcador de número de diapositiva 3">
+            <a:extLst>
+              <a:ext uri="{FF2B5EF4-FFF2-40B4-BE49-F238E27FC236}">
+                <a16:creationId xmlns:a16="http://schemas.microsoft.com/office/drawing/2014/main" id="{249F3396-CACC-3B75-2659-22DDA3F5245C}"/>
+              </a:ext>
+            </a:extLst>
+          </p:cNvPr>
+          <p:cNvSpPr>
+            <a:spLocks noGrp="1"/>
+          </p:cNvSpPr>
+          <p:nvPr>
+            <p:ph type="sldNum" sz="quarter" idx="12"/>
+          </p:nvPr>
+        </p:nvSpPr>
+        <p:spPr/>
+        <p:txBody>
+          <a:bodyPr/>
+          <a:lstStyle/>
+          <a:p>
+            <a:fld id="{651C50BF-3A9D-4B62-9482-23DFD07EAA37}" type="slidenum">
+              <a:rPr lang="es-ES" smtClean="0"/>
+              <a:t>28</a:t>
+            </a:fld>
+            <a:endParaRPr lang="es-ES"/>
+          </a:p>
+        </p:txBody>
+      </p:sp>
+    </p:spTree>
+    <p:extLst>
+      <p:ext uri="{BB962C8B-B14F-4D97-AF65-F5344CB8AC3E}">
+        <p14:creationId xmlns:p14="http://schemas.microsoft.com/office/powerpoint/2010/main" val="396607756"/>
+      </p:ext>
+    </p:extLst>
+  </p:cSld>
+  <p:clrMapOvr>
+    <a:masterClrMapping/>
+  </p:clrMapOvr>
+</p:sld>
+</file>
+
+<file path=ppt/slides/slide29.xml><?xml version="1.0" encoding="utf-8"?>
+<p:sld xmlns:a="http://schemas.openxmlformats.org/drawingml/2006/main" xmlns:r="http://schemas.openxmlformats.org/officeDocument/2006/relationships" xmlns:p="http://schemas.openxmlformats.org/presentationml/2006/main">
+  <p:cSld>
+    <p:spTree>
+      <p:nvGrpSpPr>
+        <p:cNvPr id="1" name=""/>
+        <p:cNvGrpSpPr/>
+        <p:nvPr/>
+      </p:nvGrpSpPr>
+      <p:grpSpPr>
+        <a:xfrm>
+          <a:off x="0" y="0"/>
+          <a:ext cx="0" cy="0"/>
+          <a:chOff x="0" y="0"/>
+          <a:chExt cx="0" cy="0"/>
+        </a:xfrm>
+      </p:grpSpPr>
+      <p:sp>
+        <p:nvSpPr>
+          <p:cNvPr id="2" name="Título 1">
+            <a:extLst>
+              <a:ext uri="{FF2B5EF4-FFF2-40B4-BE49-F238E27FC236}">
+                <a16:creationId xmlns:a16="http://schemas.microsoft.com/office/drawing/2014/main" id="{5562D135-5EF2-8C58-992A-E3F16D2B1541}"/>
+              </a:ext>
+            </a:extLst>
+          </p:cNvPr>
+          <p:cNvSpPr>
+            <a:spLocks noGrp="1"/>
+          </p:cNvSpPr>
+          <p:nvPr>
+            <p:ph type="title"/>
+          </p:nvPr>
+        </p:nvSpPr>
+        <p:spPr/>
+        <p:txBody>
+          <a:bodyPr/>
+          <a:lstStyle/>
+          <a:p>
+            <a:r>
+              <a:rPr lang="es-ES" dirty="0"/>
+              <a:t>Herramientas</a:t>
+            </a:r>
+          </a:p>
+        </p:txBody>
+      </p:sp>
+      <p:sp>
+        <p:nvSpPr>
+          <p:cNvPr id="3" name="Marcador de contenido 2">
+            <a:extLst>
+              <a:ext uri="{FF2B5EF4-FFF2-40B4-BE49-F238E27FC236}">
+                <a16:creationId xmlns:a16="http://schemas.microsoft.com/office/drawing/2014/main" id="{3AD879E3-EE7F-612E-22AF-136731F8D5AC}"/>
+              </a:ext>
+            </a:extLst>
+          </p:cNvPr>
+          <p:cNvSpPr>
+            <a:spLocks noGrp="1"/>
+          </p:cNvSpPr>
+          <p:nvPr>
+            <p:ph idx="1"/>
+          </p:nvPr>
+        </p:nvSpPr>
+        <p:spPr/>
+        <p:txBody>
+          <a:bodyPr/>
+          <a:lstStyle/>
+          <a:p>
+            <a:r>
+              <a:rPr lang="es-ES" b="1" dirty="0"/>
+              <a:t>Jaeger</a:t>
+            </a:r>
+            <a:r>
+              <a:rPr lang="es-ES" dirty="0"/>
+              <a:t>:</a:t>
+            </a:r>
+          </a:p>
+          <a:p>
+            <a:pPr lvl="1"/>
+            <a:r>
+              <a:rPr lang="es-ES" dirty="0"/>
+              <a:t>Herramienta de </a:t>
+            </a:r>
+            <a:r>
+              <a:rPr lang="es-ES" b="1" dirty="0" err="1"/>
+              <a:t>tracing</a:t>
+            </a:r>
+            <a:r>
+              <a:rPr lang="es-ES" b="1" dirty="0"/>
+              <a:t> distribuido</a:t>
+            </a:r>
+            <a:r>
+              <a:rPr lang="es-ES" dirty="0"/>
+              <a:t> desarrollada originalmente por Uber. </a:t>
+            </a:r>
+          </a:p>
+          <a:p>
+            <a:pPr lvl="1"/>
+            <a:r>
+              <a:rPr lang="es-ES" dirty="0"/>
+              <a:t>Sirve para rastrear cómo fluyen las peticiones a través de los distintos servicios de tu sistema.</a:t>
+            </a:r>
+          </a:p>
+          <a:p>
+            <a:endParaRPr lang="es-ES" dirty="0"/>
+          </a:p>
+          <a:p>
+            <a:r>
+              <a:rPr lang="es-ES" dirty="0" err="1"/>
+              <a:t>OpenTelemetry</a:t>
+            </a:r>
+            <a:endParaRPr lang="es-ES" dirty="0"/>
+          </a:p>
+        </p:txBody>
+      </p:sp>
+      <p:sp>
+        <p:nvSpPr>
+          <p:cNvPr id="4" name="Marcador de número de diapositiva 3">
+            <a:extLst>
+              <a:ext uri="{FF2B5EF4-FFF2-40B4-BE49-F238E27FC236}">
+                <a16:creationId xmlns:a16="http://schemas.microsoft.com/office/drawing/2014/main" id="{FE1AB7E8-5523-CBFC-5FB2-4B7F4523F558}"/>
+              </a:ext>
+            </a:extLst>
+          </p:cNvPr>
+          <p:cNvSpPr>
+            <a:spLocks noGrp="1"/>
+          </p:cNvSpPr>
+          <p:nvPr>
+            <p:ph type="sldNum" sz="quarter" idx="12"/>
+          </p:nvPr>
+        </p:nvSpPr>
+        <p:spPr/>
+        <p:txBody>
+          <a:bodyPr/>
+          <a:lstStyle/>
+          <a:p>
+            <a:fld id="{651C50BF-3A9D-4B62-9482-23DFD07EAA37}" type="slidenum">
+              <a:rPr lang="es-ES" smtClean="0"/>
+              <a:t>29</a:t>
+            </a:fld>
+            <a:endParaRPr lang="es-ES"/>
+          </a:p>
+        </p:txBody>
+      </p:sp>
+    </p:spTree>
+    <p:extLst>
+      <p:ext uri="{BB962C8B-B14F-4D97-AF65-F5344CB8AC3E}">
+        <p14:creationId xmlns:p14="http://schemas.microsoft.com/office/powerpoint/2010/main" val="723725083"/>
       </p:ext>
     </p:extLst>
   </p:cSld>
@@ -6552,6 +7773,1753 @@
     <p:extLst>
       <p:ext uri="{BB962C8B-B14F-4D97-AF65-F5344CB8AC3E}">
         <p14:creationId xmlns:p14="http://schemas.microsoft.com/office/powerpoint/2010/main" val="3674260375"/>
+      </p:ext>
+    </p:extLst>
+  </p:cSld>
+  <p:clrMapOvr>
+    <a:masterClrMapping/>
+  </p:clrMapOvr>
+</p:sld>
+</file>
+
+<file path=ppt/slides/slide30.xml><?xml version="1.0" encoding="utf-8"?>
+<p:sld xmlns:a="http://schemas.openxmlformats.org/drawingml/2006/main" xmlns:r="http://schemas.openxmlformats.org/officeDocument/2006/relationships" xmlns:p="http://schemas.openxmlformats.org/presentationml/2006/main">
+  <p:cSld>
+    <p:spTree>
+      <p:nvGrpSpPr>
+        <p:cNvPr id="1" name=""/>
+        <p:cNvGrpSpPr/>
+        <p:nvPr/>
+      </p:nvGrpSpPr>
+      <p:grpSpPr>
+        <a:xfrm>
+          <a:off x="0" y="0"/>
+          <a:ext cx="0" cy="0"/>
+          <a:chOff x="0" y="0"/>
+          <a:chExt cx="0" cy="0"/>
+        </a:xfrm>
+      </p:grpSpPr>
+      <p:sp>
+        <p:nvSpPr>
+          <p:cNvPr id="5" name="Título 4">
+            <a:extLst>
+              <a:ext uri="{FF2B5EF4-FFF2-40B4-BE49-F238E27FC236}">
+                <a16:creationId xmlns:a16="http://schemas.microsoft.com/office/drawing/2014/main" id="{28C53A09-60E7-946B-8DE8-DCDC5D304178}"/>
+              </a:ext>
+            </a:extLst>
+          </p:cNvPr>
+          <p:cNvSpPr>
+            <a:spLocks noGrp="1"/>
+          </p:cNvSpPr>
+          <p:nvPr>
+            <p:ph type="ctrTitle"/>
+          </p:nvPr>
+        </p:nvSpPr>
+        <p:spPr/>
+        <p:txBody>
+          <a:bodyPr/>
+          <a:lstStyle/>
+          <a:p>
+            <a:r>
+              <a:rPr lang="es-ES" dirty="0"/>
+              <a:t>Jaeger</a:t>
+            </a:r>
+          </a:p>
+        </p:txBody>
+      </p:sp>
+      <p:sp>
+        <p:nvSpPr>
+          <p:cNvPr id="6" name="Subtítulo 5">
+            <a:extLst>
+              <a:ext uri="{FF2B5EF4-FFF2-40B4-BE49-F238E27FC236}">
+                <a16:creationId xmlns:a16="http://schemas.microsoft.com/office/drawing/2014/main" id="{CF273C91-16C0-E37C-BE72-6CC9D56E8F8B}"/>
+              </a:ext>
+            </a:extLst>
+          </p:cNvPr>
+          <p:cNvSpPr>
+            <a:spLocks noGrp="1"/>
+          </p:cNvSpPr>
+          <p:nvPr>
+            <p:ph type="subTitle" idx="1"/>
+          </p:nvPr>
+        </p:nvSpPr>
+        <p:spPr/>
+        <p:txBody>
+          <a:bodyPr/>
+          <a:lstStyle/>
+          <a:p>
+            <a:endParaRPr lang="es-ES"/>
+          </a:p>
+        </p:txBody>
+      </p:sp>
+      <p:sp>
+        <p:nvSpPr>
+          <p:cNvPr id="4" name="Marcador de número de diapositiva 3">
+            <a:extLst>
+              <a:ext uri="{FF2B5EF4-FFF2-40B4-BE49-F238E27FC236}">
+                <a16:creationId xmlns:a16="http://schemas.microsoft.com/office/drawing/2014/main" id="{F6743136-7527-3FE6-BD9F-7A4941BF50E8}"/>
+              </a:ext>
+            </a:extLst>
+          </p:cNvPr>
+          <p:cNvSpPr>
+            <a:spLocks noGrp="1"/>
+          </p:cNvSpPr>
+          <p:nvPr>
+            <p:ph type="sldNum" sz="quarter" idx="12"/>
+          </p:nvPr>
+        </p:nvSpPr>
+        <p:spPr/>
+        <p:txBody>
+          <a:bodyPr/>
+          <a:lstStyle/>
+          <a:p>
+            <a:fld id="{651C50BF-3A9D-4B62-9482-23DFD07EAA37}" type="slidenum">
+              <a:rPr lang="es-ES" smtClean="0"/>
+              <a:t>30</a:t>
+            </a:fld>
+            <a:endParaRPr lang="es-ES"/>
+          </a:p>
+        </p:txBody>
+      </p:sp>
+    </p:spTree>
+    <p:extLst>
+      <p:ext uri="{BB962C8B-B14F-4D97-AF65-F5344CB8AC3E}">
+        <p14:creationId xmlns:p14="http://schemas.microsoft.com/office/powerpoint/2010/main" val="352569902"/>
+      </p:ext>
+    </p:extLst>
+  </p:cSld>
+  <p:clrMapOvr>
+    <a:masterClrMapping/>
+  </p:clrMapOvr>
+</p:sld>
+</file>
+
+<file path=ppt/slides/slide31.xml><?xml version="1.0" encoding="utf-8"?>
+<p:sld xmlns:a="http://schemas.openxmlformats.org/drawingml/2006/main" xmlns:r="http://schemas.openxmlformats.org/officeDocument/2006/relationships" xmlns:p="http://schemas.openxmlformats.org/presentationml/2006/main">
+  <p:cSld>
+    <p:spTree>
+      <p:nvGrpSpPr>
+        <p:cNvPr id="1" name=""/>
+        <p:cNvGrpSpPr/>
+        <p:nvPr/>
+      </p:nvGrpSpPr>
+      <p:grpSpPr>
+        <a:xfrm>
+          <a:off x="0" y="0"/>
+          <a:ext cx="0" cy="0"/>
+          <a:chOff x="0" y="0"/>
+          <a:chExt cx="0" cy="0"/>
+        </a:xfrm>
+      </p:grpSpPr>
+      <p:sp>
+        <p:nvSpPr>
+          <p:cNvPr id="2" name="Título 1">
+            <a:extLst>
+              <a:ext uri="{FF2B5EF4-FFF2-40B4-BE49-F238E27FC236}">
+                <a16:creationId xmlns:a16="http://schemas.microsoft.com/office/drawing/2014/main" id="{38B28FA2-53D9-6063-39DC-7ADC39D45795}"/>
+              </a:ext>
+            </a:extLst>
+          </p:cNvPr>
+          <p:cNvSpPr>
+            <a:spLocks noGrp="1"/>
+          </p:cNvSpPr>
+          <p:nvPr>
+            <p:ph type="title"/>
+          </p:nvPr>
+        </p:nvSpPr>
+        <p:spPr/>
+        <p:txBody>
+          <a:bodyPr/>
+          <a:lstStyle/>
+          <a:p>
+            <a:r>
+              <a:rPr lang="es-ES" dirty="0"/>
+              <a:t>Jaeger</a:t>
+            </a:r>
+          </a:p>
+        </p:txBody>
+      </p:sp>
+      <p:sp>
+        <p:nvSpPr>
+          <p:cNvPr id="3" name="Marcador de contenido 2">
+            <a:extLst>
+              <a:ext uri="{FF2B5EF4-FFF2-40B4-BE49-F238E27FC236}">
+                <a16:creationId xmlns:a16="http://schemas.microsoft.com/office/drawing/2014/main" id="{E71C683F-EE4D-DCD3-5CED-973F68CDF634}"/>
+              </a:ext>
+            </a:extLst>
+          </p:cNvPr>
+          <p:cNvSpPr>
+            <a:spLocks noGrp="1"/>
+          </p:cNvSpPr>
+          <p:nvPr>
+            <p:ph idx="1"/>
+          </p:nvPr>
+        </p:nvSpPr>
+        <p:spPr/>
+        <p:txBody>
+          <a:bodyPr>
+            <a:normAutofit/>
+          </a:bodyPr>
+          <a:lstStyle/>
+          <a:p>
+            <a:r>
+              <a:rPr lang="es-ES" b="1" dirty="0"/>
+              <a:t>¿Para qué se usa?</a:t>
+            </a:r>
+          </a:p>
+          <a:p>
+            <a:pPr lvl="1"/>
+            <a:r>
+              <a:rPr lang="es-ES" dirty="0"/>
+              <a:t>Ver cuánto tarda cada servicio en responder.</a:t>
+            </a:r>
+          </a:p>
+          <a:p>
+            <a:pPr lvl="1"/>
+            <a:r>
+              <a:rPr lang="es-ES" dirty="0"/>
+              <a:t>Detectar cuellos de botella o errores en la cadena de llamadas.</a:t>
+            </a:r>
+          </a:p>
+          <a:p>
+            <a:pPr lvl="1"/>
+            <a:r>
+              <a:rPr lang="es-ES" dirty="0"/>
+              <a:t>Visualizar el recorrido completo de una petición (por ejemplo, desde el </a:t>
+            </a:r>
+            <a:r>
+              <a:rPr lang="es-ES" dirty="0" err="1"/>
+              <a:t>frontend</a:t>
+            </a:r>
+            <a:r>
+              <a:rPr lang="es-ES" dirty="0"/>
+              <a:t> hasta la base de datos).</a:t>
+            </a:r>
+          </a:p>
+          <a:p>
+            <a:pPr lvl="1"/>
+            <a:endParaRPr lang="es-ES" dirty="0"/>
+          </a:p>
+          <a:p>
+            <a:r>
+              <a:rPr lang="es-ES" b="1" dirty="0"/>
+              <a:t>¿Cómo funciona?</a:t>
+            </a:r>
+          </a:p>
+          <a:p>
+            <a:pPr lvl="1"/>
+            <a:r>
+              <a:rPr lang="es-ES" dirty="0"/>
+              <a:t>Cada servicio genera "</a:t>
+            </a:r>
+            <a:r>
+              <a:rPr lang="es-ES" dirty="0" err="1"/>
+              <a:t>spans</a:t>
+            </a:r>
+            <a:r>
+              <a:rPr lang="es-ES" dirty="0"/>
+              <a:t>" (fragmentos de trazas).</a:t>
+            </a:r>
+          </a:p>
+          <a:p>
+            <a:pPr lvl="1"/>
+            <a:r>
+              <a:rPr lang="es-ES" dirty="0"/>
+              <a:t>Jaeger recolecta esos </a:t>
+            </a:r>
+            <a:r>
+              <a:rPr lang="es-ES" dirty="0" err="1"/>
+              <a:t>spans</a:t>
+            </a:r>
+            <a:r>
+              <a:rPr lang="es-ES" dirty="0"/>
+              <a:t> y los muestra en una interfaz web.</a:t>
+            </a:r>
+          </a:p>
+          <a:p>
+            <a:pPr lvl="1"/>
+            <a:r>
+              <a:rPr lang="es-ES" dirty="0"/>
+              <a:t>Puedes ver gráficos de tiempo, dependencias entre servicios, y más.</a:t>
+            </a:r>
+          </a:p>
+          <a:p>
+            <a:endParaRPr lang="es-ES" dirty="0"/>
+          </a:p>
+        </p:txBody>
+      </p:sp>
+      <p:sp>
+        <p:nvSpPr>
+          <p:cNvPr id="4" name="Marcador de número de diapositiva 3">
+            <a:extLst>
+              <a:ext uri="{FF2B5EF4-FFF2-40B4-BE49-F238E27FC236}">
+                <a16:creationId xmlns:a16="http://schemas.microsoft.com/office/drawing/2014/main" id="{8BAACACD-F107-2433-9748-433F2B0F3C02}"/>
+              </a:ext>
+            </a:extLst>
+          </p:cNvPr>
+          <p:cNvSpPr>
+            <a:spLocks noGrp="1"/>
+          </p:cNvSpPr>
+          <p:nvPr>
+            <p:ph type="sldNum" sz="quarter" idx="12"/>
+          </p:nvPr>
+        </p:nvSpPr>
+        <p:spPr/>
+        <p:txBody>
+          <a:bodyPr/>
+          <a:lstStyle/>
+          <a:p>
+            <a:fld id="{651C50BF-3A9D-4B62-9482-23DFD07EAA37}" type="slidenum">
+              <a:rPr lang="es-ES" smtClean="0"/>
+              <a:t>31</a:t>
+            </a:fld>
+            <a:endParaRPr lang="es-ES"/>
+          </a:p>
+        </p:txBody>
+      </p:sp>
+    </p:spTree>
+    <p:extLst>
+      <p:ext uri="{BB962C8B-B14F-4D97-AF65-F5344CB8AC3E}">
+        <p14:creationId xmlns:p14="http://schemas.microsoft.com/office/powerpoint/2010/main" val="170601196"/>
+      </p:ext>
+    </p:extLst>
+  </p:cSld>
+  <p:clrMapOvr>
+    <a:masterClrMapping/>
+  </p:clrMapOvr>
+</p:sld>
+</file>
+
+<file path=ppt/slides/slide32.xml><?xml version="1.0" encoding="utf-8"?>
+<p:sld xmlns:a="http://schemas.openxmlformats.org/drawingml/2006/main" xmlns:r="http://schemas.openxmlformats.org/officeDocument/2006/relationships" xmlns:p="http://schemas.openxmlformats.org/presentationml/2006/main">
+  <p:cSld>
+    <p:spTree>
+      <p:nvGrpSpPr>
+        <p:cNvPr id="1" name=""/>
+        <p:cNvGrpSpPr/>
+        <p:nvPr/>
+      </p:nvGrpSpPr>
+      <p:grpSpPr>
+        <a:xfrm>
+          <a:off x="0" y="0"/>
+          <a:ext cx="0" cy="0"/>
+          <a:chOff x="0" y="0"/>
+          <a:chExt cx="0" cy="0"/>
+        </a:xfrm>
+      </p:grpSpPr>
+      <p:sp>
+        <p:nvSpPr>
+          <p:cNvPr id="5" name="Título 4">
+            <a:extLst>
+              <a:ext uri="{FF2B5EF4-FFF2-40B4-BE49-F238E27FC236}">
+                <a16:creationId xmlns:a16="http://schemas.microsoft.com/office/drawing/2014/main" id="{B29AEA81-2CBB-B62D-E152-5D25A726D705}"/>
+              </a:ext>
+            </a:extLst>
+          </p:cNvPr>
+          <p:cNvSpPr>
+            <a:spLocks noGrp="1"/>
+          </p:cNvSpPr>
+          <p:nvPr>
+            <p:ph type="ctrTitle"/>
+          </p:nvPr>
+        </p:nvSpPr>
+        <p:spPr/>
+        <p:txBody>
+          <a:bodyPr/>
+          <a:lstStyle/>
+          <a:p>
+            <a:r>
+              <a:rPr lang="es-ES" dirty="0" err="1"/>
+              <a:t>OpenTelemetry</a:t>
+            </a:r>
+            <a:endParaRPr lang="es-ES" dirty="0"/>
+          </a:p>
+        </p:txBody>
+      </p:sp>
+      <p:sp>
+        <p:nvSpPr>
+          <p:cNvPr id="6" name="Subtítulo 5">
+            <a:extLst>
+              <a:ext uri="{FF2B5EF4-FFF2-40B4-BE49-F238E27FC236}">
+                <a16:creationId xmlns:a16="http://schemas.microsoft.com/office/drawing/2014/main" id="{5070E4C1-DA6C-49A5-5B0F-66323467C180}"/>
+              </a:ext>
+            </a:extLst>
+          </p:cNvPr>
+          <p:cNvSpPr>
+            <a:spLocks noGrp="1"/>
+          </p:cNvSpPr>
+          <p:nvPr>
+            <p:ph type="subTitle" idx="1"/>
+          </p:nvPr>
+        </p:nvSpPr>
+        <p:spPr/>
+        <p:txBody>
+          <a:bodyPr/>
+          <a:lstStyle/>
+          <a:p>
+            <a:endParaRPr lang="es-ES"/>
+          </a:p>
+        </p:txBody>
+      </p:sp>
+      <p:sp>
+        <p:nvSpPr>
+          <p:cNvPr id="4" name="Marcador de número de diapositiva 3">
+            <a:extLst>
+              <a:ext uri="{FF2B5EF4-FFF2-40B4-BE49-F238E27FC236}">
+                <a16:creationId xmlns:a16="http://schemas.microsoft.com/office/drawing/2014/main" id="{569B1153-A844-2E13-1D78-7E472C9B13FA}"/>
+              </a:ext>
+            </a:extLst>
+          </p:cNvPr>
+          <p:cNvSpPr>
+            <a:spLocks noGrp="1"/>
+          </p:cNvSpPr>
+          <p:nvPr>
+            <p:ph type="sldNum" sz="quarter" idx="12"/>
+          </p:nvPr>
+        </p:nvSpPr>
+        <p:spPr/>
+        <p:txBody>
+          <a:bodyPr/>
+          <a:lstStyle/>
+          <a:p>
+            <a:fld id="{651C50BF-3A9D-4B62-9482-23DFD07EAA37}" type="slidenum">
+              <a:rPr lang="es-ES" smtClean="0"/>
+              <a:t>32</a:t>
+            </a:fld>
+            <a:endParaRPr lang="es-ES"/>
+          </a:p>
+        </p:txBody>
+      </p:sp>
+    </p:spTree>
+    <p:extLst>
+      <p:ext uri="{BB962C8B-B14F-4D97-AF65-F5344CB8AC3E}">
+        <p14:creationId xmlns:p14="http://schemas.microsoft.com/office/powerpoint/2010/main" val="1702163187"/>
+      </p:ext>
+    </p:extLst>
+  </p:cSld>
+  <p:clrMapOvr>
+    <a:masterClrMapping/>
+  </p:clrMapOvr>
+</p:sld>
+</file>
+
+<file path=ppt/slides/slide33.xml><?xml version="1.0" encoding="utf-8"?>
+<p:sld xmlns:a="http://schemas.openxmlformats.org/drawingml/2006/main" xmlns:r="http://schemas.openxmlformats.org/officeDocument/2006/relationships" xmlns:p="http://schemas.openxmlformats.org/presentationml/2006/main">
+  <p:cSld>
+    <p:spTree>
+      <p:nvGrpSpPr>
+        <p:cNvPr id="1" name=""/>
+        <p:cNvGrpSpPr/>
+        <p:nvPr/>
+      </p:nvGrpSpPr>
+      <p:grpSpPr>
+        <a:xfrm>
+          <a:off x="0" y="0"/>
+          <a:ext cx="0" cy="0"/>
+          <a:chOff x="0" y="0"/>
+          <a:chExt cx="0" cy="0"/>
+        </a:xfrm>
+      </p:grpSpPr>
+      <p:sp>
+        <p:nvSpPr>
+          <p:cNvPr id="2" name="Título 1">
+            <a:extLst>
+              <a:ext uri="{FF2B5EF4-FFF2-40B4-BE49-F238E27FC236}">
+                <a16:creationId xmlns:a16="http://schemas.microsoft.com/office/drawing/2014/main" id="{6FF1BB70-3CB4-6681-5A50-0FD0EFBB2C32}"/>
+              </a:ext>
+            </a:extLst>
+          </p:cNvPr>
+          <p:cNvSpPr>
+            <a:spLocks noGrp="1"/>
+          </p:cNvSpPr>
+          <p:nvPr>
+            <p:ph type="title"/>
+          </p:nvPr>
+        </p:nvSpPr>
+        <p:spPr/>
+        <p:txBody>
+          <a:bodyPr/>
+          <a:lstStyle/>
+          <a:p>
+            <a:r>
+              <a:rPr lang="es-ES" dirty="0" err="1"/>
+              <a:t>OpenTelemetry</a:t>
+            </a:r>
+            <a:endParaRPr lang="es-ES" dirty="0"/>
+          </a:p>
+        </p:txBody>
+      </p:sp>
+      <p:sp>
+        <p:nvSpPr>
+          <p:cNvPr id="3" name="Marcador de contenido 2">
+            <a:extLst>
+              <a:ext uri="{FF2B5EF4-FFF2-40B4-BE49-F238E27FC236}">
+                <a16:creationId xmlns:a16="http://schemas.microsoft.com/office/drawing/2014/main" id="{7D1C44DA-2862-F219-910E-354E583A4F49}"/>
+              </a:ext>
+            </a:extLst>
+          </p:cNvPr>
+          <p:cNvSpPr>
+            <a:spLocks noGrp="1"/>
+          </p:cNvSpPr>
+          <p:nvPr>
+            <p:ph idx="1"/>
+          </p:nvPr>
+        </p:nvSpPr>
+        <p:spPr>
+          <a:xfrm>
+            <a:off x="838200" y="1825624"/>
+            <a:ext cx="10700208" cy="4782565"/>
+          </a:xfrm>
+        </p:spPr>
+        <p:txBody>
+          <a:bodyPr>
+            <a:normAutofit/>
+          </a:bodyPr>
+          <a:lstStyle/>
+          <a:p>
+            <a:r>
+              <a:rPr lang="es-ES" b="1" dirty="0" err="1"/>
+              <a:t>OpenTelemetry</a:t>
+            </a:r>
+            <a:r>
+              <a:rPr lang="es-ES" dirty="0"/>
+              <a:t> es un </a:t>
+            </a:r>
+            <a:r>
+              <a:rPr lang="es-ES" b="1" dirty="0" err="1"/>
+              <a:t>framework</a:t>
+            </a:r>
+            <a:r>
+              <a:rPr lang="es-ES" b="1" dirty="0"/>
+              <a:t> abierto y estandarizado</a:t>
+            </a:r>
+            <a:r>
+              <a:rPr lang="es-ES" dirty="0"/>
+              <a:t> para recolectar datos de </a:t>
+            </a:r>
+            <a:r>
+              <a:rPr lang="es-ES" dirty="0" err="1"/>
+              <a:t>observabilidad</a:t>
+            </a:r>
+            <a:r>
+              <a:rPr lang="es-ES" dirty="0"/>
+              <a:t>: </a:t>
+            </a:r>
+          </a:p>
+          <a:p>
+            <a:pPr lvl="1"/>
+            <a:r>
+              <a:rPr lang="es-ES" b="1" dirty="0"/>
+              <a:t>traces, </a:t>
+            </a:r>
+          </a:p>
+          <a:p>
+            <a:pPr lvl="1"/>
+            <a:r>
+              <a:rPr lang="es-ES" b="1" dirty="0" err="1"/>
+              <a:t>metrics</a:t>
+            </a:r>
+            <a:r>
+              <a:rPr lang="es-ES" b="1" dirty="0"/>
+              <a:t> </a:t>
+            </a:r>
+          </a:p>
+          <a:p>
+            <a:pPr lvl="1"/>
+            <a:r>
+              <a:rPr lang="es-ES" b="1" dirty="0"/>
+              <a:t>y logs</a:t>
+            </a:r>
+            <a:r>
+              <a:rPr lang="es-ES" dirty="0"/>
+              <a:t>.</a:t>
+            </a:r>
+          </a:p>
+          <a:p>
+            <a:pPr lvl="1"/>
+            <a:endParaRPr lang="es-ES" dirty="0"/>
+          </a:p>
+          <a:p>
+            <a:r>
+              <a:rPr lang="es-ES" b="1" dirty="0"/>
+              <a:t>¿Qué hace?</a:t>
+            </a:r>
+          </a:p>
+          <a:p>
+            <a:pPr lvl="1"/>
+            <a:r>
+              <a:rPr lang="es-ES" dirty="0"/>
+              <a:t>Proporciona </a:t>
+            </a:r>
+            <a:r>
+              <a:rPr lang="es-ES" dirty="0" err="1"/>
+              <a:t>SDKs</a:t>
+            </a:r>
+            <a:r>
+              <a:rPr lang="es-ES" dirty="0"/>
+              <a:t> para múltiples lenguajes (Java, Python, </a:t>
+            </a:r>
+            <a:r>
+              <a:rPr lang="es-ES" dirty="0" err="1"/>
+              <a:t>Go</a:t>
+            </a:r>
+            <a:r>
+              <a:rPr lang="es-ES" dirty="0"/>
+              <a:t>, etc.).</a:t>
+            </a:r>
+          </a:p>
+          <a:p>
+            <a:pPr lvl="1"/>
+            <a:r>
+              <a:rPr lang="es-ES" dirty="0"/>
+              <a:t>Te permite instrumentar tu código para generar métricas y trazas.</a:t>
+            </a:r>
+          </a:p>
+          <a:p>
+            <a:pPr lvl="1"/>
+            <a:r>
+              <a:rPr lang="es-ES" dirty="0"/>
+              <a:t>Envía esos datos a herramientas como Jaeger, </a:t>
+            </a:r>
+            <a:r>
+              <a:rPr lang="es-ES" dirty="0" err="1"/>
+              <a:t>Prometheus</a:t>
+            </a:r>
+            <a:r>
+              <a:rPr lang="es-ES" dirty="0"/>
+              <a:t>, </a:t>
+            </a:r>
+            <a:r>
+              <a:rPr lang="es-ES" dirty="0" err="1"/>
+              <a:t>Grafana</a:t>
+            </a:r>
+            <a:r>
+              <a:rPr lang="es-ES" dirty="0"/>
+              <a:t>, </a:t>
+            </a:r>
+            <a:r>
+              <a:rPr lang="es-ES" dirty="0" err="1"/>
+              <a:t>Zipkin</a:t>
+            </a:r>
+            <a:r>
+              <a:rPr lang="es-ES" dirty="0"/>
+              <a:t>, etc.</a:t>
+            </a:r>
+          </a:p>
+          <a:p>
+            <a:endParaRPr lang="es-ES" dirty="0"/>
+          </a:p>
+        </p:txBody>
+      </p:sp>
+      <p:sp>
+        <p:nvSpPr>
+          <p:cNvPr id="4" name="Marcador de número de diapositiva 3">
+            <a:extLst>
+              <a:ext uri="{FF2B5EF4-FFF2-40B4-BE49-F238E27FC236}">
+                <a16:creationId xmlns:a16="http://schemas.microsoft.com/office/drawing/2014/main" id="{5BAB1CD6-B9BF-F2BB-45C1-290A69F0610F}"/>
+              </a:ext>
+            </a:extLst>
+          </p:cNvPr>
+          <p:cNvSpPr>
+            <a:spLocks noGrp="1"/>
+          </p:cNvSpPr>
+          <p:nvPr>
+            <p:ph type="sldNum" sz="quarter" idx="12"/>
+          </p:nvPr>
+        </p:nvSpPr>
+        <p:spPr/>
+        <p:txBody>
+          <a:bodyPr/>
+          <a:lstStyle/>
+          <a:p>
+            <a:fld id="{651C50BF-3A9D-4B62-9482-23DFD07EAA37}" type="slidenum">
+              <a:rPr lang="es-ES" smtClean="0"/>
+              <a:t>33</a:t>
+            </a:fld>
+            <a:endParaRPr lang="es-ES"/>
+          </a:p>
+        </p:txBody>
+      </p:sp>
+    </p:spTree>
+    <p:extLst>
+      <p:ext uri="{BB962C8B-B14F-4D97-AF65-F5344CB8AC3E}">
+        <p14:creationId xmlns:p14="http://schemas.microsoft.com/office/powerpoint/2010/main" val="2647929052"/>
+      </p:ext>
+    </p:extLst>
+  </p:cSld>
+  <p:clrMapOvr>
+    <a:masterClrMapping/>
+  </p:clrMapOvr>
+</p:sld>
+</file>
+
+<file path=ppt/slides/slide34.xml><?xml version="1.0" encoding="utf-8"?>
+<p:sld xmlns:a="http://schemas.openxmlformats.org/drawingml/2006/main" xmlns:r="http://schemas.openxmlformats.org/officeDocument/2006/relationships" xmlns:p="http://schemas.openxmlformats.org/presentationml/2006/main">
+  <p:cSld>
+    <p:spTree>
+      <p:nvGrpSpPr>
+        <p:cNvPr id="1" name=""/>
+        <p:cNvGrpSpPr/>
+        <p:nvPr/>
+      </p:nvGrpSpPr>
+      <p:grpSpPr>
+        <a:xfrm>
+          <a:off x="0" y="0"/>
+          <a:ext cx="0" cy="0"/>
+          <a:chOff x="0" y="0"/>
+          <a:chExt cx="0" cy="0"/>
+        </a:xfrm>
+      </p:grpSpPr>
+      <p:sp>
+        <p:nvSpPr>
+          <p:cNvPr id="2" name="Título 1">
+            <a:extLst>
+              <a:ext uri="{FF2B5EF4-FFF2-40B4-BE49-F238E27FC236}">
+                <a16:creationId xmlns:a16="http://schemas.microsoft.com/office/drawing/2014/main" id="{7D275A70-0C90-5A18-A086-DFF34A25DD0B}"/>
+              </a:ext>
+            </a:extLst>
+          </p:cNvPr>
+          <p:cNvSpPr>
+            <a:spLocks noGrp="1"/>
+          </p:cNvSpPr>
+          <p:nvPr>
+            <p:ph type="title"/>
+          </p:nvPr>
+        </p:nvSpPr>
+        <p:spPr/>
+        <p:txBody>
+          <a:bodyPr/>
+          <a:lstStyle/>
+          <a:p>
+            <a:r>
+              <a:rPr lang="es-ES" dirty="0" err="1"/>
+              <a:t>OpenTelemetry</a:t>
+            </a:r>
+            <a:endParaRPr lang="es-ES" dirty="0"/>
+          </a:p>
+        </p:txBody>
+      </p:sp>
+      <p:sp>
+        <p:nvSpPr>
+          <p:cNvPr id="3" name="Marcador de contenido 2">
+            <a:extLst>
+              <a:ext uri="{FF2B5EF4-FFF2-40B4-BE49-F238E27FC236}">
+                <a16:creationId xmlns:a16="http://schemas.microsoft.com/office/drawing/2014/main" id="{4E16C27B-E8DD-E1F0-0A19-B4FA01C18BE1}"/>
+              </a:ext>
+            </a:extLst>
+          </p:cNvPr>
+          <p:cNvSpPr>
+            <a:spLocks noGrp="1"/>
+          </p:cNvSpPr>
+          <p:nvPr>
+            <p:ph idx="1"/>
+          </p:nvPr>
+        </p:nvSpPr>
+        <p:spPr/>
+        <p:txBody>
+          <a:bodyPr/>
+          <a:lstStyle/>
+          <a:p>
+            <a:r>
+              <a:rPr lang="es-ES" b="1" dirty="0"/>
+              <a:t>¿Cómo se relacionan Jaeger y </a:t>
+            </a:r>
+            <a:r>
+              <a:rPr lang="es-ES" b="1" dirty="0" err="1"/>
+              <a:t>OpenTelemetry</a:t>
+            </a:r>
+            <a:r>
+              <a:rPr lang="es-ES" b="1" dirty="0"/>
+              <a:t>?</a:t>
+            </a:r>
+          </a:p>
+          <a:p>
+            <a:pPr lvl="1"/>
+            <a:r>
+              <a:rPr lang="es-ES" b="1" dirty="0" err="1"/>
+              <a:t>OpenTelemetry</a:t>
+            </a:r>
+            <a:r>
+              <a:rPr lang="es-ES" b="1" dirty="0"/>
+              <a:t> genera los datos</a:t>
+            </a:r>
+            <a:r>
+              <a:rPr lang="es-ES" dirty="0"/>
+              <a:t> (trazas, métricas).</a:t>
+            </a:r>
+          </a:p>
+          <a:p>
+            <a:pPr lvl="1"/>
+            <a:r>
+              <a:rPr lang="es-ES" b="1" dirty="0"/>
+              <a:t>Jaeger los visualiza</a:t>
+            </a:r>
+            <a:r>
+              <a:rPr lang="es-ES" dirty="0"/>
+              <a:t> (trazas).</a:t>
+            </a:r>
+          </a:p>
+          <a:p>
+            <a:pPr lvl="1"/>
+            <a:r>
+              <a:rPr lang="es-ES" dirty="0"/>
+              <a:t>Puedes usar </a:t>
+            </a:r>
+            <a:r>
+              <a:rPr lang="es-ES" dirty="0" err="1"/>
+              <a:t>OpenTelemetry</a:t>
+            </a:r>
+            <a:r>
+              <a:rPr lang="es-ES" dirty="0"/>
+              <a:t> para enviar trazas a Jaeger, métricas a </a:t>
+            </a:r>
+            <a:r>
+              <a:rPr lang="es-ES" dirty="0" err="1"/>
+              <a:t>Prometheus</a:t>
+            </a:r>
+            <a:r>
+              <a:rPr lang="es-ES" dirty="0"/>
+              <a:t>, y logs a otros sistemas.</a:t>
+            </a:r>
+          </a:p>
+          <a:p>
+            <a:endParaRPr lang="es-ES" dirty="0"/>
+          </a:p>
+        </p:txBody>
+      </p:sp>
+      <p:sp>
+        <p:nvSpPr>
+          <p:cNvPr id="4" name="Marcador de número de diapositiva 3">
+            <a:extLst>
+              <a:ext uri="{FF2B5EF4-FFF2-40B4-BE49-F238E27FC236}">
+                <a16:creationId xmlns:a16="http://schemas.microsoft.com/office/drawing/2014/main" id="{B2A19D5E-2835-3F05-2350-F220AEE67770}"/>
+              </a:ext>
+            </a:extLst>
+          </p:cNvPr>
+          <p:cNvSpPr>
+            <a:spLocks noGrp="1"/>
+          </p:cNvSpPr>
+          <p:nvPr>
+            <p:ph type="sldNum" sz="quarter" idx="12"/>
+          </p:nvPr>
+        </p:nvSpPr>
+        <p:spPr/>
+        <p:txBody>
+          <a:bodyPr/>
+          <a:lstStyle/>
+          <a:p>
+            <a:fld id="{651C50BF-3A9D-4B62-9482-23DFD07EAA37}" type="slidenum">
+              <a:rPr lang="es-ES" smtClean="0"/>
+              <a:t>34</a:t>
+            </a:fld>
+            <a:endParaRPr lang="es-ES"/>
+          </a:p>
+        </p:txBody>
+      </p:sp>
+    </p:spTree>
+    <p:extLst>
+      <p:ext uri="{BB962C8B-B14F-4D97-AF65-F5344CB8AC3E}">
+        <p14:creationId xmlns:p14="http://schemas.microsoft.com/office/powerpoint/2010/main" val="4058929641"/>
+      </p:ext>
+    </p:extLst>
+  </p:cSld>
+  <p:clrMapOvr>
+    <a:masterClrMapping/>
+  </p:clrMapOvr>
+</p:sld>
+</file>
+
+<file path=ppt/slides/slide35.xml><?xml version="1.0" encoding="utf-8"?>
+<p:sld xmlns:a="http://schemas.openxmlformats.org/drawingml/2006/main" xmlns:r="http://schemas.openxmlformats.org/officeDocument/2006/relationships" xmlns:p="http://schemas.openxmlformats.org/presentationml/2006/main">
+  <p:cSld>
+    <p:spTree>
+      <p:nvGrpSpPr>
+        <p:cNvPr id="1" name=""/>
+        <p:cNvGrpSpPr/>
+        <p:nvPr/>
+      </p:nvGrpSpPr>
+      <p:grpSpPr>
+        <a:xfrm>
+          <a:off x="0" y="0"/>
+          <a:ext cx="0" cy="0"/>
+          <a:chOff x="0" y="0"/>
+          <a:chExt cx="0" cy="0"/>
+        </a:xfrm>
+      </p:grpSpPr>
+      <p:sp>
+        <p:nvSpPr>
+          <p:cNvPr id="4" name="Título 3">
+            <a:extLst>
+              <a:ext uri="{FF2B5EF4-FFF2-40B4-BE49-F238E27FC236}">
+                <a16:creationId xmlns:a16="http://schemas.microsoft.com/office/drawing/2014/main" id="{E6DF9A86-F709-7579-A18C-B73858B1BAAA}"/>
+              </a:ext>
+            </a:extLst>
+          </p:cNvPr>
+          <p:cNvSpPr>
+            <a:spLocks noGrp="1"/>
+          </p:cNvSpPr>
+          <p:nvPr>
+            <p:ph type="ctrTitle"/>
+          </p:nvPr>
+        </p:nvSpPr>
+        <p:spPr>
+          <a:xfrm>
+            <a:off x="1524000" y="2235200"/>
+            <a:ext cx="9144000" cy="2387600"/>
+          </a:xfrm>
+        </p:spPr>
+        <p:txBody>
+          <a:bodyPr>
+            <a:normAutofit/>
+          </a:bodyPr>
+          <a:lstStyle/>
+          <a:p>
+            <a:r>
+              <a:rPr lang="es-ES" b="1" dirty="0"/>
+              <a:t>Gestión de logs en entornos distribuidos</a:t>
+            </a:r>
+          </a:p>
+        </p:txBody>
+      </p:sp>
+    </p:spTree>
+    <p:extLst>
+      <p:ext uri="{BB962C8B-B14F-4D97-AF65-F5344CB8AC3E}">
+        <p14:creationId xmlns:p14="http://schemas.microsoft.com/office/powerpoint/2010/main" val="1277336786"/>
+      </p:ext>
+    </p:extLst>
+  </p:cSld>
+  <p:clrMapOvr>
+    <a:masterClrMapping/>
+  </p:clrMapOvr>
+</p:sld>
+</file>
+
+<file path=ppt/slides/slide36.xml><?xml version="1.0" encoding="utf-8"?>
+<p:sld xmlns:a="http://schemas.openxmlformats.org/drawingml/2006/main" xmlns:r="http://schemas.openxmlformats.org/officeDocument/2006/relationships" xmlns:p="http://schemas.openxmlformats.org/presentationml/2006/main">
+  <p:cSld>
+    <p:spTree>
+      <p:nvGrpSpPr>
+        <p:cNvPr id="1" name=""/>
+        <p:cNvGrpSpPr/>
+        <p:nvPr/>
+      </p:nvGrpSpPr>
+      <p:grpSpPr>
+        <a:xfrm>
+          <a:off x="0" y="0"/>
+          <a:ext cx="0" cy="0"/>
+          <a:chOff x="0" y="0"/>
+          <a:chExt cx="0" cy="0"/>
+        </a:xfrm>
+      </p:grpSpPr>
+      <p:sp>
+        <p:nvSpPr>
+          <p:cNvPr id="2" name="Título 1">
+            <a:extLst>
+              <a:ext uri="{FF2B5EF4-FFF2-40B4-BE49-F238E27FC236}">
+                <a16:creationId xmlns:a16="http://schemas.microsoft.com/office/drawing/2014/main" id="{E7F79E4B-25C9-7D43-C7F6-D102A2C6B52C}"/>
+              </a:ext>
+            </a:extLst>
+          </p:cNvPr>
+          <p:cNvSpPr>
+            <a:spLocks noGrp="1"/>
+          </p:cNvSpPr>
+          <p:nvPr>
+            <p:ph type="title"/>
+          </p:nvPr>
+        </p:nvSpPr>
+        <p:spPr/>
+        <p:txBody>
+          <a:bodyPr/>
+          <a:lstStyle/>
+          <a:p>
+            <a:r>
+              <a:rPr lang="es-ES" dirty="0"/>
+              <a:t>Herramientas</a:t>
+            </a:r>
+          </a:p>
+        </p:txBody>
+      </p:sp>
+      <p:sp>
+        <p:nvSpPr>
+          <p:cNvPr id="3" name="Marcador de contenido 2">
+            <a:extLst>
+              <a:ext uri="{FF2B5EF4-FFF2-40B4-BE49-F238E27FC236}">
+                <a16:creationId xmlns:a16="http://schemas.microsoft.com/office/drawing/2014/main" id="{0E1EEBED-E8D4-827F-44A8-51B311C43067}"/>
+              </a:ext>
+            </a:extLst>
+          </p:cNvPr>
+          <p:cNvSpPr>
+            <a:spLocks noGrp="1"/>
+          </p:cNvSpPr>
+          <p:nvPr>
+            <p:ph idx="1"/>
+          </p:nvPr>
+        </p:nvSpPr>
+        <p:spPr>
+          <a:xfrm>
+            <a:off x="838200" y="1825625"/>
+            <a:ext cx="10654364" cy="4667250"/>
+          </a:xfrm>
+        </p:spPr>
+        <p:txBody>
+          <a:bodyPr>
+            <a:normAutofit lnSpcReduction="10000"/>
+          </a:bodyPr>
+          <a:lstStyle/>
+          <a:p>
+            <a:r>
+              <a:rPr lang="es-ES" b="1" dirty="0" err="1"/>
+              <a:t>Fluentd</a:t>
+            </a:r>
+            <a:r>
+              <a:rPr lang="es-ES" dirty="0"/>
+              <a:t> es un colector de logs de código abierto que:</a:t>
+            </a:r>
+          </a:p>
+          <a:p>
+            <a:pPr lvl="1"/>
+            <a:r>
+              <a:rPr lang="es-ES" dirty="0"/>
+              <a:t>Recolecta logs desde múltiples fuentes (archivos, </a:t>
+            </a:r>
+            <a:r>
+              <a:rPr lang="es-ES" dirty="0" err="1"/>
+              <a:t>syslog</a:t>
+            </a:r>
+            <a:r>
+              <a:rPr lang="es-ES" dirty="0"/>
+              <a:t>, </a:t>
+            </a:r>
+            <a:r>
+              <a:rPr lang="es-ES" dirty="0" err="1"/>
+              <a:t>stdout</a:t>
+            </a:r>
+            <a:r>
+              <a:rPr lang="es-ES" dirty="0"/>
+              <a:t>, etc.)</a:t>
+            </a:r>
+          </a:p>
+          <a:p>
+            <a:pPr lvl="1"/>
+            <a:r>
+              <a:rPr lang="es-ES" dirty="0"/>
+              <a:t>Los transforma y filtra (formato, etiquetas, niveles)</a:t>
+            </a:r>
+          </a:p>
+          <a:p>
+            <a:pPr lvl="1"/>
+            <a:r>
+              <a:rPr lang="es-ES" dirty="0"/>
+              <a:t>Los reenvía a destinos como </a:t>
+            </a:r>
+            <a:r>
+              <a:rPr lang="es-ES" dirty="0" err="1"/>
+              <a:t>Elasticsearch</a:t>
+            </a:r>
+            <a:r>
+              <a:rPr lang="es-ES" dirty="0"/>
+              <a:t>, Kafka, S3, etc.</a:t>
+            </a:r>
+          </a:p>
+          <a:p>
+            <a:pPr lvl="1"/>
+            <a:r>
+              <a:rPr lang="es-ES" dirty="0"/>
+              <a:t>Es parte de la </a:t>
+            </a:r>
+            <a:r>
+              <a:rPr lang="es-ES" b="1" dirty="0"/>
+              <a:t>Cloud Native Computing </a:t>
+            </a:r>
+            <a:r>
+              <a:rPr lang="es-ES" b="1" dirty="0" err="1"/>
+              <a:t>Foundation</a:t>
+            </a:r>
+            <a:r>
+              <a:rPr lang="es-ES" b="1" dirty="0"/>
+              <a:t> (CNCF)</a:t>
+            </a:r>
+            <a:r>
+              <a:rPr lang="es-ES" dirty="0"/>
+              <a:t> y se usa en producción por empresas como Amazon, Microsoft y Google.</a:t>
+            </a:r>
+          </a:p>
+          <a:p>
+            <a:endParaRPr lang="es-ES" dirty="0"/>
+          </a:p>
+          <a:p>
+            <a:r>
+              <a:rPr lang="es-ES" b="1" dirty="0" err="1"/>
+              <a:t>Elasticsearch</a:t>
+            </a:r>
+            <a:endParaRPr lang="es-ES" b="1" dirty="0"/>
+          </a:p>
+          <a:p>
+            <a:pPr lvl="1"/>
+            <a:r>
+              <a:rPr lang="es-ES" dirty="0"/>
+              <a:t>Es un motor de búsqueda y análisis de texto distribuido que:</a:t>
+            </a:r>
+          </a:p>
+          <a:p>
+            <a:pPr lvl="2"/>
+            <a:r>
+              <a:rPr lang="es-ES" dirty="0"/>
+              <a:t>Indexa logs en tiempo real</a:t>
+            </a:r>
+          </a:p>
+          <a:p>
+            <a:pPr lvl="2"/>
+            <a:r>
+              <a:rPr lang="es-ES" dirty="0"/>
+              <a:t>Permite búsquedas complejas y agregaciones</a:t>
+            </a:r>
+          </a:p>
+          <a:p>
+            <a:pPr lvl="2"/>
+            <a:r>
+              <a:rPr lang="es-ES" dirty="0"/>
+              <a:t>Se integra con </a:t>
+            </a:r>
+            <a:r>
+              <a:rPr lang="es-ES" b="1" dirty="0" err="1"/>
+              <a:t>Kibana</a:t>
+            </a:r>
+            <a:r>
+              <a:rPr lang="es-ES" dirty="0"/>
+              <a:t> para visualización</a:t>
+            </a:r>
+          </a:p>
+          <a:p>
+            <a:endParaRPr lang="es-ES" dirty="0"/>
+          </a:p>
+          <a:p>
+            <a:endParaRPr lang="es-ES" dirty="0"/>
+          </a:p>
+        </p:txBody>
+      </p:sp>
+      <p:sp>
+        <p:nvSpPr>
+          <p:cNvPr id="4" name="Marcador de número de diapositiva 3">
+            <a:extLst>
+              <a:ext uri="{FF2B5EF4-FFF2-40B4-BE49-F238E27FC236}">
+                <a16:creationId xmlns:a16="http://schemas.microsoft.com/office/drawing/2014/main" id="{97CB27B5-58EB-82E8-0EA2-4EEA3E5D9678}"/>
+              </a:ext>
+            </a:extLst>
+          </p:cNvPr>
+          <p:cNvSpPr>
+            <a:spLocks noGrp="1"/>
+          </p:cNvSpPr>
+          <p:nvPr>
+            <p:ph type="sldNum" sz="quarter" idx="12"/>
+          </p:nvPr>
+        </p:nvSpPr>
+        <p:spPr/>
+        <p:txBody>
+          <a:bodyPr/>
+          <a:lstStyle/>
+          <a:p>
+            <a:fld id="{DBA0B7A9-3FAC-4523-93F5-549EB9982FEE}" type="slidenum">
+              <a:rPr lang="es-ES" smtClean="0"/>
+              <a:t>36</a:t>
+            </a:fld>
+            <a:endParaRPr lang="es-ES"/>
+          </a:p>
+        </p:txBody>
+      </p:sp>
+    </p:spTree>
+    <p:extLst>
+      <p:ext uri="{BB962C8B-B14F-4D97-AF65-F5344CB8AC3E}">
+        <p14:creationId xmlns:p14="http://schemas.microsoft.com/office/powerpoint/2010/main" val="1481937165"/>
+      </p:ext>
+    </p:extLst>
+  </p:cSld>
+  <p:clrMapOvr>
+    <a:masterClrMapping/>
+  </p:clrMapOvr>
+</p:sld>
+</file>
+
+<file path=ppt/slides/slide37.xml><?xml version="1.0" encoding="utf-8"?>
+<p:sld xmlns:a="http://schemas.openxmlformats.org/drawingml/2006/main" xmlns:r="http://schemas.openxmlformats.org/officeDocument/2006/relationships" xmlns:p="http://schemas.openxmlformats.org/presentationml/2006/main">
+  <p:cSld>
+    <p:spTree>
+      <p:nvGrpSpPr>
+        <p:cNvPr id="1" name=""/>
+        <p:cNvGrpSpPr/>
+        <p:nvPr/>
+      </p:nvGrpSpPr>
+      <p:grpSpPr>
+        <a:xfrm>
+          <a:off x="0" y="0"/>
+          <a:ext cx="0" cy="0"/>
+          <a:chOff x="0" y="0"/>
+          <a:chExt cx="0" cy="0"/>
+        </a:xfrm>
+      </p:grpSpPr>
+      <p:sp>
+        <p:nvSpPr>
+          <p:cNvPr id="2" name="Título 1">
+            <a:extLst>
+              <a:ext uri="{FF2B5EF4-FFF2-40B4-BE49-F238E27FC236}">
+                <a16:creationId xmlns:a16="http://schemas.microsoft.com/office/drawing/2014/main" id="{655C8CF6-0607-2270-5198-4D0DC4734D66}"/>
+              </a:ext>
+            </a:extLst>
+          </p:cNvPr>
+          <p:cNvSpPr>
+            <a:spLocks noGrp="1"/>
+          </p:cNvSpPr>
+          <p:nvPr>
+            <p:ph type="title"/>
+          </p:nvPr>
+        </p:nvSpPr>
+        <p:spPr/>
+        <p:txBody>
+          <a:bodyPr/>
+          <a:lstStyle/>
+          <a:p>
+            <a:r>
+              <a:rPr lang="es-ES" dirty="0"/>
+              <a:t>Integración </a:t>
+            </a:r>
+            <a:r>
+              <a:rPr lang="es-ES" dirty="0" err="1"/>
+              <a:t>Fluentd</a:t>
+            </a:r>
+            <a:r>
+              <a:rPr lang="es-ES" dirty="0"/>
+              <a:t> y </a:t>
+            </a:r>
+            <a:r>
+              <a:rPr lang="es-ES" dirty="0" err="1"/>
+              <a:t>Elasticsearch</a:t>
+            </a:r>
+            <a:endParaRPr lang="es-ES" dirty="0"/>
+          </a:p>
+        </p:txBody>
+      </p:sp>
+      <p:sp>
+        <p:nvSpPr>
+          <p:cNvPr id="3" name="Marcador de contenido 2">
+            <a:extLst>
+              <a:ext uri="{FF2B5EF4-FFF2-40B4-BE49-F238E27FC236}">
+                <a16:creationId xmlns:a16="http://schemas.microsoft.com/office/drawing/2014/main" id="{A3CCFAB9-E187-2871-F136-ACAD37B40578}"/>
+              </a:ext>
+            </a:extLst>
+          </p:cNvPr>
+          <p:cNvSpPr>
+            <a:spLocks noGrp="1"/>
+          </p:cNvSpPr>
+          <p:nvPr>
+            <p:ph idx="1"/>
+          </p:nvPr>
+        </p:nvSpPr>
+        <p:spPr/>
+        <p:txBody>
+          <a:bodyPr/>
+          <a:lstStyle/>
+          <a:p>
+            <a:r>
+              <a:rPr lang="es-ES" dirty="0" err="1"/>
+              <a:t>Fluentd</a:t>
+            </a:r>
+            <a:r>
+              <a:rPr lang="es-ES" dirty="0"/>
+              <a:t> recolecta los logs del servicio C++ (por ejemplo, desde archivos generados por </a:t>
+            </a:r>
+            <a:r>
+              <a:rPr lang="es-ES" dirty="0" err="1"/>
+              <a:t>spdlog</a:t>
+            </a:r>
+            <a:r>
+              <a:rPr lang="es-ES" dirty="0"/>
+              <a:t>, </a:t>
+            </a:r>
+            <a:r>
+              <a:rPr lang="es-ES" dirty="0" err="1"/>
+              <a:t>Boost.Log</a:t>
+            </a:r>
+            <a:r>
+              <a:rPr lang="es-ES" dirty="0"/>
+              <a:t>, etc.)</a:t>
+            </a:r>
+          </a:p>
+          <a:p>
+            <a:endParaRPr lang="es-ES" dirty="0"/>
+          </a:p>
+          <a:p>
+            <a:r>
+              <a:rPr lang="es-ES" dirty="0"/>
+              <a:t>Los transforma (añade etiquetas, convierte a JSON, etc.)</a:t>
+            </a:r>
+          </a:p>
+          <a:p>
+            <a:endParaRPr lang="es-ES" dirty="0"/>
+          </a:p>
+          <a:p>
+            <a:r>
+              <a:rPr lang="es-ES" dirty="0"/>
+              <a:t>Los envía a </a:t>
+            </a:r>
+            <a:r>
+              <a:rPr lang="es-ES" dirty="0" err="1"/>
+              <a:t>Elasticsearch</a:t>
+            </a:r>
+            <a:r>
+              <a:rPr lang="es-ES" dirty="0"/>
+              <a:t>, donde se almacenan e indexan</a:t>
+            </a:r>
+          </a:p>
+          <a:p>
+            <a:endParaRPr lang="es-ES" dirty="0"/>
+          </a:p>
+          <a:p>
+            <a:r>
+              <a:rPr lang="es-ES" dirty="0" err="1"/>
+              <a:t>Kibana</a:t>
+            </a:r>
+            <a:r>
+              <a:rPr lang="es-ES" dirty="0"/>
+              <a:t> (opcional) los visualiza en </a:t>
+            </a:r>
+            <a:r>
+              <a:rPr lang="es-ES" dirty="0" err="1"/>
+              <a:t>dashboards</a:t>
+            </a:r>
+            <a:r>
+              <a:rPr lang="es-ES" dirty="0"/>
+              <a:t> interactivos</a:t>
+            </a:r>
+          </a:p>
+        </p:txBody>
+      </p:sp>
+      <p:sp>
+        <p:nvSpPr>
+          <p:cNvPr id="4" name="Marcador de número de diapositiva 3">
+            <a:extLst>
+              <a:ext uri="{FF2B5EF4-FFF2-40B4-BE49-F238E27FC236}">
+                <a16:creationId xmlns:a16="http://schemas.microsoft.com/office/drawing/2014/main" id="{A8164187-0245-FE0D-7AE3-5D46E3BDE7C3}"/>
+              </a:ext>
+            </a:extLst>
+          </p:cNvPr>
+          <p:cNvSpPr>
+            <a:spLocks noGrp="1"/>
+          </p:cNvSpPr>
+          <p:nvPr>
+            <p:ph type="sldNum" sz="quarter" idx="12"/>
+          </p:nvPr>
+        </p:nvSpPr>
+        <p:spPr/>
+        <p:txBody>
+          <a:bodyPr/>
+          <a:lstStyle/>
+          <a:p>
+            <a:fld id="{DBA0B7A9-3FAC-4523-93F5-549EB9982FEE}" type="slidenum">
+              <a:rPr lang="es-ES" smtClean="0"/>
+              <a:t>37</a:t>
+            </a:fld>
+            <a:endParaRPr lang="es-ES"/>
+          </a:p>
+        </p:txBody>
+      </p:sp>
+    </p:spTree>
+    <p:extLst>
+      <p:ext uri="{BB962C8B-B14F-4D97-AF65-F5344CB8AC3E}">
+        <p14:creationId xmlns:p14="http://schemas.microsoft.com/office/powerpoint/2010/main" val="694703184"/>
+      </p:ext>
+    </p:extLst>
+  </p:cSld>
+  <p:clrMapOvr>
+    <a:masterClrMapping/>
+  </p:clrMapOvr>
+</p:sld>
+</file>
+
+<file path=ppt/slides/slide38.xml><?xml version="1.0" encoding="utf-8"?>
+<p:sld xmlns:a="http://schemas.openxmlformats.org/drawingml/2006/main" xmlns:r="http://schemas.openxmlformats.org/officeDocument/2006/relationships" xmlns:p="http://schemas.openxmlformats.org/presentationml/2006/main">
+  <p:cSld>
+    <p:spTree>
+      <p:nvGrpSpPr>
+        <p:cNvPr id="1" name=""/>
+        <p:cNvGrpSpPr/>
+        <p:nvPr/>
+      </p:nvGrpSpPr>
+      <p:grpSpPr>
+        <a:xfrm>
+          <a:off x="0" y="0"/>
+          <a:ext cx="0" cy="0"/>
+          <a:chOff x="0" y="0"/>
+          <a:chExt cx="0" cy="0"/>
+        </a:xfrm>
+      </p:grpSpPr>
+      <p:sp>
+        <p:nvSpPr>
+          <p:cNvPr id="2" name="Título 1">
+            <a:extLst>
+              <a:ext uri="{FF2B5EF4-FFF2-40B4-BE49-F238E27FC236}">
+                <a16:creationId xmlns:a16="http://schemas.microsoft.com/office/drawing/2014/main" id="{F445FB2C-AD04-14DF-FC7D-9A9BCB11613F}"/>
+              </a:ext>
+            </a:extLst>
+          </p:cNvPr>
+          <p:cNvSpPr>
+            <a:spLocks noGrp="1"/>
+          </p:cNvSpPr>
+          <p:nvPr>
+            <p:ph type="title"/>
+          </p:nvPr>
+        </p:nvSpPr>
+        <p:spPr/>
+        <p:txBody>
+          <a:bodyPr/>
+          <a:lstStyle/>
+          <a:p>
+            <a:r>
+              <a:rPr lang="es-ES" dirty="0"/>
+              <a:t>Instalación en Docker</a:t>
+            </a:r>
+          </a:p>
+        </p:txBody>
+      </p:sp>
+      <p:sp>
+        <p:nvSpPr>
+          <p:cNvPr id="3" name="Marcador de contenido 2">
+            <a:extLst>
+              <a:ext uri="{FF2B5EF4-FFF2-40B4-BE49-F238E27FC236}">
+                <a16:creationId xmlns:a16="http://schemas.microsoft.com/office/drawing/2014/main" id="{AC06CB6A-3ADE-ACA9-332A-44B67F3CDCEA}"/>
+              </a:ext>
+            </a:extLst>
+          </p:cNvPr>
+          <p:cNvSpPr>
+            <a:spLocks noGrp="1"/>
+          </p:cNvSpPr>
+          <p:nvPr>
+            <p:ph idx="1"/>
+          </p:nvPr>
+        </p:nvSpPr>
+        <p:spPr/>
+        <p:txBody>
+          <a:bodyPr>
+            <a:normAutofit/>
+          </a:bodyPr>
+          <a:lstStyle/>
+          <a:p>
+            <a:r>
+              <a:rPr lang="en-US" b="1" dirty="0" err="1"/>
+              <a:t>Fluentd</a:t>
+            </a:r>
+            <a:endParaRPr lang="en-US" b="1" dirty="0"/>
+          </a:p>
+          <a:p>
+            <a:pPr marL="457200" lvl="1" indent="0">
+              <a:buNone/>
+            </a:pPr>
+            <a:r>
+              <a:rPr lang="en-US" dirty="0"/>
+              <a:t>docker run -d -p 24224:24224 -p 24224:24224/</a:t>
+            </a:r>
+            <a:r>
+              <a:rPr lang="en-US" dirty="0" err="1"/>
+              <a:t>udp</a:t>
+            </a:r>
+            <a:r>
+              <a:rPr lang="en-US" dirty="0"/>
+              <a:t> \</a:t>
+            </a:r>
+          </a:p>
+          <a:p>
+            <a:pPr marL="457200" lvl="1" indent="0">
+              <a:buNone/>
+            </a:pPr>
+            <a:r>
+              <a:rPr lang="en-US" dirty="0"/>
+              <a:t>  -v /path/to/</a:t>
+            </a:r>
+            <a:r>
+              <a:rPr lang="en-US" dirty="0" err="1"/>
+              <a:t>fluent.conf</a:t>
+            </a:r>
+            <a:r>
+              <a:rPr lang="en-US" dirty="0"/>
+              <a:t>:/</a:t>
+            </a:r>
+            <a:r>
+              <a:rPr lang="en-US" dirty="0" err="1"/>
+              <a:t>fluentd</a:t>
+            </a:r>
+            <a:r>
+              <a:rPr lang="en-US" dirty="0"/>
+              <a:t>/</a:t>
+            </a:r>
+            <a:r>
+              <a:rPr lang="en-US" dirty="0" err="1"/>
+              <a:t>etc</a:t>
+            </a:r>
+            <a:r>
+              <a:rPr lang="en-US" dirty="0"/>
+              <a:t>/</a:t>
+            </a:r>
+            <a:r>
+              <a:rPr lang="en-US" dirty="0" err="1"/>
+              <a:t>fluent.conf</a:t>
+            </a:r>
+            <a:r>
+              <a:rPr lang="en-US" dirty="0"/>
+              <a:t> \</a:t>
+            </a:r>
+          </a:p>
+          <a:p>
+            <a:pPr marL="457200" lvl="1" indent="0">
+              <a:buNone/>
+            </a:pPr>
+            <a:r>
+              <a:rPr lang="en-US" dirty="0"/>
+              <a:t>  fluent/</a:t>
+            </a:r>
+            <a:r>
+              <a:rPr lang="en-US" dirty="0" err="1"/>
+              <a:t>fluentd</a:t>
+            </a:r>
+            <a:endParaRPr lang="en-US" dirty="0"/>
+          </a:p>
+          <a:p>
+            <a:endParaRPr lang="en-US" dirty="0"/>
+          </a:p>
+          <a:p>
+            <a:r>
+              <a:rPr lang="en-US" b="1" dirty="0"/>
+              <a:t>Elasticsearch</a:t>
+            </a:r>
+          </a:p>
+          <a:p>
+            <a:pPr marL="457200" lvl="1" indent="0">
+              <a:buNone/>
+            </a:pPr>
+            <a:r>
+              <a:rPr lang="en-US" dirty="0"/>
+              <a:t>docker run -d -p 9200:9200 -p 9300:9300 \</a:t>
+            </a:r>
+          </a:p>
+          <a:p>
+            <a:pPr marL="457200" lvl="1" indent="0">
+              <a:buNone/>
+            </a:pPr>
+            <a:r>
+              <a:rPr lang="en-US" dirty="0"/>
+              <a:t>  -e "</a:t>
+            </a:r>
+            <a:r>
+              <a:rPr lang="en-US" dirty="0" err="1"/>
+              <a:t>discovery.type</a:t>
+            </a:r>
+            <a:r>
+              <a:rPr lang="en-US" dirty="0"/>
+              <a:t>=single-node" \</a:t>
+            </a:r>
+          </a:p>
+          <a:p>
+            <a:pPr marL="457200" lvl="1" indent="0">
+              <a:buNone/>
+            </a:pPr>
+            <a:r>
+              <a:rPr lang="en-US" dirty="0"/>
+              <a:t>  elasticsearch:8.12.0</a:t>
+            </a:r>
+          </a:p>
+          <a:p>
+            <a:endParaRPr lang="en-US" dirty="0"/>
+          </a:p>
+          <a:p>
+            <a:endParaRPr lang="en-US" dirty="0"/>
+          </a:p>
+          <a:p>
+            <a:endParaRPr lang="en-US" dirty="0"/>
+          </a:p>
+          <a:p>
+            <a:endParaRPr lang="es-ES" dirty="0"/>
+          </a:p>
+        </p:txBody>
+      </p:sp>
+      <p:sp>
+        <p:nvSpPr>
+          <p:cNvPr id="4" name="Marcador de número de diapositiva 3">
+            <a:extLst>
+              <a:ext uri="{FF2B5EF4-FFF2-40B4-BE49-F238E27FC236}">
+                <a16:creationId xmlns:a16="http://schemas.microsoft.com/office/drawing/2014/main" id="{9C85A0BE-EBCD-9C34-7BE5-63A6993AE0AE}"/>
+              </a:ext>
+            </a:extLst>
+          </p:cNvPr>
+          <p:cNvSpPr>
+            <a:spLocks noGrp="1"/>
+          </p:cNvSpPr>
+          <p:nvPr>
+            <p:ph type="sldNum" sz="quarter" idx="12"/>
+          </p:nvPr>
+        </p:nvSpPr>
+        <p:spPr/>
+        <p:txBody>
+          <a:bodyPr/>
+          <a:lstStyle/>
+          <a:p>
+            <a:fld id="{DBA0B7A9-3FAC-4523-93F5-549EB9982FEE}" type="slidenum">
+              <a:rPr lang="es-ES" smtClean="0"/>
+              <a:t>38</a:t>
+            </a:fld>
+            <a:endParaRPr lang="es-ES"/>
+          </a:p>
+        </p:txBody>
+      </p:sp>
+    </p:spTree>
+    <p:extLst>
+      <p:ext uri="{BB962C8B-B14F-4D97-AF65-F5344CB8AC3E}">
+        <p14:creationId xmlns:p14="http://schemas.microsoft.com/office/powerpoint/2010/main" val="2837238231"/>
+      </p:ext>
+    </p:extLst>
+  </p:cSld>
+  <p:clrMapOvr>
+    <a:masterClrMapping/>
+  </p:clrMapOvr>
+</p:sld>
+</file>
+
+<file path=ppt/slides/slide39.xml><?xml version="1.0" encoding="utf-8"?>
+<p:sld xmlns:a="http://schemas.openxmlformats.org/drawingml/2006/main" xmlns:r="http://schemas.openxmlformats.org/officeDocument/2006/relationships" xmlns:p="http://schemas.openxmlformats.org/presentationml/2006/main">
+  <p:cSld>
+    <p:spTree>
+      <p:nvGrpSpPr>
+        <p:cNvPr id="1" name=""/>
+        <p:cNvGrpSpPr/>
+        <p:nvPr/>
+      </p:nvGrpSpPr>
+      <p:grpSpPr>
+        <a:xfrm>
+          <a:off x="0" y="0"/>
+          <a:ext cx="0" cy="0"/>
+          <a:chOff x="0" y="0"/>
+          <a:chExt cx="0" cy="0"/>
+        </a:xfrm>
+      </p:grpSpPr>
+      <p:sp>
+        <p:nvSpPr>
+          <p:cNvPr id="2" name="Título 1">
+            <a:extLst>
+              <a:ext uri="{FF2B5EF4-FFF2-40B4-BE49-F238E27FC236}">
+                <a16:creationId xmlns:a16="http://schemas.microsoft.com/office/drawing/2014/main" id="{4906AF98-3A66-29CE-483D-4CBE8EE5E433}"/>
+              </a:ext>
+            </a:extLst>
+          </p:cNvPr>
+          <p:cNvSpPr>
+            <a:spLocks noGrp="1"/>
+          </p:cNvSpPr>
+          <p:nvPr>
+            <p:ph type="title"/>
+          </p:nvPr>
+        </p:nvSpPr>
+        <p:spPr/>
+        <p:txBody>
+          <a:bodyPr/>
+          <a:lstStyle/>
+          <a:p>
+            <a:r>
+              <a:rPr lang="es-ES" dirty="0"/>
+              <a:t>Se puede auditar</a:t>
+            </a:r>
+          </a:p>
+        </p:txBody>
+      </p:sp>
+      <p:sp>
+        <p:nvSpPr>
+          <p:cNvPr id="3" name="Marcador de contenido 2">
+            <a:extLst>
+              <a:ext uri="{FF2B5EF4-FFF2-40B4-BE49-F238E27FC236}">
+                <a16:creationId xmlns:a16="http://schemas.microsoft.com/office/drawing/2014/main" id="{44C5EF22-D957-CCFA-8A91-B434AF991E3B}"/>
+              </a:ext>
+            </a:extLst>
+          </p:cNvPr>
+          <p:cNvSpPr>
+            <a:spLocks noGrp="1"/>
+          </p:cNvSpPr>
+          <p:nvPr>
+            <p:ph idx="1"/>
+          </p:nvPr>
+        </p:nvSpPr>
+        <p:spPr/>
+        <p:txBody>
+          <a:bodyPr/>
+          <a:lstStyle/>
+          <a:p>
+            <a:r>
+              <a:rPr lang="es-ES" dirty="0"/>
+              <a:t>Accesos a </a:t>
+            </a:r>
+            <a:r>
+              <a:rPr lang="es-ES" dirty="0" err="1"/>
+              <a:t>endpoints</a:t>
+            </a:r>
+            <a:endParaRPr lang="es-ES" dirty="0"/>
+          </a:p>
+          <a:p>
+            <a:r>
+              <a:rPr lang="es-ES" dirty="0"/>
+              <a:t>Errores HTTP</a:t>
+            </a:r>
+          </a:p>
+          <a:p>
+            <a:r>
+              <a:rPr lang="es-ES" dirty="0" err="1"/>
+              <a:t>IPs</a:t>
+            </a:r>
+            <a:r>
+              <a:rPr lang="es-ES" dirty="0"/>
+              <a:t> de origen</a:t>
+            </a:r>
+          </a:p>
+          <a:p>
+            <a:r>
+              <a:rPr lang="es-ES" dirty="0"/>
+              <a:t>Usuarios autenticados</a:t>
+            </a:r>
+          </a:p>
+          <a:p>
+            <a:r>
+              <a:rPr lang="es-ES" dirty="0"/>
+              <a:t>Cambios en datos sensibles</a:t>
+            </a:r>
+          </a:p>
+        </p:txBody>
+      </p:sp>
+      <p:sp>
+        <p:nvSpPr>
+          <p:cNvPr id="4" name="Marcador de número de diapositiva 3">
+            <a:extLst>
+              <a:ext uri="{FF2B5EF4-FFF2-40B4-BE49-F238E27FC236}">
+                <a16:creationId xmlns:a16="http://schemas.microsoft.com/office/drawing/2014/main" id="{9699DE7F-428A-A0DD-EA31-CB50D668E977}"/>
+              </a:ext>
+            </a:extLst>
+          </p:cNvPr>
+          <p:cNvSpPr>
+            <a:spLocks noGrp="1"/>
+          </p:cNvSpPr>
+          <p:nvPr>
+            <p:ph type="sldNum" sz="quarter" idx="12"/>
+          </p:nvPr>
+        </p:nvSpPr>
+        <p:spPr/>
+        <p:txBody>
+          <a:bodyPr/>
+          <a:lstStyle/>
+          <a:p>
+            <a:fld id="{DBA0B7A9-3FAC-4523-93F5-549EB9982FEE}" type="slidenum">
+              <a:rPr lang="es-ES" smtClean="0"/>
+              <a:t>39</a:t>
+            </a:fld>
+            <a:endParaRPr lang="es-ES"/>
+          </a:p>
+        </p:txBody>
+      </p:sp>
+    </p:spTree>
+    <p:extLst>
+      <p:ext uri="{BB962C8B-B14F-4D97-AF65-F5344CB8AC3E}">
+        <p14:creationId xmlns:p14="http://schemas.microsoft.com/office/powerpoint/2010/main" val="2292512970"/>
       </p:ext>
     </p:extLst>
   </p:cSld>
@@ -6932,7 +9900,7 @@
             </a:r>
             <a:r>
               <a:rPr lang="es-ES" b="1" dirty="0"/>
-              <a:t>recolecta, almacena y consulta métricas en formato de series temporales</a:t>
+              <a:t>recolecta, almacena y consulta de métricas en formato de series temporales</a:t>
             </a:r>
             <a:r>
               <a:rPr lang="es-ES" dirty="0"/>
@@ -7052,12 +10020,12 @@
           <a:lstStyle/>
           <a:p>
             <a:r>
-              <a:rPr lang="es-ES" dirty="0" err="1"/>
+              <a:rPr lang="es-ES" b="1" dirty="0" err="1"/>
               <a:t>Prometheus</a:t>
             </a:r>
             <a:r>
               <a:rPr lang="es-ES" dirty="0"/>
-              <a:t> te permite:</a:t>
+              <a:t> permite:</a:t>
             </a:r>
           </a:p>
           <a:p>
